--- a/water_filtration.pptx
+++ b/water_filtration.pptx
@@ -4,17 +4,22 @@
   <p:sldMasterIdLst>
     <p:sldMasterId id="2147483648" r:id="rId1"/>
   </p:sldMasterIdLst>
+  <p:notesMasterIdLst>
+    <p:notesMasterId r:id="rId14"/>
+  </p:notesMasterIdLst>
   <p:sldIdLst>
     <p:sldId id="256" r:id="rId2"/>
-    <p:sldId id="261" r:id="rId3"/>
-    <p:sldId id="260" r:id="rId4"/>
-    <p:sldId id="265" r:id="rId5"/>
-    <p:sldId id="262" r:id="rId6"/>
-    <p:sldId id="263" r:id="rId7"/>
-    <p:sldId id="257" r:id="rId8"/>
-    <p:sldId id="258" r:id="rId9"/>
-    <p:sldId id="259" r:id="rId10"/>
-    <p:sldId id="264" r:id="rId11"/>
+    <p:sldId id="276" r:id="rId3"/>
+    <p:sldId id="277" r:id="rId4"/>
+    <p:sldId id="261" r:id="rId5"/>
+    <p:sldId id="260" r:id="rId6"/>
+    <p:sldId id="265" r:id="rId7"/>
+    <p:sldId id="262" r:id="rId8"/>
+    <p:sldId id="263" r:id="rId9"/>
+    <p:sldId id="257" r:id="rId10"/>
+    <p:sldId id="258" r:id="rId11"/>
+    <p:sldId id="259" r:id="rId12"/>
+    <p:sldId id="264" r:id="rId13"/>
   </p:sldIdLst>
   <p:sldSz cx="12192000" cy="6858000"/>
   <p:notesSz cx="6858000" cy="9144000"/>
@@ -121,6 +126,571 @@
 </p:presentation>
 </file>
 
+<file path=ppt/notesMasters/notesMaster1.xml><?xml version="1.0" encoding="utf-8"?>
+<p:notesMaster xmlns:a="http://schemas.openxmlformats.org/drawingml/2006/main" xmlns:r="http://schemas.openxmlformats.org/officeDocument/2006/relationships" xmlns:p="http://schemas.openxmlformats.org/presentationml/2006/main">
+  <p:cSld>
+    <p:bg>
+      <p:bgRef idx="1001">
+        <a:schemeClr val="bg1"/>
+      </p:bgRef>
+    </p:bg>
+    <p:spTree>
+      <p:nvGrpSpPr>
+        <p:cNvPr id="1" name=""/>
+        <p:cNvGrpSpPr/>
+        <p:nvPr/>
+      </p:nvGrpSpPr>
+      <p:grpSpPr>
+        <a:xfrm>
+          <a:off x="0" y="0"/>
+          <a:ext cx="0" cy="0"/>
+          <a:chOff x="0" y="0"/>
+          <a:chExt cx="0" cy="0"/>
+        </a:xfrm>
+      </p:grpSpPr>
+      <p:sp>
+        <p:nvSpPr>
+          <p:cNvPr id="2" name="Header Placeholder 1"/>
+          <p:cNvSpPr>
+            <a:spLocks noGrp="1"/>
+          </p:cNvSpPr>
+          <p:nvPr>
+            <p:ph type="hdr" sz="quarter"/>
+          </p:nvPr>
+        </p:nvSpPr>
+        <p:spPr>
+          <a:xfrm>
+            <a:off x="0" y="0"/>
+            <a:ext cx="2971800" cy="458788"/>
+          </a:xfrm>
+          <a:prstGeom prst="rect">
+            <a:avLst/>
+          </a:prstGeom>
+        </p:spPr>
+        <p:txBody>
+          <a:bodyPr vert="horz" lIns="91440" tIns="45720" rIns="91440" bIns="45720" rtlCol="0"/>
+          <a:lstStyle>
+            <a:lvl1pPr algn="l">
+              <a:defRPr sz="1200"/>
+            </a:lvl1pPr>
+          </a:lstStyle>
+          <a:p>
+            <a:endParaRPr lang="en-US"/>
+          </a:p>
+        </p:txBody>
+      </p:sp>
+      <p:sp>
+        <p:nvSpPr>
+          <p:cNvPr id="3" name="Date Placeholder 2"/>
+          <p:cNvSpPr>
+            <a:spLocks noGrp="1"/>
+          </p:cNvSpPr>
+          <p:nvPr>
+            <p:ph type="dt" idx="1"/>
+          </p:nvPr>
+        </p:nvSpPr>
+        <p:spPr>
+          <a:xfrm>
+            <a:off x="3884613" y="0"/>
+            <a:ext cx="2971800" cy="458788"/>
+          </a:xfrm>
+          <a:prstGeom prst="rect">
+            <a:avLst/>
+          </a:prstGeom>
+        </p:spPr>
+        <p:txBody>
+          <a:bodyPr vert="horz" lIns="91440" tIns="45720" rIns="91440" bIns="45720" rtlCol="0"/>
+          <a:lstStyle>
+            <a:lvl1pPr algn="r">
+              <a:defRPr sz="1200"/>
+            </a:lvl1pPr>
+          </a:lstStyle>
+          <a:p>
+            <a:fld id="{5C0CFE36-998D-3C48-A207-5EF3401AA5FF}" type="datetimeFigureOut">
+              <a:rPr lang="en-US" smtClean="0"/>
+              <a:t>3/23/25</a:t>
+            </a:fld>
+            <a:endParaRPr lang="en-US"/>
+          </a:p>
+        </p:txBody>
+      </p:sp>
+      <p:sp>
+        <p:nvSpPr>
+          <p:cNvPr id="4" name="Slide Image Placeholder 3"/>
+          <p:cNvSpPr>
+            <a:spLocks noGrp="1" noRot="1" noChangeAspect="1"/>
+          </p:cNvSpPr>
+          <p:nvPr>
+            <p:ph type="sldImg" idx="2"/>
+          </p:nvPr>
+        </p:nvSpPr>
+        <p:spPr>
+          <a:xfrm>
+            <a:off x="685800" y="1143000"/>
+            <a:ext cx="5486400" cy="3086100"/>
+          </a:xfrm>
+          <a:prstGeom prst="rect">
+            <a:avLst/>
+          </a:prstGeom>
+          <a:noFill/>
+          <a:ln w="12700">
+            <a:solidFill>
+              <a:prstClr val="black"/>
+            </a:solidFill>
+          </a:ln>
+        </p:spPr>
+        <p:txBody>
+          <a:bodyPr vert="horz" lIns="91440" tIns="45720" rIns="91440" bIns="45720" rtlCol="0" anchor="ctr"/>
+          <a:lstStyle/>
+          <a:p>
+            <a:endParaRPr lang="en-US"/>
+          </a:p>
+        </p:txBody>
+      </p:sp>
+      <p:sp>
+        <p:nvSpPr>
+          <p:cNvPr id="5" name="Notes Placeholder 4"/>
+          <p:cNvSpPr>
+            <a:spLocks noGrp="1"/>
+          </p:cNvSpPr>
+          <p:nvPr>
+            <p:ph type="body" sz="quarter" idx="3"/>
+          </p:nvPr>
+        </p:nvSpPr>
+        <p:spPr>
+          <a:xfrm>
+            <a:off x="685800" y="4400550"/>
+            <a:ext cx="5486400" cy="3600450"/>
+          </a:xfrm>
+          <a:prstGeom prst="rect">
+            <a:avLst/>
+          </a:prstGeom>
+        </p:spPr>
+        <p:txBody>
+          <a:bodyPr vert="horz" lIns="91440" tIns="45720" rIns="91440" bIns="45720" rtlCol="0"/>
+          <a:lstStyle/>
+          <a:p>
+            <a:pPr lvl="0"/>
+            <a:r>
+              <a:rPr lang="en-US"/>
+              <a:t>Click to edit Master text styles</a:t>
+            </a:r>
+          </a:p>
+          <a:p>
+            <a:pPr lvl="1"/>
+            <a:r>
+              <a:rPr lang="en-US"/>
+              <a:t>Second level</a:t>
+            </a:r>
+          </a:p>
+          <a:p>
+            <a:pPr lvl="2"/>
+            <a:r>
+              <a:rPr lang="en-US"/>
+              <a:t>Third level</a:t>
+            </a:r>
+          </a:p>
+          <a:p>
+            <a:pPr lvl="3"/>
+            <a:r>
+              <a:rPr lang="en-US"/>
+              <a:t>Fourth level</a:t>
+            </a:r>
+          </a:p>
+          <a:p>
+            <a:pPr lvl="4"/>
+            <a:r>
+              <a:rPr lang="en-US"/>
+              <a:t>Fifth level</a:t>
+            </a:r>
+          </a:p>
+        </p:txBody>
+      </p:sp>
+      <p:sp>
+        <p:nvSpPr>
+          <p:cNvPr id="6" name="Footer Placeholder 5"/>
+          <p:cNvSpPr>
+            <a:spLocks noGrp="1"/>
+          </p:cNvSpPr>
+          <p:nvPr>
+            <p:ph type="ftr" sz="quarter" idx="4"/>
+          </p:nvPr>
+        </p:nvSpPr>
+        <p:spPr>
+          <a:xfrm>
+            <a:off x="0" y="8685213"/>
+            <a:ext cx="2971800" cy="458787"/>
+          </a:xfrm>
+          <a:prstGeom prst="rect">
+            <a:avLst/>
+          </a:prstGeom>
+        </p:spPr>
+        <p:txBody>
+          <a:bodyPr vert="horz" lIns="91440" tIns="45720" rIns="91440" bIns="45720" rtlCol="0" anchor="b"/>
+          <a:lstStyle>
+            <a:lvl1pPr algn="l">
+              <a:defRPr sz="1200"/>
+            </a:lvl1pPr>
+          </a:lstStyle>
+          <a:p>
+            <a:endParaRPr lang="en-US"/>
+          </a:p>
+        </p:txBody>
+      </p:sp>
+      <p:sp>
+        <p:nvSpPr>
+          <p:cNvPr id="7" name="Slide Number Placeholder 6"/>
+          <p:cNvSpPr>
+            <a:spLocks noGrp="1"/>
+          </p:cNvSpPr>
+          <p:nvPr>
+            <p:ph type="sldNum" sz="quarter" idx="5"/>
+          </p:nvPr>
+        </p:nvSpPr>
+        <p:spPr>
+          <a:xfrm>
+            <a:off x="3884613" y="8685213"/>
+            <a:ext cx="2971800" cy="458787"/>
+          </a:xfrm>
+          <a:prstGeom prst="rect">
+            <a:avLst/>
+          </a:prstGeom>
+        </p:spPr>
+        <p:txBody>
+          <a:bodyPr vert="horz" lIns="91440" tIns="45720" rIns="91440" bIns="45720" rtlCol="0" anchor="b"/>
+          <a:lstStyle>
+            <a:lvl1pPr algn="r">
+              <a:defRPr sz="1200"/>
+            </a:lvl1pPr>
+          </a:lstStyle>
+          <a:p>
+            <a:fld id="{8A048949-7B7F-4541-B5BC-DF9E473031CA}" type="slidenum">
+              <a:rPr lang="en-US" smtClean="0"/>
+              <a:t>‹#›</a:t>
+            </a:fld>
+            <a:endParaRPr lang="en-US"/>
+          </a:p>
+        </p:txBody>
+      </p:sp>
+    </p:spTree>
+    <p:extLst>
+      <p:ext uri="{BB962C8B-B14F-4D97-AF65-F5344CB8AC3E}">
+        <p14:creationId xmlns:p14="http://schemas.microsoft.com/office/powerpoint/2010/main" val="1113095396"/>
+      </p:ext>
+    </p:extLst>
+  </p:cSld>
+  <p:clrMap bg1="lt1" tx1="dk1" bg2="lt2" tx2="dk2" accent1="accent1" accent2="accent2" accent3="accent3" accent4="accent4" accent5="accent5" accent6="accent6" hlink="hlink" folHlink="folHlink"/>
+  <p:notesStyle>
+    <a:lvl1pPr marL="0" algn="l" defTabSz="914400" rtl="0" eaLnBrk="1" latinLnBrk="0" hangingPunct="1">
+      <a:defRPr sz="1200" kern="1200">
+        <a:solidFill>
+          <a:schemeClr val="tx1"/>
+        </a:solidFill>
+        <a:latin typeface="+mn-lt"/>
+        <a:ea typeface="+mn-ea"/>
+        <a:cs typeface="+mn-cs"/>
+      </a:defRPr>
+    </a:lvl1pPr>
+    <a:lvl2pPr marL="457200" algn="l" defTabSz="914400" rtl="0" eaLnBrk="1" latinLnBrk="0" hangingPunct="1">
+      <a:defRPr sz="1200" kern="1200">
+        <a:solidFill>
+          <a:schemeClr val="tx1"/>
+        </a:solidFill>
+        <a:latin typeface="+mn-lt"/>
+        <a:ea typeface="+mn-ea"/>
+        <a:cs typeface="+mn-cs"/>
+      </a:defRPr>
+    </a:lvl2pPr>
+    <a:lvl3pPr marL="914400" algn="l" defTabSz="914400" rtl="0" eaLnBrk="1" latinLnBrk="0" hangingPunct="1">
+      <a:defRPr sz="1200" kern="1200">
+        <a:solidFill>
+          <a:schemeClr val="tx1"/>
+        </a:solidFill>
+        <a:latin typeface="+mn-lt"/>
+        <a:ea typeface="+mn-ea"/>
+        <a:cs typeface="+mn-cs"/>
+      </a:defRPr>
+    </a:lvl3pPr>
+    <a:lvl4pPr marL="1371600" algn="l" defTabSz="914400" rtl="0" eaLnBrk="1" latinLnBrk="0" hangingPunct="1">
+      <a:defRPr sz="1200" kern="1200">
+        <a:solidFill>
+          <a:schemeClr val="tx1"/>
+        </a:solidFill>
+        <a:latin typeface="+mn-lt"/>
+        <a:ea typeface="+mn-ea"/>
+        <a:cs typeface="+mn-cs"/>
+      </a:defRPr>
+    </a:lvl4pPr>
+    <a:lvl5pPr marL="1828800" algn="l" defTabSz="914400" rtl="0" eaLnBrk="1" latinLnBrk="0" hangingPunct="1">
+      <a:defRPr sz="1200" kern="1200">
+        <a:solidFill>
+          <a:schemeClr val="tx1"/>
+        </a:solidFill>
+        <a:latin typeface="+mn-lt"/>
+        <a:ea typeface="+mn-ea"/>
+        <a:cs typeface="+mn-cs"/>
+      </a:defRPr>
+    </a:lvl5pPr>
+    <a:lvl6pPr marL="2286000" algn="l" defTabSz="914400" rtl="0" eaLnBrk="1" latinLnBrk="0" hangingPunct="1">
+      <a:defRPr sz="1200" kern="1200">
+        <a:solidFill>
+          <a:schemeClr val="tx1"/>
+        </a:solidFill>
+        <a:latin typeface="+mn-lt"/>
+        <a:ea typeface="+mn-ea"/>
+        <a:cs typeface="+mn-cs"/>
+      </a:defRPr>
+    </a:lvl6pPr>
+    <a:lvl7pPr marL="2743200" algn="l" defTabSz="914400" rtl="0" eaLnBrk="1" latinLnBrk="0" hangingPunct="1">
+      <a:defRPr sz="1200" kern="1200">
+        <a:solidFill>
+          <a:schemeClr val="tx1"/>
+        </a:solidFill>
+        <a:latin typeface="+mn-lt"/>
+        <a:ea typeface="+mn-ea"/>
+        <a:cs typeface="+mn-cs"/>
+      </a:defRPr>
+    </a:lvl7pPr>
+    <a:lvl8pPr marL="3200400" algn="l" defTabSz="914400" rtl="0" eaLnBrk="1" latinLnBrk="0" hangingPunct="1">
+      <a:defRPr sz="1200" kern="1200">
+        <a:solidFill>
+          <a:schemeClr val="tx1"/>
+        </a:solidFill>
+        <a:latin typeface="+mn-lt"/>
+        <a:ea typeface="+mn-ea"/>
+        <a:cs typeface="+mn-cs"/>
+      </a:defRPr>
+    </a:lvl8pPr>
+    <a:lvl9pPr marL="3657600" algn="l" defTabSz="914400" rtl="0" eaLnBrk="1" latinLnBrk="0" hangingPunct="1">
+      <a:defRPr sz="1200" kern="1200">
+        <a:solidFill>
+          <a:schemeClr val="tx1"/>
+        </a:solidFill>
+        <a:latin typeface="+mn-lt"/>
+        <a:ea typeface="+mn-ea"/>
+        <a:cs typeface="+mn-cs"/>
+      </a:defRPr>
+    </a:lvl9pPr>
+  </p:notesStyle>
+</p:notesMaster>
+</file>
+
+<file path=ppt/notesSlides/notesSlide1.xml><?xml version="1.0" encoding="utf-8"?>
+<p:notes xmlns:a="http://schemas.openxmlformats.org/drawingml/2006/main" xmlns:r="http://schemas.openxmlformats.org/officeDocument/2006/relationships" xmlns:p="http://schemas.openxmlformats.org/presentationml/2006/main">
+  <p:cSld>
+    <p:spTree>
+      <p:nvGrpSpPr>
+        <p:cNvPr id="1" name="">
+          <a:extLst>
+            <a:ext uri="{FF2B5EF4-FFF2-40B4-BE49-F238E27FC236}">
+              <a16:creationId xmlns:a16="http://schemas.microsoft.com/office/drawing/2014/main" id="{85D31C52-BC47-59DD-58FE-1A8935844FAD}"/>
+            </a:ext>
+          </a:extLst>
+        </p:cNvPr>
+        <p:cNvGrpSpPr/>
+        <p:nvPr/>
+      </p:nvGrpSpPr>
+      <p:grpSpPr>
+        <a:xfrm>
+          <a:off x="0" y="0"/>
+          <a:ext cx="0" cy="0"/>
+          <a:chOff x="0" y="0"/>
+          <a:chExt cx="0" cy="0"/>
+        </a:xfrm>
+      </p:grpSpPr>
+      <p:sp>
+        <p:nvSpPr>
+          <p:cNvPr id="2" name="Slide Image Placeholder 1">
+            <a:extLst>
+              <a:ext uri="{FF2B5EF4-FFF2-40B4-BE49-F238E27FC236}">
+                <a16:creationId xmlns:a16="http://schemas.microsoft.com/office/drawing/2014/main" id="{84E5F270-FE3F-7EB9-CB37-B1974886DC00}"/>
+              </a:ext>
+            </a:extLst>
+          </p:cNvPr>
+          <p:cNvSpPr>
+            <a:spLocks noGrp="1" noRot="1" noChangeAspect="1"/>
+          </p:cNvSpPr>
+          <p:nvPr>
+            <p:ph type="sldImg"/>
+          </p:nvPr>
+        </p:nvSpPr>
+        <p:spPr/>
+      </p:sp>
+      <p:sp>
+        <p:nvSpPr>
+          <p:cNvPr id="3" name="Notes Placeholder 2">
+            <a:extLst>
+              <a:ext uri="{FF2B5EF4-FFF2-40B4-BE49-F238E27FC236}">
+                <a16:creationId xmlns:a16="http://schemas.microsoft.com/office/drawing/2014/main" id="{E32DBBD9-F5A8-52FA-13D8-2411FBBD9439}"/>
+              </a:ext>
+            </a:extLst>
+          </p:cNvPr>
+          <p:cNvSpPr>
+            <a:spLocks noGrp="1"/>
+          </p:cNvSpPr>
+          <p:nvPr>
+            <p:ph type="body" idx="1"/>
+          </p:nvPr>
+        </p:nvSpPr>
+        <p:spPr/>
+        <p:txBody>
+          <a:bodyPr/>
+          <a:lstStyle/>
+          <a:p>
+            <a:endParaRPr lang="en-US" dirty="0"/>
+          </a:p>
+        </p:txBody>
+      </p:sp>
+      <p:sp>
+        <p:nvSpPr>
+          <p:cNvPr id="4" name="Slide Number Placeholder 3">
+            <a:extLst>
+              <a:ext uri="{FF2B5EF4-FFF2-40B4-BE49-F238E27FC236}">
+                <a16:creationId xmlns:a16="http://schemas.microsoft.com/office/drawing/2014/main" id="{D837E70A-9DBC-DE99-1801-30CB945AEBCC}"/>
+              </a:ext>
+            </a:extLst>
+          </p:cNvPr>
+          <p:cNvSpPr>
+            <a:spLocks noGrp="1"/>
+          </p:cNvSpPr>
+          <p:nvPr>
+            <p:ph type="sldNum" sz="quarter" idx="5"/>
+          </p:nvPr>
+        </p:nvSpPr>
+        <p:spPr/>
+        <p:txBody>
+          <a:bodyPr/>
+          <a:lstStyle/>
+          <a:p>
+            <a:fld id="{5798E7CD-ECDC-AF4F-BE57-C5F612713F5B}" type="slidenum">
+              <a:rPr lang="en-US" smtClean="0"/>
+              <a:t>2</a:t>
+            </a:fld>
+            <a:endParaRPr lang="en-US"/>
+          </a:p>
+        </p:txBody>
+      </p:sp>
+    </p:spTree>
+    <p:extLst>
+      <p:ext uri="{BB962C8B-B14F-4D97-AF65-F5344CB8AC3E}">
+        <p14:creationId xmlns:p14="http://schemas.microsoft.com/office/powerpoint/2010/main" val="4174151579"/>
+      </p:ext>
+    </p:extLst>
+  </p:cSld>
+  <p:clrMapOvr>
+    <a:masterClrMapping/>
+  </p:clrMapOvr>
+</p:notes>
+</file>
+
+<file path=ppt/notesSlides/notesSlide2.xml><?xml version="1.0" encoding="utf-8"?>
+<p:notes xmlns:a="http://schemas.openxmlformats.org/drawingml/2006/main" xmlns:r="http://schemas.openxmlformats.org/officeDocument/2006/relationships" xmlns:p="http://schemas.openxmlformats.org/presentationml/2006/main">
+  <p:cSld>
+    <p:spTree>
+      <p:nvGrpSpPr>
+        <p:cNvPr id="1" name="">
+          <a:extLst>
+            <a:ext uri="{FF2B5EF4-FFF2-40B4-BE49-F238E27FC236}">
+              <a16:creationId xmlns:a16="http://schemas.microsoft.com/office/drawing/2014/main" id="{85D31C52-BC47-59DD-58FE-1A8935844FAD}"/>
+            </a:ext>
+          </a:extLst>
+        </p:cNvPr>
+        <p:cNvGrpSpPr/>
+        <p:nvPr/>
+      </p:nvGrpSpPr>
+      <p:grpSpPr>
+        <a:xfrm>
+          <a:off x="0" y="0"/>
+          <a:ext cx="0" cy="0"/>
+          <a:chOff x="0" y="0"/>
+          <a:chExt cx="0" cy="0"/>
+        </a:xfrm>
+      </p:grpSpPr>
+      <p:sp>
+        <p:nvSpPr>
+          <p:cNvPr id="2" name="Slide Image Placeholder 1">
+            <a:extLst>
+              <a:ext uri="{FF2B5EF4-FFF2-40B4-BE49-F238E27FC236}">
+                <a16:creationId xmlns:a16="http://schemas.microsoft.com/office/drawing/2014/main" id="{84E5F270-FE3F-7EB9-CB37-B1974886DC00}"/>
+              </a:ext>
+            </a:extLst>
+          </p:cNvPr>
+          <p:cNvSpPr>
+            <a:spLocks noGrp="1" noRot="1" noChangeAspect="1"/>
+          </p:cNvSpPr>
+          <p:nvPr>
+            <p:ph type="sldImg"/>
+          </p:nvPr>
+        </p:nvSpPr>
+        <p:spPr/>
+      </p:sp>
+      <p:sp>
+        <p:nvSpPr>
+          <p:cNvPr id="3" name="Notes Placeholder 2">
+            <a:extLst>
+              <a:ext uri="{FF2B5EF4-FFF2-40B4-BE49-F238E27FC236}">
+                <a16:creationId xmlns:a16="http://schemas.microsoft.com/office/drawing/2014/main" id="{E32DBBD9-F5A8-52FA-13D8-2411FBBD9439}"/>
+              </a:ext>
+            </a:extLst>
+          </p:cNvPr>
+          <p:cNvSpPr>
+            <a:spLocks noGrp="1"/>
+          </p:cNvSpPr>
+          <p:nvPr>
+            <p:ph type="body" idx="1"/>
+          </p:nvPr>
+        </p:nvSpPr>
+        <p:spPr/>
+        <p:txBody>
+          <a:bodyPr/>
+          <a:lstStyle/>
+          <a:p>
+            <a:endParaRPr lang="en-US" dirty="0"/>
+          </a:p>
+        </p:txBody>
+      </p:sp>
+      <p:sp>
+        <p:nvSpPr>
+          <p:cNvPr id="4" name="Slide Number Placeholder 3">
+            <a:extLst>
+              <a:ext uri="{FF2B5EF4-FFF2-40B4-BE49-F238E27FC236}">
+                <a16:creationId xmlns:a16="http://schemas.microsoft.com/office/drawing/2014/main" id="{D837E70A-9DBC-DE99-1801-30CB945AEBCC}"/>
+              </a:ext>
+            </a:extLst>
+          </p:cNvPr>
+          <p:cNvSpPr>
+            <a:spLocks noGrp="1"/>
+          </p:cNvSpPr>
+          <p:nvPr>
+            <p:ph type="sldNum" sz="quarter" idx="5"/>
+          </p:nvPr>
+        </p:nvSpPr>
+        <p:spPr/>
+        <p:txBody>
+          <a:bodyPr/>
+          <a:lstStyle/>
+          <a:p>
+            <a:fld id="{5798E7CD-ECDC-AF4F-BE57-C5F612713F5B}" type="slidenum">
+              <a:rPr lang="en-US" smtClean="0"/>
+              <a:t>3</a:t>
+            </a:fld>
+            <a:endParaRPr lang="en-US"/>
+          </a:p>
+        </p:txBody>
+      </p:sp>
+    </p:spTree>
+    <p:extLst>
+      <p:ext uri="{BB962C8B-B14F-4D97-AF65-F5344CB8AC3E}">
+        <p14:creationId xmlns:p14="http://schemas.microsoft.com/office/powerpoint/2010/main" val="1772525932"/>
+      </p:ext>
+    </p:extLst>
+  </p:cSld>
+  <p:clrMapOvr>
+    <a:masterClrMapping/>
+  </p:clrMapOvr>
+</p:notes>
+</file>
+
 <file path=ppt/slideLayouts/slideLayout1.xml><?xml version="1.0" encoding="utf-8"?>
 <p:sldLayout xmlns:a="http://schemas.openxmlformats.org/drawingml/2006/main" xmlns:r="http://schemas.openxmlformats.org/officeDocument/2006/relationships" xmlns:p="http://schemas.openxmlformats.org/presentationml/2006/main" type="title" preserve="1">
   <p:cSld name="Title Slide">
@@ -267,7 +837,7 @@
           <a:lstStyle/>
           <a:p>
             <a:fld id="{5F491023-0B0A-7041-9F06-D25A50EF063B}" type="datetimeFigureOut">
-              <a:t>12/24/23</a:t>
+              <a:t>3/23/25</a:t>
             </a:fld>
             <a:endParaRPr lang="en-US"/>
           </a:p>
@@ -463,7 +1033,7 @@
           <a:lstStyle/>
           <a:p>
             <a:fld id="{5F491023-0B0A-7041-9F06-D25A50EF063B}" type="datetimeFigureOut">
-              <a:t>12/24/23</a:t>
+              <a:t>3/23/25</a:t>
             </a:fld>
             <a:endParaRPr lang="en-US"/>
           </a:p>
@@ -669,7 +1239,7 @@
           <a:lstStyle/>
           <a:p>
             <a:fld id="{5F491023-0B0A-7041-9F06-D25A50EF063B}" type="datetimeFigureOut">
-              <a:t>12/24/23</a:t>
+              <a:t>3/23/25</a:t>
             </a:fld>
             <a:endParaRPr lang="en-US"/>
           </a:p>
@@ -865,7 +1435,7 @@
           <a:lstStyle/>
           <a:p>
             <a:fld id="{5F491023-0B0A-7041-9F06-D25A50EF063B}" type="datetimeFigureOut">
-              <a:t>12/24/23</a:t>
+              <a:t>3/23/25</a:t>
             </a:fld>
             <a:endParaRPr lang="en-US"/>
           </a:p>
@@ -1138,7 +1708,7 @@
           <a:lstStyle/>
           <a:p>
             <a:fld id="{5F491023-0B0A-7041-9F06-D25A50EF063B}" type="datetimeFigureOut">
-              <a:t>12/24/23</a:t>
+              <a:t>3/23/25</a:t>
             </a:fld>
             <a:endParaRPr lang="en-US"/>
           </a:p>
@@ -1401,7 +1971,7 @@
           <a:lstStyle/>
           <a:p>
             <a:fld id="{5F491023-0B0A-7041-9F06-D25A50EF063B}" type="datetimeFigureOut">
-              <a:t>12/24/23</a:t>
+              <a:t>3/23/25</a:t>
             </a:fld>
             <a:endParaRPr lang="en-US"/>
           </a:p>
@@ -1811,7 +2381,7 @@
           <a:lstStyle/>
           <a:p>
             <a:fld id="{5F491023-0B0A-7041-9F06-D25A50EF063B}" type="datetimeFigureOut">
-              <a:t>12/24/23</a:t>
+              <a:t>3/23/25</a:t>
             </a:fld>
             <a:endParaRPr lang="en-US"/>
           </a:p>
@@ -1950,7 +2520,7 @@
           <a:lstStyle/>
           <a:p>
             <a:fld id="{5F491023-0B0A-7041-9F06-D25A50EF063B}" type="datetimeFigureOut">
-              <a:t>12/24/23</a:t>
+              <a:t>3/23/25</a:t>
             </a:fld>
             <a:endParaRPr lang="en-US"/>
           </a:p>
@@ -2061,7 +2631,7 @@
           <a:lstStyle/>
           <a:p>
             <a:fld id="{5F491023-0B0A-7041-9F06-D25A50EF063B}" type="datetimeFigureOut">
-              <a:t>12/24/23</a:t>
+              <a:t>3/23/25</a:t>
             </a:fld>
             <a:endParaRPr lang="en-US"/>
           </a:p>
@@ -2370,7 +2940,7 @@
           <a:lstStyle/>
           <a:p>
             <a:fld id="{5F491023-0B0A-7041-9F06-D25A50EF063B}" type="datetimeFigureOut">
-              <a:t>12/24/23</a:t>
+              <a:t>3/23/25</a:t>
             </a:fld>
             <a:endParaRPr lang="en-US"/>
           </a:p>
@@ -2656,7 +3226,7 @@
           <a:lstStyle/>
           <a:p>
             <a:fld id="{5F491023-0B0A-7041-9F06-D25A50EF063B}" type="datetimeFigureOut">
-              <a:t>12/24/23</a:t>
+              <a:t>3/23/25</a:t>
             </a:fld>
             <a:endParaRPr lang="en-US"/>
           </a:p>
@@ -2895,7 +3465,7 @@
           </a:lstStyle>
           <a:p>
             <a:fld id="{5F491023-0B0A-7041-9F06-D25A50EF063B}" type="datetimeFigureOut">
-              <a:t>12/24/23</a:t>
+              <a:t>3/23/25</a:t>
             </a:fld>
             <a:endParaRPr lang="en-US"/>
           </a:p>
@@ -3360,8 +3930,8 @@
         </p:nvSpPr>
         <p:spPr>
           <a:xfrm>
-            <a:off x="150757" y="863116"/>
-            <a:ext cx="3093250" cy="1384995"/>
+            <a:off x="159607" y="2422265"/>
+            <a:ext cx="2489831" cy="1815882"/>
           </a:xfrm>
           <a:prstGeom prst="rect">
             <a:avLst/>
@@ -3385,38 +3955,51 @@
           <a:lstStyle/>
           <a:p>
             <a:r>
-              <a:rPr lang="en-US" sz="1400"/>
-              <a:t>Step3</a:t>
-            </a:r>
-          </a:p>
-          <a:p>
-            <a:r>
-              <a:rPr lang="en-US" sz="1400"/>
-              <a:t>Aqua-Pure</a:t>
-            </a:r>
-          </a:p>
-          <a:p>
-            <a:r>
-              <a:rPr lang="en-US" sz="1400"/>
-              <a:t>Iron and Manganese Reduction System</a:t>
-            </a:r>
-          </a:p>
-          <a:p>
-            <a:r>
-              <a:rPr lang="en-US" sz="1400"/>
-              <a:t>Model APIF100DM</a:t>
-            </a:r>
-          </a:p>
-          <a:p>
-            <a:r>
-              <a:rPr lang="en-US" sz="1400"/>
-              <a:t>SN 613114A519</a:t>
-            </a:r>
-          </a:p>
-          <a:p>
-            <a:r>
-              <a:rPr lang="en-US" sz="1400"/>
-              <a:t>Serviced 10/2018, 8/2020</a:t>
+              <a:rPr lang="en-US" sz="1400" b="1" dirty="0">
+                <a:solidFill>
+                  <a:srgbClr val="FF0000"/>
+                </a:solidFill>
+              </a:rPr>
+              <a:t>Fritz Bros., Inc.</a:t>
+            </a:r>
+          </a:p>
+          <a:p>
+            <a:r>
+              <a:rPr lang="en-US" sz="1400" dirty="0"/>
+              <a:t>Well drilling, plumbing, </a:t>
+            </a:r>
+          </a:p>
+          <a:p>
+            <a:r>
+              <a:rPr lang="en-US" sz="1400" dirty="0"/>
+              <a:t>water-softening</a:t>
+            </a:r>
+          </a:p>
+          <a:p>
+            <a:r>
+              <a:rPr lang="en-US" sz="1400" dirty="0"/>
+              <a:t>Address: 100 Cliff St, </a:t>
+            </a:r>
+          </a:p>
+          <a:p>
+            <a:r>
+              <a:rPr lang="en-US" sz="1400" dirty="0"/>
+              <a:t>Honesdale, PA 18431</a:t>
+            </a:r>
+          </a:p>
+          <a:p>
+            <a:endParaRPr lang="en-US" sz="1400" dirty="0"/>
+          </a:p>
+          <a:p>
+            <a:r>
+              <a:rPr lang="en-US" sz="1400" dirty="0"/>
+              <a:t>Phone: (570) 253-2660</a:t>
+            </a:r>
+          </a:p>
+          <a:p>
+            <a:r>
+              <a:rPr lang="en-US" sz="1400" dirty="0"/>
+              <a:t>Hours: Mon-Sat 7am-4pm</a:t>
             </a:r>
           </a:p>
         </p:txBody>
@@ -3449,7 +4032,7 @@
         </p:blipFill>
         <p:spPr>
           <a:xfrm>
-            <a:off x="1735091" y="2542704"/>
+            <a:off x="3167943" y="2822592"/>
             <a:ext cx="4223385" cy="3938905"/>
           </a:xfrm>
           <a:prstGeom prst="rect">
@@ -3471,7 +4054,7 @@
         </p:nvSpPr>
         <p:spPr>
           <a:xfrm>
-            <a:off x="3690603" y="731613"/>
+            <a:off x="4457858" y="731613"/>
             <a:ext cx="1779324" cy="954107"/>
           </a:xfrm>
           <a:prstGeom prst="rect">
@@ -3601,8 +4184,8 @@
           <p:nvPr/>
         </p:nvSpPr>
         <p:spPr>
-          <a:xfrm rot="2064495">
-            <a:off x="6312111" y="2169588"/>
+          <a:xfrm rot="944342">
+            <a:off x="7023338" y="1954323"/>
             <a:ext cx="157656" cy="746234"/>
           </a:xfrm>
           <a:prstGeom prst="downArrow">
@@ -3648,7 +4231,7 @@
         </p:nvSpPr>
         <p:spPr>
           <a:xfrm rot="1271068">
-            <a:off x="4148498" y="1741094"/>
+            <a:off x="5326029" y="1918274"/>
             <a:ext cx="157656" cy="746234"/>
           </a:xfrm>
           <a:prstGeom prst="downArrow">
@@ -3694,7 +4277,7 @@
         </p:nvSpPr>
         <p:spPr>
           <a:xfrm rot="20237088">
-            <a:off x="1282886" y="2365527"/>
+            <a:off x="2787404" y="2074859"/>
             <a:ext cx="157656" cy="746234"/>
           </a:xfrm>
           <a:prstGeom prst="downArrow">
@@ -3741,7 +4324,7 @@
         <p:spPr>
           <a:xfrm>
             <a:off x="8780794" y="4683684"/>
-            <a:ext cx="3352229" cy="1600438"/>
+            <a:ext cx="3352229" cy="1815882"/>
           </a:xfrm>
           <a:prstGeom prst="rect">
             <a:avLst/>
@@ -3765,59 +4348,77 @@
           <a:lstStyle/>
           <a:p>
             <a:r>
-              <a:rPr lang="en-US" sz="1400"/>
+              <a:rPr lang="en-US" sz="1400" dirty="0"/>
               <a:t>Step0 </a:t>
             </a:r>
           </a:p>
           <a:p>
             <a:r>
-              <a:rPr lang="en-US" sz="1400"/>
-              <a:t>goulds pumps bruiser submersible pump </a:t>
-            </a:r>
-          </a:p>
-          <a:p>
-            <a:r>
-              <a:rPr lang="en-US" sz="1400"/>
+              <a:rPr lang="en-US" sz="1400" dirty="0" err="1"/>
+              <a:t>goulds</a:t>
+            </a:r>
+            <a:r>
+              <a:rPr lang="en-US" sz="1400" dirty="0"/>
+              <a:t> pumps bruiser submersible pump </a:t>
+            </a:r>
+          </a:p>
+          <a:p>
+            <a:r>
+              <a:rPr lang="en-US" sz="1400" dirty="0"/>
               <a:t>Model 7SB05422C</a:t>
             </a:r>
           </a:p>
           <a:p>
             <a:r>
-              <a:rPr lang="en-US" sz="1400"/>
-              <a:t>with 230V motor</a:t>
-            </a:r>
-          </a:p>
-          <a:p>
-            <a:r>
-              <a:rPr lang="en-US" sz="1400"/>
-              <a:t>4" Submersive Pump from ITT Gould Pumps</a:t>
-            </a:r>
-          </a:p>
-          <a:p>
-            <a:r>
-              <a:rPr lang="en-US" sz="1400"/>
+              <a:rPr lang="en-US" sz="1400" dirty="0"/>
+              <a:t>with 230V motor (1/2 horse power)</a:t>
+            </a:r>
+          </a:p>
+          <a:p>
+            <a:r>
+              <a:rPr lang="en-US" sz="1400" dirty="0"/>
+              <a:t>4" </a:t>
+            </a:r>
+            <a:r>
+              <a:rPr lang="en-US" sz="1400" dirty="0" err="1"/>
+              <a:t>Submersive</a:t>
+            </a:r>
+            <a:r>
+              <a:rPr lang="en-US" sz="1400" dirty="0"/>
+              <a:t> Pump from ITT Gould Pumps</a:t>
+            </a:r>
+          </a:p>
+          <a:p>
+            <a:r>
+              <a:rPr lang="en-US" sz="1400" dirty="0"/>
+              <a:t>7 gallons per minute</a:t>
+            </a:r>
+          </a:p>
+          <a:p>
+            <a:r>
+              <a:rPr lang="en-US" sz="1400" dirty="0"/>
               <a:t>.. </a:t>
             </a:r>
             <a:r>
-              <a:rPr lang="en-US" sz="1400">
+              <a:rPr lang="en-US" sz="1400" dirty="0">
                 <a:hlinkClick r:id="rId4"/>
               </a:rPr>
               <a:t>https://goulds.com</a:t>
             </a:r>
-            <a:endParaRPr lang="en-US" sz="1400"/>
-          </a:p>
-          <a:p>
-            <a:r>
-              <a:rPr lang="en-US" sz="1400"/>
+            <a:endParaRPr lang="en-US" sz="1400" dirty="0"/>
+          </a:p>
+          <a:p>
+            <a:r>
+              <a:rPr lang="en-US" sz="1400" dirty="0"/>
               <a:t>.. </a:t>
             </a:r>
             <a:r>
-              <a:rPr lang="en-US" sz="1400">
+              <a:rPr lang="en-US" sz="1400" dirty="0">
                 <a:hlinkClick r:id="rId5"/>
               </a:rPr>
               <a:t>https://www.gouldspumps.com</a:t>
             </a:r>
-            <a:endParaRPr lang="en-US" sz="1400"/>
+            <a:endParaRPr lang="en-US" sz="1400" dirty="0"/>
           </a:p>
         </p:txBody>
       </p:sp>
@@ -3917,7 +4518,7 @@
         </p:nvSpPr>
         <p:spPr>
           <a:xfrm>
-            <a:off x="9139861" y="3456034"/>
+            <a:off x="9313989" y="3462031"/>
             <a:ext cx="2819034" cy="523220"/>
           </a:xfrm>
           <a:prstGeom prst="rect">
@@ -3982,7 +4583,7 @@
         </p:blipFill>
         <p:spPr>
           <a:xfrm>
-            <a:off x="6906750" y="3385730"/>
+            <a:off x="7475049" y="3166681"/>
             <a:ext cx="1588674" cy="663827"/>
           </a:xfrm>
           <a:prstGeom prst="rect">
@@ -4004,7 +4605,7 @@
         </p:nvSpPr>
         <p:spPr>
           <a:xfrm rot="5400000">
-            <a:off x="8688399" y="3523291"/>
+            <a:off x="8943521" y="3523291"/>
             <a:ext cx="184790" cy="388704"/>
           </a:xfrm>
           <a:prstGeom prst="downArrow">
@@ -4033,6 +4634,75 @@
           <a:p>
             <a:pPr algn="ctr"/>
             <a:endParaRPr lang="en-US"/>
+          </a:p>
+        </p:txBody>
+      </p:sp>
+      <p:sp>
+        <p:nvSpPr>
+          <p:cNvPr id="9" name="TextBox 8">
+            <a:extLst>
+              <a:ext uri="{FF2B5EF4-FFF2-40B4-BE49-F238E27FC236}">
+                <a16:creationId xmlns:a16="http://schemas.microsoft.com/office/drawing/2014/main" id="{E8F7BAFC-3124-6A46-721D-744356C6FF32}"/>
+              </a:ext>
+            </a:extLst>
+          </p:cNvPr>
+          <p:cNvSpPr txBox="1"/>
+          <p:nvPr/>
+        </p:nvSpPr>
+        <p:spPr>
+          <a:xfrm>
+            <a:off x="213819" y="585834"/>
+            <a:ext cx="3093250" cy="1384995"/>
+          </a:xfrm>
+          <a:prstGeom prst="rect">
+            <a:avLst/>
+          </a:prstGeom>
+          <a:solidFill>
+            <a:schemeClr val="accent4">
+              <a:lumMod val="20000"/>
+              <a:lumOff val="80000"/>
+            </a:schemeClr>
+          </a:solidFill>
+          <a:ln>
+            <a:solidFill>
+              <a:srgbClr val="FF0000"/>
+            </a:solidFill>
+          </a:ln>
+        </p:spPr>
+        <p:txBody>
+          <a:bodyPr wrap="square" rtlCol="0">
+            <a:spAutoFit/>
+          </a:bodyPr>
+          <a:lstStyle/>
+          <a:p>
+            <a:r>
+              <a:rPr lang="en-US" sz="1400" dirty="0"/>
+              <a:t>Step3</a:t>
+            </a:r>
+          </a:p>
+          <a:p>
+            <a:r>
+              <a:rPr lang="en-US" sz="1400" dirty="0"/>
+              <a:t>Aqua-Pure Iron and Manganese Reduction System Model APIF100DM</a:t>
+            </a:r>
+          </a:p>
+          <a:p>
+            <a:r>
+              <a:rPr lang="en-US" sz="1400" dirty="0"/>
+              <a:t>SN 613114A519</a:t>
+            </a:r>
+          </a:p>
+          <a:p>
+            <a:r>
+              <a:rPr lang="en-US" sz="1400" dirty="0"/>
+              <a:t>Installed 2014</a:t>
+            </a:r>
+          </a:p>
+          <a:p>
+            <a:r>
+              <a:rPr lang="en-US" sz="1400" dirty="0"/>
+              <a:t>Serviced 10/2018, 8/2020</a:t>
+            </a:r>
           </a:p>
         </p:txBody>
       </p:sp>
@@ -4071,6 +4741,775 @@
           <p:cNvPr id="2" name="TextBox 1">
             <a:extLst>
               <a:ext uri="{FF2B5EF4-FFF2-40B4-BE49-F238E27FC236}">
+                <a16:creationId xmlns:a16="http://schemas.microsoft.com/office/drawing/2014/main" id="{D308FFA0-AADB-1699-B48F-B7D845A314D0}"/>
+              </a:ext>
+            </a:extLst>
+          </p:cNvPr>
+          <p:cNvSpPr txBox="1"/>
+          <p:nvPr/>
+        </p:nvSpPr>
+        <p:spPr>
+          <a:xfrm>
+            <a:off x="0" y="44750"/>
+            <a:ext cx="4343400" cy="523220"/>
+          </a:xfrm>
+          <a:prstGeom prst="rect">
+            <a:avLst/>
+          </a:prstGeom>
+          <a:noFill/>
+        </p:spPr>
+        <p:txBody>
+          <a:bodyPr wrap="square" rtlCol="0">
+            <a:spAutoFit/>
+          </a:bodyPr>
+          <a:lstStyle/>
+          <a:p>
+            <a:r>
+              <a:rPr lang="en-US" sz="2800" b="1"/>
+              <a:t>Aqua-Pure Servicing</a:t>
+            </a:r>
+          </a:p>
+        </p:txBody>
+      </p:sp>
+      <p:sp>
+        <p:nvSpPr>
+          <p:cNvPr id="3" name="TextBox 2">
+            <a:extLst>
+              <a:ext uri="{FF2B5EF4-FFF2-40B4-BE49-F238E27FC236}">
+                <a16:creationId xmlns:a16="http://schemas.microsoft.com/office/drawing/2014/main" id="{ED286314-8112-409C-7296-CB50A125B66E}"/>
+              </a:ext>
+            </a:extLst>
+          </p:cNvPr>
+          <p:cNvSpPr txBox="1"/>
+          <p:nvPr/>
+        </p:nvSpPr>
+        <p:spPr>
+          <a:xfrm>
+            <a:off x="7412887" y="837098"/>
+            <a:ext cx="4207614" cy="3754874"/>
+          </a:xfrm>
+          <a:prstGeom prst="rect">
+            <a:avLst/>
+          </a:prstGeom>
+          <a:solidFill>
+            <a:schemeClr val="accent4">
+              <a:lumMod val="20000"/>
+              <a:lumOff val="80000"/>
+            </a:schemeClr>
+          </a:solidFill>
+          <a:ln>
+            <a:solidFill>
+              <a:srgbClr val="FF0000"/>
+            </a:solidFill>
+          </a:ln>
+        </p:spPr>
+        <p:txBody>
+          <a:bodyPr wrap="square" rtlCol="0">
+            <a:spAutoFit/>
+          </a:bodyPr>
+          <a:lstStyle>
+            <a:defPPr>
+              <a:defRPr lang="en-US"/>
+            </a:defPPr>
+            <a:lvl1pPr>
+              <a:defRPr sz="1400"/>
+            </a:lvl1pPr>
+          </a:lstStyle>
+          <a:p>
+            <a:r>
+              <a:rPr lang="en-US"/>
+              <a:t>Recommendations by Cornell Cooperative Extension</a:t>
+            </a:r>
+          </a:p>
+          <a:p>
+            <a:r>
+              <a:rPr lang="en-US">
+                <a:hlinkClick r:id="rId2"/>
+              </a:rPr>
+              <a:t>http://genesee.cce.cornell.edu/your-home/well-water</a:t>
+            </a:r>
+            <a:endParaRPr lang="en-US"/>
+          </a:p>
+          <a:p>
+            <a:endParaRPr lang="en-US"/>
+          </a:p>
+          <a:p>
+            <a:r>
+              <a:rPr lang="en-US"/>
+              <a:t>==============================</a:t>
+            </a:r>
+          </a:p>
+          <a:p>
+            <a:r>
+              <a:rPr lang="en-US"/>
+              <a:t>AG Environmental/Sullivan County Labs </a:t>
+            </a:r>
+          </a:p>
+          <a:p>
+            <a:r>
+              <a:rPr lang="en-US"/>
+              <a:t>.. </a:t>
+            </a:r>
+            <a:r>
+              <a:rPr lang="en-US">
+                <a:hlinkClick r:id="rId3"/>
+              </a:rPr>
+              <a:t>https://www.sullivancountylabs.com</a:t>
+            </a:r>
+            <a:endParaRPr lang="en-US"/>
+          </a:p>
+          <a:p>
+            <a:endParaRPr lang="en-US"/>
+          </a:p>
+          <a:p>
+            <a:r>
+              <a:rPr lang="en-US" b="1">
+                <a:solidFill>
+                  <a:srgbClr val="00B050"/>
+                </a:solidFill>
+              </a:rPr>
+              <a:t>AG ENVIRONMENTAL RSC LLC</a:t>
+            </a:r>
+          </a:p>
+          <a:p>
+            <a:r>
+              <a:rPr lang="en-US"/>
+              <a:t> DBA </a:t>
+            </a:r>
+            <a:r>
+              <a:rPr lang="en-US" b="1">
+                <a:solidFill>
+                  <a:srgbClr val="FF0000"/>
+                </a:solidFill>
+              </a:rPr>
+              <a:t>SULLIVAN COUNTY LABS</a:t>
+            </a:r>
+          </a:p>
+          <a:p>
+            <a:r>
+              <a:rPr lang="en-US"/>
+              <a:t>86 Queen Mountain Rd, Ferndale, NY 12734</a:t>
+            </a:r>
+          </a:p>
+          <a:p>
+            <a:r>
+              <a:rPr lang="en-US"/>
+              <a:t>(845) 704-8151</a:t>
+            </a:r>
+          </a:p>
+          <a:p>
+            <a:endParaRPr lang="en-US"/>
+          </a:p>
+          <a:p>
+            <a:r>
+              <a:rPr lang="en-US"/>
+              <a:t>==============================</a:t>
+            </a:r>
+          </a:p>
+          <a:p>
+            <a:r>
+              <a:rPr lang="en-US"/>
+              <a:t>Valley Water Services</a:t>
+            </a:r>
+          </a:p>
+          <a:p>
+            <a:r>
+              <a:rPr lang="en-US">
+                <a:hlinkClick r:id="rId4"/>
+              </a:rPr>
+              <a:t>https://valley-water.com/contact/</a:t>
+            </a:r>
+            <a:endParaRPr lang="en-US"/>
+          </a:p>
+          <a:p>
+            <a:r>
+              <a:rPr lang="en-US"/>
+              <a:t>845-887-4770 Kristen</a:t>
+            </a:r>
+          </a:p>
+          <a:p>
+            <a:r>
+              <a:rPr lang="en-US"/>
+              <a:t>info@valley-water.com</a:t>
+            </a:r>
+          </a:p>
+        </p:txBody>
+      </p:sp>
+      <p:sp>
+        <p:nvSpPr>
+          <p:cNvPr id="4" name="TextBox 3">
+            <a:extLst>
+              <a:ext uri="{FF2B5EF4-FFF2-40B4-BE49-F238E27FC236}">
+                <a16:creationId xmlns:a16="http://schemas.microsoft.com/office/drawing/2014/main" id="{E7FF1618-3796-17D8-014C-F7448BC65CE7}"/>
+              </a:ext>
+            </a:extLst>
+          </p:cNvPr>
+          <p:cNvSpPr txBox="1"/>
+          <p:nvPr/>
+        </p:nvSpPr>
+        <p:spPr>
+          <a:xfrm>
+            <a:off x="223156" y="837098"/>
+            <a:ext cx="2242458" cy="1169551"/>
+          </a:xfrm>
+          <a:prstGeom prst="rect">
+            <a:avLst/>
+          </a:prstGeom>
+          <a:solidFill>
+            <a:schemeClr val="accent4">
+              <a:lumMod val="20000"/>
+              <a:lumOff val="80000"/>
+            </a:schemeClr>
+          </a:solidFill>
+          <a:ln>
+            <a:solidFill>
+              <a:srgbClr val="FF0000"/>
+            </a:solidFill>
+          </a:ln>
+        </p:spPr>
+        <p:txBody>
+          <a:bodyPr wrap="square" rtlCol="0">
+            <a:spAutoFit/>
+          </a:bodyPr>
+          <a:lstStyle>
+            <a:defPPr>
+              <a:defRPr lang="en-US"/>
+            </a:defPPr>
+            <a:lvl1pPr>
+              <a:defRPr sz="1400"/>
+            </a:lvl1pPr>
+          </a:lstStyle>
+          <a:p>
+            <a:r>
+              <a:rPr lang="en-US"/>
+              <a:t>Plumber</a:t>
+            </a:r>
+          </a:p>
+          <a:p>
+            <a:r>
+              <a:rPr lang="en-US"/>
+              <a:t>DJS Plumbing</a:t>
+            </a:r>
+          </a:p>
+          <a:p>
+            <a:r>
+              <a:rPr lang="en-US">
+                <a:hlinkClick r:id="rId5"/>
+              </a:rPr>
+              <a:t>http://www.djsph.com</a:t>
+            </a:r>
+            <a:endParaRPr lang="en-US"/>
+          </a:p>
+          <a:p>
+            <a:r>
+              <a:rPr lang="en-US"/>
+              <a:t>Phone number</a:t>
+            </a:r>
+          </a:p>
+          <a:p>
+            <a:r>
+              <a:rPr lang="en-US"/>
+              <a:t>(845) 887-6309</a:t>
+            </a:r>
+          </a:p>
+        </p:txBody>
+      </p:sp>
+      <p:sp>
+        <p:nvSpPr>
+          <p:cNvPr id="5" name="TextBox 4">
+            <a:extLst>
+              <a:ext uri="{FF2B5EF4-FFF2-40B4-BE49-F238E27FC236}">
+                <a16:creationId xmlns:a16="http://schemas.microsoft.com/office/drawing/2014/main" id="{BE4501C0-7A38-778A-3EB0-EE4A7ADE3179}"/>
+              </a:ext>
+            </a:extLst>
+          </p:cNvPr>
+          <p:cNvSpPr txBox="1"/>
+          <p:nvPr/>
+        </p:nvSpPr>
+        <p:spPr>
+          <a:xfrm>
+            <a:off x="223156" y="3445329"/>
+            <a:ext cx="5023757" cy="1600438"/>
+          </a:xfrm>
+          <a:prstGeom prst="rect">
+            <a:avLst/>
+          </a:prstGeom>
+          <a:solidFill>
+            <a:schemeClr val="accent4">
+              <a:lumMod val="20000"/>
+              <a:lumOff val="80000"/>
+            </a:schemeClr>
+          </a:solidFill>
+          <a:ln>
+            <a:solidFill>
+              <a:srgbClr val="FF0000"/>
+            </a:solidFill>
+          </a:ln>
+        </p:spPr>
+        <p:txBody>
+          <a:bodyPr wrap="square" rtlCol="0">
+            <a:spAutoFit/>
+          </a:bodyPr>
+          <a:lstStyle>
+            <a:defPPr>
+              <a:defRPr lang="en-US"/>
+            </a:defPPr>
+            <a:lvl1pPr>
+              <a:defRPr sz="1400"/>
+            </a:lvl1pPr>
+          </a:lstStyle>
+          <a:p>
+            <a:r>
+              <a:rPr lang="en-US"/>
+              <a:t>The address in contract:</a:t>
+            </a:r>
+          </a:p>
+          <a:p>
+            <a:r>
+              <a:rPr lang="en-US"/>
+              <a:t>  house:    833 County Road 94, Hankins, NY 12741</a:t>
+            </a:r>
+          </a:p>
+          <a:p>
+            <a:r>
+              <a:rPr lang="en-US"/>
+              <a:t>  barn:     829 County Road 94, Hankins, NY 12741</a:t>
+            </a:r>
+          </a:p>
+          <a:p>
+            <a:endParaRPr lang="en-US"/>
+          </a:p>
+          <a:p>
+            <a:r>
+              <a:rPr lang="en-US"/>
+              <a:t>Former Owners: </a:t>
+            </a:r>
+          </a:p>
+          <a:p>
+            <a:r>
+              <a:rPr lang="en-US"/>
+              <a:t>  Vincent A. Shursky :</a:t>
+            </a:r>
+          </a:p>
+          <a:p>
+            <a:r>
+              <a:rPr lang="en-US"/>
+              <a:t>  Susanne M. Shursky : 845-796-8050</a:t>
+            </a:r>
+          </a:p>
+        </p:txBody>
+      </p:sp>
+    </p:spTree>
+    <p:extLst>
+      <p:ext uri="{BB962C8B-B14F-4D97-AF65-F5344CB8AC3E}">
+        <p14:creationId xmlns:p14="http://schemas.microsoft.com/office/powerpoint/2010/main" val="2429658463"/>
+      </p:ext>
+    </p:extLst>
+  </p:cSld>
+  <p:clrMapOvr>
+    <a:masterClrMapping/>
+  </p:clrMapOvr>
+</p:sld>
+</file>
+
+<file path=ppt/slides/slide11.xml><?xml version="1.0" encoding="utf-8"?>
+<p:sld xmlns:a="http://schemas.openxmlformats.org/drawingml/2006/main" xmlns:r="http://schemas.openxmlformats.org/officeDocument/2006/relationships" xmlns:p="http://schemas.openxmlformats.org/presentationml/2006/main">
+  <p:cSld>
+    <p:spTree>
+      <p:nvGrpSpPr>
+        <p:cNvPr id="1" name=""/>
+        <p:cNvGrpSpPr/>
+        <p:nvPr/>
+      </p:nvGrpSpPr>
+      <p:grpSpPr>
+        <a:xfrm>
+          <a:off x="0" y="0"/>
+          <a:ext cx="0" cy="0"/>
+          <a:chOff x="0" y="0"/>
+          <a:chExt cx="0" cy="0"/>
+        </a:xfrm>
+      </p:grpSpPr>
+      <p:sp>
+        <p:nvSpPr>
+          <p:cNvPr id="2" name="TextBox 1">
+            <a:extLst>
+              <a:ext uri="{FF2B5EF4-FFF2-40B4-BE49-F238E27FC236}">
+                <a16:creationId xmlns:a16="http://schemas.microsoft.com/office/drawing/2014/main" id="{687AC363-7627-6402-F57E-1B785C4DA2A1}"/>
+              </a:ext>
+            </a:extLst>
+          </p:cNvPr>
+          <p:cNvSpPr txBox="1"/>
+          <p:nvPr/>
+        </p:nvSpPr>
+        <p:spPr>
+          <a:xfrm>
+            <a:off x="0" y="0"/>
+            <a:ext cx="6350443" cy="666786"/>
+          </a:xfrm>
+          <a:prstGeom prst="rect">
+            <a:avLst/>
+          </a:prstGeom>
+          <a:noFill/>
+        </p:spPr>
+        <p:txBody>
+          <a:bodyPr wrap="square" rtlCol="0">
+            <a:spAutoFit/>
+          </a:bodyPr>
+          <a:lstStyle/>
+          <a:p>
+            <a:r>
+              <a:rPr lang="en-US" sz="3733" b="1"/>
+              <a:t>Water Filter under sink</a:t>
+            </a:r>
+          </a:p>
+        </p:txBody>
+      </p:sp>
+      <p:sp>
+        <p:nvSpPr>
+          <p:cNvPr id="6" name="TextBox 5">
+            <a:extLst>
+              <a:ext uri="{FF2B5EF4-FFF2-40B4-BE49-F238E27FC236}">
+                <a16:creationId xmlns:a16="http://schemas.microsoft.com/office/drawing/2014/main" id="{0B3D246B-C6D4-845C-1A20-2ADB2087AB1D}"/>
+              </a:ext>
+            </a:extLst>
+          </p:cNvPr>
+          <p:cNvSpPr txBox="1"/>
+          <p:nvPr/>
+        </p:nvSpPr>
+        <p:spPr>
+          <a:xfrm>
+            <a:off x="169109" y="925751"/>
+            <a:ext cx="6732731" cy="1169551"/>
+          </a:xfrm>
+          <a:prstGeom prst="rect">
+            <a:avLst/>
+          </a:prstGeom>
+          <a:solidFill>
+            <a:schemeClr val="accent4">
+              <a:lumMod val="20000"/>
+              <a:lumOff val="80000"/>
+            </a:schemeClr>
+          </a:solidFill>
+          <a:ln>
+            <a:solidFill>
+              <a:srgbClr val="FF0000"/>
+            </a:solidFill>
+          </a:ln>
+        </p:spPr>
+        <p:txBody>
+          <a:bodyPr wrap="square" rtlCol="0">
+            <a:spAutoFit/>
+          </a:bodyPr>
+          <a:lstStyle/>
+          <a:p>
+            <a:pPr marL="380990" indent="-380990">
+              <a:buFont typeface="Arial" panose="020B0604020202020204" pitchFamily="34" charset="0"/>
+              <a:buChar char="•"/>
+            </a:pPr>
+            <a:r>
+              <a:rPr lang="en-US" sz="1400">
+                <a:latin typeface="Calibri" panose="020F0502020204030204" pitchFamily="34" charset="0"/>
+                <a:cs typeface="Calibri" panose="020F0502020204030204" pitchFamily="34" charset="0"/>
+              </a:rPr>
+              <a:t>High quality, designed, engineered and assembled in the USA</a:t>
+            </a:r>
+          </a:p>
+          <a:p>
+            <a:pPr marL="380990" indent="-380990">
+              <a:buFont typeface="Arial" panose="020B0604020202020204" pitchFamily="34" charset="0"/>
+              <a:buChar char="•"/>
+            </a:pPr>
+            <a:r>
+              <a:rPr lang="en-US" sz="1400">
+                <a:latin typeface="Calibri" panose="020F0502020204030204" pitchFamily="34" charset="0"/>
+                <a:cs typeface="Calibri" panose="020F0502020204030204" pitchFamily="34" charset="0"/>
+              </a:rPr>
+              <a:t>System built with US MADE super capacity filters (long lasting for tap/well water)</a:t>
+            </a:r>
+          </a:p>
+          <a:p>
+            <a:pPr marL="380990" indent="-380990">
+              <a:buFont typeface="Arial" panose="020B0604020202020204" pitchFamily="34" charset="0"/>
+              <a:buChar char="•"/>
+            </a:pPr>
+            <a:r>
+              <a:rPr lang="en-US" sz="1400">
+                <a:latin typeface="Calibri" panose="020F0502020204030204" pitchFamily="34" charset="0"/>
+                <a:cs typeface="Calibri" panose="020F0502020204030204" pitchFamily="34" charset="0"/>
+              </a:rPr>
+              <a:t>Effectively remove chemicals (i.e. chlorine), taste and odors. </a:t>
+            </a:r>
+          </a:p>
+          <a:p>
+            <a:pPr marL="380990" indent="-380990">
+              <a:buFont typeface="Arial" panose="020B0604020202020204" pitchFamily="34" charset="0"/>
+              <a:buChar char="•"/>
+            </a:pPr>
+            <a:r>
+              <a:rPr lang="en-US" sz="1400">
+                <a:latin typeface="Calibri" panose="020F0502020204030204" pitchFamily="34" charset="0"/>
+                <a:cs typeface="Calibri" panose="020F0502020204030204" pitchFamily="34" charset="0"/>
+              </a:rPr>
+              <a:t>NOT designed for TDS removal (TDS = Total Dissolved Solids, mostly inorganic salts)</a:t>
+            </a:r>
+          </a:p>
+          <a:p>
+            <a:pPr marL="380990" indent="-380990">
+              <a:buFont typeface="Arial" panose="020B0604020202020204" pitchFamily="34" charset="0"/>
+              <a:buChar char="•"/>
+            </a:pPr>
+            <a:r>
+              <a:rPr lang="en-US" sz="1400">
+                <a:latin typeface="Calibri" panose="020F0502020204030204" pitchFamily="34" charset="0"/>
+                <a:cs typeface="Calibri" panose="020F0502020204030204" pitchFamily="34" charset="0"/>
+              </a:rPr>
+              <a:t>Feed Water Pressure 20-85 psi</a:t>
+            </a:r>
+          </a:p>
+        </p:txBody>
+      </p:sp>
+      <p:pic>
+        <p:nvPicPr>
+          <p:cNvPr id="3" name="Picture 2">
+            <a:extLst>
+              <a:ext uri="{FF2B5EF4-FFF2-40B4-BE49-F238E27FC236}">
+                <a16:creationId xmlns:a16="http://schemas.microsoft.com/office/drawing/2014/main" id="{540F9D71-967A-4FC2-0617-46A559CBDD37}"/>
+              </a:ext>
+            </a:extLst>
+          </p:cNvPr>
+          <p:cNvPicPr>
+            <a:picLocks noChangeAspect="1"/>
+          </p:cNvPicPr>
+          <p:nvPr/>
+        </p:nvPicPr>
+        <p:blipFill>
+          <a:blip r:embed="rId2" cstate="email">
+            <a:extLst>
+              <a:ext uri="{28A0092B-C50C-407E-A947-70E740481C1C}">
+                <a14:useLocalDpi xmlns:a14="http://schemas.microsoft.com/office/drawing/2010/main"/>
+              </a:ext>
+            </a:extLst>
+          </a:blip>
+          <a:stretch>
+            <a:fillRect/>
+          </a:stretch>
+        </p:blipFill>
+        <p:spPr>
+          <a:xfrm>
+            <a:off x="7527236" y="348814"/>
+            <a:ext cx="4327053" cy="3550797"/>
+          </a:xfrm>
+          <a:prstGeom prst="rect">
+            <a:avLst/>
+          </a:prstGeom>
+        </p:spPr>
+      </p:pic>
+      <p:sp>
+        <p:nvSpPr>
+          <p:cNvPr id="7" name="TextBox 6">
+            <a:extLst>
+              <a:ext uri="{FF2B5EF4-FFF2-40B4-BE49-F238E27FC236}">
+                <a16:creationId xmlns:a16="http://schemas.microsoft.com/office/drawing/2014/main" id="{18C74B23-E624-FDE1-E534-36B260714739}"/>
+              </a:ext>
+            </a:extLst>
+          </p:cNvPr>
+          <p:cNvSpPr txBox="1"/>
+          <p:nvPr/>
+        </p:nvSpPr>
+        <p:spPr>
+          <a:xfrm>
+            <a:off x="7824084" y="4033829"/>
+            <a:ext cx="4166483" cy="1138966"/>
+          </a:xfrm>
+          <a:prstGeom prst="rect">
+            <a:avLst/>
+          </a:prstGeom>
+          <a:noFill/>
+        </p:spPr>
+        <p:txBody>
+          <a:bodyPr wrap="square" rtlCol="0">
+            <a:spAutoFit/>
+          </a:bodyPr>
+          <a:lstStyle/>
+          <a:p>
+            <a:pPr algn="ctr"/>
+            <a:r>
+              <a:rPr lang="en-US" sz="1867"/>
+              <a:t>APEC Water Systems WFS-1000</a:t>
+            </a:r>
+          </a:p>
+          <a:p>
+            <a:pPr algn="ctr"/>
+            <a:r>
+              <a:rPr lang="en-US" sz="1867"/>
+              <a:t>3 Stage Under-Sink Water Filter System</a:t>
+            </a:r>
+          </a:p>
+          <a:p>
+            <a:pPr algn="ctr"/>
+            <a:r>
+              <a:rPr lang="en-US" sz="1867"/>
+              <a:t>$140</a:t>
+            </a:r>
+          </a:p>
+          <a:p>
+            <a:pPr algn="ctr"/>
+            <a:r>
+              <a:rPr lang="en-US" sz="1200">
+                <a:hlinkClick r:id="rId3"/>
+              </a:rPr>
+              <a:t>https://www.amazon.com/gp/product/B00TT9I2PS/</a:t>
+            </a:r>
+            <a:endParaRPr lang="en-US" sz="1200"/>
+          </a:p>
+        </p:txBody>
+      </p:sp>
+      <p:sp>
+        <p:nvSpPr>
+          <p:cNvPr id="8" name="TextBox 7">
+            <a:extLst>
+              <a:ext uri="{FF2B5EF4-FFF2-40B4-BE49-F238E27FC236}">
+                <a16:creationId xmlns:a16="http://schemas.microsoft.com/office/drawing/2014/main" id="{5FDCC917-1F6E-A479-54F5-04719F37682F}"/>
+              </a:ext>
+            </a:extLst>
+          </p:cNvPr>
+          <p:cNvSpPr txBox="1"/>
+          <p:nvPr/>
+        </p:nvSpPr>
+        <p:spPr>
+          <a:xfrm>
+            <a:off x="2030010" y="3002874"/>
+            <a:ext cx="4746572" cy="1600438"/>
+          </a:xfrm>
+          <a:prstGeom prst="rect">
+            <a:avLst/>
+          </a:prstGeom>
+          <a:solidFill>
+            <a:schemeClr val="accent4">
+              <a:lumMod val="20000"/>
+              <a:lumOff val="80000"/>
+            </a:schemeClr>
+          </a:solidFill>
+          <a:ln>
+            <a:solidFill>
+              <a:srgbClr val="FF0000"/>
+            </a:solidFill>
+          </a:ln>
+        </p:spPr>
+        <p:txBody>
+          <a:bodyPr wrap="square" rtlCol="0">
+            <a:spAutoFit/>
+          </a:bodyPr>
+          <a:lstStyle/>
+          <a:p>
+            <a:r>
+              <a:rPr lang="en-US" sz="1400">
+                <a:latin typeface="Calibri" panose="020F0502020204030204" pitchFamily="34" charset="0"/>
+                <a:cs typeface="Calibri" panose="020F0502020204030204" pitchFamily="34" charset="0"/>
+              </a:rPr>
+              <a:t>Installed July 2022</a:t>
+            </a:r>
+          </a:p>
+          <a:p>
+            <a:r>
+              <a:rPr lang="en-US" sz="1400">
+                <a:latin typeface="Calibri" panose="020F0502020204030204" pitchFamily="34" charset="0"/>
+                <a:cs typeface="Calibri" panose="020F0502020204030204" pitchFamily="34" charset="0"/>
+              </a:rPr>
+              <a:t>Filters last 1 year</a:t>
+            </a:r>
+          </a:p>
+          <a:p>
+            <a:endParaRPr lang="en-US" sz="1400">
+              <a:latin typeface="Calibri" panose="020F0502020204030204" pitchFamily="34" charset="0"/>
+              <a:cs typeface="Calibri" panose="020F0502020204030204" pitchFamily="34" charset="0"/>
+            </a:endParaRPr>
+          </a:p>
+          <a:p>
+            <a:r>
+              <a:rPr lang="en-US" sz="1400">
+                <a:latin typeface="Calibri" panose="020F0502020204030204" pitchFamily="34" charset="0"/>
+                <a:cs typeface="Calibri" panose="020F0502020204030204" pitchFamily="34" charset="0"/>
+              </a:rPr>
+              <a:t>Three filters:</a:t>
+            </a:r>
+          </a:p>
+          <a:p>
+            <a:pPr marL="380990" indent="-380990">
+              <a:buFont typeface="Arial" panose="020B0604020202020204" pitchFamily="34" charset="0"/>
+              <a:buChar char="•"/>
+            </a:pPr>
+            <a:r>
+              <a:rPr lang="en-US" sz="1400">
+                <a:latin typeface="Calibri" panose="020F0502020204030204" pitchFamily="34" charset="0"/>
+                <a:cs typeface="Calibri" panose="020F0502020204030204" pitchFamily="34" charset="0"/>
+              </a:rPr>
+              <a:t>Stage1: 1-SED10 - 5 micron polypropylene filter</a:t>
+            </a:r>
+          </a:p>
+          <a:p>
+            <a:pPr marL="380990" indent="-380990">
+              <a:buFont typeface="Arial" panose="020B0604020202020204" pitchFamily="34" charset="0"/>
+              <a:buChar char="•"/>
+            </a:pPr>
+            <a:r>
+              <a:rPr lang="en-US" sz="1400">
+                <a:latin typeface="Calibri" panose="020F0502020204030204" pitchFamily="34" charset="0"/>
+                <a:cs typeface="Calibri" panose="020F0502020204030204" pitchFamily="34" charset="0"/>
+              </a:rPr>
+              <a:t>Stage2: 23-CAB10 - 10" Extruded Carbon Block Filter</a:t>
+            </a:r>
+          </a:p>
+          <a:p>
+            <a:pPr marL="380990" indent="-380990">
+              <a:buFont typeface="Arial" panose="020B0604020202020204" pitchFamily="34" charset="0"/>
+              <a:buChar char="•"/>
+            </a:pPr>
+            <a:r>
+              <a:rPr lang="en-US" sz="1400">
+                <a:latin typeface="Calibri" panose="020F0502020204030204" pitchFamily="34" charset="0"/>
+                <a:cs typeface="Calibri" panose="020F0502020204030204" pitchFamily="34" charset="0"/>
+              </a:rPr>
+              <a:t>Stage3: 23-CAB10 - 10" Extruded Carbon Block Filter</a:t>
+            </a:r>
+          </a:p>
+        </p:txBody>
+      </p:sp>
+    </p:spTree>
+    <p:extLst>
+      <p:ext uri="{BB962C8B-B14F-4D97-AF65-F5344CB8AC3E}">
+        <p14:creationId xmlns:p14="http://schemas.microsoft.com/office/powerpoint/2010/main" val="841536658"/>
+      </p:ext>
+    </p:extLst>
+  </p:cSld>
+  <p:clrMapOvr>
+    <a:masterClrMapping/>
+  </p:clrMapOvr>
+</p:sld>
+</file>
+
+<file path=ppt/slides/slide12.xml><?xml version="1.0" encoding="utf-8"?>
+<p:sld xmlns:a="http://schemas.openxmlformats.org/drawingml/2006/main" xmlns:r="http://schemas.openxmlformats.org/officeDocument/2006/relationships" xmlns:p="http://schemas.openxmlformats.org/presentationml/2006/main">
+  <p:cSld>
+    <p:spTree>
+      <p:nvGrpSpPr>
+        <p:cNvPr id="1" name=""/>
+        <p:cNvGrpSpPr/>
+        <p:nvPr/>
+      </p:nvGrpSpPr>
+      <p:grpSpPr>
+        <a:xfrm>
+          <a:off x="0" y="0"/>
+          <a:ext cx="0" cy="0"/>
+          <a:chOff x="0" y="0"/>
+          <a:chExt cx="0" cy="0"/>
+        </a:xfrm>
+      </p:grpSpPr>
+      <p:sp>
+        <p:nvSpPr>
+          <p:cNvPr id="2" name="TextBox 1">
+            <a:extLst>
+              <a:ext uri="{FF2B5EF4-FFF2-40B4-BE49-F238E27FC236}">
                 <a16:creationId xmlns:a16="http://schemas.microsoft.com/office/drawing/2014/main" id="{BE8C4478-0E75-EC09-B6E7-896C1A54BE64}"/>
               </a:ext>
             </a:extLst>
@@ -4467,7 +5906,13 @@
   <p:cSld>
     <p:spTree>
       <p:nvGrpSpPr>
-        <p:cNvPr id="1" name=""/>
+        <p:cNvPr id="1" name="">
+          <a:extLst>
+            <a:ext uri="{FF2B5EF4-FFF2-40B4-BE49-F238E27FC236}">
+              <a16:creationId xmlns:a16="http://schemas.microsoft.com/office/drawing/2014/main" id="{D4910259-B951-43D6-BB0A-27FB545096B9}"/>
+            </a:ext>
+          </a:extLst>
+        </p:cNvPr>
         <p:cNvGrpSpPr/>
         <p:nvPr/>
       </p:nvGrpSpPr>
@@ -4479,48 +5924,12 @@
           <a:chExt cx="0" cy="0"/>
         </a:xfrm>
       </p:grpSpPr>
-      <p:pic>
-        <p:nvPicPr>
-          <p:cNvPr id="2" name="Picture 1">
-            <a:extLst>
-              <a:ext uri="{FF2B5EF4-FFF2-40B4-BE49-F238E27FC236}">
-                <a16:creationId xmlns:a16="http://schemas.microsoft.com/office/drawing/2014/main" id="{7F00C257-2E9B-4875-698C-A97E753CCD3D}"/>
-              </a:ext>
-            </a:extLst>
-          </p:cNvPr>
-          <p:cNvPicPr>
-            <a:picLocks noChangeAspect="1"/>
-          </p:cNvPicPr>
-          <p:nvPr/>
-        </p:nvPicPr>
-        <p:blipFill>
-          <a:blip r:embed="rId2" cstate="email">
-            <a:extLst>
-              <a:ext uri="{28A0092B-C50C-407E-A947-70E740481C1C}">
-                <a14:useLocalDpi xmlns:a14="http://schemas.microsoft.com/office/drawing/2010/main"/>
-              </a:ext>
-            </a:extLst>
-          </a:blip>
-          <a:stretch>
-            <a:fillRect/>
-          </a:stretch>
-        </p:blipFill>
-        <p:spPr>
-          <a:xfrm>
-            <a:off x="156648" y="177626"/>
-            <a:ext cx="6521739" cy="4632370"/>
-          </a:xfrm>
-          <a:prstGeom prst="rect">
-            <a:avLst/>
-          </a:prstGeom>
-        </p:spPr>
-      </p:pic>
-      <p:sp>
-        <p:nvSpPr>
-          <p:cNvPr id="3" name="TextBox 2">
-            <a:extLst>
-              <a:ext uri="{FF2B5EF4-FFF2-40B4-BE49-F238E27FC236}">
-                <a16:creationId xmlns:a16="http://schemas.microsoft.com/office/drawing/2014/main" id="{D4FFA798-33DE-E4EC-D1CC-81C127EE9366}"/>
+      <p:sp>
+        <p:nvSpPr>
+          <p:cNvPr id="2" name="TextBox 1">
+            <a:extLst>
+              <a:ext uri="{FF2B5EF4-FFF2-40B4-BE49-F238E27FC236}">
+                <a16:creationId xmlns:a16="http://schemas.microsoft.com/office/drawing/2014/main" id="{BC1A1A83-05E2-7AD8-D698-5FADB2740DFF}"/>
               </a:ext>
             </a:extLst>
           </p:cNvPr>
@@ -4529,8 +5938,8 @@
         </p:nvSpPr>
         <p:spPr>
           <a:xfrm>
-            <a:off x="7610894" y="55510"/>
-            <a:ext cx="4162963" cy="523220"/>
+            <a:off x="1" y="79785"/>
+            <a:ext cx="3815254" cy="461665"/>
           </a:xfrm>
           <a:prstGeom prst="rect">
             <a:avLst/>
@@ -4543,68 +5952,26 @@
           </a:bodyPr>
           <a:lstStyle/>
           <a:p>
-            <a:r>
-              <a:rPr lang="en-US" sz="1400"/>
-              <a:t>Good overview of how well and tanks work together:</a:t>
-            </a:r>
-            <a:br>
-              <a:rPr lang="en-US" sz="1400"/>
-            </a:br>
-            <a:r>
-              <a:rPr lang="en-US" sz="1400"/>
-              <a:t>.. </a:t>
-            </a:r>
-            <a:r>
-              <a:rPr lang="en-US" sz="1400">
-                <a:hlinkClick r:id="rId3"/>
+            <a:pPr algn="l"/>
+            <a:r>
+              <a:rPr lang="en-US" sz="2400" b="1" i="0" dirty="0">
+                <a:solidFill>
+                  <a:srgbClr val="0F0F0F"/>
+                </a:solidFill>
+                <a:effectLst/>
+                <a:latin typeface="Roboto" panose="02000000000000000000" pitchFamily="2" charset="0"/>
               </a:rPr>
-              <a:t>https://www.youtube.com/watch?v=X4TZoFIsE2w</a:t>
-            </a:r>
-            <a:endParaRPr lang="en-US" sz="1400"/>
-          </a:p>
-        </p:txBody>
-      </p:sp>
-      <p:pic>
-        <p:nvPicPr>
-          <p:cNvPr id="5" name="Picture 4">
-            <a:extLst>
-              <a:ext uri="{FF2B5EF4-FFF2-40B4-BE49-F238E27FC236}">
-                <a16:creationId xmlns:a16="http://schemas.microsoft.com/office/drawing/2014/main" id="{0715600A-4014-50EA-5DCD-38FB9266DDBB}"/>
-              </a:ext>
-            </a:extLst>
-          </p:cNvPr>
-          <p:cNvPicPr>
-            <a:picLocks noChangeAspect="1"/>
-          </p:cNvPicPr>
-          <p:nvPr/>
-        </p:nvPicPr>
-        <p:blipFill rotWithShape="1">
-          <a:blip r:embed="rId4" cstate="email">
-            <a:extLst>
-              <a:ext uri="{28A0092B-C50C-407E-A947-70E740481C1C}">
-                <a14:useLocalDpi xmlns:a14="http://schemas.microsoft.com/office/drawing/2010/main"/>
-              </a:ext>
-            </a:extLst>
-          </a:blip>
-          <a:srcRect/>
-          <a:stretch/>
-        </p:blipFill>
-        <p:spPr>
-          <a:xfrm>
-            <a:off x="7741085" y="611200"/>
-            <a:ext cx="3670126" cy="2141216"/>
-          </a:xfrm>
-          <a:prstGeom prst="rect">
-            <a:avLst/>
-          </a:prstGeom>
-        </p:spPr>
-      </p:pic>
-      <p:sp>
-        <p:nvSpPr>
-          <p:cNvPr id="6" name="TextBox 5">
-            <a:extLst>
-              <a:ext uri="{FF2B5EF4-FFF2-40B4-BE49-F238E27FC236}">
-                <a16:creationId xmlns:a16="http://schemas.microsoft.com/office/drawing/2014/main" id="{BF36CA4E-9BCB-1838-CDC0-E268EDAC5BCC}"/>
+              <a:t>Whole House Water Filter</a:t>
+            </a:r>
+          </a:p>
+        </p:txBody>
+      </p:sp>
+      <p:sp>
+        <p:nvSpPr>
+          <p:cNvPr id="5" name="TextBox 4">
+            <a:extLst>
+              <a:ext uri="{FF2B5EF4-FFF2-40B4-BE49-F238E27FC236}">
+                <a16:creationId xmlns:a16="http://schemas.microsoft.com/office/drawing/2014/main" id="{FBF0692C-F885-D578-CB9B-76F234462292}"/>
               </a:ext>
             </a:extLst>
           </p:cNvPr>
@@ -4613,8 +5980,8 @@
         </p:nvSpPr>
         <p:spPr>
           <a:xfrm>
-            <a:off x="1215100" y="5671047"/>
-            <a:ext cx="5235805" cy="1169551"/>
+            <a:off x="88556" y="541450"/>
+            <a:ext cx="4610911" cy="1955022"/>
           </a:xfrm>
           <a:prstGeom prst="rect">
             <a:avLst/>
@@ -4627,58 +5994,126 @@
           </a:bodyPr>
           <a:lstStyle/>
           <a:p>
-            <a:pPr marL="285750" indent="-285750">
-              <a:buFont typeface="Arial" panose="020B0604020202020204" pitchFamily="34" charset="0"/>
-              <a:buChar char="•"/>
+            <a:pPr rtl="0">
+              <a:lnSpc>
+                <a:spcPts val="2100"/>
+              </a:lnSpc>
             </a:pPr>
             <a:r>
-              <a:rPr lang="en-US" sz="1400"/>
-              <a:t>Check valve (passes water only in one direction)</a:t>
-            </a:r>
-          </a:p>
-          <a:p>
-            <a:pPr marL="285750" indent="-285750">
-              <a:buFont typeface="Arial" panose="020B0604020202020204" pitchFamily="34" charset="0"/>
-              <a:buChar char="•"/>
+              <a:rPr lang="en-US" sz="1400" b="0" i="0" dirty="0">
+                <a:solidFill>
+                  <a:srgbClr val="202020"/>
+                </a:solidFill>
+                <a:effectLst/>
+                <a:latin typeface="helvetica-neue"/>
+              </a:rPr>
+              <a:t>The WH-HD200-C housing 1 inch outlets (with bracket)</a:t>
+            </a:r>
+          </a:p>
+          <a:p>
+            <a:pPr rtl="0">
+              <a:lnSpc>
+                <a:spcPts val="2100"/>
+              </a:lnSpc>
             </a:pPr>
             <a:r>
-              <a:rPr lang="en-US" sz="1400" b="1">
+              <a:rPr lang="en-US" sz="1400" b="0" i="0" dirty="0">
+                <a:effectLst/>
+                <a:latin typeface="Roboto" panose="02000000000000000000" pitchFamily="2" charset="0"/>
+                <a:hlinkClick r:id="rId3"/>
+              </a:rPr>
+              <a:t>https://www.amazon.com/dp/B01JIRLRXY</a:t>
+            </a:r>
+            <a:r>
+              <a:rPr lang="en-US" sz="1400" b="0" i="0" dirty="0">
+                <a:effectLst/>
+                <a:latin typeface="Roboto" panose="02000000000000000000" pitchFamily="2" charset="0"/>
+              </a:rPr>
+              <a:t> - housing</a:t>
+            </a:r>
+          </a:p>
+          <a:p>
+            <a:pPr rtl="0">
+              <a:lnSpc>
+                <a:spcPts val="2100"/>
+              </a:lnSpc>
+            </a:pPr>
+            <a:endParaRPr lang="en-US" sz="1400" dirty="0">
+              <a:solidFill>
+                <a:srgbClr val="202020"/>
+              </a:solidFill>
+              <a:latin typeface="Roboto" panose="02000000000000000000" pitchFamily="2" charset="0"/>
+            </a:endParaRPr>
+          </a:p>
+          <a:p>
+            <a:pPr rtl="0">
+              <a:lnSpc>
+                <a:spcPts val="2100"/>
+              </a:lnSpc>
+            </a:pPr>
+            <a:r>
+              <a:rPr lang="en-US" sz="1400" dirty="0">
                 <a:solidFill>
-                  <a:srgbClr val="FF0000"/>
+                  <a:srgbClr val="202020"/>
                 </a:solidFill>
+                <a:latin typeface="Roboto" panose="02000000000000000000" pitchFamily="2" charset="0"/>
               </a:rPr>
-              <a:t>"Well-T" or "Well Manifold"</a:t>
-            </a:r>
-            <a:br>
-              <a:rPr lang="en-US" sz="1400"/>
-            </a:br>
-            <a:r>
-              <a:rPr lang="en-US" sz="1400"/>
-              <a:t>The gaige shows pressure as it goes up/down</a:t>
-            </a:r>
-            <a:br>
-              <a:rPr lang="en-US" sz="1400"/>
-            </a:br>
-            <a:r>
-              <a:rPr lang="en-US" sz="1400"/>
-              <a:t>Pressure switch turns pump on/off</a:t>
-            </a:r>
-            <a:br>
-              <a:rPr lang="en-US" sz="1400"/>
-            </a:br>
-            <a:r>
-              <a:rPr lang="en-US" sz="1400"/>
-              <a:t>Safety switch (safety valve) to release pressure above ... (75 psi ?)</a:t>
+              <a:t>Filter for it:</a:t>
+            </a:r>
+          </a:p>
+          <a:p>
+            <a:pPr>
+              <a:lnSpc>
+                <a:spcPts val="2100"/>
+              </a:lnSpc>
+            </a:pPr>
+            <a:r>
+              <a:rPr lang="en-US" sz="1400" b="0" i="0" dirty="0">
+                <a:solidFill>
+                  <a:srgbClr val="0F1111"/>
+                </a:solidFill>
+                <a:effectLst/>
+                <a:latin typeface="Amazon Ember"/>
+              </a:rPr>
+              <a:t>Culligan RFC-BBSA 25 Micron Whole House Water Filter for Sediment, 10" x 4.5"</a:t>
+            </a:r>
+            <a:endParaRPr lang="en-US" sz="1400" dirty="0">
+              <a:solidFill>
+                <a:srgbClr val="202020"/>
+              </a:solidFill>
+              <a:latin typeface="helvetica-neue"/>
+            </a:endParaRPr>
+          </a:p>
+          <a:p>
+            <a:pPr rtl="0">
+              <a:lnSpc>
+                <a:spcPts val="2100"/>
+              </a:lnSpc>
+            </a:pPr>
+            <a:r>
+              <a:rPr lang="en-US" sz="1400" b="0" i="0" dirty="0">
+                <a:effectLst/>
+                <a:latin typeface="Roboto" panose="02000000000000000000" pitchFamily="2" charset="0"/>
+                <a:hlinkClick r:id="rId4"/>
+              </a:rPr>
+              <a:t>https://www.amazon.com/dp/B000BQN6MM</a:t>
+            </a:r>
+            <a:r>
+              <a:rPr lang="en-US" sz="1400" b="0" i="0" dirty="0">
+                <a:effectLst/>
+                <a:latin typeface="Roboto" panose="02000000000000000000" pitchFamily="2" charset="0"/>
+              </a:rPr>
+              <a:t> – filter</a:t>
             </a:r>
           </a:p>
         </p:txBody>
       </p:sp>
       <p:pic>
         <p:nvPicPr>
-          <p:cNvPr id="7" name="Picture 6">
-            <a:extLst>
-              <a:ext uri="{FF2B5EF4-FFF2-40B4-BE49-F238E27FC236}">
-                <a16:creationId xmlns:a16="http://schemas.microsoft.com/office/drawing/2014/main" id="{BAB19D81-C676-39C9-D0A7-0163509A7F1D}"/>
+          <p:cNvPr id="3" name="Picture 2">
+            <a:extLst>
+              <a:ext uri="{FF2B5EF4-FFF2-40B4-BE49-F238E27FC236}">
+                <a16:creationId xmlns:a16="http://schemas.microsoft.com/office/drawing/2014/main" id="{D91C048D-7927-9611-FE1D-700A1404B576}"/>
               </a:ext>
             </a:extLst>
           </p:cNvPr>
@@ -4701,151 +6136,87 @@
         </p:blipFill>
         <p:spPr>
           <a:xfrm>
-            <a:off x="7966552" y="3780802"/>
-            <a:ext cx="3281541" cy="1890245"/>
+            <a:off x="142745" y="2601120"/>
+            <a:ext cx="2640013" cy="2830649"/>
           </a:xfrm>
           <a:prstGeom prst="rect">
             <a:avLst/>
           </a:prstGeom>
         </p:spPr>
       </p:pic>
-      <p:sp>
-        <p:nvSpPr>
-          <p:cNvPr id="8" name="Right Arrow 7">
-            <a:extLst>
-              <a:ext uri="{FF2B5EF4-FFF2-40B4-BE49-F238E27FC236}">
-                <a16:creationId xmlns:a16="http://schemas.microsoft.com/office/drawing/2014/main" id="{CE25F385-45EA-0DE0-64F6-34CBF533582B}"/>
-              </a:ext>
-            </a:extLst>
-          </p:cNvPr>
-          <p:cNvSpPr/>
+      <p:pic>
+        <p:nvPicPr>
+          <p:cNvPr id="4" name="Picture 3">
+            <a:extLst>
+              <a:ext uri="{FF2B5EF4-FFF2-40B4-BE49-F238E27FC236}">
+                <a16:creationId xmlns:a16="http://schemas.microsoft.com/office/drawing/2014/main" id="{3BAD0173-9154-3BBA-5C43-D420BDE09A7F}"/>
+              </a:ext>
+            </a:extLst>
+          </p:cNvPr>
+          <p:cNvPicPr>
+            <a:picLocks noChangeAspect="1"/>
+          </p:cNvPicPr>
           <p:nvPr/>
-        </p:nvSpPr>
-        <p:spPr>
-          <a:xfrm rot="20404076" flipV="1">
-            <a:off x="6162420" y="5649089"/>
-            <a:ext cx="1649033" cy="226904"/>
-          </a:xfrm>
-          <a:prstGeom prst="rightArrow">
+        </p:nvPicPr>
+        <p:blipFill>
+          <a:blip r:embed="rId6" cstate="email">
+            <a:extLst>
+              <a:ext uri="{28A0092B-C50C-407E-A947-70E740481C1C}">
+                <a14:useLocalDpi xmlns:a14="http://schemas.microsoft.com/office/drawing/2010/main"/>
+              </a:ext>
+            </a:extLst>
+          </a:blip>
+          <a:stretch>
+            <a:fillRect/>
+          </a:stretch>
+        </p:blipFill>
+        <p:spPr>
+          <a:xfrm>
+            <a:off x="2917927" y="2784726"/>
+            <a:ext cx="1398539" cy="2647043"/>
+          </a:xfrm>
+          <a:prstGeom prst="rect">
+            <a:avLst/>
+          </a:prstGeom>
+        </p:spPr>
+      </p:pic>
+      <p:sp>
+        <p:nvSpPr>
+          <p:cNvPr id="6" name="TextBox 5">
+            <a:extLst>
+              <a:ext uri="{FF2B5EF4-FFF2-40B4-BE49-F238E27FC236}">
+                <a16:creationId xmlns:a16="http://schemas.microsoft.com/office/drawing/2014/main" id="{A46F4889-3D96-8244-593F-C4FCEBC32C4D}"/>
+              </a:ext>
+            </a:extLst>
+          </p:cNvPr>
+          <p:cNvSpPr txBox="1"/>
+          <p:nvPr/>
+        </p:nvSpPr>
+        <p:spPr>
+          <a:xfrm>
+            <a:off x="5412188" y="204806"/>
+            <a:ext cx="6637067" cy="3323987"/>
+          </a:xfrm>
+          <a:prstGeom prst="rect">
             <a:avLst/>
           </a:prstGeom>
           <a:solidFill>
-            <a:srgbClr val="FFFF00"/>
+            <a:schemeClr val="accent4">
+              <a:lumMod val="20000"/>
+              <a:lumOff val="80000"/>
+            </a:schemeClr>
           </a:solidFill>
-        </p:spPr>
-        <p:style>
-          <a:lnRef idx="2">
-            <a:schemeClr val="accent1">
-              <a:shade val="50000"/>
-            </a:schemeClr>
-          </a:lnRef>
-          <a:fillRef idx="1">
-            <a:schemeClr val="accent1"/>
-          </a:fillRef>
-          <a:effectRef idx="0">
-            <a:schemeClr val="accent1"/>
-          </a:effectRef>
-          <a:fontRef idx="minor">
-            <a:schemeClr val="lt1"/>
-          </a:fontRef>
-        </p:style>
-        <p:txBody>
-          <a:bodyPr rtlCol="0" anchor="ctr"/>
-          <a:lstStyle/>
-          <a:p>
-            <a:pPr algn="ctr"/>
-            <a:endParaRPr lang="en-US"/>
-          </a:p>
-        </p:txBody>
-      </p:sp>
-      <p:sp>
-        <p:nvSpPr>
-          <p:cNvPr id="9" name="Right Arrow 8">
-            <a:extLst>
-              <a:ext uri="{FF2B5EF4-FFF2-40B4-BE49-F238E27FC236}">
-                <a16:creationId xmlns:a16="http://schemas.microsoft.com/office/drawing/2014/main" id="{F9C2C459-DE34-505D-2276-648D75B4F33F}"/>
-              </a:ext>
-            </a:extLst>
-          </p:cNvPr>
-          <p:cNvSpPr/>
-          <p:nvPr/>
-        </p:nvSpPr>
-        <p:spPr>
-          <a:xfrm rot="16423705">
-            <a:off x="2379489" y="4258624"/>
-            <a:ext cx="2478784" cy="234558"/>
-          </a:xfrm>
-          <a:prstGeom prst="rightArrow">
-            <a:avLst/>
-          </a:prstGeom>
-          <a:solidFill>
-            <a:srgbClr val="FFFF00"/>
-          </a:solidFill>
-        </p:spPr>
-        <p:style>
-          <a:lnRef idx="2">
-            <a:schemeClr val="accent1">
-              <a:shade val="50000"/>
-            </a:schemeClr>
-          </a:lnRef>
-          <a:fillRef idx="1">
-            <a:schemeClr val="accent1"/>
-          </a:fillRef>
-          <a:effectRef idx="0">
-            <a:schemeClr val="accent1"/>
-          </a:effectRef>
-          <a:fontRef idx="minor">
-            <a:schemeClr val="lt1"/>
-          </a:fontRef>
-        </p:style>
-        <p:txBody>
-          <a:bodyPr rtlCol="0" anchor="ctr"/>
-          <a:lstStyle/>
-          <a:p>
-            <a:pPr algn="ctr"/>
-            <a:endParaRPr lang="en-US"/>
-          </a:p>
-        </p:txBody>
-      </p:sp>
-      <p:sp>
-        <p:nvSpPr>
-          <p:cNvPr id="10" name="TextBox 9">
-            <a:extLst>
-              <a:ext uri="{FF2B5EF4-FFF2-40B4-BE49-F238E27FC236}">
-                <a16:creationId xmlns:a16="http://schemas.microsoft.com/office/drawing/2014/main" id="{5E541FAC-5213-E374-C754-CF510BFFDCF1}"/>
-              </a:ext>
-            </a:extLst>
-          </p:cNvPr>
-          <p:cNvSpPr txBox="1"/>
-          <p:nvPr/>
-        </p:nvSpPr>
-        <p:spPr>
-          <a:xfrm>
-            <a:off x="7875112" y="5688615"/>
-            <a:ext cx="3670126" cy="738664"/>
-          </a:xfrm>
-          <a:prstGeom prst="rect">
-            <a:avLst/>
-          </a:prstGeom>
-          <a:noFill/>
+          <a:ln>
+            <a:solidFill>
+              <a:srgbClr val="FF0000"/>
+            </a:solidFill>
+          </a:ln>
         </p:spPr>
         <p:txBody>
           <a:bodyPr wrap="square" rtlCol="0">
             <a:spAutoFit/>
           </a:bodyPr>
           <a:lstStyle/>
-          <a:p>
-            <a:r>
-              <a:rPr lang="en-US" sz="1400" dirty="0">
-                <a:hlinkClick r:id="rId6"/>
-              </a:rPr>
-              <a:t>https://www.amazon.com/Harvard-Boshart-installation-Pressure-pressure/dp/B078WCYK88</a:t>
-            </a:r>
-            <a:r>
-              <a:rPr lang="en-US" sz="1400" dirty="0"/>
-              <a:t> </a:t>
-            </a:r>
-          </a:p>
           <a:p>
             <a:r>
               <a:rPr lang="en-US" sz="1400" b="1" dirty="0">
@@ -4853,15 +6224,293 @@
                   <a:srgbClr val="FF0000"/>
                 </a:solidFill>
               </a:rPr>
-              <a:t>$115</a:t>
-            </a:r>
+              <a:t>Whole House Water Sediment Filter (25 micron)</a:t>
+            </a:r>
+          </a:p>
+          <a:p>
+            <a:pPr marL="176213" indent="-176213">
+              <a:buFont typeface="Arial" panose="020B0604020202020204" pitchFamily="34" charset="0"/>
+              <a:buChar char="•"/>
+            </a:pPr>
+            <a:r>
+              <a:rPr lang="en-US" sz="1400" dirty="0"/>
+              <a:t>Reduces sediment, dirt, sand, silt, and rust particles down to 25 microns.</a:t>
+            </a:r>
+          </a:p>
+          <a:p>
+            <a:pPr marL="176213" indent="-176213">
+              <a:buFont typeface="Arial" panose="020B0604020202020204" pitchFamily="34" charset="0"/>
+              <a:buChar char="•"/>
+            </a:pPr>
+            <a:r>
+              <a:rPr lang="en-US" sz="1400" dirty="0"/>
+              <a:t>Typically made of polypropylene or similar materials.</a:t>
+            </a:r>
+          </a:p>
+          <a:p>
+            <a:pPr marL="176213" indent="-176213">
+              <a:buFont typeface="Arial" panose="020B0604020202020204" pitchFamily="34" charset="0"/>
+              <a:buChar char="•"/>
+            </a:pPr>
+            <a:r>
+              <a:rPr lang="en-US" sz="1400" dirty="0"/>
+              <a:t>Often used as a first stage in whole house filtration systems.</a:t>
+            </a:r>
+          </a:p>
+          <a:p>
+            <a:pPr marL="176213" indent="-176213">
+              <a:buFont typeface="Arial" panose="020B0604020202020204" pitchFamily="34" charset="0"/>
+              <a:buChar char="•"/>
+            </a:pPr>
+            <a:r>
+              <a:rPr lang="en-US" sz="1400" dirty="0"/>
+              <a:t>Filter life: Usually 3-6 months or 20,000-60,000 gallons, depending on water quality.</a:t>
+            </a:r>
+          </a:p>
+          <a:p>
+            <a:pPr marL="176213" indent="-176213">
+              <a:buFont typeface="Arial" panose="020B0604020202020204" pitchFamily="34" charset="0"/>
+              <a:buChar char="•"/>
+            </a:pPr>
+            <a:r>
+              <a:rPr lang="en-US" sz="1400" dirty="0"/>
+              <a:t>Does not address chemical contaminants or dissolved minerals.</a:t>
+            </a:r>
+          </a:p>
+          <a:p>
+            <a:endParaRPr lang="en-US" sz="1400" dirty="0"/>
+          </a:p>
+          <a:p>
+            <a:r>
+              <a:rPr lang="en-US" sz="1400" b="1" dirty="0">
+                <a:solidFill>
+                  <a:srgbClr val="FF0000"/>
+                </a:solidFill>
+              </a:rPr>
+              <a:t>Aqua-Pure Iron and Manganese Reduction System (APIF100DM)</a:t>
+            </a:r>
+          </a:p>
+          <a:p>
+            <a:pPr marL="114300" indent="-114300">
+              <a:buFont typeface="Arial" panose="020B0604020202020204" pitchFamily="34" charset="0"/>
+              <a:buChar char="•"/>
+            </a:pPr>
+            <a:r>
+              <a:rPr lang="en-US" sz="1400" dirty="0"/>
+              <a:t>Reduces iron, manganese, and adjusts </a:t>
+            </a:r>
+            <a:r>
+              <a:rPr lang="en-US" sz="1400" dirty="0" err="1"/>
+              <a:t>pH.</a:t>
+            </a:r>
+            <a:endParaRPr lang="en-US" sz="1400" dirty="0"/>
+          </a:p>
+          <a:p>
+            <a:pPr marL="114300" indent="-114300">
+              <a:buFont typeface="Arial" panose="020B0604020202020204" pitchFamily="34" charset="0"/>
+              <a:buChar char="•"/>
+            </a:pPr>
+            <a:r>
+              <a:rPr lang="en-US" sz="1400" dirty="0"/>
+              <a:t>Uses a chemical-free process to reduce ferrous (dissolved) and bacterial iron.</a:t>
+            </a:r>
+          </a:p>
+          <a:p>
+            <a:pPr marL="114300" indent="-114300">
+              <a:buFont typeface="Arial" panose="020B0604020202020204" pitchFamily="34" charset="0"/>
+              <a:buChar char="•"/>
+            </a:pPr>
+            <a:r>
+              <a:rPr lang="en-US" sz="1400" dirty="0"/>
+              <a:t>Incorporates air induction for iron oxidation.</a:t>
+            </a:r>
+          </a:p>
+          <a:p>
+            <a:pPr marL="114300" indent="-114300">
+              <a:buFont typeface="Arial" panose="020B0604020202020204" pitchFamily="34" charset="0"/>
+              <a:buChar char="•"/>
+            </a:pPr>
+            <a:r>
+              <a:rPr lang="en-US" sz="1400" dirty="0"/>
+              <a:t>Includes a bypass valve with multiple positions, including a diagnostic mode.</a:t>
+            </a:r>
+          </a:p>
+          <a:p>
+            <a:pPr marL="114300" indent="-114300">
+              <a:buFont typeface="Arial" panose="020B0604020202020204" pitchFamily="34" charset="0"/>
+              <a:buChar char="•"/>
+            </a:pPr>
+            <a:r>
+              <a:rPr lang="en-US" sz="1400" dirty="0"/>
+              <a:t>Designed for high iron content in water and hydrogen sulfide gas reduction.</a:t>
+            </a:r>
+          </a:p>
+          <a:p>
+            <a:pPr marL="114300" indent="-114300">
+              <a:buFont typeface="Arial" panose="020B0604020202020204" pitchFamily="34" charset="0"/>
+              <a:buChar char="•"/>
+            </a:pPr>
+            <a:r>
+              <a:rPr lang="en-US" sz="1400" dirty="0"/>
+              <a:t>More complex system compared to simple sediment filters.</a:t>
+            </a:r>
+          </a:p>
+          <a:p>
+            <a:pPr marL="114300" indent="-114300">
+              <a:buFont typeface="Arial" panose="020B0604020202020204" pitchFamily="34" charset="0"/>
+              <a:buChar char="•"/>
+            </a:pPr>
+            <a:r>
+              <a:rPr lang="en-US" sz="1400" dirty="0"/>
+              <a:t>Addresses specific water quality issues beyond just particulate matter.</a:t>
+            </a:r>
+          </a:p>
+        </p:txBody>
+      </p:sp>
+      <p:sp>
+        <p:nvSpPr>
+          <p:cNvPr id="7" name="TextBox 6">
+            <a:extLst>
+              <a:ext uri="{FF2B5EF4-FFF2-40B4-BE49-F238E27FC236}">
+                <a16:creationId xmlns:a16="http://schemas.microsoft.com/office/drawing/2014/main" id="{766219BD-5521-0E29-BFA2-B0E1612D088B}"/>
+              </a:ext>
+            </a:extLst>
+          </p:cNvPr>
+          <p:cNvSpPr txBox="1"/>
+          <p:nvPr/>
+        </p:nvSpPr>
+        <p:spPr>
+          <a:xfrm>
+            <a:off x="5412188" y="3715261"/>
+            <a:ext cx="6637067" cy="2677656"/>
+          </a:xfrm>
+          <a:prstGeom prst="rect">
+            <a:avLst/>
+          </a:prstGeom>
+          <a:solidFill>
+            <a:schemeClr val="accent4">
+              <a:lumMod val="20000"/>
+              <a:lumOff val="80000"/>
+            </a:schemeClr>
+          </a:solidFill>
+          <a:ln>
+            <a:solidFill>
+              <a:srgbClr val="FF0000"/>
+            </a:solidFill>
+          </a:ln>
+        </p:spPr>
+        <p:txBody>
+          <a:bodyPr wrap="square" rtlCol="0">
+            <a:spAutoFit/>
+          </a:bodyPr>
+          <a:lstStyle/>
+          <a:p>
+            <a:r>
+              <a:rPr lang="en-US" sz="1400" dirty="0"/>
+              <a:t>Estimating water usage:</a:t>
+            </a:r>
+          </a:p>
+          <a:p>
+            <a:pPr algn="l"/>
+            <a:r>
+              <a:rPr lang="en-US" sz="1400" b="0" i="0" dirty="0">
+                <a:effectLst/>
+                <a:latin typeface="fkGroteskNeue"/>
+              </a:rPr>
+              <a:t>50-100 gallons per person per day (up to 3,000 per month)</a:t>
+            </a:r>
+          </a:p>
+          <a:p>
+            <a:pPr algn="l"/>
+            <a:r>
+              <a:rPr lang="en-US" sz="1400" b="0" i="0" dirty="0">
+                <a:effectLst/>
+                <a:latin typeface="fkGroteskNeue"/>
+              </a:rPr>
+              <a:t>washing machine: 30 gallons per load</a:t>
+            </a:r>
+          </a:p>
+          <a:p>
+            <a:pPr algn="l"/>
+            <a:r>
+              <a:rPr lang="en-US" sz="1400" b="0" i="0" dirty="0">
+                <a:effectLst/>
+                <a:latin typeface="fkGroteskNeue"/>
+              </a:rPr>
+              <a:t>kitchen sink: 3 gallons per minute </a:t>
+            </a:r>
+          </a:p>
+          <a:p>
+            <a:pPr algn="l"/>
+            <a:r>
+              <a:rPr lang="en-US" sz="1400" b="0" i="0" dirty="0">
+                <a:effectLst/>
+                <a:latin typeface="fkGroteskNeue"/>
+              </a:rPr>
+              <a:t>Bathroom Sink: 2 gallons per minute</a:t>
+            </a:r>
+          </a:p>
+          <a:p>
+            <a:pPr algn="l"/>
+            <a:r>
+              <a:rPr lang="en-US" sz="1400" b="0" i="0" dirty="0">
+                <a:effectLst/>
+                <a:latin typeface="fkGroteskNeue"/>
+              </a:rPr>
+              <a:t>Shower: 5 gallons per minute</a:t>
+            </a:r>
+          </a:p>
+          <a:p>
+            <a:pPr algn="l"/>
+            <a:endParaRPr lang="en-US" sz="1400" dirty="0">
+              <a:latin typeface="fkGroteskNeue"/>
+            </a:endParaRPr>
+          </a:p>
+          <a:p>
+            <a:pPr algn="l"/>
+            <a:r>
+              <a:rPr lang="en-US" sz="1400" dirty="0">
+                <a:latin typeface="fkGroteskNeue"/>
+              </a:rPr>
+              <a:t>Our usage: 50 weeks * 2 days + 2 weeks * 7 days = 114 days</a:t>
+            </a:r>
+          </a:p>
+          <a:p>
+            <a:pPr algn="l"/>
+            <a:r>
+              <a:rPr lang="en-US" sz="1400" dirty="0">
+                <a:latin typeface="fkGroteskNeue"/>
+              </a:rPr>
+              <a:t>Per year: 114 days * 100 gallons * 4 people = 40,000 gallons/year</a:t>
+            </a:r>
+          </a:p>
+          <a:p>
+            <a:pPr algn="l"/>
+            <a:endParaRPr lang="en-US" sz="1400" dirty="0">
+              <a:latin typeface="fkGroteskNeue"/>
+            </a:endParaRPr>
+          </a:p>
+          <a:p>
+            <a:pPr algn="l"/>
+            <a:r>
+              <a:rPr lang="en-US" sz="1400" dirty="0">
+                <a:latin typeface="fkGroteskNeue"/>
+              </a:rPr>
+              <a:t>sediment filter lasts 10K gallons – change every 3 months</a:t>
+            </a:r>
+          </a:p>
+          <a:p>
+            <a:pPr algn="l"/>
+            <a:endParaRPr lang="en-US" sz="1400" dirty="0">
+              <a:latin typeface="fkGroteskNeue"/>
+            </a:endParaRPr>
           </a:p>
         </p:txBody>
       </p:sp>
     </p:spTree>
     <p:extLst>
       <p:ext uri="{BB962C8B-B14F-4D97-AF65-F5344CB8AC3E}">
-        <p14:creationId xmlns:p14="http://schemas.microsoft.com/office/powerpoint/2010/main" val="2443117508"/>
+        <p14:creationId xmlns:p14="http://schemas.microsoft.com/office/powerpoint/2010/main" val="1719878452"/>
       </p:ext>
     </p:extLst>
   </p:cSld>
@@ -4876,7 +6525,13 @@
   <p:cSld>
     <p:spTree>
       <p:nvGrpSpPr>
-        <p:cNvPr id="1" name=""/>
+        <p:cNvPr id="1" name="">
+          <a:extLst>
+            <a:ext uri="{FF2B5EF4-FFF2-40B4-BE49-F238E27FC236}">
+              <a16:creationId xmlns:a16="http://schemas.microsoft.com/office/drawing/2014/main" id="{D4910259-B951-43D6-BB0A-27FB545096B9}"/>
+            </a:ext>
+          </a:extLst>
+        </p:cNvPr>
         <p:cNvGrpSpPr/>
         <p:nvPr/>
       </p:nvGrpSpPr>
@@ -4893,7 +6548,7 @@
           <p:cNvPr id="2" name="TextBox 1">
             <a:extLst>
               <a:ext uri="{FF2B5EF4-FFF2-40B4-BE49-F238E27FC236}">
-                <a16:creationId xmlns:a16="http://schemas.microsoft.com/office/drawing/2014/main" id="{4757653A-2EE0-DEBC-A2B7-206AC9A7185D}"/>
+                <a16:creationId xmlns:a16="http://schemas.microsoft.com/office/drawing/2014/main" id="{BC1A1A83-05E2-7AD8-D698-5FADB2740DFF}"/>
               </a:ext>
             </a:extLst>
           </p:cNvPr>
@@ -4902,8 +6557,8 @@
         </p:nvSpPr>
         <p:spPr>
           <a:xfrm>
-            <a:off x="6812563" y="400799"/>
-            <a:ext cx="4065499" cy="1908215"/>
+            <a:off x="1" y="79785"/>
+            <a:ext cx="4143982" cy="461665"/>
           </a:xfrm>
           <a:prstGeom prst="rect">
             <a:avLst/>
@@ -4916,114 +6571,432 @@
           </a:bodyPr>
           <a:lstStyle/>
           <a:p>
+            <a:pPr algn="l"/>
+            <a:r>
+              <a:rPr lang="en-US" sz="2400" b="1" i="0" dirty="0">
+                <a:solidFill>
+                  <a:srgbClr val="0F0F0F"/>
+                </a:solidFill>
+                <a:effectLst/>
+                <a:latin typeface="Roboto" panose="02000000000000000000" pitchFamily="2" charset="0"/>
+              </a:rPr>
+              <a:t>Iron &amp; Manganese Removal</a:t>
+            </a:r>
+          </a:p>
+        </p:txBody>
+      </p:sp>
+      <p:sp>
+        <p:nvSpPr>
+          <p:cNvPr id="7" name="TextBox 6">
+            <a:extLst>
+              <a:ext uri="{FF2B5EF4-FFF2-40B4-BE49-F238E27FC236}">
+                <a16:creationId xmlns:a16="http://schemas.microsoft.com/office/drawing/2014/main" id="{766219BD-5521-0E29-BFA2-B0E1612D088B}"/>
+              </a:ext>
+            </a:extLst>
+          </p:cNvPr>
+          <p:cNvSpPr txBox="1"/>
+          <p:nvPr/>
+        </p:nvSpPr>
+        <p:spPr>
+          <a:xfrm>
+            <a:off x="125486" y="635730"/>
+            <a:ext cx="8765596" cy="6124754"/>
+          </a:xfrm>
+          <a:prstGeom prst="rect">
+            <a:avLst/>
+          </a:prstGeom>
+          <a:solidFill>
+            <a:schemeClr val="accent4">
+              <a:lumMod val="20000"/>
+              <a:lumOff val="80000"/>
+            </a:schemeClr>
+          </a:solidFill>
+          <a:ln>
+            <a:solidFill>
+              <a:srgbClr val="FF0000"/>
+            </a:solidFill>
+          </a:ln>
+        </p:spPr>
+        <p:txBody>
+          <a:bodyPr wrap="square" rtlCol="0">
+            <a:spAutoFit/>
+          </a:bodyPr>
+          <a:lstStyle/>
+          <a:p>
             <a:r>
               <a:rPr lang="en-US" sz="1400" dirty="0"/>
-              <a:t>Why </a:t>
+              <a:t>Our house uses 40,000 gallons of water per year.  We currently have old Aqua-Pure APIF series residential iron and manganese reduction system Model APIF100DM. It was installed in 2014. The model was discontinued in 2016. It is a big tank filled with media that can last for 2-3 years before service appointments. </a:t>
+            </a:r>
+          </a:p>
+          <a:p>
+            <a:endParaRPr lang="en-US" sz="1400" dirty="0"/>
+          </a:p>
+          <a:p>
+            <a:r>
+              <a:rPr lang="en-US" sz="1400" dirty="0"/>
+              <a:t>We can substitute it with a smaller wall-mounted system that uses replaceable cartridges. This change would offer several advantages: Space-saving, Easy DIY maintenance, cost effective (overall).</a:t>
+            </a:r>
+          </a:p>
+          <a:p>
+            <a:endParaRPr lang="en-US" sz="1400" dirty="0"/>
+          </a:p>
+          <a:p>
+            <a:r>
+              <a:rPr lang="en-US" sz="1400" dirty="0"/>
+              <a:t>Example: multi-stage filtration system like the </a:t>
             </a:r>
             <a:r>
               <a:rPr lang="en-US" sz="1400" dirty="0" err="1"/>
-              <a:t>WellXTrol</a:t>
+              <a:t>iSpring</a:t>
             </a:r>
             <a:r>
               <a:rPr lang="en-US" sz="1400" dirty="0"/>
-              <a:t> is the BEST Water Well Pressure Tank. </a:t>
+              <a:t> WGB32BM</a:t>
             </a:r>
           </a:p>
           <a:p>
             <a:r>
               <a:rPr lang="en-US" sz="1400" dirty="0"/>
-              <a:t>(150 PSI) </a:t>
-            </a:r>
-          </a:p>
-          <a:p>
-            <a:r>
-              <a:rPr lang="en-US" sz="1000" dirty="0"/>
-              <a:t>.. </a:t>
-            </a:r>
-            <a:r>
-              <a:rPr lang="en-US" sz="1000" dirty="0">
-                <a:hlinkClick r:id="rId2"/>
-              </a:rPr>
-              <a:t>https://www.youtube.com/watch?v=MmHRJSzZltI</a:t>
-            </a:r>
-            <a:endParaRPr lang="en-US" sz="1000" dirty="0"/>
-          </a:p>
-          <a:p>
-            <a:endParaRPr lang="en-US" sz="1400" dirty="0"/>
-          </a:p>
-          <a:p>
-            <a:r>
-              <a:rPr lang="en-US" sz="1400" dirty="0"/>
-              <a:t>How </a:t>
-            </a:r>
-            <a:r>
-              <a:rPr lang="en-US" sz="1400" dirty="0" err="1"/>
-              <a:t>WellXTroll</a:t>
-            </a:r>
-            <a:r>
-              <a:rPr lang="en-US" sz="1400" dirty="0"/>
-              <a:t> tanks are made</a:t>
-            </a:r>
-          </a:p>
-          <a:p>
-            <a:r>
-              <a:rPr lang="en-US" sz="1000" dirty="0"/>
-              <a:t>.. </a:t>
-            </a:r>
-            <a:r>
-              <a:rPr lang="en-US" sz="1000" dirty="0">
+              <a:t> - </a:t>
+            </a:r>
+            <a:r>
+              <a:rPr lang="en-US" sz="1400" dirty="0">
                 <a:hlinkClick r:id="rId3"/>
               </a:rPr>
-              <a:t>https://www.youtube.com/watch?v=IhBifh7nCtg</a:t>
-            </a:r>
-            <a:endParaRPr lang="en-US" sz="1000" dirty="0"/>
-          </a:p>
-          <a:p>
-            <a:endParaRPr lang="en-US" sz="1400" dirty="0"/>
-          </a:p>
-          <a:p>
+              <a:t>https://www.youtube.com/watch?v=MSv1jDHGU_c</a:t>
+            </a:r>
             <a:r>
               <a:rPr lang="en-US" sz="1400" dirty="0"/>
-              <a:t>Shop </a:t>
-            </a:r>
-            <a:r>
-              <a:rPr lang="en-US" sz="1400" dirty="0" err="1"/>
-              <a:t>Amtrol</a:t>
-            </a:r>
+              <a:t> – video description</a:t>
+            </a:r>
+          </a:p>
+          <a:p>
             <a:r>
               <a:rPr lang="en-US" sz="1400" dirty="0"/>
-              <a:t> Well-X-</a:t>
-            </a:r>
-            <a:r>
-              <a:rPr lang="en-US" sz="1400" dirty="0" err="1"/>
-              <a:t>Trol</a:t>
-            </a:r>
-            <a:r>
-              <a:rPr lang="en-US" sz="1400" dirty="0"/>
-              <a:t> tanks ($700-$1,000):</a:t>
-            </a:r>
-          </a:p>
-          <a:p>
-            <a:r>
-              <a:rPr lang="en-US" sz="1000" dirty="0"/>
-              <a:t>.. </a:t>
-            </a:r>
-            <a:r>
-              <a:rPr lang="en-US" sz="1000" dirty="0">
+              <a:t> - </a:t>
+            </a:r>
+            <a:r>
+              <a:rPr lang="en-US" sz="1400" dirty="0">
                 <a:hlinkClick r:id="rId4"/>
               </a:rPr>
-              <a:t>https://www.rcworst.com/Amtrol/Well-X-Trol-c225.html</a:t>
-            </a:r>
-            <a:endParaRPr lang="en-US" sz="1000" dirty="0"/>
+              <a:t>https://www.youtube.com/watch?v=svoIxJYPTXo</a:t>
+            </a:r>
+            <a:r>
+              <a:rPr lang="en-US" sz="1400" dirty="0"/>
+              <a:t>  - recent description (does not remove arsenic)</a:t>
+            </a:r>
+          </a:p>
+          <a:p>
+            <a:r>
+              <a:rPr lang="en-US" sz="1400" dirty="0"/>
+              <a:t> - </a:t>
+            </a:r>
+            <a:r>
+              <a:rPr lang="en-US" sz="1400" dirty="0">
+                <a:hlinkClick r:id="rId5"/>
+              </a:rPr>
+              <a:t>https://www.amazon.com/dp/B0776ZLQ1V</a:t>
+            </a:r>
+            <a:r>
+              <a:rPr lang="en-US" sz="1400" dirty="0"/>
+              <a:t> - replacement filters ($106)</a:t>
+            </a:r>
+          </a:p>
+          <a:p>
+            <a:r>
+              <a:rPr lang="en-US" sz="1400" dirty="0"/>
+              <a:t> - It has 3 stages of filtration, including specialized iron and manganese removal stage</a:t>
+            </a:r>
+            <a:br>
+              <a:rPr lang="en-US" sz="1400" dirty="0"/>
+            </a:br>
+            <a:r>
+              <a:rPr lang="en-US" sz="1400" dirty="0"/>
+              <a:t>    1</a:t>
+            </a:r>
+            <a:r>
+              <a:rPr lang="en-US" sz="1400" baseline="30000" dirty="0"/>
+              <a:t>st</a:t>
+            </a:r>
+            <a:r>
+              <a:rPr lang="en-US" sz="1400" dirty="0"/>
+              <a:t> stage is a 5 micron sediment filter, 2</a:t>
+            </a:r>
+            <a:r>
+              <a:rPr lang="en-US" sz="1400" baseline="30000" dirty="0"/>
+              <a:t>nd</a:t>
+            </a:r>
+            <a:r>
+              <a:rPr lang="en-US" sz="1400" dirty="0"/>
+              <a:t> stage – carbon filter, 3</a:t>
+            </a:r>
+            <a:r>
+              <a:rPr lang="en-US" sz="1400" baseline="30000" dirty="0"/>
+              <a:t>rd</a:t>
+            </a:r>
+            <a:r>
+              <a:rPr lang="en-US" sz="1400" dirty="0"/>
+              <a:t> stage – specialized filter (Fe, Mg)</a:t>
+            </a:r>
+          </a:p>
+          <a:p>
+            <a:r>
+              <a:rPr lang="en-US" sz="1400" dirty="0"/>
+              <a:t> - Can handle up to 100,000 gallons before replacement</a:t>
+            </a:r>
+          </a:p>
+          <a:p>
+            <a:r>
+              <a:rPr lang="en-US" sz="1400" dirty="0"/>
+              <a:t> - Is wall-mounted and easy to install</a:t>
+            </a:r>
+          </a:p>
+          <a:p>
+            <a:r>
+              <a:rPr lang="en-US" sz="1400" dirty="0"/>
+              <a:t> - supports water flow up to 15 gallons per minute </a:t>
+            </a:r>
+          </a:p>
+          <a:p>
+            <a:endParaRPr lang="en-US" sz="800" dirty="0">
+              <a:latin typeface="Menlo" panose="020B0609030804020204" pitchFamily="49" charset="0"/>
+              <a:ea typeface="Menlo" panose="020B0609030804020204" pitchFamily="49" charset="0"/>
+              <a:cs typeface="Menlo" panose="020B0609030804020204" pitchFamily="49" charset="0"/>
+            </a:endParaRPr>
+          </a:p>
+          <a:p>
+            <a:r>
+              <a:rPr lang="en-US" sz="1000" b="1" dirty="0">
+                <a:solidFill>
+                  <a:srgbClr val="0070C0"/>
+                </a:solidFill>
+                <a:latin typeface="Menlo" panose="020B0609030804020204" pitchFamily="49" charset="0"/>
+                <a:ea typeface="Menlo" panose="020B0609030804020204" pitchFamily="49" charset="0"/>
+                <a:cs typeface="Menlo" panose="020B0609030804020204" pitchFamily="49" charset="0"/>
+              </a:rPr>
+              <a:t>| Feature                | Aqua-Pure APIF100DM[1][3]                | </a:t>
+            </a:r>
+            <a:r>
+              <a:rPr lang="en-US" sz="1000" b="1" dirty="0" err="1">
+                <a:solidFill>
+                  <a:srgbClr val="0070C0"/>
+                </a:solidFill>
+                <a:latin typeface="Menlo" panose="020B0609030804020204" pitchFamily="49" charset="0"/>
+                <a:ea typeface="Menlo" panose="020B0609030804020204" pitchFamily="49" charset="0"/>
+                <a:cs typeface="Menlo" panose="020B0609030804020204" pitchFamily="49" charset="0"/>
+              </a:rPr>
+              <a:t>iSpring</a:t>
+            </a:r>
+            <a:r>
+              <a:rPr lang="en-US" sz="1000" b="1" dirty="0">
+                <a:solidFill>
+                  <a:srgbClr val="0070C0"/>
+                </a:solidFill>
+                <a:latin typeface="Menlo" panose="020B0609030804020204" pitchFamily="49" charset="0"/>
+                <a:ea typeface="Menlo" panose="020B0609030804020204" pitchFamily="49" charset="0"/>
+                <a:cs typeface="Menlo" panose="020B0609030804020204" pitchFamily="49" charset="0"/>
+              </a:rPr>
+              <a:t> WGB32BM[4][6]                  |</a:t>
+            </a:r>
+          </a:p>
+          <a:p>
+            <a:r>
+              <a:rPr lang="en-US" sz="1000" b="1" dirty="0">
+                <a:solidFill>
+                  <a:srgbClr val="0070C0"/>
+                </a:solidFill>
+                <a:latin typeface="Menlo" panose="020B0609030804020204" pitchFamily="49" charset="0"/>
+                <a:ea typeface="Menlo" panose="020B0609030804020204" pitchFamily="49" charset="0"/>
+                <a:cs typeface="Menlo" panose="020B0609030804020204" pitchFamily="49" charset="0"/>
+              </a:rPr>
+              <a:t>|------------------------|------------------------------------------|----------------------------------------|</a:t>
+            </a:r>
+          </a:p>
+          <a:p>
+            <a:r>
+              <a:rPr lang="en-US" sz="1000" b="1" dirty="0">
+                <a:solidFill>
+                  <a:srgbClr val="0070C0"/>
+                </a:solidFill>
+                <a:latin typeface="Menlo" panose="020B0609030804020204" pitchFamily="49" charset="0"/>
+                <a:ea typeface="Menlo" panose="020B0609030804020204" pitchFamily="49" charset="0"/>
+                <a:cs typeface="Menlo" panose="020B0609030804020204" pitchFamily="49" charset="0"/>
+              </a:rPr>
+              <a:t>| Iron Reduction         | Handles high iron concentrations         | Reduces from 3.0 ppm → 0.01 ppm        |</a:t>
+            </a:r>
+          </a:p>
+          <a:p>
+            <a:r>
+              <a:rPr lang="en-US" sz="1000" b="1" dirty="0">
+                <a:solidFill>
+                  <a:srgbClr val="0070C0"/>
+                </a:solidFill>
+                <a:latin typeface="Menlo" panose="020B0609030804020204" pitchFamily="49" charset="0"/>
+                <a:ea typeface="Menlo" panose="020B0609030804020204" pitchFamily="49" charset="0"/>
+                <a:cs typeface="Menlo" panose="020B0609030804020204" pitchFamily="49" charset="0"/>
+              </a:rPr>
+              <a:t>| Manganese Reduction    | Effective for manganese removal          | Reduces from 1.0 ppm → 0.01 ppm        |</a:t>
+            </a:r>
+          </a:p>
+          <a:p>
+            <a:r>
+              <a:rPr lang="en-US" sz="1000" b="1" dirty="0">
+                <a:solidFill>
+                  <a:srgbClr val="0070C0"/>
+                </a:solidFill>
+                <a:latin typeface="Menlo" panose="020B0609030804020204" pitchFamily="49" charset="0"/>
+                <a:ea typeface="Menlo" panose="020B0609030804020204" pitchFamily="49" charset="0"/>
+                <a:cs typeface="Menlo" panose="020B0609030804020204" pitchFamily="49" charset="0"/>
+              </a:rPr>
+              <a:t>| Process                | Air-induced oxidation with MC-10MP media | Catalytic filtration (FM25B cartridge) |</a:t>
+            </a:r>
+          </a:p>
+          <a:p>
+            <a:r>
+              <a:rPr lang="en-US" sz="1000" b="1" dirty="0">
+                <a:solidFill>
+                  <a:srgbClr val="0070C0"/>
+                </a:solidFill>
+                <a:latin typeface="Menlo" panose="020B0609030804020204" pitchFamily="49" charset="0"/>
+                <a:ea typeface="Menlo" panose="020B0609030804020204" pitchFamily="49" charset="0"/>
+                <a:cs typeface="Menlo" panose="020B0609030804020204" pitchFamily="49" charset="0"/>
+              </a:rPr>
+              <a:t>| Max Contaminant Levels | Not explicitly stated                    | Iron ≤3 ppm, Manganese ≤1 ppm          |</a:t>
+            </a:r>
+          </a:p>
+          <a:p>
+            <a:r>
+              <a:rPr lang="en-US" sz="1000" b="1" dirty="0">
+                <a:solidFill>
+                  <a:srgbClr val="0070C0"/>
+                </a:solidFill>
+                <a:latin typeface="Menlo" panose="020B0609030804020204" pitchFamily="49" charset="0"/>
+                <a:ea typeface="Menlo" panose="020B0609030804020204" pitchFamily="49" charset="0"/>
+                <a:cs typeface="Menlo" panose="020B0609030804020204" pitchFamily="49" charset="0"/>
+              </a:rPr>
+              <a:t>| pH Adjustment          | Built-in capability                      | Requires pre-adjusted pH water         |</a:t>
+            </a:r>
+          </a:p>
+          <a:p>
+            <a:r>
+              <a:rPr lang="en-US" sz="1000" b="1" dirty="0">
+                <a:solidFill>
+                  <a:srgbClr val="0070C0"/>
+                </a:solidFill>
+                <a:latin typeface="Menlo" panose="020B0609030804020204" pitchFamily="49" charset="0"/>
+                <a:ea typeface="Menlo" panose="020B0609030804020204" pitchFamily="49" charset="0"/>
+                <a:cs typeface="Menlo" panose="020B0609030804020204" pitchFamily="49" charset="0"/>
+              </a:rPr>
+              <a:t>| Flow Capacity          | 6 GPM                                    | 15 GPM                                 |</a:t>
+            </a:r>
+          </a:p>
+          <a:p>
+            <a:r>
+              <a:rPr lang="en-US" sz="1000" b="1" dirty="0">
+                <a:solidFill>
+                  <a:srgbClr val="0070C0"/>
+                </a:solidFill>
+                <a:latin typeface="Menlo" panose="020B0609030804020204" pitchFamily="49" charset="0"/>
+                <a:ea typeface="Menlo" panose="020B0609030804020204" pitchFamily="49" charset="0"/>
+                <a:cs typeface="Menlo" panose="020B0609030804020204" pitchFamily="49" charset="0"/>
+              </a:rPr>
+              <a:t>| Maintenance            | every 2-3 years                          | every 6-12 months                      |</a:t>
+            </a:r>
+          </a:p>
+          <a:p>
+            <a:r>
+              <a:rPr lang="en-US" sz="1000" b="1" dirty="0">
+                <a:solidFill>
+                  <a:srgbClr val="0070C0"/>
+                </a:solidFill>
+                <a:latin typeface="Menlo" panose="020B0609030804020204" pitchFamily="49" charset="0"/>
+                <a:ea typeface="Menlo" panose="020B0609030804020204" pitchFamily="49" charset="0"/>
+                <a:cs typeface="Menlo" panose="020B0609030804020204" pitchFamily="49" charset="0"/>
+              </a:rPr>
+              <a:t>| Installation           | Large floor-standing tank                | Compact wall-mounted system            |</a:t>
+            </a:r>
+          </a:p>
+          <a:p>
+            <a:r>
+              <a:rPr lang="en-US" sz="1000" b="1" dirty="0">
+                <a:solidFill>
+                  <a:srgbClr val="0070C0"/>
+                </a:solidFill>
+                <a:latin typeface="Menlo" panose="020B0609030804020204" pitchFamily="49" charset="0"/>
+                <a:ea typeface="Menlo" panose="020B0609030804020204" pitchFamily="49" charset="0"/>
+                <a:cs typeface="Menlo" panose="020B0609030804020204" pitchFamily="49" charset="0"/>
+              </a:rPr>
+              <a:t>| Ph level               | adjusts automatically                    |                                        |</a:t>
+            </a:r>
+          </a:p>
+          <a:p>
+            <a:r>
+              <a:rPr lang="en-US" sz="1000" b="1" dirty="0">
+                <a:solidFill>
+                  <a:srgbClr val="0070C0"/>
+                </a:solidFill>
+                <a:latin typeface="Menlo" panose="020B0609030804020204" pitchFamily="49" charset="0"/>
+                <a:ea typeface="Menlo" panose="020B0609030804020204" pitchFamily="49" charset="0"/>
+                <a:cs typeface="Menlo" panose="020B0609030804020204" pitchFamily="49" charset="0"/>
+              </a:rPr>
+              <a:t>| High Contaminant Levels| may be better ?                          |                                        |</a:t>
+            </a:r>
+          </a:p>
+          <a:p>
+            <a:endParaRPr lang="en-US" sz="800" dirty="0">
+              <a:latin typeface="Menlo" panose="020B0609030804020204" pitchFamily="49" charset="0"/>
+              <a:ea typeface="Menlo" panose="020B0609030804020204" pitchFamily="49" charset="0"/>
+              <a:cs typeface="Menlo" panose="020B0609030804020204" pitchFamily="49" charset="0"/>
+            </a:endParaRPr>
+          </a:p>
+          <a:p>
+            <a:r>
+              <a:rPr lang="en-US" sz="800" dirty="0">
+                <a:latin typeface="Menlo" panose="020B0609030804020204" pitchFamily="49" charset="0"/>
+                <a:ea typeface="Menlo" panose="020B0609030804020204" pitchFamily="49" charset="0"/>
+                <a:cs typeface="Menlo" panose="020B0609030804020204" pitchFamily="49" charset="0"/>
+              </a:rPr>
+              <a:t>Note:</a:t>
+            </a:r>
+          </a:p>
+          <a:p>
+            <a:r>
+              <a:rPr lang="en-US" sz="800" dirty="0">
+                <a:latin typeface="Menlo" panose="020B0609030804020204" pitchFamily="49" charset="0"/>
+                <a:ea typeface="Menlo" panose="020B0609030804020204" pitchFamily="49" charset="0"/>
+                <a:cs typeface="Menlo" panose="020B0609030804020204" pitchFamily="49" charset="0"/>
+              </a:rPr>
+              <a:t>Manganese (Mn): Atomic # 25, transition metal</a:t>
+            </a:r>
+          </a:p>
+          <a:p>
+            <a:r>
+              <a:rPr lang="en-US" sz="800" dirty="0">
+                <a:latin typeface="Menlo" panose="020B0609030804020204" pitchFamily="49" charset="0"/>
+                <a:ea typeface="Menlo" panose="020B0609030804020204" pitchFamily="49" charset="0"/>
+                <a:cs typeface="Menlo" panose="020B0609030804020204" pitchFamily="49" charset="0"/>
+              </a:rPr>
+              <a:t>Magnesium (Mg): Atomic # 12, alkaline earth metal</a:t>
+            </a:r>
+          </a:p>
+          <a:p>
+            <a:r>
+              <a:rPr lang="en-US" sz="800" dirty="0">
+                <a:latin typeface="Menlo" panose="020B0609030804020204" pitchFamily="49" charset="0"/>
+                <a:ea typeface="Menlo" panose="020B0609030804020204" pitchFamily="49" charset="0"/>
+                <a:cs typeface="Menlo" panose="020B0609030804020204" pitchFamily="49" charset="0"/>
+              </a:rPr>
+              <a:t>Iron      (Fe): Atomic # 26</a:t>
+            </a:r>
           </a:p>
         </p:txBody>
       </p:sp>
       <p:pic>
         <p:nvPicPr>
-          <p:cNvPr id="3" name="Picture 2">
-            <a:extLst>
-              <a:ext uri="{FF2B5EF4-FFF2-40B4-BE49-F238E27FC236}">
-                <a16:creationId xmlns:a16="http://schemas.microsoft.com/office/drawing/2014/main" id="{7ADB0ECE-D5DF-922D-7CE6-23B98691D7F1}"/>
+          <p:cNvPr id="8" name="Picture 7">
+            <a:extLst>
+              <a:ext uri="{FF2B5EF4-FFF2-40B4-BE49-F238E27FC236}">
+                <a16:creationId xmlns:a16="http://schemas.microsoft.com/office/drawing/2014/main" id="{24B8EDD1-8A4D-1634-25FF-22689BD0050D}"/>
               </a:ext>
             </a:extLst>
           </p:cNvPr>
@@ -5033,7 +7006,7 @@
           <p:nvPr/>
         </p:nvPicPr>
         <p:blipFill>
-          <a:blip r:embed="rId5" cstate="email">
+          <a:blip r:embed="rId6" cstate="email">
             <a:extLst>
               <a:ext uri="{28A0092B-C50C-407E-A947-70E740481C1C}">
                 <a14:useLocalDpi xmlns:a14="http://schemas.microsoft.com/office/drawing/2010/main"/>
@@ -5046,260 +7019,65 @@
         </p:blipFill>
         <p:spPr>
           <a:xfrm>
-            <a:off x="10157589" y="673745"/>
-            <a:ext cx="1955800" cy="5422900"/>
+            <a:off x="9408449" y="878534"/>
+            <a:ext cx="2070924" cy="2442182"/>
           </a:xfrm>
           <a:prstGeom prst="rect">
             <a:avLst/>
           </a:prstGeom>
         </p:spPr>
       </p:pic>
-      <p:sp>
-        <p:nvSpPr>
-          <p:cNvPr id="4" name="TextBox 3">
-            <a:extLst>
-              <a:ext uri="{FF2B5EF4-FFF2-40B4-BE49-F238E27FC236}">
-                <a16:creationId xmlns:a16="http://schemas.microsoft.com/office/drawing/2014/main" id="{BCE4B47E-2CD3-53EB-166D-BFA25D1479B3}"/>
-              </a:ext>
-            </a:extLst>
-          </p:cNvPr>
-          <p:cNvSpPr txBox="1"/>
+      <p:pic>
+        <p:nvPicPr>
+          <p:cNvPr id="1026" name="Picture 2" descr="iSpring WGB32BM Whole House Water Filter System, Reduces Iron, Manganese,  Chlorine, Sediment, Taste, and Odor, 3-Stage Iron Filter Whole House">
+            <a:extLst>
+              <a:ext uri="{FF2B5EF4-FFF2-40B4-BE49-F238E27FC236}">
+                <a16:creationId xmlns:a16="http://schemas.microsoft.com/office/drawing/2014/main" id="{29EA80E1-88DD-E9EB-EF65-E2D834D4671E}"/>
+              </a:ext>
+            </a:extLst>
+          </p:cNvPr>
+          <p:cNvPicPr>
+            <a:picLocks noChangeAspect="1" noChangeArrowheads="1"/>
+          </p:cNvPicPr>
           <p:nvPr/>
-        </p:nvSpPr>
-        <p:spPr>
+        </p:nvPicPr>
+        <p:blipFill>
+          <a:blip r:embed="rId7" cstate="email">
+            <a:extLst>
+              <a:ext uri="{28A0092B-C50C-407E-A947-70E740481C1C}">
+                <a14:useLocalDpi xmlns:a14="http://schemas.microsoft.com/office/drawing/2010/main"/>
+              </a:ext>
+            </a:extLst>
+          </a:blip>
+          <a:srcRect/>
+          <a:stretch>
+            <a:fillRect/>
+          </a:stretch>
+        </p:blipFill>
+        <p:spPr bwMode="auto">
           <a:xfrm>
-            <a:off x="204735" y="350579"/>
-            <a:ext cx="3747155" cy="2462213"/>
+            <a:off x="9040973" y="3429000"/>
+            <a:ext cx="3025541" cy="2269156"/>
           </a:xfrm>
           <a:prstGeom prst="rect">
             <a:avLst/>
           </a:prstGeom>
           <a:noFill/>
-        </p:spPr>
-        <p:txBody>
-          <a:bodyPr wrap="square" rtlCol="0">
-            <a:spAutoFit/>
-          </a:bodyPr>
-          <a:lstStyle/>
-          <a:p>
-            <a:r>
-              <a:rPr lang="en-US" sz="1400" b="0" i="0" dirty="0">
+          <a:extLst>
+            <a:ext uri="{909E8E84-426E-40DD-AFC4-6F175D3DCCD1}">
+              <a14:hiddenFill xmlns:a14="http://schemas.microsoft.com/office/drawing/2010/main">
                 <a:solidFill>
-                  <a:srgbClr val="202124"/>
+                  <a:srgbClr val="FFFFFF"/>
                 </a:solidFill>
-                <a:effectLst/>
-                <a:latin typeface="Google Sans"/>
-              </a:rPr>
-              <a:t>The recommended pressure is 40-60 psi.</a:t>
-            </a:r>
-          </a:p>
-          <a:p>
-            <a:r>
-              <a:rPr lang="en-US" sz="1400" b="0" i="0" dirty="0">
-                <a:solidFill>
-                  <a:srgbClr val="202124"/>
-                </a:solidFill>
-                <a:effectLst/>
-                <a:latin typeface="Google Sans"/>
-              </a:rPr>
-              <a:t>If tank and pressure switch are in the basement, </a:t>
-            </a:r>
-          </a:p>
-          <a:p>
-            <a:r>
-              <a:rPr lang="en-US" sz="1400" dirty="0">
-                <a:solidFill>
-                  <a:srgbClr val="202124"/>
-                </a:solidFill>
-                <a:latin typeface="Google Sans"/>
-              </a:rPr>
-              <a:t>and the water sink is upstairs 5 meters up, </a:t>
-            </a:r>
-          </a:p>
-          <a:p>
-            <a:r>
-              <a:rPr lang="en-US" sz="1400" dirty="0">
-                <a:solidFill>
-                  <a:srgbClr val="202124"/>
-                </a:solidFill>
-                <a:latin typeface="Google Sans"/>
-              </a:rPr>
-              <a:t>we will lose 5 m * 1.421 psi = 7.1 psi</a:t>
-            </a:r>
-          </a:p>
-          <a:p>
-            <a:endParaRPr lang="en-US" sz="1400" b="0" i="0" dirty="0">
-              <a:solidFill>
-                <a:srgbClr val="202124"/>
-              </a:solidFill>
-              <a:effectLst/>
-              <a:latin typeface="Google Sans"/>
-            </a:endParaRPr>
-          </a:p>
-          <a:p>
-            <a:r>
-              <a:rPr lang="en-US" sz="1400" dirty="0">
-                <a:solidFill>
-                  <a:srgbClr val="202124"/>
-                </a:solidFill>
-                <a:latin typeface="Google Sans"/>
-              </a:rPr>
-              <a:t>Pressure decrease </a:t>
-            </a:r>
-            <a:r>
-              <a:rPr lang="en-US" sz="1400" b="0" i="0" dirty="0">
-                <a:solidFill>
-                  <a:srgbClr val="202124"/>
-                </a:solidFill>
-                <a:effectLst/>
-                <a:latin typeface="Google Sans"/>
-              </a:rPr>
-              <a:t>due to elevation:</a:t>
-            </a:r>
-          </a:p>
-          <a:p>
-            <a:r>
-              <a:rPr lang="en-US" sz="1400" dirty="0">
-                <a:solidFill>
-                  <a:srgbClr val="202124"/>
-                </a:solidFill>
-                <a:latin typeface="Google Sans"/>
-              </a:rPr>
-              <a:t>   0.433 psi per foot of elevation</a:t>
-            </a:r>
-            <a:endParaRPr lang="en-US" sz="1400" b="0" i="0" dirty="0">
-              <a:solidFill>
-                <a:srgbClr val="202124"/>
-              </a:solidFill>
-              <a:effectLst/>
-              <a:latin typeface="Google Sans"/>
-            </a:endParaRPr>
-          </a:p>
-          <a:p>
-            <a:r>
-              <a:rPr lang="en-US" sz="1400" b="0" i="0" dirty="0">
-                <a:solidFill>
-                  <a:srgbClr val="202124"/>
-                </a:solidFill>
-                <a:effectLst/>
-                <a:latin typeface="Google Sans"/>
-              </a:rPr>
-              <a:t>   1.421 psi per meter of elevation</a:t>
-            </a:r>
-          </a:p>
-          <a:p>
-            <a:endParaRPr lang="en-US" sz="1400" dirty="0">
-              <a:solidFill>
-                <a:srgbClr val="202124"/>
-              </a:solidFill>
-              <a:latin typeface="Google Sans"/>
-            </a:endParaRPr>
-          </a:p>
-          <a:p>
-            <a:r>
-              <a:rPr lang="en-US" sz="1400" b="0" i="0" dirty="0">
-                <a:solidFill>
-                  <a:srgbClr val="202124"/>
-                </a:solidFill>
-                <a:effectLst/>
-                <a:latin typeface="Google Sans"/>
-              </a:rPr>
-              <a:t>So, </a:t>
-            </a:r>
-            <a:r>
-              <a:rPr lang="en-US" sz="1400" dirty="0">
-                <a:solidFill>
-                  <a:srgbClr val="202124"/>
-                </a:solidFill>
-                <a:latin typeface="Google Sans"/>
-              </a:rPr>
-              <a:t>we need at least 50 psi downstairs</a:t>
-            </a:r>
-            <a:endParaRPr lang="en-US" sz="1400" b="0" i="0" dirty="0">
-              <a:solidFill>
-                <a:srgbClr val="202124"/>
-              </a:solidFill>
-              <a:effectLst/>
-              <a:latin typeface="Google Sans"/>
-            </a:endParaRPr>
-          </a:p>
-          <a:p>
-            <a:r>
-              <a:rPr lang="en-US" sz="1400" b="0" i="0" dirty="0">
-                <a:solidFill>
-                  <a:srgbClr val="202124"/>
-                </a:solidFill>
-                <a:effectLst/>
-                <a:latin typeface="Google Sans"/>
-              </a:rPr>
-              <a:t>to ensure </a:t>
-            </a:r>
-            <a:r>
-              <a:rPr lang="en-US" sz="1400" dirty="0">
-                <a:solidFill>
-                  <a:srgbClr val="202124"/>
-                </a:solidFill>
-                <a:latin typeface="Google Sans"/>
-              </a:rPr>
-              <a:t>at least 40 psi upstairs.</a:t>
-            </a:r>
-          </a:p>
-        </p:txBody>
-      </p:sp>
-      <p:sp>
-        <p:nvSpPr>
-          <p:cNvPr id="5" name="TextBox 4">
-            <a:extLst>
-              <a:ext uri="{FF2B5EF4-FFF2-40B4-BE49-F238E27FC236}">
-                <a16:creationId xmlns:a16="http://schemas.microsoft.com/office/drawing/2014/main" id="{5A717063-1323-D26D-881F-F1707ADCEA36}"/>
-              </a:ext>
-            </a:extLst>
-          </p:cNvPr>
-          <p:cNvSpPr txBox="1"/>
-          <p:nvPr/>
-        </p:nvSpPr>
-        <p:spPr>
-          <a:xfrm>
-            <a:off x="173204" y="3020207"/>
-            <a:ext cx="4304203" cy="738664"/>
-          </a:xfrm>
-          <a:prstGeom prst="rect">
-            <a:avLst/>
-          </a:prstGeom>
-          <a:noFill/>
-        </p:spPr>
-        <p:txBody>
-          <a:bodyPr wrap="square" rtlCol="0">
-            <a:spAutoFit/>
-          </a:bodyPr>
-          <a:lstStyle/>
-          <a:p>
-            <a:r>
-              <a:rPr lang="en-US" sz="1400" dirty="0">
-                <a:solidFill>
-                  <a:srgbClr val="202124"/>
-                </a:solidFill>
-                <a:latin typeface="Google Sans"/>
-              </a:rPr>
-              <a:t>S</a:t>
-            </a:r>
-            <a:r>
-              <a:rPr lang="en-US" sz="1400" b="0" i="0" dirty="0">
-                <a:solidFill>
-                  <a:srgbClr val="202124"/>
-                </a:solidFill>
-                <a:effectLst/>
-                <a:latin typeface="Google Sans"/>
-              </a:rPr>
-              <a:t>tandard garden hose in the US has a female connector designed to screw onto the male 3 / 4 inch spigot (tap) with NHT (National Hose Thread).</a:t>
-            </a:r>
-          </a:p>
-        </p:txBody>
-      </p:sp>
+              </a14:hiddenFill>
+            </a:ext>
+          </a:extLst>
+        </p:spPr>
+      </p:pic>
     </p:spTree>
     <p:extLst>
       <p:ext uri="{BB962C8B-B14F-4D97-AF65-F5344CB8AC3E}">
-        <p14:creationId xmlns:p14="http://schemas.microsoft.com/office/powerpoint/2010/main" val="4193960748"/>
+        <p14:creationId xmlns:p14="http://schemas.microsoft.com/office/powerpoint/2010/main" val="1088205285"/>
       </p:ext>
     </p:extLst>
   </p:cSld>
@@ -5326,101 +7104,12 @@
           <a:chExt cx="0" cy="0"/>
         </a:xfrm>
       </p:grpSpPr>
-      <p:sp>
-        <p:nvSpPr>
-          <p:cNvPr id="2" name="TextBox 1">
-            <a:extLst>
-              <a:ext uri="{FF2B5EF4-FFF2-40B4-BE49-F238E27FC236}">
-                <a16:creationId xmlns:a16="http://schemas.microsoft.com/office/drawing/2014/main" id="{4757653A-2EE0-DEBC-A2B7-206AC9A7185D}"/>
-              </a:ext>
-            </a:extLst>
-          </p:cNvPr>
-          <p:cNvSpPr txBox="1"/>
-          <p:nvPr/>
-        </p:nvSpPr>
-        <p:spPr>
-          <a:xfrm>
-            <a:off x="134043" y="197544"/>
-            <a:ext cx="5846343" cy="2693045"/>
-          </a:xfrm>
-          <a:prstGeom prst="rect">
-            <a:avLst/>
-          </a:prstGeom>
-          <a:noFill/>
-        </p:spPr>
-        <p:txBody>
-          <a:bodyPr wrap="square" rtlCol="0">
-            <a:spAutoFit/>
-          </a:bodyPr>
-          <a:lstStyle/>
-          <a:p>
-            <a:r>
-              <a:rPr lang="en-US" sz="1300" dirty="0"/>
-              <a:t>Problem: opening water in the bathtub results in a weak water stream in the sink</a:t>
-            </a:r>
-          </a:p>
-          <a:p>
-            <a:r>
-              <a:rPr lang="en-US" sz="1300" dirty="0"/>
-              <a:t>Possible reason: water pressure or the plumbing system design (narrow and bent tubes).</a:t>
-            </a:r>
-          </a:p>
-          <a:p>
-            <a:endParaRPr lang="en-US" sz="1300" dirty="0"/>
-          </a:p>
-          <a:p>
-            <a:r>
-              <a:rPr lang="en-US" sz="1300" dirty="0"/>
-              <a:t>Water Pressure: should be around 40-60 psi (pounds per square inch).</a:t>
-            </a:r>
-          </a:p>
-          <a:p>
-            <a:r>
-              <a:rPr lang="en-US" sz="1300" dirty="0"/>
-              <a:t>You can measure the water pressure using a pressure gauge attached to a spigot outside the house.</a:t>
-            </a:r>
-          </a:p>
-          <a:p>
-            <a:endParaRPr lang="en-US" sz="1300" dirty="0"/>
-          </a:p>
-          <a:p>
-            <a:r>
-              <a:rPr lang="en-US" sz="1300" dirty="0"/>
-              <a:t>Solutions:</a:t>
-            </a:r>
-          </a:p>
-          <a:p>
-            <a:r>
-              <a:rPr lang="en-US" sz="1300" dirty="0"/>
-              <a:t> - Changing pipes (larger is better)</a:t>
-            </a:r>
-          </a:p>
-          <a:p>
-            <a:r>
-              <a:rPr lang="en-US" sz="1300" dirty="0"/>
-              <a:t> - Installing a Water Pressure Booster System can help.</a:t>
-            </a:r>
-          </a:p>
-          <a:p>
-            <a:r>
-              <a:rPr lang="en-US" sz="1300" dirty="0"/>
-              <a:t> - Bigger Water Tank might help if water supply is running low quickly</a:t>
-            </a:r>
-          </a:p>
-          <a:p>
-            <a:r>
-              <a:rPr lang="en-US" sz="1300" dirty="0"/>
-              <a:t> - Checking for Leaks or Blockages that could reduce the pressure.</a:t>
-            </a:r>
-          </a:p>
-        </p:txBody>
-      </p:sp>
       <p:pic>
         <p:nvPicPr>
-          <p:cNvPr id="4" name="Picture 3">
-            <a:extLst>
-              <a:ext uri="{FF2B5EF4-FFF2-40B4-BE49-F238E27FC236}">
-                <a16:creationId xmlns:a16="http://schemas.microsoft.com/office/drawing/2014/main" id="{E4EF1ADB-2838-C61B-0E21-82786DC6C541}"/>
+          <p:cNvPr id="2" name="Picture 1">
+            <a:extLst>
+              <a:ext uri="{FF2B5EF4-FFF2-40B4-BE49-F238E27FC236}">
+                <a16:creationId xmlns:a16="http://schemas.microsoft.com/office/drawing/2014/main" id="{7F00C257-2E9B-4875-698C-A97E753CCD3D}"/>
               </a:ext>
             </a:extLst>
           </p:cNvPr>
@@ -5443,20 +7132,178 @@
         </p:blipFill>
         <p:spPr>
           <a:xfrm>
-            <a:off x="463042" y="3121152"/>
-            <a:ext cx="1158494" cy="1713936"/>
+            <a:off x="156648" y="177626"/>
+            <a:ext cx="6521739" cy="4632370"/>
           </a:xfrm>
           <a:prstGeom prst="rect">
             <a:avLst/>
           </a:prstGeom>
         </p:spPr>
       </p:pic>
+      <p:sp>
+        <p:nvSpPr>
+          <p:cNvPr id="3" name="TextBox 2">
+            <a:extLst>
+              <a:ext uri="{FF2B5EF4-FFF2-40B4-BE49-F238E27FC236}">
+                <a16:creationId xmlns:a16="http://schemas.microsoft.com/office/drawing/2014/main" id="{D4FFA798-33DE-E4EC-D1CC-81C127EE9366}"/>
+              </a:ext>
+            </a:extLst>
+          </p:cNvPr>
+          <p:cNvSpPr txBox="1"/>
+          <p:nvPr/>
+        </p:nvSpPr>
+        <p:spPr>
+          <a:xfrm>
+            <a:off x="7610894" y="55510"/>
+            <a:ext cx="4162963" cy="523220"/>
+          </a:xfrm>
+          <a:prstGeom prst="rect">
+            <a:avLst/>
+          </a:prstGeom>
+          <a:noFill/>
+        </p:spPr>
+        <p:txBody>
+          <a:bodyPr wrap="square" rtlCol="0">
+            <a:spAutoFit/>
+          </a:bodyPr>
+          <a:lstStyle/>
+          <a:p>
+            <a:r>
+              <a:rPr lang="en-US" sz="1400"/>
+              <a:t>Good overview of how well and tanks work together:</a:t>
+            </a:r>
+            <a:br>
+              <a:rPr lang="en-US" sz="1400"/>
+            </a:br>
+            <a:r>
+              <a:rPr lang="en-US" sz="1400"/>
+              <a:t>.. </a:t>
+            </a:r>
+            <a:r>
+              <a:rPr lang="en-US" sz="1400">
+                <a:hlinkClick r:id="rId3"/>
+              </a:rPr>
+              <a:t>https://www.youtube.com/watch?v=X4TZoFIsE2w</a:t>
+            </a:r>
+            <a:endParaRPr lang="en-US" sz="1400"/>
+          </a:p>
+        </p:txBody>
+      </p:sp>
       <p:pic>
         <p:nvPicPr>
           <p:cNvPr id="5" name="Picture 4">
             <a:extLst>
               <a:ext uri="{FF2B5EF4-FFF2-40B4-BE49-F238E27FC236}">
-                <a16:creationId xmlns:a16="http://schemas.microsoft.com/office/drawing/2014/main" id="{A6FF57F3-0ED0-0E2B-34FE-8B6DB136161F}"/>
+                <a16:creationId xmlns:a16="http://schemas.microsoft.com/office/drawing/2014/main" id="{0715600A-4014-50EA-5DCD-38FB9266DDBB}"/>
+              </a:ext>
+            </a:extLst>
+          </p:cNvPr>
+          <p:cNvPicPr>
+            <a:picLocks noChangeAspect="1"/>
+          </p:cNvPicPr>
+          <p:nvPr/>
+        </p:nvPicPr>
+        <p:blipFill rotWithShape="1">
+          <a:blip r:embed="rId4" cstate="email">
+            <a:extLst>
+              <a:ext uri="{28A0092B-C50C-407E-A947-70E740481C1C}">
+                <a14:useLocalDpi xmlns:a14="http://schemas.microsoft.com/office/drawing/2010/main"/>
+              </a:ext>
+            </a:extLst>
+          </a:blip>
+          <a:srcRect/>
+          <a:stretch/>
+        </p:blipFill>
+        <p:spPr>
+          <a:xfrm>
+            <a:off x="7741085" y="611200"/>
+            <a:ext cx="3670126" cy="2141216"/>
+          </a:xfrm>
+          <a:prstGeom prst="rect">
+            <a:avLst/>
+          </a:prstGeom>
+        </p:spPr>
+      </p:pic>
+      <p:sp>
+        <p:nvSpPr>
+          <p:cNvPr id="6" name="TextBox 5">
+            <a:extLst>
+              <a:ext uri="{FF2B5EF4-FFF2-40B4-BE49-F238E27FC236}">
+                <a16:creationId xmlns:a16="http://schemas.microsoft.com/office/drawing/2014/main" id="{BF36CA4E-9BCB-1838-CDC0-E268EDAC5BCC}"/>
+              </a:ext>
+            </a:extLst>
+          </p:cNvPr>
+          <p:cNvSpPr txBox="1"/>
+          <p:nvPr/>
+        </p:nvSpPr>
+        <p:spPr>
+          <a:xfrm>
+            <a:off x="1215100" y="5671047"/>
+            <a:ext cx="5235805" cy="1169551"/>
+          </a:xfrm>
+          <a:prstGeom prst="rect">
+            <a:avLst/>
+          </a:prstGeom>
+          <a:noFill/>
+        </p:spPr>
+        <p:txBody>
+          <a:bodyPr wrap="square" rtlCol="0">
+            <a:spAutoFit/>
+          </a:bodyPr>
+          <a:lstStyle/>
+          <a:p>
+            <a:pPr marL="285750" indent="-285750">
+              <a:buFont typeface="Arial" panose="020B0604020202020204" pitchFamily="34" charset="0"/>
+              <a:buChar char="•"/>
+            </a:pPr>
+            <a:r>
+              <a:rPr lang="en-US" sz="1400"/>
+              <a:t>Check valve (passes water only in one direction)</a:t>
+            </a:r>
+          </a:p>
+          <a:p>
+            <a:pPr marL="285750" indent="-285750">
+              <a:buFont typeface="Arial" panose="020B0604020202020204" pitchFamily="34" charset="0"/>
+              <a:buChar char="•"/>
+            </a:pPr>
+            <a:r>
+              <a:rPr lang="en-US" sz="1400" b="1">
+                <a:solidFill>
+                  <a:srgbClr val="FF0000"/>
+                </a:solidFill>
+              </a:rPr>
+              <a:t>"Well-T" or "Well Manifold"</a:t>
+            </a:r>
+            <a:br>
+              <a:rPr lang="en-US" sz="1400"/>
+            </a:br>
+            <a:r>
+              <a:rPr lang="en-US" sz="1400"/>
+              <a:t>The gaige shows pressure as it goes up/down</a:t>
+            </a:r>
+            <a:br>
+              <a:rPr lang="en-US" sz="1400"/>
+            </a:br>
+            <a:r>
+              <a:rPr lang="en-US" sz="1400"/>
+              <a:t>Pressure switch turns pump on/off</a:t>
+            </a:r>
+            <a:br>
+              <a:rPr lang="en-US" sz="1400"/>
+            </a:br>
+            <a:r>
+              <a:rPr lang="en-US" sz="1400"/>
+              <a:t>Safety switch (safety valve) to release pressure above ... (75 psi ?)</a:t>
+            </a:r>
+          </a:p>
+        </p:txBody>
+      </p:sp>
+      <p:pic>
+        <p:nvPicPr>
+          <p:cNvPr id="7" name="Picture 6">
+            <a:extLst>
+              <a:ext uri="{FF2B5EF4-FFF2-40B4-BE49-F238E27FC236}">
+                <a16:creationId xmlns:a16="http://schemas.microsoft.com/office/drawing/2014/main" id="{BAB19D81-C676-39C9-D0A7-0163509A7F1D}"/>
               </a:ext>
             </a:extLst>
           </p:cNvPr>
@@ -5466,7 +7313,7 @@
           <p:nvPr/>
         </p:nvPicPr>
         <p:blipFill>
-          <a:blip r:embed="rId3" cstate="email">
+          <a:blip r:embed="rId5" cstate="email">
             <a:extLst>
               <a:ext uri="{28A0092B-C50C-407E-A947-70E740481C1C}">
                 <a14:useLocalDpi xmlns:a14="http://schemas.microsoft.com/office/drawing/2010/main"/>
@@ -5479,8 +7326,8 @@
         </p:blipFill>
         <p:spPr>
           <a:xfrm>
-            <a:off x="2798134" y="3228848"/>
-            <a:ext cx="1371600" cy="863600"/>
+            <a:off x="7966552" y="3780802"/>
+            <a:ext cx="3281541" cy="1890245"/>
           </a:xfrm>
           <a:prstGeom prst="rect">
             <a:avLst/>
@@ -5489,10 +7336,108 @@
       </p:pic>
       <p:sp>
         <p:nvSpPr>
-          <p:cNvPr id="6" name="TextBox 5">
-            <a:extLst>
-              <a:ext uri="{FF2B5EF4-FFF2-40B4-BE49-F238E27FC236}">
-                <a16:creationId xmlns:a16="http://schemas.microsoft.com/office/drawing/2014/main" id="{BDA59732-FAA1-13ED-4132-61700EB1A13A}"/>
+          <p:cNvPr id="8" name="Right Arrow 7">
+            <a:extLst>
+              <a:ext uri="{FF2B5EF4-FFF2-40B4-BE49-F238E27FC236}">
+                <a16:creationId xmlns:a16="http://schemas.microsoft.com/office/drawing/2014/main" id="{CE25F385-45EA-0DE0-64F6-34CBF533582B}"/>
+              </a:ext>
+            </a:extLst>
+          </p:cNvPr>
+          <p:cNvSpPr/>
+          <p:nvPr/>
+        </p:nvSpPr>
+        <p:spPr>
+          <a:xfrm rot="20404076" flipV="1">
+            <a:off x="6162420" y="5649089"/>
+            <a:ext cx="1649033" cy="226904"/>
+          </a:xfrm>
+          <a:prstGeom prst="rightArrow">
+            <a:avLst/>
+          </a:prstGeom>
+          <a:solidFill>
+            <a:srgbClr val="FFFF00"/>
+          </a:solidFill>
+        </p:spPr>
+        <p:style>
+          <a:lnRef idx="2">
+            <a:schemeClr val="accent1">
+              <a:shade val="50000"/>
+            </a:schemeClr>
+          </a:lnRef>
+          <a:fillRef idx="1">
+            <a:schemeClr val="accent1"/>
+          </a:fillRef>
+          <a:effectRef idx="0">
+            <a:schemeClr val="accent1"/>
+          </a:effectRef>
+          <a:fontRef idx="minor">
+            <a:schemeClr val="lt1"/>
+          </a:fontRef>
+        </p:style>
+        <p:txBody>
+          <a:bodyPr rtlCol="0" anchor="ctr"/>
+          <a:lstStyle/>
+          <a:p>
+            <a:pPr algn="ctr"/>
+            <a:endParaRPr lang="en-US"/>
+          </a:p>
+        </p:txBody>
+      </p:sp>
+      <p:sp>
+        <p:nvSpPr>
+          <p:cNvPr id="9" name="Right Arrow 8">
+            <a:extLst>
+              <a:ext uri="{FF2B5EF4-FFF2-40B4-BE49-F238E27FC236}">
+                <a16:creationId xmlns:a16="http://schemas.microsoft.com/office/drawing/2014/main" id="{F9C2C459-DE34-505D-2276-648D75B4F33F}"/>
+              </a:ext>
+            </a:extLst>
+          </p:cNvPr>
+          <p:cNvSpPr/>
+          <p:nvPr/>
+        </p:nvSpPr>
+        <p:spPr>
+          <a:xfrm rot="16423705">
+            <a:off x="2379489" y="4258624"/>
+            <a:ext cx="2478784" cy="234558"/>
+          </a:xfrm>
+          <a:prstGeom prst="rightArrow">
+            <a:avLst/>
+          </a:prstGeom>
+          <a:solidFill>
+            <a:srgbClr val="FFFF00"/>
+          </a:solidFill>
+        </p:spPr>
+        <p:style>
+          <a:lnRef idx="2">
+            <a:schemeClr val="accent1">
+              <a:shade val="50000"/>
+            </a:schemeClr>
+          </a:lnRef>
+          <a:fillRef idx="1">
+            <a:schemeClr val="accent1"/>
+          </a:fillRef>
+          <a:effectRef idx="0">
+            <a:schemeClr val="accent1"/>
+          </a:effectRef>
+          <a:fontRef idx="minor">
+            <a:schemeClr val="lt1"/>
+          </a:fontRef>
+        </p:style>
+        <p:txBody>
+          <a:bodyPr rtlCol="0" anchor="ctr"/>
+          <a:lstStyle/>
+          <a:p>
+            <a:pPr algn="ctr"/>
+            <a:endParaRPr lang="en-US"/>
+          </a:p>
+        </p:txBody>
+      </p:sp>
+      <p:sp>
+        <p:nvSpPr>
+          <p:cNvPr id="10" name="TextBox 9">
+            <a:extLst>
+              <a:ext uri="{FF2B5EF4-FFF2-40B4-BE49-F238E27FC236}">
+                <a16:creationId xmlns:a16="http://schemas.microsoft.com/office/drawing/2014/main" id="{5E541FAC-5213-E374-C754-CF510BFFDCF1}"/>
               </a:ext>
             </a:extLst>
           </p:cNvPr>
@@ -5501,8 +7446,8 @@
         </p:nvSpPr>
         <p:spPr>
           <a:xfrm>
-            <a:off x="134043" y="4835088"/>
-            <a:ext cx="2005654" cy="523220"/>
+            <a:off x="7875112" y="5688615"/>
+            <a:ext cx="3670126" cy="738664"/>
           </a:xfrm>
           <a:prstGeom prst="rect">
             <a:avLst/>
@@ -5516,59 +7461,24 @@
           <a:lstStyle/>
           <a:p>
             <a:r>
+              <a:rPr lang="en-US" sz="1400" dirty="0">
+                <a:hlinkClick r:id="rId6"/>
+              </a:rPr>
+              <a:t>https://www.amazon.com/Harvard-Boshart-installation-Pressure-pressure/dp/B078WCYK88</a:t>
+            </a:r>
+            <a:r>
               <a:rPr lang="en-US" sz="1400" dirty="0"/>
-              <a:t>Pressure Gauge 100 Psi</a:t>
-            </a:r>
-          </a:p>
-          <a:p>
-            <a:r>
-              <a:rPr lang="en-US" sz="1400" dirty="0"/>
-              <a:t>3/4" Female connector</a:t>
-            </a:r>
-          </a:p>
-        </p:txBody>
-      </p:sp>
-      <p:sp>
-        <p:nvSpPr>
-          <p:cNvPr id="7" name="TextBox 6">
-            <a:extLst>
-              <a:ext uri="{FF2B5EF4-FFF2-40B4-BE49-F238E27FC236}">
-                <a16:creationId xmlns:a16="http://schemas.microsoft.com/office/drawing/2014/main" id="{E5137809-F32E-6577-7DDA-6E3C96FB911B}"/>
-              </a:ext>
-            </a:extLst>
-          </p:cNvPr>
-          <p:cNvSpPr txBox="1"/>
-          <p:nvPr/>
-        </p:nvSpPr>
-        <p:spPr>
-          <a:xfrm>
-            <a:off x="2584635" y="4237680"/>
-            <a:ext cx="2005654" cy="954107"/>
-          </a:xfrm>
-          <a:prstGeom prst="rect">
-            <a:avLst/>
-          </a:prstGeom>
-          <a:noFill/>
-        </p:spPr>
-        <p:txBody>
-          <a:bodyPr wrap="square" rtlCol="0">
-            <a:spAutoFit/>
-          </a:bodyPr>
-          <a:lstStyle/>
-          <a:p>
-            <a:r>
-              <a:rPr lang="en-US" sz="1400" dirty="0" err="1"/>
-              <a:t>Camco</a:t>
-            </a:r>
-            <a:r>
-              <a:rPr lang="en-US" sz="1400" dirty="0"/>
-              <a:t> Water Bandit</a:t>
-            </a:r>
-          </a:p>
-          <a:p>
-            <a:r>
-              <a:rPr lang="en-US" sz="1400" dirty="0"/>
-              <a:t>Flexible Silicone-Polymer Sleeve &amp; ABS Male Water Hose Connection</a:t>
+              <a:t> </a:t>
+            </a:r>
+          </a:p>
+          <a:p>
+            <a:r>
+              <a:rPr lang="en-US" sz="1400" b="1" dirty="0">
+                <a:solidFill>
+                  <a:srgbClr val="FF0000"/>
+                </a:solidFill>
+              </a:rPr>
+              <a:t>$115</a:t>
             </a:r>
           </a:p>
         </p:txBody>
@@ -5576,7 +7486,7 @@
     </p:spTree>
     <p:extLst>
       <p:ext uri="{BB962C8B-B14F-4D97-AF65-F5344CB8AC3E}">
-        <p14:creationId xmlns:p14="http://schemas.microsoft.com/office/powerpoint/2010/main" val="2878895614"/>
+        <p14:creationId xmlns:p14="http://schemas.microsoft.com/office/powerpoint/2010/main" val="2443117508"/>
       </p:ext>
     </p:extLst>
   </p:cSld>
@@ -5603,12 +7513,142 @@
           <a:chExt cx="0" cy="0"/>
         </a:xfrm>
       </p:grpSpPr>
+      <p:sp>
+        <p:nvSpPr>
+          <p:cNvPr id="2" name="TextBox 1">
+            <a:extLst>
+              <a:ext uri="{FF2B5EF4-FFF2-40B4-BE49-F238E27FC236}">
+                <a16:creationId xmlns:a16="http://schemas.microsoft.com/office/drawing/2014/main" id="{4757653A-2EE0-DEBC-A2B7-206AC9A7185D}"/>
+              </a:ext>
+            </a:extLst>
+          </p:cNvPr>
+          <p:cNvSpPr txBox="1"/>
+          <p:nvPr/>
+        </p:nvSpPr>
+        <p:spPr>
+          <a:xfrm>
+            <a:off x="6812563" y="400799"/>
+            <a:ext cx="4065499" cy="1908215"/>
+          </a:xfrm>
+          <a:prstGeom prst="rect">
+            <a:avLst/>
+          </a:prstGeom>
+          <a:noFill/>
+        </p:spPr>
+        <p:txBody>
+          <a:bodyPr wrap="square" rtlCol="0">
+            <a:spAutoFit/>
+          </a:bodyPr>
+          <a:lstStyle/>
+          <a:p>
+            <a:r>
+              <a:rPr lang="en-US" sz="1400" dirty="0"/>
+              <a:t>Why </a:t>
+            </a:r>
+            <a:r>
+              <a:rPr lang="en-US" sz="1400" dirty="0" err="1"/>
+              <a:t>WellXTrol</a:t>
+            </a:r>
+            <a:r>
+              <a:rPr lang="en-US" sz="1400" dirty="0"/>
+              <a:t> is the BEST Water Well Pressure Tank. </a:t>
+            </a:r>
+          </a:p>
+          <a:p>
+            <a:r>
+              <a:rPr lang="en-US" sz="1400" dirty="0"/>
+              <a:t>(150 PSI) </a:t>
+            </a:r>
+          </a:p>
+          <a:p>
+            <a:r>
+              <a:rPr lang="en-US" sz="1000" dirty="0"/>
+              <a:t>.. </a:t>
+            </a:r>
+            <a:r>
+              <a:rPr lang="en-US" sz="1000" dirty="0">
+                <a:hlinkClick r:id="rId2"/>
+              </a:rPr>
+              <a:t>https://www.youtube.com/watch?v=MmHRJSzZltI</a:t>
+            </a:r>
+            <a:endParaRPr lang="en-US" sz="1000" dirty="0"/>
+          </a:p>
+          <a:p>
+            <a:endParaRPr lang="en-US" sz="1400" dirty="0"/>
+          </a:p>
+          <a:p>
+            <a:r>
+              <a:rPr lang="en-US" sz="1400" dirty="0"/>
+              <a:t>How </a:t>
+            </a:r>
+            <a:r>
+              <a:rPr lang="en-US" sz="1400" dirty="0" err="1"/>
+              <a:t>WellXTroll</a:t>
+            </a:r>
+            <a:r>
+              <a:rPr lang="en-US" sz="1400" dirty="0"/>
+              <a:t> tanks are made</a:t>
+            </a:r>
+          </a:p>
+          <a:p>
+            <a:r>
+              <a:rPr lang="en-US" sz="1000" dirty="0"/>
+              <a:t>.. </a:t>
+            </a:r>
+            <a:r>
+              <a:rPr lang="en-US" sz="1000" dirty="0">
+                <a:hlinkClick r:id="rId3"/>
+              </a:rPr>
+              <a:t>https://www.youtube.com/watch?v=IhBifh7nCtg</a:t>
+            </a:r>
+            <a:endParaRPr lang="en-US" sz="1000" dirty="0"/>
+          </a:p>
+          <a:p>
+            <a:endParaRPr lang="en-US" sz="1400" dirty="0"/>
+          </a:p>
+          <a:p>
+            <a:r>
+              <a:rPr lang="en-US" sz="1400" dirty="0"/>
+              <a:t>Shop </a:t>
+            </a:r>
+            <a:r>
+              <a:rPr lang="en-US" sz="1400" dirty="0" err="1"/>
+              <a:t>Amtrol</a:t>
+            </a:r>
+            <a:r>
+              <a:rPr lang="en-US" sz="1400" dirty="0"/>
+              <a:t> Well-X-</a:t>
+            </a:r>
+            <a:r>
+              <a:rPr lang="en-US" sz="1400" dirty="0" err="1"/>
+              <a:t>Trol</a:t>
+            </a:r>
+            <a:r>
+              <a:rPr lang="en-US" sz="1400" dirty="0"/>
+              <a:t> tanks ($700-$1,000):</a:t>
+            </a:r>
+          </a:p>
+          <a:p>
+            <a:r>
+              <a:rPr lang="en-US" sz="1000" dirty="0"/>
+              <a:t>.. </a:t>
+            </a:r>
+            <a:r>
+              <a:rPr lang="en-US" sz="1000" dirty="0">
+                <a:hlinkClick r:id="rId4"/>
+              </a:rPr>
+              <a:t>https://www.rcworst.com/Amtrol/Well-X-Trol-c225.html</a:t>
+            </a:r>
+            <a:endParaRPr lang="en-US" sz="1000" dirty="0"/>
+          </a:p>
+        </p:txBody>
+      </p:sp>
       <p:pic>
         <p:nvPicPr>
-          <p:cNvPr id="2" name="Picture 1">
-            <a:extLst>
-              <a:ext uri="{FF2B5EF4-FFF2-40B4-BE49-F238E27FC236}">
-                <a16:creationId xmlns:a16="http://schemas.microsoft.com/office/drawing/2014/main" id="{817D376E-DF77-3910-8DF6-95F29C205167}"/>
+          <p:cNvPr id="3" name="Picture 2">
+            <a:extLst>
+              <a:ext uri="{FF2B5EF4-FFF2-40B4-BE49-F238E27FC236}">
+                <a16:creationId xmlns:a16="http://schemas.microsoft.com/office/drawing/2014/main" id="{7ADB0ECE-D5DF-922D-7CE6-23B98691D7F1}"/>
               </a:ext>
             </a:extLst>
           </p:cNvPr>
@@ -5618,7 +7658,7 @@
           <p:nvPr/>
         </p:nvPicPr>
         <p:blipFill>
-          <a:blip r:embed="rId2" cstate="email">
+          <a:blip r:embed="rId5" cstate="email">
             <a:extLst>
               <a:ext uri="{28A0092B-C50C-407E-A947-70E740481C1C}">
                 <a14:useLocalDpi xmlns:a14="http://schemas.microsoft.com/office/drawing/2010/main"/>
@@ -5631,8 +7671,8 @@
         </p:blipFill>
         <p:spPr>
           <a:xfrm>
-            <a:off x="363255" y="836200"/>
-            <a:ext cx="3537528" cy="5185600"/>
+            <a:off x="10157589" y="673745"/>
+            <a:ext cx="1955800" cy="5422900"/>
           </a:xfrm>
           <a:prstGeom prst="rect">
             <a:avLst/>
@@ -5644,7 +7684,7 @@
           <p:cNvPr id="4" name="TextBox 3">
             <a:extLst>
               <a:ext uri="{FF2B5EF4-FFF2-40B4-BE49-F238E27FC236}">
-                <a16:creationId xmlns:a16="http://schemas.microsoft.com/office/drawing/2014/main" id="{039252C8-CB9B-657C-6211-ADDF3D1969B7}"/>
+                <a16:creationId xmlns:a16="http://schemas.microsoft.com/office/drawing/2014/main" id="{BCE4B47E-2CD3-53EB-166D-BFA25D1479B3}"/>
               </a:ext>
             </a:extLst>
           </p:cNvPr>
@@ -5653,8 +7693,8 @@
         </p:nvSpPr>
         <p:spPr>
           <a:xfrm>
-            <a:off x="4327743" y="4985730"/>
-            <a:ext cx="3144773" cy="1169551"/>
+            <a:off x="204735" y="350579"/>
+            <a:ext cx="3747155" cy="2462213"/>
           </a:xfrm>
           <a:prstGeom prst="rect">
             <a:avLst/>
@@ -5662,38 +7702,171 @@
           <a:noFill/>
         </p:spPr>
         <p:txBody>
-          <a:bodyPr wrap="square">
+          <a:bodyPr wrap="square" rtlCol="0">
             <a:spAutoFit/>
           </a:bodyPr>
           <a:lstStyle/>
           <a:p>
             <a:r>
-              <a:rPr lang="en-US" sz="1400"/>
-              <a:t>Aqua-Pure</a:t>
-            </a:r>
-          </a:p>
-          <a:p>
-            <a:r>
-              <a:rPr lang="en-US" sz="1400"/>
-              <a:t>Iron and Manganese Reduction System</a:t>
-            </a:r>
-          </a:p>
-          <a:p>
-            <a:r>
-              <a:rPr lang="en-US" sz="1400"/>
-              <a:t>Model APIF100DM</a:t>
-            </a:r>
-          </a:p>
-          <a:p>
-            <a:r>
-              <a:rPr lang="en-US" sz="1400"/>
-              <a:t>SN 613114A519</a:t>
-            </a:r>
-          </a:p>
-          <a:p>
-            <a:r>
-              <a:rPr lang="en-US" sz="1400"/>
-              <a:t>Serviced 10/2018, 8/2020</a:t>
+              <a:rPr lang="en-US" sz="1400" b="0" i="0" dirty="0">
+                <a:solidFill>
+                  <a:srgbClr val="202124"/>
+                </a:solidFill>
+                <a:effectLst/>
+                <a:latin typeface="Google Sans"/>
+              </a:rPr>
+              <a:t>The recommended pressure is 40-60 psi.</a:t>
+            </a:r>
+          </a:p>
+          <a:p>
+            <a:r>
+              <a:rPr lang="en-US" sz="1400" b="0" i="0" dirty="0">
+                <a:solidFill>
+                  <a:srgbClr val="202124"/>
+                </a:solidFill>
+                <a:effectLst/>
+                <a:latin typeface="Google Sans"/>
+              </a:rPr>
+              <a:t>If tank and pressure switch are in the basement, </a:t>
+            </a:r>
+          </a:p>
+          <a:p>
+            <a:r>
+              <a:rPr lang="en-US" sz="1400" dirty="0">
+                <a:solidFill>
+                  <a:srgbClr val="202124"/>
+                </a:solidFill>
+                <a:latin typeface="Google Sans"/>
+              </a:rPr>
+              <a:t>and the water sink is upstairs 5 meters up, </a:t>
+            </a:r>
+          </a:p>
+          <a:p>
+            <a:r>
+              <a:rPr lang="en-US" sz="1400" dirty="0">
+                <a:solidFill>
+                  <a:srgbClr val="202124"/>
+                </a:solidFill>
+                <a:latin typeface="Google Sans"/>
+              </a:rPr>
+              <a:t>we will lose 5 m * 1.421 psi = 7.1 psi</a:t>
+            </a:r>
+          </a:p>
+          <a:p>
+            <a:endParaRPr lang="en-US" sz="1400" b="0" i="0" dirty="0">
+              <a:solidFill>
+                <a:srgbClr val="202124"/>
+              </a:solidFill>
+              <a:effectLst/>
+              <a:latin typeface="Google Sans"/>
+            </a:endParaRPr>
+          </a:p>
+          <a:p>
+            <a:r>
+              <a:rPr lang="en-US" sz="1400" dirty="0">
+                <a:solidFill>
+                  <a:srgbClr val="202124"/>
+                </a:solidFill>
+                <a:latin typeface="Google Sans"/>
+              </a:rPr>
+              <a:t>Pressure decrease </a:t>
+            </a:r>
+            <a:r>
+              <a:rPr lang="en-US" sz="1400" b="0" i="0" dirty="0">
+                <a:solidFill>
+                  <a:srgbClr val="202124"/>
+                </a:solidFill>
+                <a:effectLst/>
+                <a:latin typeface="Google Sans"/>
+              </a:rPr>
+              <a:t>due to elevation:</a:t>
+            </a:r>
+          </a:p>
+          <a:p>
+            <a:r>
+              <a:rPr lang="en-US" sz="1400" dirty="0">
+                <a:solidFill>
+                  <a:srgbClr val="202124"/>
+                </a:solidFill>
+                <a:latin typeface="Google Sans"/>
+              </a:rPr>
+              <a:t>   0.433 psi per foot of elevation</a:t>
+            </a:r>
+            <a:endParaRPr lang="en-US" sz="1400" b="0" i="0" dirty="0">
+              <a:solidFill>
+                <a:srgbClr val="202124"/>
+              </a:solidFill>
+              <a:effectLst/>
+              <a:latin typeface="Google Sans"/>
+            </a:endParaRPr>
+          </a:p>
+          <a:p>
+            <a:r>
+              <a:rPr lang="en-US" sz="1400" b="0" i="0" dirty="0">
+                <a:solidFill>
+                  <a:srgbClr val="202124"/>
+                </a:solidFill>
+                <a:effectLst/>
+                <a:latin typeface="Google Sans"/>
+              </a:rPr>
+              <a:t>   1.421 psi per meter of elevation</a:t>
+            </a:r>
+          </a:p>
+          <a:p>
+            <a:endParaRPr lang="en-US" sz="1400" dirty="0">
+              <a:solidFill>
+                <a:srgbClr val="202124"/>
+              </a:solidFill>
+              <a:latin typeface="Google Sans"/>
+            </a:endParaRPr>
+          </a:p>
+          <a:p>
+            <a:r>
+              <a:rPr lang="en-US" sz="1400" b="0" i="0" dirty="0">
+                <a:solidFill>
+                  <a:srgbClr val="202124"/>
+                </a:solidFill>
+                <a:effectLst/>
+                <a:latin typeface="Google Sans"/>
+              </a:rPr>
+              <a:t>So, </a:t>
+            </a:r>
+            <a:r>
+              <a:rPr lang="en-US" sz="1400" dirty="0">
+                <a:solidFill>
+                  <a:srgbClr val="202124"/>
+                </a:solidFill>
+                <a:latin typeface="Google Sans"/>
+              </a:rPr>
+              <a:t>we need at least 50 psi downstairs</a:t>
+            </a:r>
+            <a:endParaRPr lang="en-US" sz="1400" b="0" i="0" dirty="0">
+              <a:solidFill>
+                <a:srgbClr val="202124"/>
+              </a:solidFill>
+              <a:effectLst/>
+              <a:latin typeface="Google Sans"/>
+            </a:endParaRPr>
+          </a:p>
+          <a:p>
+            <a:r>
+              <a:rPr lang="en-US" sz="1400" b="0" i="0" dirty="0">
+                <a:solidFill>
+                  <a:srgbClr val="202124"/>
+                </a:solidFill>
+                <a:effectLst/>
+                <a:latin typeface="Google Sans"/>
+              </a:rPr>
+              <a:t>to ensure </a:t>
+            </a:r>
+            <a:r>
+              <a:rPr lang="en-US" sz="1400" dirty="0">
+                <a:solidFill>
+                  <a:srgbClr val="202124"/>
+                </a:solidFill>
+                <a:latin typeface="Google Sans"/>
+              </a:rPr>
+              <a:t>at least 40 psi upstairs.</a:t>
             </a:r>
           </a:p>
         </p:txBody>
@@ -5703,7 +7876,7 @@
           <p:cNvPr id="5" name="TextBox 4">
             <a:extLst>
               <a:ext uri="{FF2B5EF4-FFF2-40B4-BE49-F238E27FC236}">
-                <a16:creationId xmlns:a16="http://schemas.microsoft.com/office/drawing/2014/main" id="{4FC10D4B-6552-DBEC-8D48-F7988F31B7A2}"/>
+                <a16:creationId xmlns:a16="http://schemas.microsoft.com/office/drawing/2014/main" id="{5A717063-1323-D26D-881F-F1707ADCEA36}"/>
               </a:ext>
             </a:extLst>
           </p:cNvPr>
@@ -5712,8 +7885,8 @@
         </p:nvSpPr>
         <p:spPr>
           <a:xfrm>
-            <a:off x="4327744" y="2329841"/>
-            <a:ext cx="4688438" cy="646331"/>
+            <a:off x="173204" y="3020207"/>
+            <a:ext cx="4304203" cy="738664"/>
           </a:xfrm>
           <a:prstGeom prst="rect">
             <a:avLst/>
@@ -5727,22 +7900,23 @@
           <a:lstStyle/>
           <a:p>
             <a:r>
-              <a:rPr lang="en-US" b="1">
+              <a:rPr lang="en-US" sz="1400" dirty="0">
                 <a:solidFill>
-                  <a:srgbClr val="FF0000"/>
+                  <a:srgbClr val="202124"/>
                 </a:solidFill>
+                <a:latin typeface="Google Sans"/>
               </a:rPr>
-              <a:t>Looks like it needs "regeneration"</a:t>
-            </a:r>
-          </a:p>
-          <a:p>
-            <a:r>
-              <a:rPr lang="en-US" b="1">
+              <a:t>S</a:t>
+            </a:r>
+            <a:r>
+              <a:rPr lang="en-US" sz="1400" b="0" i="0" dirty="0">
                 <a:solidFill>
-                  <a:srgbClr val="FF0000"/>
+                  <a:srgbClr val="202124"/>
                 </a:solidFill>
+                <a:effectLst/>
+                <a:latin typeface="Google Sans"/>
               </a:rPr>
-              <a:t>(press buttons as instructed for few seconds)</a:t>
+              <a:t>tandard garden hose in the US has a female connector designed to screw onto the male 3 / 4 inch spigot (tap) with NHT (National Hose Thread).</a:t>
             </a:r>
           </a:p>
         </p:txBody>
@@ -5750,7 +7924,7 @@
     </p:spTree>
     <p:extLst>
       <p:ext uri="{BB962C8B-B14F-4D97-AF65-F5344CB8AC3E}">
-        <p14:creationId xmlns:p14="http://schemas.microsoft.com/office/powerpoint/2010/main" val="4107192437"/>
+        <p14:creationId xmlns:p14="http://schemas.microsoft.com/office/powerpoint/2010/main" val="4193960748"/>
       </p:ext>
     </p:extLst>
   </p:cSld>
@@ -5782,7 +7956,7 @@
           <p:cNvPr id="2" name="TextBox 1">
             <a:extLst>
               <a:ext uri="{FF2B5EF4-FFF2-40B4-BE49-F238E27FC236}">
-                <a16:creationId xmlns:a16="http://schemas.microsoft.com/office/drawing/2014/main" id="{89256B02-4D2C-E8E3-19C3-D77073A6351C}"/>
+                <a16:creationId xmlns:a16="http://schemas.microsoft.com/office/drawing/2014/main" id="{4757653A-2EE0-DEBC-A2B7-206AC9A7185D}"/>
               </a:ext>
             </a:extLst>
           </p:cNvPr>
@@ -5791,23 +7965,13 @@
         </p:nvSpPr>
         <p:spPr>
           <a:xfrm>
-            <a:off x="4997885" y="2116899"/>
-            <a:ext cx="3691003" cy="2677656"/>
+            <a:off x="134043" y="197544"/>
+            <a:ext cx="5846343" cy="2693045"/>
           </a:xfrm>
           <a:prstGeom prst="rect">
             <a:avLst/>
           </a:prstGeom>
-          <a:solidFill>
-            <a:schemeClr val="accent4">
-              <a:lumMod val="20000"/>
-              <a:lumOff val="80000"/>
-            </a:schemeClr>
-          </a:solidFill>
-          <a:ln>
-            <a:solidFill>
-              <a:srgbClr val="FF0000"/>
-            </a:solidFill>
-          </a:ln>
+          <a:noFill/>
         </p:spPr>
         <p:txBody>
           <a:bodyPr wrap="square" rtlCol="0">
@@ -5816,75 +7980,72 @@
           <a:lstStyle/>
           <a:p>
             <a:r>
-              <a:rPr lang="en-US" sz="1400"/>
-              <a:t>HARVARD</a:t>
-            </a:r>
-          </a:p>
-          <a:p>
-            <a:r>
-              <a:rPr lang="en-US" sz="1400"/>
-              <a:t>The American Granby Company, Liverpool, NY</a:t>
-            </a:r>
-          </a:p>
-          <a:p>
-            <a:r>
-              <a:rPr lang="en-US" sz="1400"/>
-              <a:t>7652 Morgan Rd, Liverpool, NY 13090</a:t>
-            </a:r>
-          </a:p>
-          <a:p>
-            <a:r>
-              <a:rPr lang="en-US" sz="1400"/>
-              <a:t>https://www.americangranby.com/</a:t>
-            </a:r>
-          </a:p>
-          <a:p>
-            <a:endParaRPr lang="en-US" sz="1400"/>
-          </a:p>
-          <a:p>
-            <a:r>
-              <a:rPr lang="en-US" sz="1400"/>
-              <a:t>MARK 10</a:t>
-            </a:r>
-          </a:p>
-          <a:p>
-            <a:r>
-              <a:rPr lang="en-US" sz="1400"/>
-              <a:t>Bonded Glass-Lined Standard tank</a:t>
-            </a:r>
-          </a:p>
-          <a:p>
-            <a:endParaRPr lang="en-US" sz="1400"/>
-          </a:p>
-          <a:p>
-            <a:r>
-              <a:rPr lang="en-US" sz="1400"/>
-              <a:t>Glass-Lined</a:t>
-            </a:r>
-          </a:p>
-          <a:p>
-            <a:r>
-              <a:rPr lang="en-US" sz="1400"/>
-              <a:t>Dual Cathodic Protection</a:t>
-            </a:r>
-          </a:p>
-          <a:p>
-            <a:endParaRPr lang="en-US" sz="1400"/>
-          </a:p>
-          <a:p>
-            <a:r>
-              <a:rPr lang="en-US" sz="1400"/>
-              <a:t>Hydro-Pneumatic Pump Tank</a:t>
+              <a:rPr lang="en-US" sz="1300" dirty="0"/>
+              <a:t>Problem: opening water in the bathtub results in a weak water stream in the sink</a:t>
+            </a:r>
+          </a:p>
+          <a:p>
+            <a:r>
+              <a:rPr lang="en-US" sz="1300" dirty="0"/>
+              <a:t>Possible reason: water pressure or the plumbing system design (narrow and bent tubes).</a:t>
+            </a:r>
+          </a:p>
+          <a:p>
+            <a:endParaRPr lang="en-US" sz="1300" dirty="0"/>
+          </a:p>
+          <a:p>
+            <a:r>
+              <a:rPr lang="en-US" sz="1300" dirty="0"/>
+              <a:t>Water Pressure: should be around 40-60 psi (pounds per square inch).</a:t>
+            </a:r>
+          </a:p>
+          <a:p>
+            <a:r>
+              <a:rPr lang="en-US" sz="1300" dirty="0"/>
+              <a:t>You can measure the water pressure using a pressure gauge attached to a spigot outside the house.</a:t>
+            </a:r>
+          </a:p>
+          <a:p>
+            <a:endParaRPr lang="en-US" sz="1300" dirty="0"/>
+          </a:p>
+          <a:p>
+            <a:r>
+              <a:rPr lang="en-US" sz="1300" dirty="0"/>
+              <a:t>Solutions:</a:t>
+            </a:r>
+          </a:p>
+          <a:p>
+            <a:r>
+              <a:rPr lang="en-US" sz="1300" dirty="0"/>
+              <a:t> - Changing pipes (larger is better)</a:t>
+            </a:r>
+          </a:p>
+          <a:p>
+            <a:r>
+              <a:rPr lang="en-US" sz="1300" dirty="0"/>
+              <a:t> - Installing a Water Pressure Booster System can help.</a:t>
+            </a:r>
+          </a:p>
+          <a:p>
+            <a:r>
+              <a:rPr lang="en-US" sz="1300" dirty="0"/>
+              <a:t> - Bigger Water Tank might help if water supply is running low quickly</a:t>
+            </a:r>
+          </a:p>
+          <a:p>
+            <a:r>
+              <a:rPr lang="en-US" sz="1300" dirty="0"/>
+              <a:t> - Checking for Leaks or Blockages that could reduce the pressure.</a:t>
             </a:r>
           </a:p>
         </p:txBody>
       </p:sp>
       <p:pic>
         <p:nvPicPr>
-          <p:cNvPr id="3" name="Picture 2">
-            <a:extLst>
-              <a:ext uri="{FF2B5EF4-FFF2-40B4-BE49-F238E27FC236}">
-                <a16:creationId xmlns:a16="http://schemas.microsoft.com/office/drawing/2014/main" id="{BE722195-392B-37FD-CB92-70D23F5BB834}"/>
+          <p:cNvPr id="4" name="Picture 3">
+            <a:extLst>
+              <a:ext uri="{FF2B5EF4-FFF2-40B4-BE49-F238E27FC236}">
+                <a16:creationId xmlns:a16="http://schemas.microsoft.com/office/drawing/2014/main" id="{E4EF1ADB-2838-C61B-0E21-82786DC6C541}"/>
               </a:ext>
             </a:extLst>
           </p:cNvPr>
@@ -5907,20 +8068,56 @@
         </p:blipFill>
         <p:spPr>
           <a:xfrm>
-            <a:off x="430059" y="576899"/>
-            <a:ext cx="3691003" cy="5955423"/>
+            <a:off x="463042" y="3121152"/>
+            <a:ext cx="1158494" cy="1713936"/>
           </a:xfrm>
           <a:prstGeom prst="rect">
             <a:avLst/>
           </a:prstGeom>
         </p:spPr>
       </p:pic>
-      <p:sp>
-        <p:nvSpPr>
-          <p:cNvPr id="4" name="TextBox 3">
-            <a:extLst>
-              <a:ext uri="{FF2B5EF4-FFF2-40B4-BE49-F238E27FC236}">
-                <a16:creationId xmlns:a16="http://schemas.microsoft.com/office/drawing/2014/main" id="{86DC5D30-161F-C31E-2962-D23C48CE3AEB}"/>
+      <p:pic>
+        <p:nvPicPr>
+          <p:cNvPr id="5" name="Picture 4">
+            <a:extLst>
+              <a:ext uri="{FF2B5EF4-FFF2-40B4-BE49-F238E27FC236}">
+                <a16:creationId xmlns:a16="http://schemas.microsoft.com/office/drawing/2014/main" id="{A6FF57F3-0ED0-0E2B-34FE-8B6DB136161F}"/>
+              </a:ext>
+            </a:extLst>
+          </p:cNvPr>
+          <p:cNvPicPr>
+            <a:picLocks noChangeAspect="1"/>
+          </p:cNvPicPr>
+          <p:nvPr/>
+        </p:nvPicPr>
+        <p:blipFill>
+          <a:blip r:embed="rId3" cstate="email">
+            <a:extLst>
+              <a:ext uri="{28A0092B-C50C-407E-A947-70E740481C1C}">
+                <a14:useLocalDpi xmlns:a14="http://schemas.microsoft.com/office/drawing/2010/main"/>
+              </a:ext>
+            </a:extLst>
+          </a:blip>
+          <a:stretch>
+            <a:fillRect/>
+          </a:stretch>
+        </p:blipFill>
+        <p:spPr>
+          <a:xfrm>
+            <a:off x="2798134" y="3228848"/>
+            <a:ext cx="1371600" cy="863600"/>
+          </a:xfrm>
+          <a:prstGeom prst="rect">
+            <a:avLst/>
+          </a:prstGeom>
+        </p:spPr>
+      </p:pic>
+      <p:sp>
+        <p:nvSpPr>
+          <p:cNvPr id="6" name="TextBox 5">
+            <a:extLst>
+              <a:ext uri="{FF2B5EF4-FFF2-40B4-BE49-F238E27FC236}">
+                <a16:creationId xmlns:a16="http://schemas.microsoft.com/office/drawing/2014/main" id="{BDA59732-FAA1-13ED-4132-61700EB1A13A}"/>
               </a:ext>
             </a:extLst>
           </p:cNvPr>
@@ -5929,8 +8126,8 @@
         </p:nvSpPr>
         <p:spPr>
           <a:xfrm>
-            <a:off x="0" y="0"/>
-            <a:ext cx="5085567" cy="523220"/>
+            <a:off x="134043" y="4835088"/>
+            <a:ext cx="2005654" cy="523220"/>
           </a:xfrm>
           <a:prstGeom prst="rect">
             <a:avLst/>
@@ -5944,18 +8141,24 @@
           <a:lstStyle/>
           <a:p>
             <a:r>
-              <a:rPr lang="en-US" sz="2800" b="1"/>
-              <a:t>The big blue tank in the middle</a:t>
-            </a:r>
-          </a:p>
-        </p:txBody>
-      </p:sp>
-      <p:sp>
-        <p:nvSpPr>
-          <p:cNvPr id="5" name="TextBox 4">
-            <a:extLst>
-              <a:ext uri="{FF2B5EF4-FFF2-40B4-BE49-F238E27FC236}">
-                <a16:creationId xmlns:a16="http://schemas.microsoft.com/office/drawing/2014/main" id="{784C2193-37F3-67DC-2B42-F2D6F2005ED0}"/>
+              <a:rPr lang="en-US" sz="1400" dirty="0"/>
+              <a:t>Pressure Gauge 100 Psi</a:t>
+            </a:r>
+          </a:p>
+          <a:p>
+            <a:r>
+              <a:rPr lang="en-US" sz="1400" dirty="0"/>
+              <a:t>3/4" Female connector</a:t>
+            </a:r>
+          </a:p>
+        </p:txBody>
+      </p:sp>
+      <p:sp>
+        <p:nvSpPr>
+          <p:cNvPr id="7" name="TextBox 6">
+            <a:extLst>
+              <a:ext uri="{FF2B5EF4-FFF2-40B4-BE49-F238E27FC236}">
+                <a16:creationId xmlns:a16="http://schemas.microsoft.com/office/drawing/2014/main" id="{E5137809-F32E-6577-7DDA-6E3C96FB911B}"/>
               </a:ext>
             </a:extLst>
           </p:cNvPr>
@@ -5964,8 +8167,8 @@
         </p:nvSpPr>
         <p:spPr>
           <a:xfrm>
-            <a:off x="6213987" y="415066"/>
-            <a:ext cx="4827639" cy="738664"/>
+            <a:off x="2584635" y="4237680"/>
+            <a:ext cx="2005654" cy="954107"/>
           </a:xfrm>
           <a:prstGeom prst="rect">
             <a:avLst/>
@@ -5979,14 +8182,18 @@
           <a:lstStyle/>
           <a:p>
             <a:r>
-              <a:rPr lang="en-US" sz="1400"/>
-              <a:t>Previous owners used it many years ago to clorinate the water. Then they stopped doing this.</a:t>
-            </a:r>
-          </a:p>
-          <a:p>
-            <a:r>
-              <a:rPr lang="en-US" sz="1400"/>
-              <a:t>But didn't remove the tank.</a:t>
+              <a:rPr lang="en-US" sz="1400" dirty="0" err="1"/>
+              <a:t>Camco</a:t>
+            </a:r>
+            <a:r>
+              <a:rPr lang="en-US" sz="1400" dirty="0"/>
+              <a:t> Water Bandit</a:t>
+            </a:r>
+          </a:p>
+          <a:p>
+            <a:r>
+              <a:rPr lang="en-US" sz="1400" dirty="0"/>
+              <a:t>Flexible Silicone-Polymer Sleeve &amp; ABS Male Water Hose Connection</a:t>
             </a:r>
           </a:p>
         </p:txBody>
@@ -5994,7 +8201,7 @@
     </p:spTree>
     <p:extLst>
       <p:ext uri="{BB962C8B-B14F-4D97-AF65-F5344CB8AC3E}">
-        <p14:creationId xmlns:p14="http://schemas.microsoft.com/office/powerpoint/2010/main" val="1486400004"/>
+        <p14:creationId xmlns:p14="http://schemas.microsoft.com/office/powerpoint/2010/main" val="2878895614"/>
       </p:ext>
     </p:extLst>
   </p:cSld>
@@ -6021,12 +8228,48 @@
           <a:chExt cx="0" cy="0"/>
         </a:xfrm>
       </p:grpSpPr>
-      <p:sp>
-        <p:nvSpPr>
-          <p:cNvPr id="2" name="TextBox 1">
-            <a:extLst>
-              <a:ext uri="{FF2B5EF4-FFF2-40B4-BE49-F238E27FC236}">
-                <a16:creationId xmlns:a16="http://schemas.microsoft.com/office/drawing/2014/main" id="{2E1D2A78-E49D-9B90-1FC1-0EA297908BB0}"/>
+      <p:pic>
+        <p:nvPicPr>
+          <p:cNvPr id="2" name="Picture 1">
+            <a:extLst>
+              <a:ext uri="{FF2B5EF4-FFF2-40B4-BE49-F238E27FC236}">
+                <a16:creationId xmlns:a16="http://schemas.microsoft.com/office/drawing/2014/main" id="{817D376E-DF77-3910-8DF6-95F29C205167}"/>
+              </a:ext>
+            </a:extLst>
+          </p:cNvPr>
+          <p:cNvPicPr>
+            <a:picLocks noChangeAspect="1"/>
+          </p:cNvPicPr>
+          <p:nvPr/>
+        </p:nvPicPr>
+        <p:blipFill>
+          <a:blip r:embed="rId2" cstate="email">
+            <a:extLst>
+              <a:ext uri="{28A0092B-C50C-407E-A947-70E740481C1C}">
+                <a14:useLocalDpi xmlns:a14="http://schemas.microsoft.com/office/drawing/2010/main"/>
+              </a:ext>
+            </a:extLst>
+          </a:blip>
+          <a:stretch>
+            <a:fillRect/>
+          </a:stretch>
+        </p:blipFill>
+        <p:spPr>
+          <a:xfrm>
+            <a:off x="363255" y="836200"/>
+            <a:ext cx="3537528" cy="5185600"/>
+          </a:xfrm>
+          <a:prstGeom prst="rect">
+            <a:avLst/>
+          </a:prstGeom>
+        </p:spPr>
+      </p:pic>
+      <p:sp>
+        <p:nvSpPr>
+          <p:cNvPr id="4" name="TextBox 3">
+            <a:extLst>
+              <a:ext uri="{FF2B5EF4-FFF2-40B4-BE49-F238E27FC236}">
+                <a16:creationId xmlns:a16="http://schemas.microsoft.com/office/drawing/2014/main" id="{039252C8-CB9B-657C-6211-ADDF3D1969B7}"/>
               </a:ext>
             </a:extLst>
           </p:cNvPr>
@@ -6035,8 +8278,8 @@
         </p:nvSpPr>
         <p:spPr>
           <a:xfrm>
-            <a:off x="0" y="0"/>
-            <a:ext cx="4330262" cy="523220"/>
+            <a:off x="4327743" y="4985730"/>
+            <a:ext cx="3144773" cy="1169551"/>
           </a:xfrm>
           <a:prstGeom prst="rect">
             <a:avLst/>
@@ -6044,295 +8287,87 @@
           <a:noFill/>
         </p:spPr>
         <p:txBody>
+          <a:bodyPr wrap="square">
+            <a:spAutoFit/>
+          </a:bodyPr>
+          <a:lstStyle/>
+          <a:p>
+            <a:r>
+              <a:rPr lang="en-US" sz="1400"/>
+              <a:t>Aqua-Pure</a:t>
+            </a:r>
+          </a:p>
+          <a:p>
+            <a:r>
+              <a:rPr lang="en-US" sz="1400"/>
+              <a:t>Iron and Manganese Reduction System</a:t>
+            </a:r>
+          </a:p>
+          <a:p>
+            <a:r>
+              <a:rPr lang="en-US" sz="1400"/>
+              <a:t>Model APIF100DM</a:t>
+            </a:r>
+          </a:p>
+          <a:p>
+            <a:r>
+              <a:rPr lang="en-US" sz="1400"/>
+              <a:t>SN 613114A519</a:t>
+            </a:r>
+          </a:p>
+          <a:p>
+            <a:r>
+              <a:rPr lang="en-US" sz="1400"/>
+              <a:t>Serviced 10/2018, 8/2020</a:t>
+            </a:r>
+          </a:p>
+        </p:txBody>
+      </p:sp>
+      <p:sp>
+        <p:nvSpPr>
+          <p:cNvPr id="5" name="TextBox 4">
+            <a:extLst>
+              <a:ext uri="{FF2B5EF4-FFF2-40B4-BE49-F238E27FC236}">
+                <a16:creationId xmlns:a16="http://schemas.microsoft.com/office/drawing/2014/main" id="{4FC10D4B-6552-DBEC-8D48-F7988F31B7A2}"/>
+              </a:ext>
+            </a:extLst>
+          </p:cNvPr>
+          <p:cNvSpPr txBox="1"/>
+          <p:nvPr/>
+        </p:nvSpPr>
+        <p:spPr>
+          <a:xfrm>
+            <a:off x="4327744" y="2329841"/>
+            <a:ext cx="4688438" cy="646331"/>
+          </a:xfrm>
+          <a:prstGeom prst="rect">
+            <a:avLst/>
+          </a:prstGeom>
+          <a:noFill/>
+        </p:spPr>
+        <p:txBody>
           <a:bodyPr wrap="square" rtlCol="0">
             <a:spAutoFit/>
           </a:bodyPr>
           <a:lstStyle/>
           <a:p>
             <a:r>
-              <a:rPr lang="en-US" sz="2800" b="1"/>
-              <a:t>Water Testing</a:t>
-            </a:r>
-          </a:p>
-        </p:txBody>
-      </p:sp>
-      <p:sp>
-        <p:nvSpPr>
-          <p:cNvPr id="3" name="TextBox 2">
-            <a:extLst>
-              <a:ext uri="{FF2B5EF4-FFF2-40B4-BE49-F238E27FC236}">
-                <a16:creationId xmlns:a16="http://schemas.microsoft.com/office/drawing/2014/main" id="{F0B30C49-BF00-1AA9-9A19-2A7D9DF6315D}"/>
-              </a:ext>
-            </a:extLst>
-          </p:cNvPr>
-          <p:cNvSpPr txBox="1"/>
-          <p:nvPr/>
-        </p:nvSpPr>
-        <p:spPr>
-          <a:xfrm>
-            <a:off x="208584" y="724732"/>
-            <a:ext cx="5044652" cy="4401205"/>
-          </a:xfrm>
-          <a:prstGeom prst="rect">
-            <a:avLst/>
-          </a:prstGeom>
-          <a:solidFill>
-            <a:schemeClr val="accent4">
-              <a:lumMod val="20000"/>
-              <a:lumOff val="80000"/>
-            </a:schemeClr>
-          </a:solidFill>
-          <a:ln>
-            <a:solidFill>
-              <a:srgbClr val="FF0000"/>
-            </a:solidFill>
-          </a:ln>
-        </p:spPr>
-        <p:txBody>
-          <a:bodyPr wrap="square" rtlCol="0">
-            <a:spAutoFit/>
-          </a:bodyPr>
-          <a:lstStyle/>
-          <a:p>
-            <a:r>
-              <a:rPr lang="en-US" sz="1400"/>
-              <a:t>Cornell Cooperative Extension Sullivan County</a:t>
-            </a:r>
-          </a:p>
-          <a:p>
-            <a:r>
-              <a:rPr lang="en-US" sz="1400">
-                <a:hlinkClick r:id="rId2"/>
-              </a:rPr>
-              <a:t>http://sullivancce.org</a:t>
-            </a:r>
-            <a:endParaRPr lang="en-US" sz="1400"/>
-          </a:p>
-          <a:p>
-            <a:r>
-              <a:rPr lang="en-US" sz="1400"/>
-              <a:t>64 Ferndale Loomis Rd #1, Liberty, NY 12754</a:t>
-            </a:r>
-          </a:p>
-          <a:p>
-            <a:r>
-              <a:rPr lang="en-US" sz="1400"/>
-              <a:t>Phone: (845) 292-6180</a:t>
-            </a:r>
-          </a:p>
-          <a:p>
-            <a:r>
-              <a:rPr lang="en-US" sz="1400"/>
-              <a:t>   Erin x100</a:t>
-            </a:r>
-          </a:p>
-          <a:p>
-            <a:r>
-              <a:rPr lang="en-US" sz="1400"/>
-              <a:t>Hours: </a:t>
-            </a:r>
-          </a:p>
-          <a:p>
-            <a:r>
-              <a:rPr lang="en-US" sz="1400"/>
-              <a:t>  M-F 8:30AM–4:30PM,   Sat-Sun - Closed</a:t>
-            </a:r>
-          </a:p>
-          <a:p>
-            <a:endParaRPr lang="en-US" sz="1400"/>
-          </a:p>
-          <a:p>
-            <a:r>
-              <a:rPr lang="en-US" sz="1400"/>
-              <a:t>Erin said that they don't do testing any more, and recommended</a:t>
-            </a:r>
-          </a:p>
-          <a:p>
-            <a:r>
-              <a:rPr lang="en-US" sz="1400"/>
-              <a:t>AG Environmental/Sullivan County Labs </a:t>
-            </a:r>
-          </a:p>
-          <a:p>
-            <a:r>
-              <a:rPr lang="en-US" sz="1400"/>
-              <a:t>.. </a:t>
-            </a:r>
-            <a:r>
-              <a:rPr lang="en-US" sz="1400">
-                <a:hlinkClick r:id="rId3"/>
-              </a:rPr>
-              <a:t>https://www.sullivancountylabs.com/</a:t>
-            </a:r>
-            <a:endParaRPr lang="en-US" sz="1400"/>
-          </a:p>
-          <a:p>
-            <a:endParaRPr lang="en-US" sz="1400"/>
-          </a:p>
-          <a:p>
-            <a:r>
-              <a:rPr lang="en-US" sz="1400" b="1">
-                <a:solidFill>
-                  <a:srgbClr val="00B050"/>
-                </a:solidFill>
-              </a:rPr>
-              <a:t>AG ENVIRONMENTAL RSC LLC</a:t>
-            </a:r>
-            <a:r>
-              <a:rPr lang="en-US" sz="1400"/>
-              <a:t> </a:t>
-            </a:r>
-          </a:p>
-          <a:p>
-            <a:r>
-              <a:rPr lang="en-US" sz="1400"/>
-              <a:t>DBA </a:t>
-            </a:r>
-            <a:r>
-              <a:rPr lang="en-US" sz="1400" b="1">
+              <a:rPr lang="en-US" b="1">
                 <a:solidFill>
                   <a:srgbClr val="FF0000"/>
                 </a:solidFill>
               </a:rPr>
-              <a:t>SULLIVAN COUNTY LABS</a:t>
-            </a:r>
-          </a:p>
-          <a:p>
-            <a:r>
-              <a:rPr lang="en-US" sz="1400"/>
-              <a:t>86 Queen Mountain Rd, Ferndale, NY 12734</a:t>
-            </a:r>
-          </a:p>
-          <a:p>
-            <a:r>
-              <a:rPr lang="en-US" sz="1400"/>
-              <a:t>(845) 704-8151</a:t>
-            </a:r>
-          </a:p>
-          <a:p>
-            <a:endParaRPr lang="en-US" sz="1400"/>
-          </a:p>
-          <a:p>
-            <a:r>
-              <a:rPr lang="en-US" sz="1400"/>
-              <a:t>7/6/2022 – spoke, ordered the bottle</a:t>
-            </a:r>
-          </a:p>
-          <a:p>
-            <a:r>
-              <a:rPr lang="en-US" sz="1400"/>
-              <a:t>   spoke with Carmen – she mails testing kit to 350 Cabrini</a:t>
-            </a:r>
-          </a:p>
-          <a:p>
-            <a:r>
-              <a:rPr lang="en-US" sz="1400"/>
-              <a:t>   for testing 10 metalls ($179) + bacteria + nitrates: $250 total</a:t>
-            </a:r>
-          </a:p>
-        </p:txBody>
-      </p:sp>
-      <p:sp>
-        <p:nvSpPr>
-          <p:cNvPr id="4" name="TextBox 3">
-            <a:extLst>
-              <a:ext uri="{FF2B5EF4-FFF2-40B4-BE49-F238E27FC236}">
-                <a16:creationId xmlns:a16="http://schemas.microsoft.com/office/drawing/2014/main" id="{4BAB7DF2-03AB-CCD2-671D-A6BFAF382C9B}"/>
-              </a:ext>
-            </a:extLst>
-          </p:cNvPr>
-          <p:cNvSpPr txBox="1"/>
-          <p:nvPr/>
-        </p:nvSpPr>
-        <p:spPr>
-          <a:xfrm>
-            <a:off x="7503090" y="1340285"/>
-            <a:ext cx="3482236" cy="1815882"/>
-          </a:xfrm>
-          <a:prstGeom prst="rect">
-            <a:avLst/>
-          </a:prstGeom>
-          <a:noFill/>
-        </p:spPr>
-        <p:txBody>
-          <a:bodyPr wrap="square" rtlCol="0">
-            <a:spAutoFit/>
-          </a:bodyPr>
-          <a:lstStyle/>
-          <a:p>
-            <a:r>
-              <a:rPr lang="en-US" sz="1400"/>
-              <a:t>Plastic bottle 750 ml coca-cola</a:t>
-            </a:r>
-          </a:p>
-          <a:p>
-            <a:endParaRPr lang="en-US" sz="1400"/>
-          </a:p>
-          <a:p>
-            <a:r>
-              <a:rPr lang="en-US" sz="1400"/>
-              <a:t>1</a:t>
-            </a:r>
-            <a:r>
-              <a:rPr lang="en-US" sz="1400" baseline="30000"/>
-              <a:t>st</a:t>
-            </a:r>
-            <a:r>
-              <a:rPr lang="en-US" sz="1400"/>
-              <a:t> faucet</a:t>
-            </a:r>
-          </a:p>
-          <a:p>
-            <a:r>
-              <a:rPr lang="en-US" sz="1400"/>
-              <a:t>last faucet</a:t>
-            </a:r>
-          </a:p>
-          <a:p>
-            <a:endParaRPr lang="en-US" sz="1400"/>
-          </a:p>
-          <a:p>
-            <a:r>
-              <a:rPr lang="en-US" sz="1400"/>
-              <a:t>take water after pressure tank before filter tanks</a:t>
-            </a:r>
-          </a:p>
-          <a:p>
-            <a:endParaRPr lang="en-US" sz="1400"/>
-          </a:p>
-        </p:txBody>
-      </p:sp>
-      <p:sp>
-        <p:nvSpPr>
-          <p:cNvPr id="5" name="TextBox 4">
-            <a:extLst>
-              <a:ext uri="{FF2B5EF4-FFF2-40B4-BE49-F238E27FC236}">
-                <a16:creationId xmlns:a16="http://schemas.microsoft.com/office/drawing/2014/main" id="{41AC0A8F-A88A-AA89-B069-50DC43157077}"/>
-              </a:ext>
-            </a:extLst>
-          </p:cNvPr>
-          <p:cNvSpPr txBox="1"/>
-          <p:nvPr/>
-        </p:nvSpPr>
-        <p:spPr>
-          <a:xfrm>
-            <a:off x="6597445" y="3834581"/>
-            <a:ext cx="4552336" cy="307777"/>
-          </a:xfrm>
-          <a:prstGeom prst="rect">
-            <a:avLst/>
-          </a:prstGeom>
-          <a:noFill/>
-        </p:spPr>
-        <p:txBody>
-          <a:bodyPr wrap="square" rtlCol="0">
-            <a:spAutoFit/>
-          </a:bodyPr>
-          <a:lstStyle/>
-          <a:p>
-            <a:r>
-              <a:rPr lang="en-US" sz="1400"/>
-              <a:t>house:    833 County Road 94, Hankins, NY 12741</a:t>
+              <a:t>Looks like it needs "regeneration"</a:t>
+            </a:r>
+          </a:p>
+          <a:p>
+            <a:r>
+              <a:rPr lang="en-US" b="1">
+                <a:solidFill>
+                  <a:srgbClr val="FF0000"/>
+                </a:solidFill>
+              </a:rPr>
+              <a:t>(press buttons as instructed for few seconds)</a:t>
             </a:r>
           </a:p>
         </p:txBody>
@@ -6340,7 +8375,7 @@
     </p:spTree>
     <p:extLst>
       <p:ext uri="{BB962C8B-B14F-4D97-AF65-F5344CB8AC3E}">
-        <p14:creationId xmlns:p14="http://schemas.microsoft.com/office/powerpoint/2010/main" val="2752843417"/>
+        <p14:creationId xmlns:p14="http://schemas.microsoft.com/office/powerpoint/2010/main" val="4107192437"/>
       </p:ext>
     </p:extLst>
   </p:cSld>
@@ -6372,7 +8407,7 @@
           <p:cNvPr id="2" name="TextBox 1">
             <a:extLst>
               <a:ext uri="{FF2B5EF4-FFF2-40B4-BE49-F238E27FC236}">
-                <a16:creationId xmlns:a16="http://schemas.microsoft.com/office/drawing/2014/main" id="{D308FFA0-AADB-1699-B48F-B7D845A314D0}"/>
+                <a16:creationId xmlns:a16="http://schemas.microsoft.com/office/drawing/2014/main" id="{89256B02-4D2C-E8E3-19C3-D77073A6351C}"/>
               </a:ext>
             </a:extLst>
           </p:cNvPr>
@@ -6381,43 +8416,8 @@
         </p:nvSpPr>
         <p:spPr>
           <a:xfrm>
-            <a:off x="0" y="44750"/>
-            <a:ext cx="4343400" cy="523220"/>
-          </a:xfrm>
-          <a:prstGeom prst="rect">
-            <a:avLst/>
-          </a:prstGeom>
-          <a:noFill/>
-        </p:spPr>
-        <p:txBody>
-          <a:bodyPr wrap="square" rtlCol="0">
-            <a:spAutoFit/>
-          </a:bodyPr>
-          <a:lstStyle/>
-          <a:p>
-            <a:r>
-              <a:rPr lang="en-US" sz="2800" b="1"/>
-              <a:t>Aqua-Pure Servicing</a:t>
-            </a:r>
-          </a:p>
-        </p:txBody>
-      </p:sp>
-      <p:sp>
-        <p:nvSpPr>
-          <p:cNvPr id="3" name="TextBox 2">
-            <a:extLst>
-              <a:ext uri="{FF2B5EF4-FFF2-40B4-BE49-F238E27FC236}">
-                <a16:creationId xmlns:a16="http://schemas.microsoft.com/office/drawing/2014/main" id="{ED286314-8112-409C-7296-CB50A125B66E}"/>
-              </a:ext>
-            </a:extLst>
-          </p:cNvPr>
-          <p:cNvSpPr txBox="1"/>
-          <p:nvPr/>
-        </p:nvSpPr>
-        <p:spPr>
-          <a:xfrm>
-            <a:off x="7412887" y="837098"/>
-            <a:ext cx="4207614" cy="3754874"/>
+            <a:off x="4997885" y="2116899"/>
+            <a:ext cx="3691003" cy="2677656"/>
           </a:xfrm>
           <a:prstGeom prst="rect">
             <a:avLst/>
@@ -6438,209 +8438,139 @@
           <a:bodyPr wrap="square" rtlCol="0">
             <a:spAutoFit/>
           </a:bodyPr>
-          <a:lstStyle>
-            <a:defPPr>
-              <a:defRPr lang="en-US"/>
-            </a:defPPr>
-            <a:lvl1pPr>
-              <a:defRPr sz="1400"/>
-            </a:lvl1pPr>
-          </a:lstStyle>
-          <a:p>
-            <a:r>
-              <a:rPr lang="en-US"/>
-              <a:t>Recommendations by Cornell Cooperative Extension</a:t>
-            </a:r>
-          </a:p>
-          <a:p>
-            <a:r>
-              <a:rPr lang="en-US">
-                <a:hlinkClick r:id="rId2"/>
-              </a:rPr>
-              <a:t>http://genesee.cce.cornell.edu/your-home/well-water</a:t>
-            </a:r>
-            <a:endParaRPr lang="en-US"/>
-          </a:p>
-          <a:p>
-            <a:endParaRPr lang="en-US"/>
-          </a:p>
-          <a:p>
-            <a:r>
-              <a:rPr lang="en-US"/>
-              <a:t>==============================</a:t>
-            </a:r>
-          </a:p>
-          <a:p>
-            <a:r>
-              <a:rPr lang="en-US"/>
-              <a:t>AG Environmental/Sullivan County Labs </a:t>
-            </a:r>
-          </a:p>
-          <a:p>
-            <a:r>
-              <a:rPr lang="en-US"/>
-              <a:t>.. </a:t>
-            </a:r>
-            <a:r>
-              <a:rPr lang="en-US">
-                <a:hlinkClick r:id="rId3"/>
-              </a:rPr>
-              <a:t>https://www.sullivancountylabs.com</a:t>
-            </a:r>
-            <a:endParaRPr lang="en-US"/>
-          </a:p>
-          <a:p>
-            <a:endParaRPr lang="en-US"/>
-          </a:p>
-          <a:p>
-            <a:r>
-              <a:rPr lang="en-US" b="1">
-                <a:solidFill>
-                  <a:srgbClr val="00B050"/>
-                </a:solidFill>
-              </a:rPr>
-              <a:t>AG ENVIRONMENTAL RSC LLC</a:t>
-            </a:r>
-          </a:p>
-          <a:p>
-            <a:r>
-              <a:rPr lang="en-US"/>
-              <a:t> DBA </a:t>
-            </a:r>
-            <a:r>
-              <a:rPr lang="en-US" b="1">
-                <a:solidFill>
-                  <a:srgbClr val="FF0000"/>
-                </a:solidFill>
-              </a:rPr>
-              <a:t>SULLIVAN COUNTY LABS</a:t>
-            </a:r>
-          </a:p>
-          <a:p>
-            <a:r>
-              <a:rPr lang="en-US"/>
-              <a:t>86 Queen Mountain Rd, Ferndale, NY 12734</a:t>
-            </a:r>
-          </a:p>
-          <a:p>
-            <a:r>
-              <a:rPr lang="en-US"/>
-              <a:t>(845) 704-8151</a:t>
-            </a:r>
-          </a:p>
-          <a:p>
-            <a:endParaRPr lang="en-US"/>
-          </a:p>
-          <a:p>
-            <a:r>
-              <a:rPr lang="en-US"/>
-              <a:t>==============================</a:t>
-            </a:r>
-          </a:p>
-          <a:p>
-            <a:r>
-              <a:rPr lang="en-US"/>
-              <a:t>Valley Water Services</a:t>
-            </a:r>
-          </a:p>
-          <a:p>
-            <a:r>
-              <a:rPr lang="en-US">
-                <a:hlinkClick r:id="rId4"/>
-              </a:rPr>
-              <a:t>https://valley-water.com/contact/</a:t>
-            </a:r>
-            <a:endParaRPr lang="en-US"/>
-          </a:p>
-          <a:p>
-            <a:r>
-              <a:rPr lang="en-US"/>
-              <a:t>845-887-4770 Kristen</a:t>
-            </a:r>
-          </a:p>
-          <a:p>
-            <a:r>
-              <a:rPr lang="en-US"/>
-              <a:t>info@valley-water.com</a:t>
-            </a:r>
-          </a:p>
-        </p:txBody>
-      </p:sp>
-      <p:sp>
-        <p:nvSpPr>
-          <p:cNvPr id="4" name="TextBox 3">
-            <a:extLst>
-              <a:ext uri="{FF2B5EF4-FFF2-40B4-BE49-F238E27FC236}">
-                <a16:creationId xmlns:a16="http://schemas.microsoft.com/office/drawing/2014/main" id="{E7FF1618-3796-17D8-014C-F7448BC65CE7}"/>
-              </a:ext>
-            </a:extLst>
-          </p:cNvPr>
-          <p:cNvSpPr txBox="1"/>
+          <a:lstStyle/>
+          <a:p>
+            <a:r>
+              <a:rPr lang="en-US" sz="1400"/>
+              <a:t>HARVARD</a:t>
+            </a:r>
+          </a:p>
+          <a:p>
+            <a:r>
+              <a:rPr lang="en-US" sz="1400"/>
+              <a:t>The American Granby Company, Liverpool, NY</a:t>
+            </a:r>
+          </a:p>
+          <a:p>
+            <a:r>
+              <a:rPr lang="en-US" sz="1400"/>
+              <a:t>7652 Morgan Rd, Liverpool, NY 13090</a:t>
+            </a:r>
+          </a:p>
+          <a:p>
+            <a:r>
+              <a:rPr lang="en-US" sz="1400"/>
+              <a:t>https://www.americangranby.com/</a:t>
+            </a:r>
+          </a:p>
+          <a:p>
+            <a:endParaRPr lang="en-US" sz="1400"/>
+          </a:p>
+          <a:p>
+            <a:r>
+              <a:rPr lang="en-US" sz="1400"/>
+              <a:t>MARK 10</a:t>
+            </a:r>
+          </a:p>
+          <a:p>
+            <a:r>
+              <a:rPr lang="en-US" sz="1400"/>
+              <a:t>Bonded Glass-Lined Standard tank</a:t>
+            </a:r>
+          </a:p>
+          <a:p>
+            <a:endParaRPr lang="en-US" sz="1400"/>
+          </a:p>
+          <a:p>
+            <a:r>
+              <a:rPr lang="en-US" sz="1400"/>
+              <a:t>Glass-Lined</a:t>
+            </a:r>
+          </a:p>
+          <a:p>
+            <a:r>
+              <a:rPr lang="en-US" sz="1400"/>
+              <a:t>Dual Cathodic Protection</a:t>
+            </a:r>
+          </a:p>
+          <a:p>
+            <a:endParaRPr lang="en-US" sz="1400"/>
+          </a:p>
+          <a:p>
+            <a:r>
+              <a:rPr lang="en-US" sz="1400"/>
+              <a:t>Hydro-Pneumatic Pump Tank</a:t>
+            </a:r>
+          </a:p>
+        </p:txBody>
+      </p:sp>
+      <p:pic>
+        <p:nvPicPr>
+          <p:cNvPr id="3" name="Picture 2">
+            <a:extLst>
+              <a:ext uri="{FF2B5EF4-FFF2-40B4-BE49-F238E27FC236}">
+                <a16:creationId xmlns:a16="http://schemas.microsoft.com/office/drawing/2014/main" id="{BE722195-392B-37FD-CB92-70D23F5BB834}"/>
+              </a:ext>
+            </a:extLst>
+          </p:cNvPr>
+          <p:cNvPicPr>
+            <a:picLocks noChangeAspect="1"/>
+          </p:cNvPicPr>
           <p:nvPr/>
-        </p:nvSpPr>
+        </p:nvPicPr>
+        <p:blipFill>
+          <a:blip r:embed="rId2" cstate="email">
+            <a:extLst>
+              <a:ext uri="{28A0092B-C50C-407E-A947-70E740481C1C}">
+                <a14:useLocalDpi xmlns:a14="http://schemas.microsoft.com/office/drawing/2010/main"/>
+              </a:ext>
+            </a:extLst>
+          </a:blip>
+          <a:stretch>
+            <a:fillRect/>
+          </a:stretch>
+        </p:blipFill>
         <p:spPr>
           <a:xfrm>
-            <a:off x="223156" y="837098"/>
-            <a:ext cx="2242458" cy="1169551"/>
+            <a:off x="430059" y="576899"/>
+            <a:ext cx="3691003" cy="5955423"/>
           </a:xfrm>
           <a:prstGeom prst="rect">
             <a:avLst/>
           </a:prstGeom>
-          <a:solidFill>
-            <a:schemeClr val="accent4">
-              <a:lumMod val="20000"/>
-              <a:lumOff val="80000"/>
-            </a:schemeClr>
-          </a:solidFill>
-          <a:ln>
-            <a:solidFill>
-              <a:srgbClr val="FF0000"/>
-            </a:solidFill>
-          </a:ln>
+        </p:spPr>
+      </p:pic>
+      <p:sp>
+        <p:nvSpPr>
+          <p:cNvPr id="4" name="TextBox 3">
+            <a:extLst>
+              <a:ext uri="{FF2B5EF4-FFF2-40B4-BE49-F238E27FC236}">
+                <a16:creationId xmlns:a16="http://schemas.microsoft.com/office/drawing/2014/main" id="{86DC5D30-161F-C31E-2962-D23C48CE3AEB}"/>
+              </a:ext>
+            </a:extLst>
+          </p:cNvPr>
+          <p:cNvSpPr txBox="1"/>
+          <p:nvPr/>
+        </p:nvSpPr>
+        <p:spPr>
+          <a:xfrm>
+            <a:off x="0" y="0"/>
+            <a:ext cx="5085567" cy="523220"/>
+          </a:xfrm>
+          <a:prstGeom prst="rect">
+            <a:avLst/>
+          </a:prstGeom>
+          <a:noFill/>
         </p:spPr>
         <p:txBody>
           <a:bodyPr wrap="square" rtlCol="0">
             <a:spAutoFit/>
           </a:bodyPr>
-          <a:lstStyle>
-            <a:defPPr>
-              <a:defRPr lang="en-US"/>
-            </a:defPPr>
-            <a:lvl1pPr>
-              <a:defRPr sz="1400"/>
-            </a:lvl1pPr>
-          </a:lstStyle>
-          <a:p>
-            <a:r>
-              <a:rPr lang="en-US"/>
-              <a:t>Plumber</a:t>
-            </a:r>
-          </a:p>
-          <a:p>
-            <a:r>
-              <a:rPr lang="en-US"/>
-              <a:t>DJS Plumbing</a:t>
-            </a:r>
-          </a:p>
-          <a:p>
-            <a:r>
-              <a:rPr lang="en-US">
-                <a:hlinkClick r:id="rId5"/>
-              </a:rPr>
-              <a:t>http://www.djsph.com</a:t>
-            </a:r>
-            <a:endParaRPr lang="en-US"/>
-          </a:p>
-          <a:p>
-            <a:r>
-              <a:rPr lang="en-US"/>
-              <a:t>Phone number</a:t>
-            </a:r>
-          </a:p>
-          <a:p>
-            <a:r>
-              <a:rPr lang="en-US"/>
-              <a:t>(845) 887-6309</a:t>
+          <a:lstStyle/>
+          <a:p>
+            <a:r>
+              <a:rPr lang="en-US" sz="2800" b="1"/>
+              <a:t>The big blue tank in the middle</a:t>
             </a:r>
           </a:p>
         </p:txBody>
@@ -6650,7 +8580,7 @@
           <p:cNvPr id="5" name="TextBox 4">
             <a:extLst>
               <a:ext uri="{FF2B5EF4-FFF2-40B4-BE49-F238E27FC236}">
-                <a16:creationId xmlns:a16="http://schemas.microsoft.com/office/drawing/2014/main" id="{BE4501C0-7A38-778A-3EB0-EE4A7ADE3179}"/>
+                <a16:creationId xmlns:a16="http://schemas.microsoft.com/office/drawing/2014/main" id="{784C2193-37F3-67DC-2B42-F2D6F2005ED0}"/>
               </a:ext>
             </a:extLst>
           </p:cNvPr>
@@ -6659,73 +8589,29 @@
         </p:nvSpPr>
         <p:spPr>
           <a:xfrm>
-            <a:off x="223156" y="3445329"/>
-            <a:ext cx="5023757" cy="1600438"/>
+            <a:off x="6213987" y="415066"/>
+            <a:ext cx="4827639" cy="738664"/>
           </a:xfrm>
           <a:prstGeom prst="rect">
             <a:avLst/>
           </a:prstGeom>
-          <a:solidFill>
-            <a:schemeClr val="accent4">
-              <a:lumMod val="20000"/>
-              <a:lumOff val="80000"/>
-            </a:schemeClr>
-          </a:solidFill>
-          <a:ln>
-            <a:solidFill>
-              <a:srgbClr val="FF0000"/>
-            </a:solidFill>
-          </a:ln>
+          <a:noFill/>
         </p:spPr>
         <p:txBody>
           <a:bodyPr wrap="square" rtlCol="0">
             <a:spAutoFit/>
           </a:bodyPr>
-          <a:lstStyle>
-            <a:defPPr>
-              <a:defRPr lang="en-US"/>
-            </a:defPPr>
-            <a:lvl1pPr>
-              <a:defRPr sz="1400"/>
-            </a:lvl1pPr>
-          </a:lstStyle>
-          <a:p>
-            <a:r>
-              <a:rPr lang="en-US"/>
-              <a:t>The address in contract:</a:t>
-            </a:r>
-          </a:p>
-          <a:p>
-            <a:r>
-              <a:rPr lang="en-US"/>
-              <a:t>  house:    833 County Road 94, Hankins, NY 12741</a:t>
-            </a:r>
-          </a:p>
-          <a:p>
-            <a:r>
-              <a:rPr lang="en-US"/>
-              <a:t>  barn:     829 County Road 94, Hankins, NY 12741</a:t>
-            </a:r>
-          </a:p>
-          <a:p>
-            <a:endParaRPr lang="en-US"/>
-          </a:p>
-          <a:p>
-            <a:r>
-              <a:rPr lang="en-US"/>
-              <a:t>Former Owners: </a:t>
-            </a:r>
-          </a:p>
-          <a:p>
-            <a:r>
-              <a:rPr lang="en-US"/>
-              <a:t>  Vincent A. Shursky :</a:t>
-            </a:r>
-          </a:p>
-          <a:p>
-            <a:r>
-              <a:rPr lang="en-US"/>
-              <a:t>  Susanne M. Shursky : 845-796-8050</a:t>
+          <a:lstStyle/>
+          <a:p>
+            <a:r>
+              <a:rPr lang="en-US" sz="1400"/>
+              <a:t>Previous owners used it many years ago to clorinate the water. Then they stopped doing this.</a:t>
+            </a:r>
+          </a:p>
+          <a:p>
+            <a:r>
+              <a:rPr lang="en-US" sz="1400"/>
+              <a:t>But didn't remove the tank.</a:t>
             </a:r>
           </a:p>
         </p:txBody>
@@ -6733,7 +8619,7 @@
     </p:spTree>
     <p:extLst>
       <p:ext uri="{BB962C8B-B14F-4D97-AF65-F5344CB8AC3E}">
-        <p14:creationId xmlns:p14="http://schemas.microsoft.com/office/powerpoint/2010/main" val="2429658463"/>
+        <p14:creationId xmlns:p14="http://schemas.microsoft.com/office/powerpoint/2010/main" val="1486400004"/>
       </p:ext>
     </p:extLst>
   </p:cSld>
@@ -6765,7 +8651,7 @@
           <p:cNvPr id="2" name="TextBox 1">
             <a:extLst>
               <a:ext uri="{FF2B5EF4-FFF2-40B4-BE49-F238E27FC236}">
-                <a16:creationId xmlns:a16="http://schemas.microsoft.com/office/drawing/2014/main" id="{687AC363-7627-6402-F57E-1B785C4DA2A1}"/>
+                <a16:creationId xmlns:a16="http://schemas.microsoft.com/office/drawing/2014/main" id="{2E1D2A78-E49D-9B90-1FC1-0EA297908BB0}"/>
               </a:ext>
             </a:extLst>
           </p:cNvPr>
@@ -6775,7 +8661,7 @@
         <p:spPr>
           <a:xfrm>
             <a:off x="0" y="0"/>
-            <a:ext cx="6350443" cy="666786"/>
+            <a:ext cx="4330262" cy="523220"/>
           </a:xfrm>
           <a:prstGeom prst="rect">
             <a:avLst/>
@@ -6789,18 +8675,18 @@
           <a:lstStyle/>
           <a:p>
             <a:r>
-              <a:rPr lang="en-US" sz="3733" b="1"/>
-              <a:t>Water Filter under sink</a:t>
-            </a:r>
-          </a:p>
-        </p:txBody>
-      </p:sp>
-      <p:sp>
-        <p:nvSpPr>
-          <p:cNvPr id="6" name="TextBox 5">
-            <a:extLst>
-              <a:ext uri="{FF2B5EF4-FFF2-40B4-BE49-F238E27FC236}">
-                <a16:creationId xmlns:a16="http://schemas.microsoft.com/office/drawing/2014/main" id="{0B3D246B-C6D4-845C-1A20-2ADB2087AB1D}"/>
+              <a:rPr lang="en-US" sz="2800" b="1"/>
+              <a:t>Water Testing</a:t>
+            </a:r>
+          </a:p>
+        </p:txBody>
+      </p:sp>
+      <p:sp>
+        <p:nvSpPr>
+          <p:cNvPr id="3" name="TextBox 2">
+            <a:extLst>
+              <a:ext uri="{FF2B5EF4-FFF2-40B4-BE49-F238E27FC236}">
+                <a16:creationId xmlns:a16="http://schemas.microsoft.com/office/drawing/2014/main" id="{F0B30C49-BF00-1AA9-9A19-2A7D9DF6315D}"/>
               </a:ext>
             </a:extLst>
           </p:cNvPr>
@@ -6809,8 +8695,8 @@
         </p:nvSpPr>
         <p:spPr>
           <a:xfrm>
-            <a:off x="169109" y="925751"/>
-            <a:ext cx="6732731" cy="1169551"/>
+            <a:off x="208584" y="724732"/>
+            <a:ext cx="5044652" cy="4401205"/>
           </a:xfrm>
           <a:prstGeom prst="rect">
             <a:avLst/>
@@ -6833,114 +8719,150 @@
           </a:bodyPr>
           <a:lstStyle/>
           <a:p>
-            <a:pPr marL="380990" indent="-380990">
-              <a:buFont typeface="Arial" panose="020B0604020202020204" pitchFamily="34" charset="0"/>
-              <a:buChar char="•"/>
-            </a:pPr>
+            <a:r>
+              <a:rPr lang="en-US" sz="1400"/>
+              <a:t>Cornell Cooperative Extension Sullivan County</a:t>
+            </a:r>
+          </a:p>
+          <a:p>
             <a:r>
               <a:rPr lang="en-US" sz="1400">
-                <a:latin typeface="Calibri" panose="020F0502020204030204" pitchFamily="34" charset="0"/>
-                <a:cs typeface="Calibri" panose="020F0502020204030204" pitchFamily="34" charset="0"/>
+                <a:hlinkClick r:id="rId2"/>
               </a:rPr>
-              <a:t>High quality, designed, engineered and assembled in the USA</a:t>
-            </a:r>
-          </a:p>
-          <a:p>
-            <a:pPr marL="380990" indent="-380990">
-              <a:buFont typeface="Arial" panose="020B0604020202020204" pitchFamily="34" charset="0"/>
-              <a:buChar char="•"/>
-            </a:pPr>
+              <a:t>http://sullivancce.org</a:t>
+            </a:r>
+            <a:endParaRPr lang="en-US" sz="1400"/>
+          </a:p>
+          <a:p>
+            <a:r>
+              <a:rPr lang="en-US" sz="1400"/>
+              <a:t>64 Ferndale Loomis Rd #1, Liberty, NY 12754</a:t>
+            </a:r>
+          </a:p>
+          <a:p>
+            <a:r>
+              <a:rPr lang="en-US" sz="1400"/>
+              <a:t>Phone: (845) 292-6180</a:t>
+            </a:r>
+          </a:p>
+          <a:p>
+            <a:r>
+              <a:rPr lang="en-US" sz="1400"/>
+              <a:t>   Erin x100</a:t>
+            </a:r>
+          </a:p>
+          <a:p>
+            <a:r>
+              <a:rPr lang="en-US" sz="1400"/>
+              <a:t>Hours: </a:t>
+            </a:r>
+          </a:p>
+          <a:p>
+            <a:r>
+              <a:rPr lang="en-US" sz="1400"/>
+              <a:t>  M-F 8:30AM–4:30PM,   Sat-Sun - Closed</a:t>
+            </a:r>
+          </a:p>
+          <a:p>
+            <a:endParaRPr lang="en-US" sz="1400"/>
+          </a:p>
+          <a:p>
+            <a:r>
+              <a:rPr lang="en-US" sz="1400"/>
+              <a:t>Erin said that they don't do testing any more, and recommended</a:t>
+            </a:r>
+          </a:p>
+          <a:p>
+            <a:r>
+              <a:rPr lang="en-US" sz="1400"/>
+              <a:t>AG Environmental/Sullivan County Labs </a:t>
+            </a:r>
+          </a:p>
+          <a:p>
+            <a:r>
+              <a:rPr lang="en-US" sz="1400"/>
+              <a:t>.. </a:t>
+            </a:r>
             <a:r>
               <a:rPr lang="en-US" sz="1400">
-                <a:latin typeface="Calibri" panose="020F0502020204030204" pitchFamily="34" charset="0"/>
-                <a:cs typeface="Calibri" panose="020F0502020204030204" pitchFamily="34" charset="0"/>
+                <a:hlinkClick r:id="rId3"/>
               </a:rPr>
-              <a:t>System built with US MADE super capacity filters (long lasting for tap/well water)</a:t>
-            </a:r>
-          </a:p>
-          <a:p>
-            <a:pPr marL="380990" indent="-380990">
-              <a:buFont typeface="Arial" panose="020B0604020202020204" pitchFamily="34" charset="0"/>
-              <a:buChar char="•"/>
-            </a:pPr>
-            <a:r>
-              <a:rPr lang="en-US" sz="1400">
-                <a:latin typeface="Calibri" panose="020F0502020204030204" pitchFamily="34" charset="0"/>
-                <a:cs typeface="Calibri" panose="020F0502020204030204" pitchFamily="34" charset="0"/>
+              <a:t>https://www.sullivancountylabs.com/</a:t>
+            </a:r>
+            <a:endParaRPr lang="en-US" sz="1400"/>
+          </a:p>
+          <a:p>
+            <a:endParaRPr lang="en-US" sz="1400"/>
+          </a:p>
+          <a:p>
+            <a:r>
+              <a:rPr lang="en-US" sz="1400" b="1">
+                <a:solidFill>
+                  <a:srgbClr val="00B050"/>
+                </a:solidFill>
               </a:rPr>
-              <a:t>Effectively remove chemicals (i.e. chlorine), taste and odors. </a:t>
-            </a:r>
-          </a:p>
-          <a:p>
-            <a:pPr marL="380990" indent="-380990">
-              <a:buFont typeface="Arial" panose="020B0604020202020204" pitchFamily="34" charset="0"/>
-              <a:buChar char="•"/>
-            </a:pPr>
-            <a:r>
-              <a:rPr lang="en-US" sz="1400">
-                <a:latin typeface="Calibri" panose="020F0502020204030204" pitchFamily="34" charset="0"/>
-                <a:cs typeface="Calibri" panose="020F0502020204030204" pitchFamily="34" charset="0"/>
+              <a:t>AG ENVIRONMENTAL RSC LLC</a:t>
+            </a:r>
+            <a:r>
+              <a:rPr lang="en-US" sz="1400"/>
+              <a:t> </a:t>
+            </a:r>
+          </a:p>
+          <a:p>
+            <a:r>
+              <a:rPr lang="en-US" sz="1400"/>
+              <a:t>DBA </a:t>
+            </a:r>
+            <a:r>
+              <a:rPr lang="en-US" sz="1400" b="1">
+                <a:solidFill>
+                  <a:srgbClr val="FF0000"/>
+                </a:solidFill>
               </a:rPr>
-              <a:t>NOT designed for TDS removal (TDS = Total Dissolved Solids, mostly inorganic salts)</a:t>
-            </a:r>
-          </a:p>
-          <a:p>
-            <a:pPr marL="380990" indent="-380990">
-              <a:buFont typeface="Arial" panose="020B0604020202020204" pitchFamily="34" charset="0"/>
-              <a:buChar char="•"/>
-            </a:pPr>
-            <a:r>
-              <a:rPr lang="en-US" sz="1400">
-                <a:latin typeface="Calibri" panose="020F0502020204030204" pitchFamily="34" charset="0"/>
-                <a:cs typeface="Calibri" panose="020F0502020204030204" pitchFamily="34" charset="0"/>
-              </a:rPr>
-              <a:t>Feed Water Pressure 20-85 psi</a:t>
-            </a:r>
-          </a:p>
-        </p:txBody>
-      </p:sp>
-      <p:pic>
-        <p:nvPicPr>
-          <p:cNvPr id="3" name="Picture 2">
-            <a:extLst>
-              <a:ext uri="{FF2B5EF4-FFF2-40B4-BE49-F238E27FC236}">
-                <a16:creationId xmlns:a16="http://schemas.microsoft.com/office/drawing/2014/main" id="{540F9D71-967A-4FC2-0617-46A559CBDD37}"/>
-              </a:ext>
-            </a:extLst>
-          </p:cNvPr>
-          <p:cNvPicPr>
-            <a:picLocks noChangeAspect="1"/>
-          </p:cNvPicPr>
-          <p:nvPr/>
-        </p:nvPicPr>
-        <p:blipFill>
-          <a:blip r:embed="rId2" cstate="email">
-            <a:extLst>
-              <a:ext uri="{28A0092B-C50C-407E-A947-70E740481C1C}">
-                <a14:useLocalDpi xmlns:a14="http://schemas.microsoft.com/office/drawing/2010/main"/>
-              </a:ext>
-            </a:extLst>
-          </a:blip>
-          <a:stretch>
-            <a:fillRect/>
-          </a:stretch>
-        </p:blipFill>
-        <p:spPr>
-          <a:xfrm>
-            <a:off x="7527236" y="348814"/>
-            <a:ext cx="4327053" cy="3550797"/>
-          </a:xfrm>
-          <a:prstGeom prst="rect">
-            <a:avLst/>
-          </a:prstGeom>
-        </p:spPr>
-      </p:pic>
-      <p:sp>
-        <p:nvSpPr>
-          <p:cNvPr id="7" name="TextBox 6">
-            <a:extLst>
-              <a:ext uri="{FF2B5EF4-FFF2-40B4-BE49-F238E27FC236}">
-                <a16:creationId xmlns:a16="http://schemas.microsoft.com/office/drawing/2014/main" id="{18C74B23-E624-FDE1-E534-36B260714739}"/>
+              <a:t>SULLIVAN COUNTY LABS</a:t>
+            </a:r>
+          </a:p>
+          <a:p>
+            <a:r>
+              <a:rPr lang="en-US" sz="1400"/>
+              <a:t>86 Queen Mountain Rd, Ferndale, NY 12734</a:t>
+            </a:r>
+          </a:p>
+          <a:p>
+            <a:r>
+              <a:rPr lang="en-US" sz="1400"/>
+              <a:t>(845) 704-8151</a:t>
+            </a:r>
+          </a:p>
+          <a:p>
+            <a:endParaRPr lang="en-US" sz="1400"/>
+          </a:p>
+          <a:p>
+            <a:r>
+              <a:rPr lang="en-US" sz="1400"/>
+              <a:t>7/6/2022 – spoke, ordered the bottle</a:t>
+            </a:r>
+          </a:p>
+          <a:p>
+            <a:r>
+              <a:rPr lang="en-US" sz="1400"/>
+              <a:t>   spoke with Carmen – she mails testing kit to 350 Cabrini</a:t>
+            </a:r>
+          </a:p>
+          <a:p>
+            <a:r>
+              <a:rPr lang="en-US" sz="1400"/>
+              <a:t>   for testing 10 metalls ($179) + bacteria + nitrates: $250 total</a:t>
+            </a:r>
+          </a:p>
+        </p:txBody>
+      </p:sp>
+      <p:sp>
+        <p:nvSpPr>
+          <p:cNvPr id="4" name="TextBox 3">
+            <a:extLst>
+              <a:ext uri="{FF2B5EF4-FFF2-40B4-BE49-F238E27FC236}">
+                <a16:creationId xmlns:a16="http://schemas.microsoft.com/office/drawing/2014/main" id="{4BAB7DF2-03AB-CCD2-671D-A6BFAF382C9B}"/>
               </a:ext>
             </a:extLst>
           </p:cNvPr>
@@ -6949,8 +8871,8 @@
         </p:nvSpPr>
         <p:spPr>
           <a:xfrm>
-            <a:off x="7824084" y="4033829"/>
-            <a:ext cx="4166483" cy="1138966"/>
+            <a:off x="7503090" y="1340285"/>
+            <a:ext cx="3482236" cy="1815882"/>
           </a:xfrm>
           <a:prstGeom prst="rect">
             <a:avLst/>
@@ -6963,44 +8885,54 @@
           </a:bodyPr>
           <a:lstStyle/>
           <a:p>
-            <a:pPr algn="ctr"/>
-            <a:r>
-              <a:rPr lang="en-US" sz="1867"/>
-              <a:t>APEC Water Systems WFS-1000</a:t>
-            </a:r>
-          </a:p>
-          <a:p>
-            <a:pPr algn="ctr"/>
-            <a:r>
-              <a:rPr lang="en-US" sz="1867"/>
-              <a:t>3 Stage Under-Sink Water Filter System</a:t>
-            </a:r>
-          </a:p>
-          <a:p>
-            <a:pPr algn="ctr"/>
-            <a:r>
-              <a:rPr lang="en-US" sz="1867"/>
-              <a:t>$140</a:t>
-            </a:r>
-          </a:p>
-          <a:p>
-            <a:pPr algn="ctr"/>
-            <a:r>
-              <a:rPr lang="en-US" sz="1200">
-                <a:hlinkClick r:id="rId3"/>
-              </a:rPr>
-              <a:t>https://www.amazon.com/gp/product/B00TT9I2PS/</a:t>
-            </a:r>
-            <a:endParaRPr lang="en-US" sz="1200"/>
-          </a:p>
-        </p:txBody>
-      </p:sp>
-      <p:sp>
-        <p:nvSpPr>
-          <p:cNvPr id="8" name="TextBox 7">
-            <a:extLst>
-              <a:ext uri="{FF2B5EF4-FFF2-40B4-BE49-F238E27FC236}">
-                <a16:creationId xmlns:a16="http://schemas.microsoft.com/office/drawing/2014/main" id="{5FDCC917-1F6E-A479-54F5-04719F37682F}"/>
+            <a:r>
+              <a:rPr lang="en-US" sz="1400"/>
+              <a:t>Plastic bottle 750 ml coca-cola</a:t>
+            </a:r>
+          </a:p>
+          <a:p>
+            <a:endParaRPr lang="en-US" sz="1400"/>
+          </a:p>
+          <a:p>
+            <a:r>
+              <a:rPr lang="en-US" sz="1400"/>
+              <a:t>1</a:t>
+            </a:r>
+            <a:r>
+              <a:rPr lang="en-US" sz="1400" baseline="30000"/>
+              <a:t>st</a:t>
+            </a:r>
+            <a:r>
+              <a:rPr lang="en-US" sz="1400"/>
+              <a:t> faucet</a:t>
+            </a:r>
+          </a:p>
+          <a:p>
+            <a:r>
+              <a:rPr lang="en-US" sz="1400"/>
+              <a:t>last faucet</a:t>
+            </a:r>
+          </a:p>
+          <a:p>
+            <a:endParaRPr lang="en-US" sz="1400"/>
+          </a:p>
+          <a:p>
+            <a:r>
+              <a:rPr lang="en-US" sz="1400"/>
+              <a:t>take water after pressure tank before filter tanks</a:t>
+            </a:r>
+          </a:p>
+          <a:p>
+            <a:endParaRPr lang="en-US" sz="1400"/>
+          </a:p>
+        </p:txBody>
+      </p:sp>
+      <p:sp>
+        <p:nvSpPr>
+          <p:cNvPr id="5" name="TextBox 4">
+            <a:extLst>
+              <a:ext uri="{FF2B5EF4-FFF2-40B4-BE49-F238E27FC236}">
+                <a16:creationId xmlns:a16="http://schemas.microsoft.com/office/drawing/2014/main" id="{41AC0A8F-A88A-AA89-B069-50DC43157077}"/>
               </a:ext>
             </a:extLst>
           </p:cNvPr>
@@ -7009,23 +8941,13 @@
         </p:nvSpPr>
         <p:spPr>
           <a:xfrm>
-            <a:off x="2030010" y="3002874"/>
-            <a:ext cx="4746572" cy="1600438"/>
+            <a:off x="6597445" y="3834581"/>
+            <a:ext cx="4552336" cy="307777"/>
           </a:xfrm>
           <a:prstGeom prst="rect">
             <a:avLst/>
           </a:prstGeom>
-          <a:solidFill>
-            <a:schemeClr val="accent4">
-              <a:lumMod val="20000"/>
-              <a:lumOff val="80000"/>
-            </a:schemeClr>
-          </a:solidFill>
-          <a:ln>
-            <a:solidFill>
-              <a:srgbClr val="FF0000"/>
-            </a:solidFill>
-          </a:ln>
+          <a:noFill/>
         </p:spPr>
         <p:txBody>
           <a:bodyPr wrap="square" rtlCol="0">
@@ -7034,74 +8956,8 @@
           <a:lstStyle/>
           <a:p>
             <a:r>
-              <a:rPr lang="en-US" sz="1400">
-                <a:latin typeface="Calibri" panose="020F0502020204030204" pitchFamily="34" charset="0"/>
-                <a:cs typeface="Calibri" panose="020F0502020204030204" pitchFamily="34" charset="0"/>
-              </a:rPr>
-              <a:t>Installed July 2022</a:t>
-            </a:r>
-          </a:p>
-          <a:p>
-            <a:r>
-              <a:rPr lang="en-US" sz="1400">
-                <a:latin typeface="Calibri" panose="020F0502020204030204" pitchFamily="34" charset="0"/>
-                <a:cs typeface="Calibri" panose="020F0502020204030204" pitchFamily="34" charset="0"/>
-              </a:rPr>
-              <a:t>Filters last 1 year</a:t>
-            </a:r>
-          </a:p>
-          <a:p>
-            <a:endParaRPr lang="en-US" sz="1400">
-              <a:latin typeface="Calibri" panose="020F0502020204030204" pitchFamily="34" charset="0"/>
-              <a:cs typeface="Calibri" panose="020F0502020204030204" pitchFamily="34" charset="0"/>
-            </a:endParaRPr>
-          </a:p>
-          <a:p>
-            <a:r>
-              <a:rPr lang="en-US" sz="1400">
-                <a:latin typeface="Calibri" panose="020F0502020204030204" pitchFamily="34" charset="0"/>
-                <a:cs typeface="Calibri" panose="020F0502020204030204" pitchFamily="34" charset="0"/>
-              </a:rPr>
-              <a:t>Three filters:</a:t>
-            </a:r>
-          </a:p>
-          <a:p>
-            <a:pPr marL="380990" indent="-380990">
-              <a:buFont typeface="Arial" panose="020B0604020202020204" pitchFamily="34" charset="0"/>
-              <a:buChar char="•"/>
-            </a:pPr>
-            <a:r>
-              <a:rPr lang="en-US" sz="1400">
-                <a:latin typeface="Calibri" panose="020F0502020204030204" pitchFamily="34" charset="0"/>
-                <a:cs typeface="Calibri" panose="020F0502020204030204" pitchFamily="34" charset="0"/>
-              </a:rPr>
-              <a:t>Stage1: 1-SED10 - 5 micron polypropylene filter</a:t>
-            </a:r>
-          </a:p>
-          <a:p>
-            <a:pPr marL="380990" indent="-380990">
-              <a:buFont typeface="Arial" panose="020B0604020202020204" pitchFamily="34" charset="0"/>
-              <a:buChar char="•"/>
-            </a:pPr>
-            <a:r>
-              <a:rPr lang="en-US" sz="1400">
-                <a:latin typeface="Calibri" panose="020F0502020204030204" pitchFamily="34" charset="0"/>
-                <a:cs typeface="Calibri" panose="020F0502020204030204" pitchFamily="34" charset="0"/>
-              </a:rPr>
-              <a:t>Stage2: 23-CAB10 - 10" Extruded Carbon Block Filter</a:t>
-            </a:r>
-          </a:p>
-          <a:p>
-            <a:pPr marL="380990" indent="-380990">
-              <a:buFont typeface="Arial" panose="020B0604020202020204" pitchFamily="34" charset="0"/>
-              <a:buChar char="•"/>
-            </a:pPr>
-            <a:r>
-              <a:rPr lang="en-US" sz="1400">
-                <a:latin typeface="Calibri" panose="020F0502020204030204" pitchFamily="34" charset="0"/>
-                <a:cs typeface="Calibri" panose="020F0502020204030204" pitchFamily="34" charset="0"/>
-              </a:rPr>
-              <a:t>Stage3: 23-CAB10 - 10" Extruded Carbon Block Filter</a:t>
+              <a:rPr lang="en-US" sz="1400"/>
+              <a:t>house:    833 County Road 94, Hankins, NY 12741</a:t>
             </a:r>
           </a:p>
         </p:txBody>
@@ -7109,7 +8965,7 @@
     </p:spTree>
     <p:extLst>
       <p:ext uri="{BB962C8B-B14F-4D97-AF65-F5344CB8AC3E}">
-        <p14:creationId xmlns:p14="http://schemas.microsoft.com/office/powerpoint/2010/main" val="841536658"/>
+        <p14:creationId xmlns:p14="http://schemas.microsoft.com/office/powerpoint/2010/main" val="2752843417"/>
       </p:ext>
     </p:extLst>
   </p:cSld>
@@ -7412,4 +9268,319 @@
     </a:ext>
   </a:extLst>
 </a:theme>
+</file>
+
+<file path=ppt/theme/theme2.xml><?xml version="1.0" encoding="utf-8"?>
+<a:theme xmlns:a="http://schemas.openxmlformats.org/drawingml/2006/main" name="Office Theme">
+  <a:themeElements>
+    <a:clrScheme name="Office">
+      <a:dk1>
+        <a:sysClr val="windowText" lastClr="000000"/>
+      </a:dk1>
+      <a:lt1>
+        <a:sysClr val="window" lastClr="FFFFFF"/>
+      </a:lt1>
+      <a:dk2>
+        <a:srgbClr val="0E2841"/>
+      </a:dk2>
+      <a:lt2>
+        <a:srgbClr val="E8E8E8"/>
+      </a:lt2>
+      <a:accent1>
+        <a:srgbClr val="156082"/>
+      </a:accent1>
+      <a:accent2>
+        <a:srgbClr val="E97132"/>
+      </a:accent2>
+      <a:accent3>
+        <a:srgbClr val="196B24"/>
+      </a:accent3>
+      <a:accent4>
+        <a:srgbClr val="0F9ED5"/>
+      </a:accent4>
+      <a:accent5>
+        <a:srgbClr val="A02B93"/>
+      </a:accent5>
+      <a:accent6>
+        <a:srgbClr val="4EA72E"/>
+      </a:accent6>
+      <a:hlink>
+        <a:srgbClr val="467886"/>
+      </a:hlink>
+      <a:folHlink>
+        <a:srgbClr val="96607D"/>
+      </a:folHlink>
+    </a:clrScheme>
+    <a:fontScheme name="Office">
+      <a:majorFont>
+        <a:latin typeface="Aptos Display" panose="02110004020202020204"/>
+        <a:ea typeface=""/>
+        <a:cs typeface=""/>
+        <a:font script="Jpan" typeface="游ゴシック Light"/>
+        <a:font script="Hang" typeface="맑은 고딕"/>
+        <a:font script="Hans" typeface="等线 Light"/>
+        <a:font script="Hant" typeface="新細明體"/>
+        <a:font script="Arab" typeface="Times New Roman"/>
+        <a:font script="Hebr" typeface="Times New Roman"/>
+        <a:font script="Thai" typeface="Angsana New"/>
+        <a:font script="Ethi" typeface="Nyala"/>
+        <a:font script="Beng" typeface="Vrinda"/>
+        <a:font script="Gujr" typeface="Shruti"/>
+        <a:font script="Khmr" typeface="MoolBoran"/>
+        <a:font script="Knda" typeface="Tunga"/>
+        <a:font script="Guru" typeface="Raavi"/>
+        <a:font script="Cans" typeface="Euphemia"/>
+        <a:font script="Cher" typeface="Plantagenet Cherokee"/>
+        <a:font script="Yiii" typeface="Microsoft Yi Baiti"/>
+        <a:font script="Tibt" typeface="Microsoft Himalaya"/>
+        <a:font script="Thaa" typeface="MV Boli"/>
+        <a:font script="Deva" typeface="Mangal"/>
+        <a:font script="Telu" typeface="Gautami"/>
+        <a:font script="Taml" typeface="Latha"/>
+        <a:font script="Syrc" typeface="Estrangelo Edessa"/>
+        <a:font script="Orya" typeface="Kalinga"/>
+        <a:font script="Mlym" typeface="Kartika"/>
+        <a:font script="Laoo" typeface="DokChampa"/>
+        <a:font script="Sinh" typeface="Iskoola Pota"/>
+        <a:font script="Mong" typeface="Mongolian Baiti"/>
+        <a:font script="Viet" typeface="Times New Roman"/>
+        <a:font script="Uigh" typeface="Microsoft Uighur"/>
+        <a:font script="Geor" typeface="Sylfaen"/>
+        <a:font script="Armn" typeface="Arial"/>
+        <a:font script="Bugi" typeface="Leelawadee UI"/>
+        <a:font script="Bopo" typeface="Microsoft JhengHei"/>
+        <a:font script="Java" typeface="Javanese Text"/>
+        <a:font script="Lisu" typeface="Segoe UI"/>
+        <a:font script="Mymr" typeface="Myanmar Text"/>
+        <a:font script="Nkoo" typeface="Ebrima"/>
+        <a:font script="Olck" typeface="Nirmala UI"/>
+        <a:font script="Osma" typeface="Ebrima"/>
+        <a:font script="Phag" typeface="Phagspa"/>
+        <a:font script="Syrn" typeface="Estrangelo Edessa"/>
+        <a:font script="Syrj" typeface="Estrangelo Edessa"/>
+        <a:font script="Syre" typeface="Estrangelo Edessa"/>
+        <a:font script="Sora" typeface="Nirmala UI"/>
+        <a:font script="Tale" typeface="Microsoft Tai Le"/>
+        <a:font script="Talu" typeface="Microsoft New Tai Lue"/>
+        <a:font script="Tfng" typeface="Ebrima"/>
+      </a:majorFont>
+      <a:minorFont>
+        <a:latin typeface="Aptos" panose="02110004020202020204"/>
+        <a:ea typeface=""/>
+        <a:cs typeface=""/>
+        <a:font script="Jpan" typeface="游ゴシック"/>
+        <a:font script="Hang" typeface="맑은 고딕"/>
+        <a:font script="Hans" typeface="等线"/>
+        <a:font script="Hant" typeface="新細明體"/>
+        <a:font script="Arab" typeface="Arial"/>
+        <a:font script="Hebr" typeface="Arial"/>
+        <a:font script="Thai" typeface="Cordia New"/>
+        <a:font script="Ethi" typeface="Nyala"/>
+        <a:font script="Beng" typeface="Vrinda"/>
+        <a:font script="Gujr" typeface="Shruti"/>
+        <a:font script="Khmr" typeface="DaunPenh"/>
+        <a:font script="Knda" typeface="Tunga"/>
+        <a:font script="Guru" typeface="Raavi"/>
+        <a:font script="Cans" typeface="Euphemia"/>
+        <a:font script="Cher" typeface="Plantagenet Cherokee"/>
+        <a:font script="Yiii" typeface="Microsoft Yi Baiti"/>
+        <a:font script="Tibt" typeface="Microsoft Himalaya"/>
+        <a:font script="Thaa" typeface="MV Boli"/>
+        <a:font script="Deva" typeface="Mangal"/>
+        <a:font script="Telu" typeface="Gautami"/>
+        <a:font script="Taml" typeface="Latha"/>
+        <a:font script="Syrc" typeface="Estrangelo Edessa"/>
+        <a:font script="Orya" typeface="Kalinga"/>
+        <a:font script="Mlym" typeface="Kartika"/>
+        <a:font script="Laoo" typeface="DokChampa"/>
+        <a:font script="Sinh" typeface="Iskoola Pota"/>
+        <a:font script="Mong" typeface="Mongolian Baiti"/>
+        <a:font script="Viet" typeface="Arial"/>
+        <a:font script="Uigh" typeface="Microsoft Uighur"/>
+        <a:font script="Geor" typeface="Sylfaen"/>
+        <a:font script="Armn" typeface="Arial"/>
+        <a:font script="Bugi" typeface="Leelawadee UI"/>
+        <a:font script="Bopo" typeface="Microsoft JhengHei"/>
+        <a:font script="Java" typeface="Javanese Text"/>
+        <a:font script="Lisu" typeface="Segoe UI"/>
+        <a:font script="Mymr" typeface="Myanmar Text"/>
+        <a:font script="Nkoo" typeface="Ebrima"/>
+        <a:font script="Olck" typeface="Nirmala UI"/>
+        <a:font script="Osma" typeface="Ebrima"/>
+        <a:font script="Phag" typeface="Phagspa"/>
+        <a:font script="Syrn" typeface="Estrangelo Edessa"/>
+        <a:font script="Syrj" typeface="Estrangelo Edessa"/>
+        <a:font script="Syre" typeface="Estrangelo Edessa"/>
+        <a:font script="Sora" typeface="Nirmala UI"/>
+        <a:font script="Tale" typeface="Microsoft Tai Le"/>
+        <a:font script="Talu" typeface="Microsoft New Tai Lue"/>
+        <a:font script="Tfng" typeface="Ebrima"/>
+      </a:minorFont>
+    </a:fontScheme>
+    <a:fmtScheme name="Office">
+      <a:fillStyleLst>
+        <a:solidFill>
+          <a:schemeClr val="phClr"/>
+        </a:solidFill>
+        <a:gradFill rotWithShape="1">
+          <a:gsLst>
+            <a:gs pos="0">
+              <a:schemeClr val="phClr">
+                <a:lumMod val="110000"/>
+                <a:satMod val="105000"/>
+                <a:tint val="67000"/>
+              </a:schemeClr>
+            </a:gs>
+            <a:gs pos="50000">
+              <a:schemeClr val="phClr">
+                <a:lumMod val="105000"/>
+                <a:satMod val="103000"/>
+                <a:tint val="73000"/>
+              </a:schemeClr>
+            </a:gs>
+            <a:gs pos="100000">
+              <a:schemeClr val="phClr">
+                <a:lumMod val="105000"/>
+                <a:satMod val="109000"/>
+                <a:tint val="81000"/>
+              </a:schemeClr>
+            </a:gs>
+          </a:gsLst>
+          <a:lin ang="5400000" scaled="0"/>
+        </a:gradFill>
+        <a:gradFill rotWithShape="1">
+          <a:gsLst>
+            <a:gs pos="0">
+              <a:schemeClr val="phClr">
+                <a:satMod val="103000"/>
+                <a:lumMod val="102000"/>
+                <a:tint val="94000"/>
+              </a:schemeClr>
+            </a:gs>
+            <a:gs pos="50000">
+              <a:schemeClr val="phClr">
+                <a:satMod val="110000"/>
+                <a:lumMod val="100000"/>
+                <a:shade val="100000"/>
+              </a:schemeClr>
+            </a:gs>
+            <a:gs pos="100000">
+              <a:schemeClr val="phClr">
+                <a:lumMod val="99000"/>
+                <a:satMod val="120000"/>
+                <a:shade val="78000"/>
+              </a:schemeClr>
+            </a:gs>
+          </a:gsLst>
+          <a:lin ang="5400000" scaled="0"/>
+        </a:gradFill>
+      </a:fillStyleLst>
+      <a:lnStyleLst>
+        <a:ln w="12700" cap="flat" cmpd="sng" algn="ctr">
+          <a:solidFill>
+            <a:schemeClr val="phClr"/>
+          </a:solidFill>
+          <a:prstDash val="solid"/>
+          <a:miter lim="800000"/>
+        </a:ln>
+        <a:ln w="19050" cap="flat" cmpd="sng" algn="ctr">
+          <a:solidFill>
+            <a:schemeClr val="phClr"/>
+          </a:solidFill>
+          <a:prstDash val="solid"/>
+          <a:miter lim="800000"/>
+        </a:ln>
+        <a:ln w="25400" cap="flat" cmpd="sng" algn="ctr">
+          <a:solidFill>
+            <a:schemeClr val="phClr"/>
+          </a:solidFill>
+          <a:prstDash val="solid"/>
+          <a:miter lim="800000"/>
+        </a:ln>
+      </a:lnStyleLst>
+      <a:effectStyleLst>
+        <a:effectStyle>
+          <a:effectLst/>
+        </a:effectStyle>
+        <a:effectStyle>
+          <a:effectLst/>
+        </a:effectStyle>
+        <a:effectStyle>
+          <a:effectLst>
+            <a:outerShdw blurRad="57150" dist="19050" dir="5400000" algn="ctr" rotWithShape="0">
+              <a:srgbClr val="000000">
+                <a:alpha val="63000"/>
+              </a:srgbClr>
+            </a:outerShdw>
+          </a:effectLst>
+        </a:effectStyle>
+      </a:effectStyleLst>
+      <a:bgFillStyleLst>
+        <a:solidFill>
+          <a:schemeClr val="phClr"/>
+        </a:solidFill>
+        <a:solidFill>
+          <a:schemeClr val="phClr">
+            <a:tint val="95000"/>
+            <a:satMod val="170000"/>
+          </a:schemeClr>
+        </a:solidFill>
+        <a:gradFill rotWithShape="1">
+          <a:gsLst>
+            <a:gs pos="0">
+              <a:schemeClr val="phClr">
+                <a:tint val="93000"/>
+                <a:satMod val="150000"/>
+                <a:shade val="98000"/>
+                <a:lumMod val="102000"/>
+              </a:schemeClr>
+            </a:gs>
+            <a:gs pos="50000">
+              <a:schemeClr val="phClr">
+                <a:tint val="98000"/>
+                <a:satMod val="130000"/>
+                <a:shade val="90000"/>
+                <a:lumMod val="103000"/>
+              </a:schemeClr>
+            </a:gs>
+            <a:gs pos="100000">
+              <a:schemeClr val="phClr">
+                <a:shade val="63000"/>
+                <a:satMod val="120000"/>
+              </a:schemeClr>
+            </a:gs>
+          </a:gsLst>
+          <a:lin ang="5400000" scaled="0"/>
+        </a:gradFill>
+      </a:bgFillStyleLst>
+    </a:fmtScheme>
+  </a:themeElements>
+  <a:objectDefaults>
+    <a:lnDef>
+      <a:spPr/>
+      <a:bodyPr/>
+      <a:lstStyle/>
+      <a:style>
+        <a:lnRef idx="2">
+          <a:schemeClr val="accent1"/>
+        </a:lnRef>
+        <a:fillRef idx="0">
+          <a:schemeClr val="accent1"/>
+        </a:fillRef>
+        <a:effectRef idx="1">
+          <a:schemeClr val="accent1"/>
+        </a:effectRef>
+        <a:fontRef idx="minor">
+          <a:schemeClr val="tx1"/>
+        </a:fontRef>
+      </a:style>
+    </a:lnDef>
+  </a:objectDefaults>
+  <a:extraClrSchemeLst/>
+  <a:extLst>
+    <a:ext uri="{05A4C25C-085E-4340-85A3-A5531E510DB2}">
+      <thm15:themeFamily xmlns:thm15="http://schemas.microsoft.com/office/thememl/2012/main" name="Office Theme" id="{2E142A2C-CD16-42D6-873A-C26D2A0506FA}" vid="{1BDDFF52-6CD6-40A5-AB3C-68EB2F1E4D0A}"/>
+    </a:ext>
+  </a:extLst>
+</a:theme>
 </file>
--- a/water_filtration.pptx
+++ b/water_filtration.pptx
@@ -5,21 +5,24 @@
     <p:sldMasterId id="2147483648" r:id="rId1"/>
   </p:sldMasterIdLst>
   <p:notesMasterIdLst>
-    <p:notesMasterId r:id="rId14"/>
+    <p:notesMasterId r:id="rId17"/>
   </p:notesMasterIdLst>
   <p:sldIdLst>
     <p:sldId id="256" r:id="rId2"/>
-    <p:sldId id="276" r:id="rId3"/>
-    <p:sldId id="277" r:id="rId4"/>
-    <p:sldId id="261" r:id="rId5"/>
-    <p:sldId id="260" r:id="rId6"/>
-    <p:sldId id="265" r:id="rId7"/>
-    <p:sldId id="262" r:id="rId8"/>
-    <p:sldId id="263" r:id="rId9"/>
-    <p:sldId id="257" r:id="rId10"/>
-    <p:sldId id="258" r:id="rId11"/>
-    <p:sldId id="259" r:id="rId12"/>
-    <p:sldId id="264" r:id="rId13"/>
+    <p:sldId id="279" r:id="rId3"/>
+    <p:sldId id="278" r:id="rId4"/>
+    <p:sldId id="276" r:id="rId5"/>
+    <p:sldId id="277" r:id="rId6"/>
+    <p:sldId id="280" r:id="rId7"/>
+    <p:sldId id="261" r:id="rId8"/>
+    <p:sldId id="260" r:id="rId9"/>
+    <p:sldId id="265" r:id="rId10"/>
+    <p:sldId id="262" r:id="rId11"/>
+    <p:sldId id="263" r:id="rId12"/>
+    <p:sldId id="257" r:id="rId13"/>
+    <p:sldId id="258" r:id="rId14"/>
+    <p:sldId id="259" r:id="rId15"/>
+    <p:sldId id="264" r:id="rId16"/>
   </p:sldIdLst>
   <p:sldSz cx="12192000" cy="6858000"/>
   <p:notesSz cx="6858000" cy="9144000"/>
@@ -208,7 +211,7 @@
           <a:p>
             <a:fld id="{5C0CFE36-998D-3C48-A207-5EF3401AA5FF}" type="datetimeFigureOut">
               <a:rPr lang="en-US" smtClean="0"/>
-              <a:t>3/23/25</a:t>
+              <a:t>3/24/25</a:t>
             </a:fld>
             <a:endParaRPr lang="en-US"/>
           </a:p>
@@ -483,7 +486,7 @@
         <p:cNvPr id="1" name="">
           <a:extLst>
             <a:ext uri="{FF2B5EF4-FFF2-40B4-BE49-F238E27FC236}">
-              <a16:creationId xmlns:a16="http://schemas.microsoft.com/office/drawing/2014/main" id="{85D31C52-BC47-59DD-58FE-1A8935844FAD}"/>
+              <a16:creationId xmlns:a16="http://schemas.microsoft.com/office/drawing/2014/main" id="{682E4CB0-B44C-DF52-15FD-227EDF4B3D4E}"/>
             </a:ext>
           </a:extLst>
         </p:cNvPr>
@@ -503,7 +506,7 @@
           <p:cNvPr id="2" name="Slide Image Placeholder 1">
             <a:extLst>
               <a:ext uri="{FF2B5EF4-FFF2-40B4-BE49-F238E27FC236}">
-                <a16:creationId xmlns:a16="http://schemas.microsoft.com/office/drawing/2014/main" id="{84E5F270-FE3F-7EB9-CB37-B1974886DC00}"/>
+                <a16:creationId xmlns:a16="http://schemas.microsoft.com/office/drawing/2014/main" id="{39DE714D-EBE9-EA9E-0606-97C68FDAADF7}"/>
               </a:ext>
             </a:extLst>
           </p:cNvPr>
@@ -521,7 +524,7 @@
           <p:cNvPr id="3" name="Notes Placeholder 2">
             <a:extLst>
               <a:ext uri="{FF2B5EF4-FFF2-40B4-BE49-F238E27FC236}">
-                <a16:creationId xmlns:a16="http://schemas.microsoft.com/office/drawing/2014/main" id="{E32DBBD9-F5A8-52FA-13D8-2411FBBD9439}"/>
+                <a16:creationId xmlns:a16="http://schemas.microsoft.com/office/drawing/2014/main" id="{3D5D54CA-9246-23C4-0C0B-3F37758B4726}"/>
               </a:ext>
             </a:extLst>
           </p:cNvPr>
@@ -546,7 +549,7 @@
           <p:cNvPr id="4" name="Slide Number Placeholder 3">
             <a:extLst>
               <a:ext uri="{FF2B5EF4-FFF2-40B4-BE49-F238E27FC236}">
-                <a16:creationId xmlns:a16="http://schemas.microsoft.com/office/drawing/2014/main" id="{D837E70A-9DBC-DE99-1801-30CB945AEBCC}"/>
+                <a16:creationId xmlns:a16="http://schemas.microsoft.com/office/drawing/2014/main" id="{B122CD91-2204-B95D-3031-37E060F9BBD7}"/>
               </a:ext>
             </a:extLst>
           </p:cNvPr>
@@ -573,7 +576,7 @@
     </p:spTree>
     <p:extLst>
       <p:ext uri="{BB962C8B-B14F-4D97-AF65-F5344CB8AC3E}">
-        <p14:creationId xmlns:p14="http://schemas.microsoft.com/office/powerpoint/2010/main" val="4174151579"/>
+        <p14:creationId xmlns:p14="http://schemas.microsoft.com/office/powerpoint/2010/main" val="610586411"/>
       </p:ext>
     </p:extLst>
   </p:cSld>
@@ -681,7 +684,331 @@
     </p:spTree>
     <p:extLst>
       <p:ext uri="{BB962C8B-B14F-4D97-AF65-F5344CB8AC3E}">
+        <p14:creationId xmlns:p14="http://schemas.microsoft.com/office/powerpoint/2010/main" val="393415380"/>
+      </p:ext>
+    </p:extLst>
+  </p:cSld>
+  <p:clrMapOvr>
+    <a:masterClrMapping/>
+  </p:clrMapOvr>
+</p:notes>
+</file>
+
+<file path=ppt/notesSlides/notesSlide3.xml><?xml version="1.0" encoding="utf-8"?>
+<p:notes xmlns:a="http://schemas.openxmlformats.org/drawingml/2006/main" xmlns:r="http://schemas.openxmlformats.org/officeDocument/2006/relationships" xmlns:p="http://schemas.openxmlformats.org/presentationml/2006/main">
+  <p:cSld>
+    <p:spTree>
+      <p:nvGrpSpPr>
+        <p:cNvPr id="1" name="">
+          <a:extLst>
+            <a:ext uri="{FF2B5EF4-FFF2-40B4-BE49-F238E27FC236}">
+              <a16:creationId xmlns:a16="http://schemas.microsoft.com/office/drawing/2014/main" id="{85D31C52-BC47-59DD-58FE-1A8935844FAD}"/>
+            </a:ext>
+          </a:extLst>
+        </p:cNvPr>
+        <p:cNvGrpSpPr/>
+        <p:nvPr/>
+      </p:nvGrpSpPr>
+      <p:grpSpPr>
+        <a:xfrm>
+          <a:off x="0" y="0"/>
+          <a:ext cx="0" cy="0"/>
+          <a:chOff x="0" y="0"/>
+          <a:chExt cx="0" cy="0"/>
+        </a:xfrm>
+      </p:grpSpPr>
+      <p:sp>
+        <p:nvSpPr>
+          <p:cNvPr id="2" name="Slide Image Placeholder 1">
+            <a:extLst>
+              <a:ext uri="{FF2B5EF4-FFF2-40B4-BE49-F238E27FC236}">
+                <a16:creationId xmlns:a16="http://schemas.microsoft.com/office/drawing/2014/main" id="{84E5F270-FE3F-7EB9-CB37-B1974886DC00}"/>
+              </a:ext>
+            </a:extLst>
+          </p:cNvPr>
+          <p:cNvSpPr>
+            <a:spLocks noGrp="1" noRot="1" noChangeAspect="1"/>
+          </p:cNvSpPr>
+          <p:nvPr>
+            <p:ph type="sldImg"/>
+          </p:nvPr>
+        </p:nvSpPr>
+        <p:spPr/>
+      </p:sp>
+      <p:sp>
+        <p:nvSpPr>
+          <p:cNvPr id="3" name="Notes Placeholder 2">
+            <a:extLst>
+              <a:ext uri="{FF2B5EF4-FFF2-40B4-BE49-F238E27FC236}">
+                <a16:creationId xmlns:a16="http://schemas.microsoft.com/office/drawing/2014/main" id="{E32DBBD9-F5A8-52FA-13D8-2411FBBD9439}"/>
+              </a:ext>
+            </a:extLst>
+          </p:cNvPr>
+          <p:cNvSpPr>
+            <a:spLocks noGrp="1"/>
+          </p:cNvSpPr>
+          <p:nvPr>
+            <p:ph type="body" idx="1"/>
+          </p:nvPr>
+        </p:nvSpPr>
+        <p:spPr/>
+        <p:txBody>
+          <a:bodyPr/>
+          <a:lstStyle/>
+          <a:p>
+            <a:endParaRPr lang="en-US" dirty="0"/>
+          </a:p>
+        </p:txBody>
+      </p:sp>
+      <p:sp>
+        <p:nvSpPr>
+          <p:cNvPr id="4" name="Slide Number Placeholder 3">
+            <a:extLst>
+              <a:ext uri="{FF2B5EF4-FFF2-40B4-BE49-F238E27FC236}">
+                <a16:creationId xmlns:a16="http://schemas.microsoft.com/office/drawing/2014/main" id="{D837E70A-9DBC-DE99-1801-30CB945AEBCC}"/>
+              </a:ext>
+            </a:extLst>
+          </p:cNvPr>
+          <p:cNvSpPr>
+            <a:spLocks noGrp="1"/>
+          </p:cNvSpPr>
+          <p:nvPr>
+            <p:ph type="sldNum" sz="quarter" idx="5"/>
+          </p:nvPr>
+        </p:nvSpPr>
+        <p:spPr/>
+        <p:txBody>
+          <a:bodyPr/>
+          <a:lstStyle/>
+          <a:p>
+            <a:fld id="{5798E7CD-ECDC-AF4F-BE57-C5F612713F5B}" type="slidenum">
+              <a:rPr lang="en-US" smtClean="0"/>
+              <a:t>4</a:t>
+            </a:fld>
+            <a:endParaRPr lang="en-US"/>
+          </a:p>
+        </p:txBody>
+      </p:sp>
+    </p:spTree>
+    <p:extLst>
+      <p:ext uri="{BB962C8B-B14F-4D97-AF65-F5344CB8AC3E}">
+        <p14:creationId xmlns:p14="http://schemas.microsoft.com/office/powerpoint/2010/main" val="4174151579"/>
+      </p:ext>
+    </p:extLst>
+  </p:cSld>
+  <p:clrMapOvr>
+    <a:masterClrMapping/>
+  </p:clrMapOvr>
+</p:notes>
+</file>
+
+<file path=ppt/notesSlides/notesSlide4.xml><?xml version="1.0" encoding="utf-8"?>
+<p:notes xmlns:a="http://schemas.openxmlformats.org/drawingml/2006/main" xmlns:r="http://schemas.openxmlformats.org/officeDocument/2006/relationships" xmlns:p="http://schemas.openxmlformats.org/presentationml/2006/main">
+  <p:cSld>
+    <p:spTree>
+      <p:nvGrpSpPr>
+        <p:cNvPr id="1" name="">
+          <a:extLst>
+            <a:ext uri="{FF2B5EF4-FFF2-40B4-BE49-F238E27FC236}">
+              <a16:creationId xmlns:a16="http://schemas.microsoft.com/office/drawing/2014/main" id="{85D31C52-BC47-59DD-58FE-1A8935844FAD}"/>
+            </a:ext>
+          </a:extLst>
+        </p:cNvPr>
+        <p:cNvGrpSpPr/>
+        <p:nvPr/>
+      </p:nvGrpSpPr>
+      <p:grpSpPr>
+        <a:xfrm>
+          <a:off x="0" y="0"/>
+          <a:ext cx="0" cy="0"/>
+          <a:chOff x="0" y="0"/>
+          <a:chExt cx="0" cy="0"/>
+        </a:xfrm>
+      </p:grpSpPr>
+      <p:sp>
+        <p:nvSpPr>
+          <p:cNvPr id="2" name="Slide Image Placeholder 1">
+            <a:extLst>
+              <a:ext uri="{FF2B5EF4-FFF2-40B4-BE49-F238E27FC236}">
+                <a16:creationId xmlns:a16="http://schemas.microsoft.com/office/drawing/2014/main" id="{84E5F270-FE3F-7EB9-CB37-B1974886DC00}"/>
+              </a:ext>
+            </a:extLst>
+          </p:cNvPr>
+          <p:cNvSpPr>
+            <a:spLocks noGrp="1" noRot="1" noChangeAspect="1"/>
+          </p:cNvSpPr>
+          <p:nvPr>
+            <p:ph type="sldImg"/>
+          </p:nvPr>
+        </p:nvSpPr>
+        <p:spPr/>
+      </p:sp>
+      <p:sp>
+        <p:nvSpPr>
+          <p:cNvPr id="3" name="Notes Placeholder 2">
+            <a:extLst>
+              <a:ext uri="{FF2B5EF4-FFF2-40B4-BE49-F238E27FC236}">
+                <a16:creationId xmlns:a16="http://schemas.microsoft.com/office/drawing/2014/main" id="{E32DBBD9-F5A8-52FA-13D8-2411FBBD9439}"/>
+              </a:ext>
+            </a:extLst>
+          </p:cNvPr>
+          <p:cNvSpPr>
+            <a:spLocks noGrp="1"/>
+          </p:cNvSpPr>
+          <p:nvPr>
+            <p:ph type="body" idx="1"/>
+          </p:nvPr>
+        </p:nvSpPr>
+        <p:spPr/>
+        <p:txBody>
+          <a:bodyPr/>
+          <a:lstStyle/>
+          <a:p>
+            <a:endParaRPr lang="en-US" dirty="0"/>
+          </a:p>
+        </p:txBody>
+      </p:sp>
+      <p:sp>
+        <p:nvSpPr>
+          <p:cNvPr id="4" name="Slide Number Placeholder 3">
+            <a:extLst>
+              <a:ext uri="{FF2B5EF4-FFF2-40B4-BE49-F238E27FC236}">
+                <a16:creationId xmlns:a16="http://schemas.microsoft.com/office/drawing/2014/main" id="{D837E70A-9DBC-DE99-1801-30CB945AEBCC}"/>
+              </a:ext>
+            </a:extLst>
+          </p:cNvPr>
+          <p:cNvSpPr>
+            <a:spLocks noGrp="1"/>
+          </p:cNvSpPr>
+          <p:nvPr>
+            <p:ph type="sldNum" sz="quarter" idx="5"/>
+          </p:nvPr>
+        </p:nvSpPr>
+        <p:spPr/>
+        <p:txBody>
+          <a:bodyPr/>
+          <a:lstStyle/>
+          <a:p>
+            <a:fld id="{5798E7CD-ECDC-AF4F-BE57-C5F612713F5B}" type="slidenum">
+              <a:rPr lang="en-US" smtClean="0"/>
+              <a:t>5</a:t>
+            </a:fld>
+            <a:endParaRPr lang="en-US"/>
+          </a:p>
+        </p:txBody>
+      </p:sp>
+    </p:spTree>
+    <p:extLst>
+      <p:ext uri="{BB962C8B-B14F-4D97-AF65-F5344CB8AC3E}">
         <p14:creationId xmlns:p14="http://schemas.microsoft.com/office/powerpoint/2010/main" val="1772525932"/>
+      </p:ext>
+    </p:extLst>
+  </p:cSld>
+  <p:clrMapOvr>
+    <a:masterClrMapping/>
+  </p:clrMapOvr>
+</p:notes>
+</file>
+
+<file path=ppt/notesSlides/notesSlide5.xml><?xml version="1.0" encoding="utf-8"?>
+<p:notes xmlns:a="http://schemas.openxmlformats.org/drawingml/2006/main" xmlns:r="http://schemas.openxmlformats.org/officeDocument/2006/relationships" xmlns:p="http://schemas.openxmlformats.org/presentationml/2006/main">
+  <p:cSld>
+    <p:spTree>
+      <p:nvGrpSpPr>
+        <p:cNvPr id="1" name="">
+          <a:extLst>
+            <a:ext uri="{FF2B5EF4-FFF2-40B4-BE49-F238E27FC236}">
+              <a16:creationId xmlns:a16="http://schemas.microsoft.com/office/drawing/2014/main" id="{85D31C52-BC47-59DD-58FE-1A8935844FAD}"/>
+            </a:ext>
+          </a:extLst>
+        </p:cNvPr>
+        <p:cNvGrpSpPr/>
+        <p:nvPr/>
+      </p:nvGrpSpPr>
+      <p:grpSpPr>
+        <a:xfrm>
+          <a:off x="0" y="0"/>
+          <a:ext cx="0" cy="0"/>
+          <a:chOff x="0" y="0"/>
+          <a:chExt cx="0" cy="0"/>
+        </a:xfrm>
+      </p:grpSpPr>
+      <p:sp>
+        <p:nvSpPr>
+          <p:cNvPr id="2" name="Slide Image Placeholder 1">
+            <a:extLst>
+              <a:ext uri="{FF2B5EF4-FFF2-40B4-BE49-F238E27FC236}">
+                <a16:creationId xmlns:a16="http://schemas.microsoft.com/office/drawing/2014/main" id="{84E5F270-FE3F-7EB9-CB37-B1974886DC00}"/>
+              </a:ext>
+            </a:extLst>
+          </p:cNvPr>
+          <p:cNvSpPr>
+            <a:spLocks noGrp="1" noRot="1" noChangeAspect="1"/>
+          </p:cNvSpPr>
+          <p:nvPr>
+            <p:ph type="sldImg"/>
+          </p:nvPr>
+        </p:nvSpPr>
+        <p:spPr/>
+      </p:sp>
+      <p:sp>
+        <p:nvSpPr>
+          <p:cNvPr id="3" name="Notes Placeholder 2">
+            <a:extLst>
+              <a:ext uri="{FF2B5EF4-FFF2-40B4-BE49-F238E27FC236}">
+                <a16:creationId xmlns:a16="http://schemas.microsoft.com/office/drawing/2014/main" id="{E32DBBD9-F5A8-52FA-13D8-2411FBBD9439}"/>
+              </a:ext>
+            </a:extLst>
+          </p:cNvPr>
+          <p:cNvSpPr>
+            <a:spLocks noGrp="1"/>
+          </p:cNvSpPr>
+          <p:nvPr>
+            <p:ph type="body" idx="1"/>
+          </p:nvPr>
+        </p:nvSpPr>
+        <p:spPr/>
+        <p:txBody>
+          <a:bodyPr/>
+          <a:lstStyle/>
+          <a:p>
+            <a:endParaRPr lang="en-US" dirty="0"/>
+          </a:p>
+        </p:txBody>
+      </p:sp>
+      <p:sp>
+        <p:nvSpPr>
+          <p:cNvPr id="4" name="Slide Number Placeholder 3">
+            <a:extLst>
+              <a:ext uri="{FF2B5EF4-FFF2-40B4-BE49-F238E27FC236}">
+                <a16:creationId xmlns:a16="http://schemas.microsoft.com/office/drawing/2014/main" id="{D837E70A-9DBC-DE99-1801-30CB945AEBCC}"/>
+              </a:ext>
+            </a:extLst>
+          </p:cNvPr>
+          <p:cNvSpPr>
+            <a:spLocks noGrp="1"/>
+          </p:cNvSpPr>
+          <p:nvPr>
+            <p:ph type="sldNum" sz="quarter" idx="5"/>
+          </p:nvPr>
+        </p:nvSpPr>
+        <p:spPr/>
+        <p:txBody>
+          <a:bodyPr/>
+          <a:lstStyle/>
+          <a:p>
+            <a:fld id="{5798E7CD-ECDC-AF4F-BE57-C5F612713F5B}" type="slidenum">
+              <a:rPr lang="en-US" smtClean="0"/>
+              <a:t>6</a:t>
+            </a:fld>
+            <a:endParaRPr lang="en-US"/>
+          </a:p>
+        </p:txBody>
+      </p:sp>
+    </p:spTree>
+    <p:extLst>
+      <p:ext uri="{BB962C8B-B14F-4D97-AF65-F5344CB8AC3E}">
+        <p14:creationId xmlns:p14="http://schemas.microsoft.com/office/powerpoint/2010/main" val="3380313106"/>
       </p:ext>
     </p:extLst>
   </p:cSld>
@@ -837,7 +1164,7 @@
           <a:lstStyle/>
           <a:p>
             <a:fld id="{5F491023-0B0A-7041-9F06-D25A50EF063B}" type="datetimeFigureOut">
-              <a:t>3/23/25</a:t>
+              <a:t>3/24/25</a:t>
             </a:fld>
             <a:endParaRPr lang="en-US"/>
           </a:p>
@@ -1033,7 +1360,7 @@
           <a:lstStyle/>
           <a:p>
             <a:fld id="{5F491023-0B0A-7041-9F06-D25A50EF063B}" type="datetimeFigureOut">
-              <a:t>3/23/25</a:t>
+              <a:t>3/24/25</a:t>
             </a:fld>
             <a:endParaRPr lang="en-US"/>
           </a:p>
@@ -1239,7 +1566,7 @@
           <a:lstStyle/>
           <a:p>
             <a:fld id="{5F491023-0B0A-7041-9F06-D25A50EF063B}" type="datetimeFigureOut">
-              <a:t>3/23/25</a:t>
+              <a:t>3/24/25</a:t>
             </a:fld>
             <a:endParaRPr lang="en-US"/>
           </a:p>
@@ -1435,7 +1762,7 @@
           <a:lstStyle/>
           <a:p>
             <a:fld id="{5F491023-0B0A-7041-9F06-D25A50EF063B}" type="datetimeFigureOut">
-              <a:t>3/23/25</a:t>
+              <a:t>3/24/25</a:t>
             </a:fld>
             <a:endParaRPr lang="en-US"/>
           </a:p>
@@ -1708,7 +2035,7 @@
           <a:lstStyle/>
           <a:p>
             <a:fld id="{5F491023-0B0A-7041-9F06-D25A50EF063B}" type="datetimeFigureOut">
-              <a:t>3/23/25</a:t>
+              <a:t>3/24/25</a:t>
             </a:fld>
             <a:endParaRPr lang="en-US"/>
           </a:p>
@@ -1971,7 +2298,7 @@
           <a:lstStyle/>
           <a:p>
             <a:fld id="{5F491023-0B0A-7041-9F06-D25A50EF063B}" type="datetimeFigureOut">
-              <a:t>3/23/25</a:t>
+              <a:t>3/24/25</a:t>
             </a:fld>
             <a:endParaRPr lang="en-US"/>
           </a:p>
@@ -2381,7 +2708,7 @@
           <a:lstStyle/>
           <a:p>
             <a:fld id="{5F491023-0B0A-7041-9F06-D25A50EF063B}" type="datetimeFigureOut">
-              <a:t>3/23/25</a:t>
+              <a:t>3/24/25</a:t>
             </a:fld>
             <a:endParaRPr lang="en-US"/>
           </a:p>
@@ -2520,7 +2847,7 @@
           <a:lstStyle/>
           <a:p>
             <a:fld id="{5F491023-0B0A-7041-9F06-D25A50EF063B}" type="datetimeFigureOut">
-              <a:t>3/23/25</a:t>
+              <a:t>3/24/25</a:t>
             </a:fld>
             <a:endParaRPr lang="en-US"/>
           </a:p>
@@ -2631,7 +2958,7 @@
           <a:lstStyle/>
           <a:p>
             <a:fld id="{5F491023-0B0A-7041-9F06-D25A50EF063B}" type="datetimeFigureOut">
-              <a:t>3/23/25</a:t>
+              <a:t>3/24/25</a:t>
             </a:fld>
             <a:endParaRPr lang="en-US"/>
           </a:p>
@@ -2940,7 +3267,7 @@
           <a:lstStyle/>
           <a:p>
             <a:fld id="{5F491023-0B0A-7041-9F06-D25A50EF063B}" type="datetimeFigureOut">
-              <a:t>3/23/25</a:t>
+              <a:t>3/24/25</a:t>
             </a:fld>
             <a:endParaRPr lang="en-US"/>
           </a:p>
@@ -3226,7 +3553,7 @@
           <a:lstStyle/>
           <a:p>
             <a:fld id="{5F491023-0B0A-7041-9F06-D25A50EF063B}" type="datetimeFigureOut">
-              <a:t>3/23/25</a:t>
+              <a:t>3/24/25</a:t>
             </a:fld>
             <a:endParaRPr lang="en-US"/>
           </a:p>
@@ -3465,7 +3792,7 @@
           </a:lstStyle>
           <a:p>
             <a:fld id="{5F491023-0B0A-7041-9F06-D25A50EF063B}" type="datetimeFigureOut">
-              <a:t>3/23/25</a:t>
+              <a:t>3/24/25</a:t>
             </a:fld>
             <a:endParaRPr lang="en-US"/>
           </a:p>
@@ -4736,12 +5063,48 @@
           <a:chExt cx="0" cy="0"/>
         </a:xfrm>
       </p:grpSpPr>
-      <p:sp>
-        <p:nvSpPr>
-          <p:cNvPr id="2" name="TextBox 1">
-            <a:extLst>
-              <a:ext uri="{FF2B5EF4-FFF2-40B4-BE49-F238E27FC236}">
-                <a16:creationId xmlns:a16="http://schemas.microsoft.com/office/drawing/2014/main" id="{D308FFA0-AADB-1699-B48F-B7D845A314D0}"/>
+      <p:pic>
+        <p:nvPicPr>
+          <p:cNvPr id="2" name="Picture 1">
+            <a:extLst>
+              <a:ext uri="{FF2B5EF4-FFF2-40B4-BE49-F238E27FC236}">
+                <a16:creationId xmlns:a16="http://schemas.microsoft.com/office/drawing/2014/main" id="{817D376E-DF77-3910-8DF6-95F29C205167}"/>
+              </a:ext>
+            </a:extLst>
+          </p:cNvPr>
+          <p:cNvPicPr>
+            <a:picLocks noChangeAspect="1"/>
+          </p:cNvPicPr>
+          <p:nvPr/>
+        </p:nvPicPr>
+        <p:blipFill>
+          <a:blip r:embed="rId2" cstate="email">
+            <a:extLst>
+              <a:ext uri="{28A0092B-C50C-407E-A947-70E740481C1C}">
+                <a14:useLocalDpi xmlns:a14="http://schemas.microsoft.com/office/drawing/2010/main"/>
+              </a:ext>
+            </a:extLst>
+          </a:blip>
+          <a:stretch>
+            <a:fillRect/>
+          </a:stretch>
+        </p:blipFill>
+        <p:spPr>
+          <a:xfrm>
+            <a:off x="363255" y="836200"/>
+            <a:ext cx="3537528" cy="5185600"/>
+          </a:xfrm>
+          <a:prstGeom prst="rect">
+            <a:avLst/>
+          </a:prstGeom>
+        </p:spPr>
+      </p:pic>
+      <p:sp>
+        <p:nvSpPr>
+          <p:cNvPr id="4" name="TextBox 3">
+            <a:extLst>
+              <a:ext uri="{FF2B5EF4-FFF2-40B4-BE49-F238E27FC236}">
+                <a16:creationId xmlns:a16="http://schemas.microsoft.com/office/drawing/2014/main" id="{039252C8-CB9B-657C-6211-ADDF3D1969B7}"/>
               </a:ext>
             </a:extLst>
           </p:cNvPr>
@@ -4750,8 +5113,8 @@
         </p:nvSpPr>
         <p:spPr>
           <a:xfrm>
-            <a:off x="0" y="44750"/>
-            <a:ext cx="4343400" cy="523220"/>
+            <a:off x="4327743" y="4985730"/>
+            <a:ext cx="3144773" cy="1169551"/>
           </a:xfrm>
           <a:prstGeom prst="rect">
             <a:avLst/>
@@ -4759,342 +5122,87 @@
           <a:noFill/>
         </p:spPr>
         <p:txBody>
+          <a:bodyPr wrap="square">
+            <a:spAutoFit/>
+          </a:bodyPr>
+          <a:lstStyle/>
+          <a:p>
+            <a:r>
+              <a:rPr lang="en-US" sz="1400"/>
+              <a:t>Aqua-Pure</a:t>
+            </a:r>
+          </a:p>
+          <a:p>
+            <a:r>
+              <a:rPr lang="en-US" sz="1400"/>
+              <a:t>Iron and Manganese Reduction System</a:t>
+            </a:r>
+          </a:p>
+          <a:p>
+            <a:r>
+              <a:rPr lang="en-US" sz="1400"/>
+              <a:t>Model APIF100DM</a:t>
+            </a:r>
+          </a:p>
+          <a:p>
+            <a:r>
+              <a:rPr lang="en-US" sz="1400"/>
+              <a:t>SN 613114A519</a:t>
+            </a:r>
+          </a:p>
+          <a:p>
+            <a:r>
+              <a:rPr lang="en-US" sz="1400"/>
+              <a:t>Serviced 10/2018, 8/2020</a:t>
+            </a:r>
+          </a:p>
+        </p:txBody>
+      </p:sp>
+      <p:sp>
+        <p:nvSpPr>
+          <p:cNvPr id="5" name="TextBox 4">
+            <a:extLst>
+              <a:ext uri="{FF2B5EF4-FFF2-40B4-BE49-F238E27FC236}">
+                <a16:creationId xmlns:a16="http://schemas.microsoft.com/office/drawing/2014/main" id="{4FC10D4B-6552-DBEC-8D48-F7988F31B7A2}"/>
+              </a:ext>
+            </a:extLst>
+          </p:cNvPr>
+          <p:cNvSpPr txBox="1"/>
+          <p:nvPr/>
+        </p:nvSpPr>
+        <p:spPr>
+          <a:xfrm>
+            <a:off x="4327744" y="2329841"/>
+            <a:ext cx="4688438" cy="646331"/>
+          </a:xfrm>
+          <a:prstGeom prst="rect">
+            <a:avLst/>
+          </a:prstGeom>
+          <a:noFill/>
+        </p:spPr>
+        <p:txBody>
           <a:bodyPr wrap="square" rtlCol="0">
             <a:spAutoFit/>
           </a:bodyPr>
           <a:lstStyle/>
           <a:p>
-            <a:r>
-              <a:rPr lang="en-US" sz="2800" b="1"/>
-              <a:t>Aqua-Pure Servicing</a:t>
-            </a:r>
-          </a:p>
-        </p:txBody>
-      </p:sp>
-      <p:sp>
-        <p:nvSpPr>
-          <p:cNvPr id="3" name="TextBox 2">
-            <a:extLst>
-              <a:ext uri="{FF2B5EF4-FFF2-40B4-BE49-F238E27FC236}">
-                <a16:creationId xmlns:a16="http://schemas.microsoft.com/office/drawing/2014/main" id="{ED286314-8112-409C-7296-CB50A125B66E}"/>
-              </a:ext>
-            </a:extLst>
-          </p:cNvPr>
-          <p:cNvSpPr txBox="1"/>
-          <p:nvPr/>
-        </p:nvSpPr>
-        <p:spPr>
-          <a:xfrm>
-            <a:off x="7412887" y="837098"/>
-            <a:ext cx="4207614" cy="3754874"/>
-          </a:xfrm>
-          <a:prstGeom prst="rect">
-            <a:avLst/>
-          </a:prstGeom>
-          <a:solidFill>
-            <a:schemeClr val="accent4">
-              <a:lumMod val="20000"/>
-              <a:lumOff val="80000"/>
-            </a:schemeClr>
-          </a:solidFill>
-          <a:ln>
-            <a:solidFill>
-              <a:srgbClr val="FF0000"/>
-            </a:solidFill>
-          </a:ln>
-        </p:spPr>
-        <p:txBody>
-          <a:bodyPr wrap="square" rtlCol="0">
-            <a:spAutoFit/>
-          </a:bodyPr>
-          <a:lstStyle>
-            <a:defPPr>
-              <a:defRPr lang="en-US"/>
-            </a:defPPr>
-            <a:lvl1pPr>
-              <a:defRPr sz="1400"/>
-            </a:lvl1pPr>
-          </a:lstStyle>
-          <a:p>
-            <a:r>
-              <a:rPr lang="en-US"/>
-              <a:t>Recommendations by Cornell Cooperative Extension</a:t>
-            </a:r>
-          </a:p>
-          <a:p>
-            <a:r>
-              <a:rPr lang="en-US">
-                <a:hlinkClick r:id="rId2"/>
-              </a:rPr>
-              <a:t>http://genesee.cce.cornell.edu/your-home/well-water</a:t>
-            </a:r>
-            <a:endParaRPr lang="en-US"/>
-          </a:p>
-          <a:p>
-            <a:endParaRPr lang="en-US"/>
-          </a:p>
-          <a:p>
-            <a:r>
-              <a:rPr lang="en-US"/>
-              <a:t>==============================</a:t>
-            </a:r>
-          </a:p>
-          <a:p>
-            <a:r>
-              <a:rPr lang="en-US"/>
-              <a:t>AG Environmental/Sullivan County Labs </a:t>
-            </a:r>
-          </a:p>
-          <a:p>
-            <a:r>
-              <a:rPr lang="en-US"/>
-              <a:t>.. </a:t>
-            </a:r>
-            <a:r>
-              <a:rPr lang="en-US">
-                <a:hlinkClick r:id="rId3"/>
-              </a:rPr>
-              <a:t>https://www.sullivancountylabs.com</a:t>
-            </a:r>
-            <a:endParaRPr lang="en-US"/>
-          </a:p>
-          <a:p>
-            <a:endParaRPr lang="en-US"/>
-          </a:p>
-          <a:p>
-            <a:r>
-              <a:rPr lang="en-US" b="1">
-                <a:solidFill>
-                  <a:srgbClr val="00B050"/>
-                </a:solidFill>
-              </a:rPr>
-              <a:t>AG ENVIRONMENTAL RSC LLC</a:t>
-            </a:r>
-          </a:p>
-          <a:p>
-            <a:r>
-              <a:rPr lang="en-US"/>
-              <a:t> DBA </a:t>
-            </a:r>
             <a:r>
               <a:rPr lang="en-US" b="1">
                 <a:solidFill>
                   <a:srgbClr val="FF0000"/>
                 </a:solidFill>
               </a:rPr>
-              <a:t>SULLIVAN COUNTY LABS</a:t>
-            </a:r>
-          </a:p>
-          <a:p>
-            <a:r>
-              <a:rPr lang="en-US"/>
-              <a:t>86 Queen Mountain Rd, Ferndale, NY 12734</a:t>
-            </a:r>
-          </a:p>
-          <a:p>
-            <a:r>
-              <a:rPr lang="en-US"/>
-              <a:t>(845) 704-8151</a:t>
-            </a:r>
-          </a:p>
-          <a:p>
-            <a:endParaRPr lang="en-US"/>
-          </a:p>
-          <a:p>
-            <a:r>
-              <a:rPr lang="en-US"/>
-              <a:t>==============================</a:t>
-            </a:r>
-          </a:p>
-          <a:p>
-            <a:r>
-              <a:rPr lang="en-US"/>
-              <a:t>Valley Water Services</a:t>
-            </a:r>
-          </a:p>
-          <a:p>
-            <a:r>
-              <a:rPr lang="en-US">
-                <a:hlinkClick r:id="rId4"/>
-              </a:rPr>
-              <a:t>https://valley-water.com/contact/</a:t>
-            </a:r>
-            <a:endParaRPr lang="en-US"/>
-          </a:p>
-          <a:p>
-            <a:r>
-              <a:rPr lang="en-US"/>
-              <a:t>845-887-4770 Kristen</a:t>
-            </a:r>
-          </a:p>
-          <a:p>
-            <a:r>
-              <a:rPr lang="en-US"/>
-              <a:t>info@valley-water.com</a:t>
-            </a:r>
-          </a:p>
-        </p:txBody>
-      </p:sp>
-      <p:sp>
-        <p:nvSpPr>
-          <p:cNvPr id="4" name="TextBox 3">
-            <a:extLst>
-              <a:ext uri="{FF2B5EF4-FFF2-40B4-BE49-F238E27FC236}">
-                <a16:creationId xmlns:a16="http://schemas.microsoft.com/office/drawing/2014/main" id="{E7FF1618-3796-17D8-014C-F7448BC65CE7}"/>
-              </a:ext>
-            </a:extLst>
-          </p:cNvPr>
-          <p:cNvSpPr txBox="1"/>
-          <p:nvPr/>
-        </p:nvSpPr>
-        <p:spPr>
-          <a:xfrm>
-            <a:off x="223156" y="837098"/>
-            <a:ext cx="2242458" cy="1169551"/>
-          </a:xfrm>
-          <a:prstGeom prst="rect">
-            <a:avLst/>
-          </a:prstGeom>
-          <a:solidFill>
-            <a:schemeClr val="accent4">
-              <a:lumMod val="20000"/>
-              <a:lumOff val="80000"/>
-            </a:schemeClr>
-          </a:solidFill>
-          <a:ln>
-            <a:solidFill>
-              <a:srgbClr val="FF0000"/>
-            </a:solidFill>
-          </a:ln>
-        </p:spPr>
-        <p:txBody>
-          <a:bodyPr wrap="square" rtlCol="0">
-            <a:spAutoFit/>
-          </a:bodyPr>
-          <a:lstStyle>
-            <a:defPPr>
-              <a:defRPr lang="en-US"/>
-            </a:defPPr>
-            <a:lvl1pPr>
-              <a:defRPr sz="1400"/>
-            </a:lvl1pPr>
-          </a:lstStyle>
-          <a:p>
-            <a:r>
-              <a:rPr lang="en-US"/>
-              <a:t>Plumber</a:t>
-            </a:r>
-          </a:p>
-          <a:p>
-            <a:r>
-              <a:rPr lang="en-US"/>
-              <a:t>DJS Plumbing</a:t>
-            </a:r>
-          </a:p>
-          <a:p>
-            <a:r>
-              <a:rPr lang="en-US">
-                <a:hlinkClick r:id="rId5"/>
-              </a:rPr>
-              <a:t>http://www.djsph.com</a:t>
-            </a:r>
-            <a:endParaRPr lang="en-US"/>
-          </a:p>
-          <a:p>
-            <a:r>
-              <a:rPr lang="en-US"/>
-              <a:t>Phone number</a:t>
-            </a:r>
-          </a:p>
-          <a:p>
-            <a:r>
-              <a:rPr lang="en-US"/>
-              <a:t>(845) 887-6309</a:t>
-            </a:r>
-          </a:p>
-        </p:txBody>
-      </p:sp>
-      <p:sp>
-        <p:nvSpPr>
-          <p:cNvPr id="5" name="TextBox 4">
-            <a:extLst>
-              <a:ext uri="{FF2B5EF4-FFF2-40B4-BE49-F238E27FC236}">
-                <a16:creationId xmlns:a16="http://schemas.microsoft.com/office/drawing/2014/main" id="{BE4501C0-7A38-778A-3EB0-EE4A7ADE3179}"/>
-              </a:ext>
-            </a:extLst>
-          </p:cNvPr>
-          <p:cNvSpPr txBox="1"/>
-          <p:nvPr/>
-        </p:nvSpPr>
-        <p:spPr>
-          <a:xfrm>
-            <a:off x="223156" y="3445329"/>
-            <a:ext cx="5023757" cy="1600438"/>
-          </a:xfrm>
-          <a:prstGeom prst="rect">
-            <a:avLst/>
-          </a:prstGeom>
-          <a:solidFill>
-            <a:schemeClr val="accent4">
-              <a:lumMod val="20000"/>
-              <a:lumOff val="80000"/>
-            </a:schemeClr>
-          </a:solidFill>
-          <a:ln>
-            <a:solidFill>
-              <a:srgbClr val="FF0000"/>
-            </a:solidFill>
-          </a:ln>
-        </p:spPr>
-        <p:txBody>
-          <a:bodyPr wrap="square" rtlCol="0">
-            <a:spAutoFit/>
-          </a:bodyPr>
-          <a:lstStyle>
-            <a:defPPr>
-              <a:defRPr lang="en-US"/>
-            </a:defPPr>
-            <a:lvl1pPr>
-              <a:defRPr sz="1400"/>
-            </a:lvl1pPr>
-          </a:lstStyle>
-          <a:p>
-            <a:r>
-              <a:rPr lang="en-US"/>
-              <a:t>The address in contract:</a:t>
-            </a:r>
-          </a:p>
-          <a:p>
-            <a:r>
-              <a:rPr lang="en-US"/>
-              <a:t>  house:    833 County Road 94, Hankins, NY 12741</a:t>
-            </a:r>
-          </a:p>
-          <a:p>
-            <a:r>
-              <a:rPr lang="en-US"/>
-              <a:t>  barn:     829 County Road 94, Hankins, NY 12741</a:t>
-            </a:r>
-          </a:p>
-          <a:p>
-            <a:endParaRPr lang="en-US"/>
-          </a:p>
-          <a:p>
-            <a:r>
-              <a:rPr lang="en-US"/>
-              <a:t>Former Owners: </a:t>
-            </a:r>
-          </a:p>
-          <a:p>
-            <a:r>
-              <a:rPr lang="en-US"/>
-              <a:t>  Vincent A. Shursky :</a:t>
-            </a:r>
-          </a:p>
-          <a:p>
-            <a:r>
-              <a:rPr lang="en-US"/>
-              <a:t>  Susanne M. Shursky : 845-796-8050</a:t>
+              <a:t>Looks like it needs "regeneration"</a:t>
+            </a:r>
+          </a:p>
+          <a:p>
+            <a:r>
+              <a:rPr lang="en-US" b="1">
+                <a:solidFill>
+                  <a:srgbClr val="FF0000"/>
+                </a:solidFill>
+              </a:rPr>
+              <a:t>(press buttons as instructed for few seconds)</a:t>
             </a:r>
           </a:p>
         </p:txBody>
@@ -5102,7 +5210,7 @@
     </p:spTree>
     <p:extLst>
       <p:ext uri="{BB962C8B-B14F-4D97-AF65-F5344CB8AC3E}">
-        <p14:creationId xmlns:p14="http://schemas.microsoft.com/office/powerpoint/2010/main" val="2429658463"/>
+        <p14:creationId xmlns:p14="http://schemas.microsoft.com/office/powerpoint/2010/main" val="4107192437"/>
       </p:ext>
     </p:extLst>
   </p:cSld>
@@ -5134,7 +5242,7 @@
           <p:cNvPr id="2" name="TextBox 1">
             <a:extLst>
               <a:ext uri="{FF2B5EF4-FFF2-40B4-BE49-F238E27FC236}">
-                <a16:creationId xmlns:a16="http://schemas.microsoft.com/office/drawing/2014/main" id="{687AC363-7627-6402-F57E-1B785C4DA2A1}"/>
+                <a16:creationId xmlns:a16="http://schemas.microsoft.com/office/drawing/2014/main" id="{89256B02-4D2C-E8E3-19C3-D77073A6351C}"/>
               </a:ext>
             </a:extLst>
           </p:cNvPr>
@@ -5143,43 +5251,8 @@
         </p:nvSpPr>
         <p:spPr>
           <a:xfrm>
-            <a:off x="0" y="0"/>
-            <a:ext cx="6350443" cy="666786"/>
-          </a:xfrm>
-          <a:prstGeom prst="rect">
-            <a:avLst/>
-          </a:prstGeom>
-          <a:noFill/>
-        </p:spPr>
-        <p:txBody>
-          <a:bodyPr wrap="square" rtlCol="0">
-            <a:spAutoFit/>
-          </a:bodyPr>
-          <a:lstStyle/>
-          <a:p>
-            <a:r>
-              <a:rPr lang="en-US" sz="3733" b="1"/>
-              <a:t>Water Filter under sink</a:t>
-            </a:r>
-          </a:p>
-        </p:txBody>
-      </p:sp>
-      <p:sp>
-        <p:nvSpPr>
-          <p:cNvPr id="6" name="TextBox 5">
-            <a:extLst>
-              <a:ext uri="{FF2B5EF4-FFF2-40B4-BE49-F238E27FC236}">
-                <a16:creationId xmlns:a16="http://schemas.microsoft.com/office/drawing/2014/main" id="{0B3D246B-C6D4-845C-1A20-2ADB2087AB1D}"/>
-              </a:ext>
-            </a:extLst>
-          </p:cNvPr>
-          <p:cNvSpPr txBox="1"/>
-          <p:nvPr/>
-        </p:nvSpPr>
-        <p:spPr>
-          <a:xfrm>
-            <a:off x="169109" y="925751"/>
-            <a:ext cx="6732731" cy="1169551"/>
+            <a:off x="4997885" y="2116899"/>
+            <a:ext cx="3691003" cy="2677656"/>
           </a:xfrm>
           <a:prstGeom prst="rect">
             <a:avLst/>
@@ -5202,68 +5275,66 @@
           </a:bodyPr>
           <a:lstStyle/>
           <a:p>
-            <a:pPr marL="380990" indent="-380990">
-              <a:buFont typeface="Arial" panose="020B0604020202020204" pitchFamily="34" charset="0"/>
-              <a:buChar char="•"/>
-            </a:pPr>
-            <a:r>
-              <a:rPr lang="en-US" sz="1400">
-                <a:latin typeface="Calibri" panose="020F0502020204030204" pitchFamily="34" charset="0"/>
-                <a:cs typeface="Calibri" panose="020F0502020204030204" pitchFamily="34" charset="0"/>
-              </a:rPr>
-              <a:t>High quality, designed, engineered and assembled in the USA</a:t>
-            </a:r>
-          </a:p>
-          <a:p>
-            <a:pPr marL="380990" indent="-380990">
-              <a:buFont typeface="Arial" panose="020B0604020202020204" pitchFamily="34" charset="0"/>
-              <a:buChar char="•"/>
-            </a:pPr>
-            <a:r>
-              <a:rPr lang="en-US" sz="1400">
-                <a:latin typeface="Calibri" panose="020F0502020204030204" pitchFamily="34" charset="0"/>
-                <a:cs typeface="Calibri" panose="020F0502020204030204" pitchFamily="34" charset="0"/>
-              </a:rPr>
-              <a:t>System built with US MADE super capacity filters (long lasting for tap/well water)</a:t>
-            </a:r>
-          </a:p>
-          <a:p>
-            <a:pPr marL="380990" indent="-380990">
-              <a:buFont typeface="Arial" panose="020B0604020202020204" pitchFamily="34" charset="0"/>
-              <a:buChar char="•"/>
-            </a:pPr>
-            <a:r>
-              <a:rPr lang="en-US" sz="1400">
-                <a:latin typeface="Calibri" panose="020F0502020204030204" pitchFamily="34" charset="0"/>
-                <a:cs typeface="Calibri" panose="020F0502020204030204" pitchFamily="34" charset="0"/>
-              </a:rPr>
-              <a:t>Effectively remove chemicals (i.e. chlorine), taste and odors. </a:t>
-            </a:r>
-          </a:p>
-          <a:p>
-            <a:pPr marL="380990" indent="-380990">
-              <a:buFont typeface="Arial" panose="020B0604020202020204" pitchFamily="34" charset="0"/>
-              <a:buChar char="•"/>
-            </a:pPr>
-            <a:r>
-              <a:rPr lang="en-US" sz="1400">
-                <a:latin typeface="Calibri" panose="020F0502020204030204" pitchFamily="34" charset="0"/>
-                <a:cs typeface="Calibri" panose="020F0502020204030204" pitchFamily="34" charset="0"/>
-              </a:rPr>
-              <a:t>NOT designed for TDS removal (TDS = Total Dissolved Solids, mostly inorganic salts)</a:t>
-            </a:r>
-          </a:p>
-          <a:p>
-            <a:pPr marL="380990" indent="-380990">
-              <a:buFont typeface="Arial" panose="020B0604020202020204" pitchFamily="34" charset="0"/>
-              <a:buChar char="•"/>
-            </a:pPr>
-            <a:r>
-              <a:rPr lang="en-US" sz="1400">
-                <a:latin typeface="Calibri" panose="020F0502020204030204" pitchFamily="34" charset="0"/>
-                <a:cs typeface="Calibri" panose="020F0502020204030204" pitchFamily="34" charset="0"/>
-              </a:rPr>
-              <a:t>Feed Water Pressure 20-85 psi</a:t>
+            <a:r>
+              <a:rPr lang="en-US" sz="1400"/>
+              <a:t>HARVARD</a:t>
+            </a:r>
+          </a:p>
+          <a:p>
+            <a:r>
+              <a:rPr lang="en-US" sz="1400"/>
+              <a:t>The American Granby Company, Liverpool, NY</a:t>
+            </a:r>
+          </a:p>
+          <a:p>
+            <a:r>
+              <a:rPr lang="en-US" sz="1400"/>
+              <a:t>7652 Morgan Rd, Liverpool, NY 13090</a:t>
+            </a:r>
+          </a:p>
+          <a:p>
+            <a:r>
+              <a:rPr lang="en-US" sz="1400"/>
+              <a:t>https://www.americangranby.com/</a:t>
+            </a:r>
+          </a:p>
+          <a:p>
+            <a:endParaRPr lang="en-US" sz="1400"/>
+          </a:p>
+          <a:p>
+            <a:r>
+              <a:rPr lang="en-US" sz="1400"/>
+              <a:t>MARK 10</a:t>
+            </a:r>
+          </a:p>
+          <a:p>
+            <a:r>
+              <a:rPr lang="en-US" sz="1400"/>
+              <a:t>Bonded Glass-Lined Standard tank</a:t>
+            </a:r>
+          </a:p>
+          <a:p>
+            <a:endParaRPr lang="en-US" sz="1400"/>
+          </a:p>
+          <a:p>
+            <a:r>
+              <a:rPr lang="en-US" sz="1400"/>
+              <a:t>Glass-Lined</a:t>
+            </a:r>
+          </a:p>
+          <a:p>
+            <a:r>
+              <a:rPr lang="en-US" sz="1400"/>
+              <a:t>Dual Cathodic Protection</a:t>
+            </a:r>
+          </a:p>
+          <a:p>
+            <a:endParaRPr lang="en-US" sz="1400"/>
+          </a:p>
+          <a:p>
+            <a:r>
+              <a:rPr lang="en-US" sz="1400"/>
+              <a:t>Hydro-Pneumatic Pump Tank</a:t>
             </a:r>
           </a:p>
         </p:txBody>
@@ -5273,7 +5344,7 @@
           <p:cNvPr id="3" name="Picture 2">
             <a:extLst>
               <a:ext uri="{FF2B5EF4-FFF2-40B4-BE49-F238E27FC236}">
-                <a16:creationId xmlns:a16="http://schemas.microsoft.com/office/drawing/2014/main" id="{540F9D71-967A-4FC2-0617-46A559CBDD37}"/>
+                <a16:creationId xmlns:a16="http://schemas.microsoft.com/office/drawing/2014/main" id="{BE722195-392B-37FD-CB92-70D23F5BB834}"/>
               </a:ext>
             </a:extLst>
           </p:cNvPr>
@@ -5296,8 +5367,8 @@
         </p:blipFill>
         <p:spPr>
           <a:xfrm>
-            <a:off x="7527236" y="348814"/>
-            <a:ext cx="4327053" cy="3550797"/>
+            <a:off x="430059" y="576899"/>
+            <a:ext cx="3691003" cy="5955423"/>
           </a:xfrm>
           <a:prstGeom prst="rect">
             <a:avLst/>
@@ -5306,10 +5377,10 @@
       </p:pic>
       <p:sp>
         <p:nvSpPr>
-          <p:cNvPr id="7" name="TextBox 6">
-            <a:extLst>
-              <a:ext uri="{FF2B5EF4-FFF2-40B4-BE49-F238E27FC236}">
-                <a16:creationId xmlns:a16="http://schemas.microsoft.com/office/drawing/2014/main" id="{18C74B23-E624-FDE1-E534-36B260714739}"/>
+          <p:cNvPr id="4" name="TextBox 3">
+            <a:extLst>
+              <a:ext uri="{FF2B5EF4-FFF2-40B4-BE49-F238E27FC236}">
+                <a16:creationId xmlns:a16="http://schemas.microsoft.com/office/drawing/2014/main" id="{86DC5D30-161F-C31E-2962-D23C48CE3AEB}"/>
               </a:ext>
             </a:extLst>
           </p:cNvPr>
@@ -5318,8 +5389,8 @@
         </p:nvSpPr>
         <p:spPr>
           <a:xfrm>
-            <a:off x="7824084" y="4033829"/>
-            <a:ext cx="4166483" cy="1138966"/>
+            <a:off x="0" y="0"/>
+            <a:ext cx="5085567" cy="523220"/>
           </a:xfrm>
           <a:prstGeom prst="rect">
             <a:avLst/>
@@ -5332,44 +5403,19 @@
           </a:bodyPr>
           <a:lstStyle/>
           <a:p>
-            <a:pPr algn="ctr"/>
-            <a:r>
-              <a:rPr lang="en-US" sz="1867"/>
-              <a:t>APEC Water Systems WFS-1000</a:t>
-            </a:r>
-          </a:p>
-          <a:p>
-            <a:pPr algn="ctr"/>
-            <a:r>
-              <a:rPr lang="en-US" sz="1867"/>
-              <a:t>3 Stage Under-Sink Water Filter System</a:t>
-            </a:r>
-          </a:p>
-          <a:p>
-            <a:pPr algn="ctr"/>
-            <a:r>
-              <a:rPr lang="en-US" sz="1867"/>
-              <a:t>$140</a:t>
-            </a:r>
-          </a:p>
-          <a:p>
-            <a:pPr algn="ctr"/>
-            <a:r>
-              <a:rPr lang="en-US" sz="1200">
-                <a:hlinkClick r:id="rId3"/>
-              </a:rPr>
-              <a:t>https://www.amazon.com/gp/product/B00TT9I2PS/</a:t>
-            </a:r>
-            <a:endParaRPr lang="en-US" sz="1200"/>
-          </a:p>
-        </p:txBody>
-      </p:sp>
-      <p:sp>
-        <p:nvSpPr>
-          <p:cNvPr id="8" name="TextBox 7">
-            <a:extLst>
-              <a:ext uri="{FF2B5EF4-FFF2-40B4-BE49-F238E27FC236}">
-                <a16:creationId xmlns:a16="http://schemas.microsoft.com/office/drawing/2014/main" id="{5FDCC917-1F6E-A479-54F5-04719F37682F}"/>
+            <a:r>
+              <a:rPr lang="en-US" sz="2800" b="1"/>
+              <a:t>The big blue tank in the middle</a:t>
+            </a:r>
+          </a:p>
+        </p:txBody>
+      </p:sp>
+      <p:sp>
+        <p:nvSpPr>
+          <p:cNvPr id="5" name="TextBox 4">
+            <a:extLst>
+              <a:ext uri="{FF2B5EF4-FFF2-40B4-BE49-F238E27FC236}">
+                <a16:creationId xmlns:a16="http://schemas.microsoft.com/office/drawing/2014/main" id="{784C2193-37F3-67DC-2B42-F2D6F2005ED0}"/>
               </a:ext>
             </a:extLst>
           </p:cNvPr>
@@ -5378,23 +5424,13 @@
         </p:nvSpPr>
         <p:spPr>
           <a:xfrm>
-            <a:off x="2030010" y="3002874"/>
-            <a:ext cx="4746572" cy="1600438"/>
+            <a:off x="6213987" y="415066"/>
+            <a:ext cx="4827639" cy="738664"/>
           </a:xfrm>
           <a:prstGeom prst="rect">
             <a:avLst/>
           </a:prstGeom>
-          <a:solidFill>
-            <a:schemeClr val="accent4">
-              <a:lumMod val="20000"/>
-              <a:lumOff val="80000"/>
-            </a:schemeClr>
-          </a:solidFill>
-          <a:ln>
-            <a:solidFill>
-              <a:srgbClr val="FF0000"/>
-            </a:solidFill>
-          </a:ln>
+          <a:noFill/>
         </p:spPr>
         <p:txBody>
           <a:bodyPr wrap="square" rtlCol="0">
@@ -5403,74 +5439,14 @@
           <a:lstStyle/>
           <a:p>
             <a:r>
-              <a:rPr lang="en-US" sz="1400">
-                <a:latin typeface="Calibri" panose="020F0502020204030204" pitchFamily="34" charset="0"/>
-                <a:cs typeface="Calibri" panose="020F0502020204030204" pitchFamily="34" charset="0"/>
-              </a:rPr>
-              <a:t>Installed July 2022</a:t>
-            </a:r>
-          </a:p>
-          <a:p>
-            <a:r>
-              <a:rPr lang="en-US" sz="1400">
-                <a:latin typeface="Calibri" panose="020F0502020204030204" pitchFamily="34" charset="0"/>
-                <a:cs typeface="Calibri" panose="020F0502020204030204" pitchFamily="34" charset="0"/>
-              </a:rPr>
-              <a:t>Filters last 1 year</a:t>
-            </a:r>
-          </a:p>
-          <a:p>
-            <a:endParaRPr lang="en-US" sz="1400">
-              <a:latin typeface="Calibri" panose="020F0502020204030204" pitchFamily="34" charset="0"/>
-              <a:cs typeface="Calibri" panose="020F0502020204030204" pitchFamily="34" charset="0"/>
-            </a:endParaRPr>
-          </a:p>
-          <a:p>
-            <a:r>
-              <a:rPr lang="en-US" sz="1400">
-                <a:latin typeface="Calibri" panose="020F0502020204030204" pitchFamily="34" charset="0"/>
-                <a:cs typeface="Calibri" panose="020F0502020204030204" pitchFamily="34" charset="0"/>
-              </a:rPr>
-              <a:t>Three filters:</a:t>
-            </a:r>
-          </a:p>
-          <a:p>
-            <a:pPr marL="380990" indent="-380990">
-              <a:buFont typeface="Arial" panose="020B0604020202020204" pitchFamily="34" charset="0"/>
-              <a:buChar char="•"/>
-            </a:pPr>
-            <a:r>
-              <a:rPr lang="en-US" sz="1400">
-                <a:latin typeface="Calibri" panose="020F0502020204030204" pitchFamily="34" charset="0"/>
-                <a:cs typeface="Calibri" panose="020F0502020204030204" pitchFamily="34" charset="0"/>
-              </a:rPr>
-              <a:t>Stage1: 1-SED10 - 5 micron polypropylene filter</a:t>
-            </a:r>
-          </a:p>
-          <a:p>
-            <a:pPr marL="380990" indent="-380990">
-              <a:buFont typeface="Arial" panose="020B0604020202020204" pitchFamily="34" charset="0"/>
-              <a:buChar char="•"/>
-            </a:pPr>
-            <a:r>
-              <a:rPr lang="en-US" sz="1400">
-                <a:latin typeface="Calibri" panose="020F0502020204030204" pitchFamily="34" charset="0"/>
-                <a:cs typeface="Calibri" panose="020F0502020204030204" pitchFamily="34" charset="0"/>
-              </a:rPr>
-              <a:t>Stage2: 23-CAB10 - 10" Extruded Carbon Block Filter</a:t>
-            </a:r>
-          </a:p>
-          <a:p>
-            <a:pPr marL="380990" indent="-380990">
-              <a:buFont typeface="Arial" panose="020B0604020202020204" pitchFamily="34" charset="0"/>
-              <a:buChar char="•"/>
-            </a:pPr>
-            <a:r>
-              <a:rPr lang="en-US" sz="1400">
-                <a:latin typeface="Calibri" panose="020F0502020204030204" pitchFamily="34" charset="0"/>
-                <a:cs typeface="Calibri" panose="020F0502020204030204" pitchFamily="34" charset="0"/>
-              </a:rPr>
-              <a:t>Stage3: 23-CAB10 - 10" Extruded Carbon Block Filter</a:t>
+              <a:rPr lang="en-US" sz="1400"/>
+              <a:t>Previous owners used it many years ago to clorinate the water. Then they stopped doing this.</a:t>
+            </a:r>
+          </a:p>
+          <a:p>
+            <a:r>
+              <a:rPr lang="en-US" sz="1400"/>
+              <a:t>But didn't remove the tank.</a:t>
             </a:r>
           </a:p>
         </p:txBody>
@@ -5478,7 +5454,7 @@
     </p:spTree>
     <p:extLst>
       <p:ext uri="{BB962C8B-B14F-4D97-AF65-F5344CB8AC3E}">
-        <p14:creationId xmlns:p14="http://schemas.microsoft.com/office/powerpoint/2010/main" val="841536658"/>
+        <p14:creationId xmlns:p14="http://schemas.microsoft.com/office/powerpoint/2010/main" val="1486400004"/>
       </p:ext>
     </p:extLst>
   </p:cSld>
@@ -5510,6 +5486,1121 @@
           <p:cNvPr id="2" name="TextBox 1">
             <a:extLst>
               <a:ext uri="{FF2B5EF4-FFF2-40B4-BE49-F238E27FC236}">
+                <a16:creationId xmlns:a16="http://schemas.microsoft.com/office/drawing/2014/main" id="{2E1D2A78-E49D-9B90-1FC1-0EA297908BB0}"/>
+              </a:ext>
+            </a:extLst>
+          </p:cNvPr>
+          <p:cNvSpPr txBox="1"/>
+          <p:nvPr/>
+        </p:nvSpPr>
+        <p:spPr>
+          <a:xfrm>
+            <a:off x="0" y="0"/>
+            <a:ext cx="4330262" cy="523220"/>
+          </a:xfrm>
+          <a:prstGeom prst="rect">
+            <a:avLst/>
+          </a:prstGeom>
+          <a:noFill/>
+        </p:spPr>
+        <p:txBody>
+          <a:bodyPr wrap="square" rtlCol="0">
+            <a:spAutoFit/>
+          </a:bodyPr>
+          <a:lstStyle/>
+          <a:p>
+            <a:r>
+              <a:rPr lang="en-US" sz="2800" b="1"/>
+              <a:t>Water Testing</a:t>
+            </a:r>
+          </a:p>
+        </p:txBody>
+      </p:sp>
+      <p:sp>
+        <p:nvSpPr>
+          <p:cNvPr id="3" name="TextBox 2">
+            <a:extLst>
+              <a:ext uri="{FF2B5EF4-FFF2-40B4-BE49-F238E27FC236}">
+                <a16:creationId xmlns:a16="http://schemas.microsoft.com/office/drawing/2014/main" id="{F0B30C49-BF00-1AA9-9A19-2A7D9DF6315D}"/>
+              </a:ext>
+            </a:extLst>
+          </p:cNvPr>
+          <p:cNvSpPr txBox="1"/>
+          <p:nvPr/>
+        </p:nvSpPr>
+        <p:spPr>
+          <a:xfrm>
+            <a:off x="208584" y="724732"/>
+            <a:ext cx="5044652" cy="4401205"/>
+          </a:xfrm>
+          <a:prstGeom prst="rect">
+            <a:avLst/>
+          </a:prstGeom>
+          <a:solidFill>
+            <a:schemeClr val="accent4">
+              <a:lumMod val="20000"/>
+              <a:lumOff val="80000"/>
+            </a:schemeClr>
+          </a:solidFill>
+          <a:ln>
+            <a:solidFill>
+              <a:srgbClr val="FF0000"/>
+            </a:solidFill>
+          </a:ln>
+        </p:spPr>
+        <p:txBody>
+          <a:bodyPr wrap="square" rtlCol="0">
+            <a:spAutoFit/>
+          </a:bodyPr>
+          <a:lstStyle/>
+          <a:p>
+            <a:r>
+              <a:rPr lang="en-US" sz="1400"/>
+              <a:t>Cornell Cooperative Extension Sullivan County</a:t>
+            </a:r>
+          </a:p>
+          <a:p>
+            <a:r>
+              <a:rPr lang="en-US" sz="1400">
+                <a:hlinkClick r:id="rId2"/>
+              </a:rPr>
+              <a:t>http://sullivancce.org</a:t>
+            </a:r>
+            <a:endParaRPr lang="en-US" sz="1400"/>
+          </a:p>
+          <a:p>
+            <a:r>
+              <a:rPr lang="en-US" sz="1400"/>
+              <a:t>64 Ferndale Loomis Rd #1, Liberty, NY 12754</a:t>
+            </a:r>
+          </a:p>
+          <a:p>
+            <a:r>
+              <a:rPr lang="en-US" sz="1400"/>
+              <a:t>Phone: (845) 292-6180</a:t>
+            </a:r>
+          </a:p>
+          <a:p>
+            <a:r>
+              <a:rPr lang="en-US" sz="1400"/>
+              <a:t>   Erin x100</a:t>
+            </a:r>
+          </a:p>
+          <a:p>
+            <a:r>
+              <a:rPr lang="en-US" sz="1400"/>
+              <a:t>Hours: </a:t>
+            </a:r>
+          </a:p>
+          <a:p>
+            <a:r>
+              <a:rPr lang="en-US" sz="1400"/>
+              <a:t>  M-F 8:30AM–4:30PM,   Sat-Sun - Closed</a:t>
+            </a:r>
+          </a:p>
+          <a:p>
+            <a:endParaRPr lang="en-US" sz="1400"/>
+          </a:p>
+          <a:p>
+            <a:r>
+              <a:rPr lang="en-US" sz="1400"/>
+              <a:t>Erin said that they don't do testing any more, and recommended</a:t>
+            </a:r>
+          </a:p>
+          <a:p>
+            <a:r>
+              <a:rPr lang="en-US" sz="1400"/>
+              <a:t>AG Environmental/Sullivan County Labs </a:t>
+            </a:r>
+          </a:p>
+          <a:p>
+            <a:r>
+              <a:rPr lang="en-US" sz="1400"/>
+              <a:t>.. </a:t>
+            </a:r>
+            <a:r>
+              <a:rPr lang="en-US" sz="1400">
+                <a:hlinkClick r:id="rId3"/>
+              </a:rPr>
+              <a:t>https://www.sullivancountylabs.com/</a:t>
+            </a:r>
+            <a:endParaRPr lang="en-US" sz="1400"/>
+          </a:p>
+          <a:p>
+            <a:endParaRPr lang="en-US" sz="1400"/>
+          </a:p>
+          <a:p>
+            <a:r>
+              <a:rPr lang="en-US" sz="1400" b="1">
+                <a:solidFill>
+                  <a:srgbClr val="00B050"/>
+                </a:solidFill>
+              </a:rPr>
+              <a:t>AG ENVIRONMENTAL RSC LLC</a:t>
+            </a:r>
+            <a:r>
+              <a:rPr lang="en-US" sz="1400"/>
+              <a:t> </a:t>
+            </a:r>
+          </a:p>
+          <a:p>
+            <a:r>
+              <a:rPr lang="en-US" sz="1400"/>
+              <a:t>DBA </a:t>
+            </a:r>
+            <a:r>
+              <a:rPr lang="en-US" sz="1400" b="1">
+                <a:solidFill>
+                  <a:srgbClr val="FF0000"/>
+                </a:solidFill>
+              </a:rPr>
+              <a:t>SULLIVAN COUNTY LABS</a:t>
+            </a:r>
+          </a:p>
+          <a:p>
+            <a:r>
+              <a:rPr lang="en-US" sz="1400"/>
+              <a:t>86 Queen Mountain Rd, Ferndale, NY 12734</a:t>
+            </a:r>
+          </a:p>
+          <a:p>
+            <a:r>
+              <a:rPr lang="en-US" sz="1400"/>
+              <a:t>(845) 704-8151</a:t>
+            </a:r>
+          </a:p>
+          <a:p>
+            <a:endParaRPr lang="en-US" sz="1400"/>
+          </a:p>
+          <a:p>
+            <a:r>
+              <a:rPr lang="en-US" sz="1400"/>
+              <a:t>7/6/2022 – spoke, ordered the bottle</a:t>
+            </a:r>
+          </a:p>
+          <a:p>
+            <a:r>
+              <a:rPr lang="en-US" sz="1400"/>
+              <a:t>   spoke with Carmen – she mails testing kit to 350 Cabrini</a:t>
+            </a:r>
+          </a:p>
+          <a:p>
+            <a:r>
+              <a:rPr lang="en-US" sz="1400"/>
+              <a:t>   for testing 10 metalls ($179) + bacteria + nitrates: $250 total</a:t>
+            </a:r>
+          </a:p>
+        </p:txBody>
+      </p:sp>
+      <p:sp>
+        <p:nvSpPr>
+          <p:cNvPr id="4" name="TextBox 3">
+            <a:extLst>
+              <a:ext uri="{FF2B5EF4-FFF2-40B4-BE49-F238E27FC236}">
+                <a16:creationId xmlns:a16="http://schemas.microsoft.com/office/drawing/2014/main" id="{4BAB7DF2-03AB-CCD2-671D-A6BFAF382C9B}"/>
+              </a:ext>
+            </a:extLst>
+          </p:cNvPr>
+          <p:cNvSpPr txBox="1"/>
+          <p:nvPr/>
+        </p:nvSpPr>
+        <p:spPr>
+          <a:xfrm>
+            <a:off x="7503090" y="1340285"/>
+            <a:ext cx="3482236" cy="1815882"/>
+          </a:xfrm>
+          <a:prstGeom prst="rect">
+            <a:avLst/>
+          </a:prstGeom>
+          <a:noFill/>
+        </p:spPr>
+        <p:txBody>
+          <a:bodyPr wrap="square" rtlCol="0">
+            <a:spAutoFit/>
+          </a:bodyPr>
+          <a:lstStyle/>
+          <a:p>
+            <a:r>
+              <a:rPr lang="en-US" sz="1400"/>
+              <a:t>Plastic bottle 750 ml coca-cola</a:t>
+            </a:r>
+          </a:p>
+          <a:p>
+            <a:endParaRPr lang="en-US" sz="1400"/>
+          </a:p>
+          <a:p>
+            <a:r>
+              <a:rPr lang="en-US" sz="1400"/>
+              <a:t>1</a:t>
+            </a:r>
+            <a:r>
+              <a:rPr lang="en-US" sz="1400" baseline="30000"/>
+              <a:t>st</a:t>
+            </a:r>
+            <a:r>
+              <a:rPr lang="en-US" sz="1400"/>
+              <a:t> faucet</a:t>
+            </a:r>
+          </a:p>
+          <a:p>
+            <a:r>
+              <a:rPr lang="en-US" sz="1400"/>
+              <a:t>last faucet</a:t>
+            </a:r>
+          </a:p>
+          <a:p>
+            <a:endParaRPr lang="en-US" sz="1400"/>
+          </a:p>
+          <a:p>
+            <a:r>
+              <a:rPr lang="en-US" sz="1400"/>
+              <a:t>take water after pressure tank before filter tanks</a:t>
+            </a:r>
+          </a:p>
+          <a:p>
+            <a:endParaRPr lang="en-US" sz="1400"/>
+          </a:p>
+        </p:txBody>
+      </p:sp>
+      <p:sp>
+        <p:nvSpPr>
+          <p:cNvPr id="5" name="TextBox 4">
+            <a:extLst>
+              <a:ext uri="{FF2B5EF4-FFF2-40B4-BE49-F238E27FC236}">
+                <a16:creationId xmlns:a16="http://schemas.microsoft.com/office/drawing/2014/main" id="{41AC0A8F-A88A-AA89-B069-50DC43157077}"/>
+              </a:ext>
+            </a:extLst>
+          </p:cNvPr>
+          <p:cNvSpPr txBox="1"/>
+          <p:nvPr/>
+        </p:nvSpPr>
+        <p:spPr>
+          <a:xfrm>
+            <a:off x="6597445" y="3834581"/>
+            <a:ext cx="4552336" cy="307777"/>
+          </a:xfrm>
+          <a:prstGeom prst="rect">
+            <a:avLst/>
+          </a:prstGeom>
+          <a:noFill/>
+        </p:spPr>
+        <p:txBody>
+          <a:bodyPr wrap="square" rtlCol="0">
+            <a:spAutoFit/>
+          </a:bodyPr>
+          <a:lstStyle/>
+          <a:p>
+            <a:r>
+              <a:rPr lang="en-US" sz="1400"/>
+              <a:t>house:    833 County Road 94, Hankins, NY 12741</a:t>
+            </a:r>
+          </a:p>
+        </p:txBody>
+      </p:sp>
+    </p:spTree>
+    <p:extLst>
+      <p:ext uri="{BB962C8B-B14F-4D97-AF65-F5344CB8AC3E}">
+        <p14:creationId xmlns:p14="http://schemas.microsoft.com/office/powerpoint/2010/main" val="2752843417"/>
+      </p:ext>
+    </p:extLst>
+  </p:cSld>
+  <p:clrMapOvr>
+    <a:masterClrMapping/>
+  </p:clrMapOvr>
+</p:sld>
+</file>
+
+<file path=ppt/slides/slide13.xml><?xml version="1.0" encoding="utf-8"?>
+<p:sld xmlns:a="http://schemas.openxmlformats.org/drawingml/2006/main" xmlns:r="http://schemas.openxmlformats.org/officeDocument/2006/relationships" xmlns:p="http://schemas.openxmlformats.org/presentationml/2006/main">
+  <p:cSld>
+    <p:spTree>
+      <p:nvGrpSpPr>
+        <p:cNvPr id="1" name=""/>
+        <p:cNvGrpSpPr/>
+        <p:nvPr/>
+      </p:nvGrpSpPr>
+      <p:grpSpPr>
+        <a:xfrm>
+          <a:off x="0" y="0"/>
+          <a:ext cx="0" cy="0"/>
+          <a:chOff x="0" y="0"/>
+          <a:chExt cx="0" cy="0"/>
+        </a:xfrm>
+      </p:grpSpPr>
+      <p:sp>
+        <p:nvSpPr>
+          <p:cNvPr id="2" name="TextBox 1">
+            <a:extLst>
+              <a:ext uri="{FF2B5EF4-FFF2-40B4-BE49-F238E27FC236}">
+                <a16:creationId xmlns:a16="http://schemas.microsoft.com/office/drawing/2014/main" id="{D308FFA0-AADB-1699-B48F-B7D845A314D0}"/>
+              </a:ext>
+            </a:extLst>
+          </p:cNvPr>
+          <p:cNvSpPr txBox="1"/>
+          <p:nvPr/>
+        </p:nvSpPr>
+        <p:spPr>
+          <a:xfrm>
+            <a:off x="0" y="44750"/>
+            <a:ext cx="4343400" cy="523220"/>
+          </a:xfrm>
+          <a:prstGeom prst="rect">
+            <a:avLst/>
+          </a:prstGeom>
+          <a:noFill/>
+        </p:spPr>
+        <p:txBody>
+          <a:bodyPr wrap="square" rtlCol="0">
+            <a:spAutoFit/>
+          </a:bodyPr>
+          <a:lstStyle/>
+          <a:p>
+            <a:r>
+              <a:rPr lang="en-US" sz="2800" b="1"/>
+              <a:t>Aqua-Pure Servicing</a:t>
+            </a:r>
+          </a:p>
+        </p:txBody>
+      </p:sp>
+      <p:sp>
+        <p:nvSpPr>
+          <p:cNvPr id="3" name="TextBox 2">
+            <a:extLst>
+              <a:ext uri="{FF2B5EF4-FFF2-40B4-BE49-F238E27FC236}">
+                <a16:creationId xmlns:a16="http://schemas.microsoft.com/office/drawing/2014/main" id="{ED286314-8112-409C-7296-CB50A125B66E}"/>
+              </a:ext>
+            </a:extLst>
+          </p:cNvPr>
+          <p:cNvSpPr txBox="1"/>
+          <p:nvPr/>
+        </p:nvSpPr>
+        <p:spPr>
+          <a:xfrm>
+            <a:off x="7412887" y="837098"/>
+            <a:ext cx="4207614" cy="3754874"/>
+          </a:xfrm>
+          <a:prstGeom prst="rect">
+            <a:avLst/>
+          </a:prstGeom>
+          <a:solidFill>
+            <a:schemeClr val="accent4">
+              <a:lumMod val="20000"/>
+              <a:lumOff val="80000"/>
+            </a:schemeClr>
+          </a:solidFill>
+          <a:ln>
+            <a:solidFill>
+              <a:srgbClr val="FF0000"/>
+            </a:solidFill>
+          </a:ln>
+        </p:spPr>
+        <p:txBody>
+          <a:bodyPr wrap="square" rtlCol="0">
+            <a:spAutoFit/>
+          </a:bodyPr>
+          <a:lstStyle>
+            <a:defPPr>
+              <a:defRPr lang="en-US"/>
+            </a:defPPr>
+            <a:lvl1pPr>
+              <a:defRPr sz="1400"/>
+            </a:lvl1pPr>
+          </a:lstStyle>
+          <a:p>
+            <a:r>
+              <a:rPr lang="en-US"/>
+              <a:t>Recommendations by Cornell Cooperative Extension</a:t>
+            </a:r>
+          </a:p>
+          <a:p>
+            <a:r>
+              <a:rPr lang="en-US">
+                <a:hlinkClick r:id="rId2"/>
+              </a:rPr>
+              <a:t>http://genesee.cce.cornell.edu/your-home/well-water</a:t>
+            </a:r>
+            <a:endParaRPr lang="en-US"/>
+          </a:p>
+          <a:p>
+            <a:endParaRPr lang="en-US"/>
+          </a:p>
+          <a:p>
+            <a:r>
+              <a:rPr lang="en-US"/>
+              <a:t>==============================</a:t>
+            </a:r>
+          </a:p>
+          <a:p>
+            <a:r>
+              <a:rPr lang="en-US"/>
+              <a:t>AG Environmental/Sullivan County Labs </a:t>
+            </a:r>
+          </a:p>
+          <a:p>
+            <a:r>
+              <a:rPr lang="en-US"/>
+              <a:t>.. </a:t>
+            </a:r>
+            <a:r>
+              <a:rPr lang="en-US">
+                <a:hlinkClick r:id="rId3"/>
+              </a:rPr>
+              <a:t>https://www.sullivancountylabs.com</a:t>
+            </a:r>
+            <a:endParaRPr lang="en-US"/>
+          </a:p>
+          <a:p>
+            <a:endParaRPr lang="en-US"/>
+          </a:p>
+          <a:p>
+            <a:r>
+              <a:rPr lang="en-US" b="1">
+                <a:solidFill>
+                  <a:srgbClr val="00B050"/>
+                </a:solidFill>
+              </a:rPr>
+              <a:t>AG ENVIRONMENTAL RSC LLC</a:t>
+            </a:r>
+          </a:p>
+          <a:p>
+            <a:r>
+              <a:rPr lang="en-US"/>
+              <a:t> DBA </a:t>
+            </a:r>
+            <a:r>
+              <a:rPr lang="en-US" b="1">
+                <a:solidFill>
+                  <a:srgbClr val="FF0000"/>
+                </a:solidFill>
+              </a:rPr>
+              <a:t>SULLIVAN COUNTY LABS</a:t>
+            </a:r>
+          </a:p>
+          <a:p>
+            <a:r>
+              <a:rPr lang="en-US"/>
+              <a:t>86 Queen Mountain Rd, Ferndale, NY 12734</a:t>
+            </a:r>
+          </a:p>
+          <a:p>
+            <a:r>
+              <a:rPr lang="en-US"/>
+              <a:t>(845) 704-8151</a:t>
+            </a:r>
+          </a:p>
+          <a:p>
+            <a:endParaRPr lang="en-US"/>
+          </a:p>
+          <a:p>
+            <a:r>
+              <a:rPr lang="en-US"/>
+              <a:t>==============================</a:t>
+            </a:r>
+          </a:p>
+          <a:p>
+            <a:r>
+              <a:rPr lang="en-US"/>
+              <a:t>Valley Water Services</a:t>
+            </a:r>
+          </a:p>
+          <a:p>
+            <a:r>
+              <a:rPr lang="en-US">
+                <a:hlinkClick r:id="rId4"/>
+              </a:rPr>
+              <a:t>https://valley-water.com/contact/</a:t>
+            </a:r>
+            <a:endParaRPr lang="en-US"/>
+          </a:p>
+          <a:p>
+            <a:r>
+              <a:rPr lang="en-US"/>
+              <a:t>845-887-4770 Kristen</a:t>
+            </a:r>
+          </a:p>
+          <a:p>
+            <a:r>
+              <a:rPr lang="en-US"/>
+              <a:t>info@valley-water.com</a:t>
+            </a:r>
+          </a:p>
+        </p:txBody>
+      </p:sp>
+      <p:sp>
+        <p:nvSpPr>
+          <p:cNvPr id="4" name="TextBox 3">
+            <a:extLst>
+              <a:ext uri="{FF2B5EF4-FFF2-40B4-BE49-F238E27FC236}">
+                <a16:creationId xmlns:a16="http://schemas.microsoft.com/office/drawing/2014/main" id="{E7FF1618-3796-17D8-014C-F7448BC65CE7}"/>
+              </a:ext>
+            </a:extLst>
+          </p:cNvPr>
+          <p:cNvSpPr txBox="1"/>
+          <p:nvPr/>
+        </p:nvSpPr>
+        <p:spPr>
+          <a:xfrm>
+            <a:off x="223156" y="837098"/>
+            <a:ext cx="2242458" cy="1169551"/>
+          </a:xfrm>
+          <a:prstGeom prst="rect">
+            <a:avLst/>
+          </a:prstGeom>
+          <a:solidFill>
+            <a:schemeClr val="accent4">
+              <a:lumMod val="20000"/>
+              <a:lumOff val="80000"/>
+            </a:schemeClr>
+          </a:solidFill>
+          <a:ln>
+            <a:solidFill>
+              <a:srgbClr val="FF0000"/>
+            </a:solidFill>
+          </a:ln>
+        </p:spPr>
+        <p:txBody>
+          <a:bodyPr wrap="square" rtlCol="0">
+            <a:spAutoFit/>
+          </a:bodyPr>
+          <a:lstStyle>
+            <a:defPPr>
+              <a:defRPr lang="en-US"/>
+            </a:defPPr>
+            <a:lvl1pPr>
+              <a:defRPr sz="1400"/>
+            </a:lvl1pPr>
+          </a:lstStyle>
+          <a:p>
+            <a:r>
+              <a:rPr lang="en-US"/>
+              <a:t>Plumber</a:t>
+            </a:r>
+          </a:p>
+          <a:p>
+            <a:r>
+              <a:rPr lang="en-US"/>
+              <a:t>DJS Plumbing</a:t>
+            </a:r>
+          </a:p>
+          <a:p>
+            <a:r>
+              <a:rPr lang="en-US">
+                <a:hlinkClick r:id="rId5"/>
+              </a:rPr>
+              <a:t>http://www.djsph.com</a:t>
+            </a:r>
+            <a:endParaRPr lang="en-US"/>
+          </a:p>
+          <a:p>
+            <a:r>
+              <a:rPr lang="en-US"/>
+              <a:t>Phone number</a:t>
+            </a:r>
+          </a:p>
+          <a:p>
+            <a:r>
+              <a:rPr lang="en-US"/>
+              <a:t>(845) 887-6309</a:t>
+            </a:r>
+          </a:p>
+        </p:txBody>
+      </p:sp>
+      <p:sp>
+        <p:nvSpPr>
+          <p:cNvPr id="5" name="TextBox 4">
+            <a:extLst>
+              <a:ext uri="{FF2B5EF4-FFF2-40B4-BE49-F238E27FC236}">
+                <a16:creationId xmlns:a16="http://schemas.microsoft.com/office/drawing/2014/main" id="{BE4501C0-7A38-778A-3EB0-EE4A7ADE3179}"/>
+              </a:ext>
+            </a:extLst>
+          </p:cNvPr>
+          <p:cNvSpPr txBox="1"/>
+          <p:nvPr/>
+        </p:nvSpPr>
+        <p:spPr>
+          <a:xfrm>
+            <a:off x="223156" y="3445329"/>
+            <a:ext cx="5023757" cy="1600438"/>
+          </a:xfrm>
+          <a:prstGeom prst="rect">
+            <a:avLst/>
+          </a:prstGeom>
+          <a:solidFill>
+            <a:schemeClr val="accent4">
+              <a:lumMod val="20000"/>
+              <a:lumOff val="80000"/>
+            </a:schemeClr>
+          </a:solidFill>
+          <a:ln>
+            <a:solidFill>
+              <a:srgbClr val="FF0000"/>
+            </a:solidFill>
+          </a:ln>
+        </p:spPr>
+        <p:txBody>
+          <a:bodyPr wrap="square" rtlCol="0">
+            <a:spAutoFit/>
+          </a:bodyPr>
+          <a:lstStyle>
+            <a:defPPr>
+              <a:defRPr lang="en-US"/>
+            </a:defPPr>
+            <a:lvl1pPr>
+              <a:defRPr sz="1400"/>
+            </a:lvl1pPr>
+          </a:lstStyle>
+          <a:p>
+            <a:r>
+              <a:rPr lang="en-US"/>
+              <a:t>The address in contract:</a:t>
+            </a:r>
+          </a:p>
+          <a:p>
+            <a:r>
+              <a:rPr lang="en-US"/>
+              <a:t>  house:    833 County Road 94, Hankins, NY 12741</a:t>
+            </a:r>
+          </a:p>
+          <a:p>
+            <a:r>
+              <a:rPr lang="en-US"/>
+              <a:t>  barn:     829 County Road 94, Hankins, NY 12741</a:t>
+            </a:r>
+          </a:p>
+          <a:p>
+            <a:endParaRPr lang="en-US"/>
+          </a:p>
+          <a:p>
+            <a:r>
+              <a:rPr lang="en-US"/>
+              <a:t>Former Owners: </a:t>
+            </a:r>
+          </a:p>
+          <a:p>
+            <a:r>
+              <a:rPr lang="en-US"/>
+              <a:t>  Vincent A. Shursky :</a:t>
+            </a:r>
+          </a:p>
+          <a:p>
+            <a:r>
+              <a:rPr lang="en-US"/>
+              <a:t>  Susanne M. Shursky : 845-796-8050</a:t>
+            </a:r>
+          </a:p>
+        </p:txBody>
+      </p:sp>
+    </p:spTree>
+    <p:extLst>
+      <p:ext uri="{BB962C8B-B14F-4D97-AF65-F5344CB8AC3E}">
+        <p14:creationId xmlns:p14="http://schemas.microsoft.com/office/powerpoint/2010/main" val="2429658463"/>
+      </p:ext>
+    </p:extLst>
+  </p:cSld>
+  <p:clrMapOvr>
+    <a:masterClrMapping/>
+  </p:clrMapOvr>
+</p:sld>
+</file>
+
+<file path=ppt/slides/slide14.xml><?xml version="1.0" encoding="utf-8"?>
+<p:sld xmlns:a="http://schemas.openxmlformats.org/drawingml/2006/main" xmlns:r="http://schemas.openxmlformats.org/officeDocument/2006/relationships" xmlns:p="http://schemas.openxmlformats.org/presentationml/2006/main">
+  <p:cSld>
+    <p:spTree>
+      <p:nvGrpSpPr>
+        <p:cNvPr id="1" name=""/>
+        <p:cNvGrpSpPr/>
+        <p:nvPr/>
+      </p:nvGrpSpPr>
+      <p:grpSpPr>
+        <a:xfrm>
+          <a:off x="0" y="0"/>
+          <a:ext cx="0" cy="0"/>
+          <a:chOff x="0" y="0"/>
+          <a:chExt cx="0" cy="0"/>
+        </a:xfrm>
+      </p:grpSpPr>
+      <p:sp>
+        <p:nvSpPr>
+          <p:cNvPr id="2" name="TextBox 1">
+            <a:extLst>
+              <a:ext uri="{FF2B5EF4-FFF2-40B4-BE49-F238E27FC236}">
+                <a16:creationId xmlns:a16="http://schemas.microsoft.com/office/drawing/2014/main" id="{687AC363-7627-6402-F57E-1B785C4DA2A1}"/>
+              </a:ext>
+            </a:extLst>
+          </p:cNvPr>
+          <p:cNvSpPr txBox="1"/>
+          <p:nvPr/>
+        </p:nvSpPr>
+        <p:spPr>
+          <a:xfrm>
+            <a:off x="0" y="0"/>
+            <a:ext cx="6350443" cy="666786"/>
+          </a:xfrm>
+          <a:prstGeom prst="rect">
+            <a:avLst/>
+          </a:prstGeom>
+          <a:noFill/>
+        </p:spPr>
+        <p:txBody>
+          <a:bodyPr wrap="square" rtlCol="0">
+            <a:spAutoFit/>
+          </a:bodyPr>
+          <a:lstStyle/>
+          <a:p>
+            <a:r>
+              <a:rPr lang="en-US" sz="3733" b="1"/>
+              <a:t>Water Filter under sink</a:t>
+            </a:r>
+          </a:p>
+        </p:txBody>
+      </p:sp>
+      <p:sp>
+        <p:nvSpPr>
+          <p:cNvPr id="6" name="TextBox 5">
+            <a:extLst>
+              <a:ext uri="{FF2B5EF4-FFF2-40B4-BE49-F238E27FC236}">
+                <a16:creationId xmlns:a16="http://schemas.microsoft.com/office/drawing/2014/main" id="{0B3D246B-C6D4-845C-1A20-2ADB2087AB1D}"/>
+              </a:ext>
+            </a:extLst>
+          </p:cNvPr>
+          <p:cNvSpPr txBox="1"/>
+          <p:nvPr/>
+        </p:nvSpPr>
+        <p:spPr>
+          <a:xfrm>
+            <a:off x="169109" y="925751"/>
+            <a:ext cx="6732731" cy="1169551"/>
+          </a:xfrm>
+          <a:prstGeom prst="rect">
+            <a:avLst/>
+          </a:prstGeom>
+          <a:solidFill>
+            <a:schemeClr val="accent4">
+              <a:lumMod val="20000"/>
+              <a:lumOff val="80000"/>
+            </a:schemeClr>
+          </a:solidFill>
+          <a:ln>
+            <a:solidFill>
+              <a:srgbClr val="FF0000"/>
+            </a:solidFill>
+          </a:ln>
+        </p:spPr>
+        <p:txBody>
+          <a:bodyPr wrap="square" rtlCol="0">
+            <a:spAutoFit/>
+          </a:bodyPr>
+          <a:lstStyle/>
+          <a:p>
+            <a:pPr marL="380990" indent="-380990">
+              <a:buFont typeface="Arial" panose="020B0604020202020204" pitchFamily="34" charset="0"/>
+              <a:buChar char="•"/>
+            </a:pPr>
+            <a:r>
+              <a:rPr lang="en-US" sz="1400">
+                <a:latin typeface="Calibri" panose="020F0502020204030204" pitchFamily="34" charset="0"/>
+                <a:cs typeface="Calibri" panose="020F0502020204030204" pitchFamily="34" charset="0"/>
+              </a:rPr>
+              <a:t>High quality, designed, engineered and assembled in the USA</a:t>
+            </a:r>
+          </a:p>
+          <a:p>
+            <a:pPr marL="380990" indent="-380990">
+              <a:buFont typeface="Arial" panose="020B0604020202020204" pitchFamily="34" charset="0"/>
+              <a:buChar char="•"/>
+            </a:pPr>
+            <a:r>
+              <a:rPr lang="en-US" sz="1400">
+                <a:latin typeface="Calibri" panose="020F0502020204030204" pitchFamily="34" charset="0"/>
+                <a:cs typeface="Calibri" panose="020F0502020204030204" pitchFamily="34" charset="0"/>
+              </a:rPr>
+              <a:t>System built with US MADE super capacity filters (long lasting for tap/well water)</a:t>
+            </a:r>
+          </a:p>
+          <a:p>
+            <a:pPr marL="380990" indent="-380990">
+              <a:buFont typeface="Arial" panose="020B0604020202020204" pitchFamily="34" charset="0"/>
+              <a:buChar char="•"/>
+            </a:pPr>
+            <a:r>
+              <a:rPr lang="en-US" sz="1400">
+                <a:latin typeface="Calibri" panose="020F0502020204030204" pitchFamily="34" charset="0"/>
+                <a:cs typeface="Calibri" panose="020F0502020204030204" pitchFamily="34" charset="0"/>
+              </a:rPr>
+              <a:t>Effectively remove chemicals (i.e. chlorine), taste and odors. </a:t>
+            </a:r>
+          </a:p>
+          <a:p>
+            <a:pPr marL="380990" indent="-380990">
+              <a:buFont typeface="Arial" panose="020B0604020202020204" pitchFamily="34" charset="0"/>
+              <a:buChar char="•"/>
+            </a:pPr>
+            <a:r>
+              <a:rPr lang="en-US" sz="1400">
+                <a:latin typeface="Calibri" panose="020F0502020204030204" pitchFamily="34" charset="0"/>
+                <a:cs typeface="Calibri" panose="020F0502020204030204" pitchFamily="34" charset="0"/>
+              </a:rPr>
+              <a:t>NOT designed for TDS removal (TDS = Total Dissolved Solids, mostly inorganic salts)</a:t>
+            </a:r>
+          </a:p>
+          <a:p>
+            <a:pPr marL="380990" indent="-380990">
+              <a:buFont typeface="Arial" panose="020B0604020202020204" pitchFamily="34" charset="0"/>
+              <a:buChar char="•"/>
+            </a:pPr>
+            <a:r>
+              <a:rPr lang="en-US" sz="1400">
+                <a:latin typeface="Calibri" panose="020F0502020204030204" pitchFamily="34" charset="0"/>
+                <a:cs typeface="Calibri" panose="020F0502020204030204" pitchFamily="34" charset="0"/>
+              </a:rPr>
+              <a:t>Feed Water Pressure 20-85 psi</a:t>
+            </a:r>
+          </a:p>
+        </p:txBody>
+      </p:sp>
+      <p:pic>
+        <p:nvPicPr>
+          <p:cNvPr id="3" name="Picture 2">
+            <a:extLst>
+              <a:ext uri="{FF2B5EF4-FFF2-40B4-BE49-F238E27FC236}">
+                <a16:creationId xmlns:a16="http://schemas.microsoft.com/office/drawing/2014/main" id="{540F9D71-967A-4FC2-0617-46A559CBDD37}"/>
+              </a:ext>
+            </a:extLst>
+          </p:cNvPr>
+          <p:cNvPicPr>
+            <a:picLocks noChangeAspect="1"/>
+          </p:cNvPicPr>
+          <p:nvPr/>
+        </p:nvPicPr>
+        <p:blipFill>
+          <a:blip r:embed="rId2" cstate="email">
+            <a:extLst>
+              <a:ext uri="{28A0092B-C50C-407E-A947-70E740481C1C}">
+                <a14:useLocalDpi xmlns:a14="http://schemas.microsoft.com/office/drawing/2010/main"/>
+              </a:ext>
+            </a:extLst>
+          </a:blip>
+          <a:stretch>
+            <a:fillRect/>
+          </a:stretch>
+        </p:blipFill>
+        <p:spPr>
+          <a:xfrm>
+            <a:off x="7527236" y="348814"/>
+            <a:ext cx="4327053" cy="3550797"/>
+          </a:xfrm>
+          <a:prstGeom prst="rect">
+            <a:avLst/>
+          </a:prstGeom>
+        </p:spPr>
+      </p:pic>
+      <p:sp>
+        <p:nvSpPr>
+          <p:cNvPr id="7" name="TextBox 6">
+            <a:extLst>
+              <a:ext uri="{FF2B5EF4-FFF2-40B4-BE49-F238E27FC236}">
+                <a16:creationId xmlns:a16="http://schemas.microsoft.com/office/drawing/2014/main" id="{18C74B23-E624-FDE1-E534-36B260714739}"/>
+              </a:ext>
+            </a:extLst>
+          </p:cNvPr>
+          <p:cNvSpPr txBox="1"/>
+          <p:nvPr/>
+        </p:nvSpPr>
+        <p:spPr>
+          <a:xfrm>
+            <a:off x="7824084" y="4033829"/>
+            <a:ext cx="4166483" cy="1138966"/>
+          </a:xfrm>
+          <a:prstGeom prst="rect">
+            <a:avLst/>
+          </a:prstGeom>
+          <a:noFill/>
+        </p:spPr>
+        <p:txBody>
+          <a:bodyPr wrap="square" rtlCol="0">
+            <a:spAutoFit/>
+          </a:bodyPr>
+          <a:lstStyle/>
+          <a:p>
+            <a:pPr algn="ctr"/>
+            <a:r>
+              <a:rPr lang="en-US" sz="1867"/>
+              <a:t>APEC Water Systems WFS-1000</a:t>
+            </a:r>
+          </a:p>
+          <a:p>
+            <a:pPr algn="ctr"/>
+            <a:r>
+              <a:rPr lang="en-US" sz="1867"/>
+              <a:t>3 Stage Under-Sink Water Filter System</a:t>
+            </a:r>
+          </a:p>
+          <a:p>
+            <a:pPr algn="ctr"/>
+            <a:r>
+              <a:rPr lang="en-US" sz="1867"/>
+              <a:t>$140</a:t>
+            </a:r>
+          </a:p>
+          <a:p>
+            <a:pPr algn="ctr"/>
+            <a:r>
+              <a:rPr lang="en-US" sz="1200">
+                <a:hlinkClick r:id="rId3"/>
+              </a:rPr>
+              <a:t>https://www.amazon.com/gp/product/B00TT9I2PS/</a:t>
+            </a:r>
+            <a:endParaRPr lang="en-US" sz="1200"/>
+          </a:p>
+        </p:txBody>
+      </p:sp>
+      <p:sp>
+        <p:nvSpPr>
+          <p:cNvPr id="8" name="TextBox 7">
+            <a:extLst>
+              <a:ext uri="{FF2B5EF4-FFF2-40B4-BE49-F238E27FC236}">
+                <a16:creationId xmlns:a16="http://schemas.microsoft.com/office/drawing/2014/main" id="{5FDCC917-1F6E-A479-54F5-04719F37682F}"/>
+              </a:ext>
+            </a:extLst>
+          </p:cNvPr>
+          <p:cNvSpPr txBox="1"/>
+          <p:nvPr/>
+        </p:nvSpPr>
+        <p:spPr>
+          <a:xfrm>
+            <a:off x="2030010" y="3002874"/>
+            <a:ext cx="4746572" cy="1600438"/>
+          </a:xfrm>
+          <a:prstGeom prst="rect">
+            <a:avLst/>
+          </a:prstGeom>
+          <a:solidFill>
+            <a:schemeClr val="accent4">
+              <a:lumMod val="20000"/>
+              <a:lumOff val="80000"/>
+            </a:schemeClr>
+          </a:solidFill>
+          <a:ln>
+            <a:solidFill>
+              <a:srgbClr val="FF0000"/>
+            </a:solidFill>
+          </a:ln>
+        </p:spPr>
+        <p:txBody>
+          <a:bodyPr wrap="square" rtlCol="0">
+            <a:spAutoFit/>
+          </a:bodyPr>
+          <a:lstStyle/>
+          <a:p>
+            <a:r>
+              <a:rPr lang="en-US" sz="1400">
+                <a:latin typeface="Calibri" panose="020F0502020204030204" pitchFamily="34" charset="0"/>
+                <a:cs typeface="Calibri" panose="020F0502020204030204" pitchFamily="34" charset="0"/>
+              </a:rPr>
+              <a:t>Installed July 2022</a:t>
+            </a:r>
+          </a:p>
+          <a:p>
+            <a:r>
+              <a:rPr lang="en-US" sz="1400">
+                <a:latin typeface="Calibri" panose="020F0502020204030204" pitchFamily="34" charset="0"/>
+                <a:cs typeface="Calibri" panose="020F0502020204030204" pitchFamily="34" charset="0"/>
+              </a:rPr>
+              <a:t>Filters last 1 year</a:t>
+            </a:r>
+          </a:p>
+          <a:p>
+            <a:endParaRPr lang="en-US" sz="1400">
+              <a:latin typeface="Calibri" panose="020F0502020204030204" pitchFamily="34" charset="0"/>
+              <a:cs typeface="Calibri" panose="020F0502020204030204" pitchFamily="34" charset="0"/>
+            </a:endParaRPr>
+          </a:p>
+          <a:p>
+            <a:r>
+              <a:rPr lang="en-US" sz="1400">
+                <a:latin typeface="Calibri" panose="020F0502020204030204" pitchFamily="34" charset="0"/>
+                <a:cs typeface="Calibri" panose="020F0502020204030204" pitchFamily="34" charset="0"/>
+              </a:rPr>
+              <a:t>Three filters:</a:t>
+            </a:r>
+          </a:p>
+          <a:p>
+            <a:pPr marL="380990" indent="-380990">
+              <a:buFont typeface="Arial" panose="020B0604020202020204" pitchFamily="34" charset="0"/>
+              <a:buChar char="•"/>
+            </a:pPr>
+            <a:r>
+              <a:rPr lang="en-US" sz="1400">
+                <a:latin typeface="Calibri" panose="020F0502020204030204" pitchFamily="34" charset="0"/>
+                <a:cs typeface="Calibri" panose="020F0502020204030204" pitchFamily="34" charset="0"/>
+              </a:rPr>
+              <a:t>Stage1: 1-SED10 - 5 micron polypropylene filter</a:t>
+            </a:r>
+          </a:p>
+          <a:p>
+            <a:pPr marL="380990" indent="-380990">
+              <a:buFont typeface="Arial" panose="020B0604020202020204" pitchFamily="34" charset="0"/>
+              <a:buChar char="•"/>
+            </a:pPr>
+            <a:r>
+              <a:rPr lang="en-US" sz="1400">
+                <a:latin typeface="Calibri" panose="020F0502020204030204" pitchFamily="34" charset="0"/>
+                <a:cs typeface="Calibri" panose="020F0502020204030204" pitchFamily="34" charset="0"/>
+              </a:rPr>
+              <a:t>Stage2: 23-CAB10 - 10" Extruded Carbon Block Filter</a:t>
+            </a:r>
+          </a:p>
+          <a:p>
+            <a:pPr marL="380990" indent="-380990">
+              <a:buFont typeface="Arial" panose="020B0604020202020204" pitchFamily="34" charset="0"/>
+              <a:buChar char="•"/>
+            </a:pPr>
+            <a:r>
+              <a:rPr lang="en-US" sz="1400">
+                <a:latin typeface="Calibri" panose="020F0502020204030204" pitchFamily="34" charset="0"/>
+                <a:cs typeface="Calibri" panose="020F0502020204030204" pitchFamily="34" charset="0"/>
+              </a:rPr>
+              <a:t>Stage3: 23-CAB10 - 10" Extruded Carbon Block Filter</a:t>
+            </a:r>
+          </a:p>
+        </p:txBody>
+      </p:sp>
+    </p:spTree>
+    <p:extLst>
+      <p:ext uri="{BB962C8B-B14F-4D97-AF65-F5344CB8AC3E}">
+        <p14:creationId xmlns:p14="http://schemas.microsoft.com/office/powerpoint/2010/main" val="841536658"/>
+      </p:ext>
+    </p:extLst>
+  </p:cSld>
+  <p:clrMapOvr>
+    <a:masterClrMapping/>
+  </p:clrMapOvr>
+</p:sld>
+</file>
+
+<file path=ppt/slides/slide15.xml><?xml version="1.0" encoding="utf-8"?>
+<p:sld xmlns:a="http://schemas.openxmlformats.org/drawingml/2006/main" xmlns:r="http://schemas.openxmlformats.org/officeDocument/2006/relationships" xmlns:p="http://schemas.openxmlformats.org/presentationml/2006/main">
+  <p:cSld>
+    <p:spTree>
+      <p:nvGrpSpPr>
+        <p:cNvPr id="1" name=""/>
+        <p:cNvGrpSpPr/>
+        <p:nvPr/>
+      </p:nvGrpSpPr>
+      <p:grpSpPr>
+        <a:xfrm>
+          <a:off x="0" y="0"/>
+          <a:ext cx="0" cy="0"/>
+          <a:chOff x="0" y="0"/>
+          <a:chExt cx="0" cy="0"/>
+        </a:xfrm>
+      </p:grpSpPr>
+      <p:sp>
+        <p:nvSpPr>
+          <p:cNvPr id="2" name="TextBox 1">
+            <a:extLst>
+              <a:ext uri="{FF2B5EF4-FFF2-40B4-BE49-F238E27FC236}">
                 <a16:creationId xmlns:a16="http://schemas.microsoft.com/office/drawing/2014/main" id="{BE8C4478-0E75-EC09-B6E7-896C1A54BE64}"/>
               </a:ext>
             </a:extLst>
@@ -5909,7 +7000,7 @@
         <p:cNvPr id="1" name="">
           <a:extLst>
             <a:ext uri="{FF2B5EF4-FFF2-40B4-BE49-F238E27FC236}">
-              <a16:creationId xmlns:a16="http://schemas.microsoft.com/office/drawing/2014/main" id="{D4910259-B951-43D6-BB0A-27FB545096B9}"/>
+              <a16:creationId xmlns:a16="http://schemas.microsoft.com/office/drawing/2014/main" id="{2CB8C1AF-D0CC-2C3B-4CDB-AF8283CBBA31}"/>
             </a:ext>
           </a:extLst>
         </p:cNvPr>
@@ -5929,7 +7020,7 @@
           <p:cNvPr id="2" name="TextBox 1">
             <a:extLst>
               <a:ext uri="{FF2B5EF4-FFF2-40B4-BE49-F238E27FC236}">
-                <a16:creationId xmlns:a16="http://schemas.microsoft.com/office/drawing/2014/main" id="{BC1A1A83-05E2-7AD8-D698-5FADB2740DFF}"/>
+                <a16:creationId xmlns:a16="http://schemas.microsoft.com/office/drawing/2014/main" id="{9984C72E-5618-A643-3AF2-AE80A75D076C}"/>
               </a:ext>
             </a:extLst>
           </p:cNvPr>
@@ -5938,8 +7029,8 @@
         </p:nvSpPr>
         <p:spPr>
           <a:xfrm>
-            <a:off x="1" y="79785"/>
-            <a:ext cx="3815254" cy="461665"/>
+            <a:off x="0" y="79785"/>
+            <a:ext cx="6095999" cy="461665"/>
           </a:xfrm>
           <a:prstGeom prst="rect">
             <a:avLst/>
@@ -5961,17 +7052,17 @@
                 <a:effectLst/>
                 <a:latin typeface="Roboto" panose="02000000000000000000" pitchFamily="2" charset="0"/>
               </a:rPr>
-              <a:t>Whole House Water Filter</a:t>
-            </a:r>
-          </a:p>
-        </p:txBody>
-      </p:sp>
-      <p:sp>
-        <p:nvSpPr>
-          <p:cNvPr id="5" name="TextBox 4">
-            <a:extLst>
-              <a:ext uri="{FF2B5EF4-FFF2-40B4-BE49-F238E27FC236}">
-                <a16:creationId xmlns:a16="http://schemas.microsoft.com/office/drawing/2014/main" id="{FBF0692C-F885-D578-CB9B-76F234462292}"/>
+              <a:t>Water flow measuring and shut-off</a:t>
+            </a:r>
+          </a:p>
+        </p:txBody>
+      </p:sp>
+      <p:sp>
+        <p:nvSpPr>
+          <p:cNvPr id="7" name="TextBox 6">
+            <a:extLst>
+              <a:ext uri="{FF2B5EF4-FFF2-40B4-BE49-F238E27FC236}">
+                <a16:creationId xmlns:a16="http://schemas.microsoft.com/office/drawing/2014/main" id="{D8BA46DD-D82D-B899-F469-17B86068A2B8}"/>
               </a:ext>
             </a:extLst>
           </p:cNvPr>
@@ -5980,222 +7071,8 @@
         </p:nvSpPr>
         <p:spPr>
           <a:xfrm>
-            <a:off x="88556" y="541450"/>
-            <a:ext cx="4610911" cy="1955022"/>
-          </a:xfrm>
-          <a:prstGeom prst="rect">
-            <a:avLst/>
-          </a:prstGeom>
-          <a:noFill/>
-        </p:spPr>
-        <p:txBody>
-          <a:bodyPr wrap="square" rtlCol="0">
-            <a:spAutoFit/>
-          </a:bodyPr>
-          <a:lstStyle/>
-          <a:p>
-            <a:pPr rtl="0">
-              <a:lnSpc>
-                <a:spcPts val="2100"/>
-              </a:lnSpc>
-            </a:pPr>
-            <a:r>
-              <a:rPr lang="en-US" sz="1400" b="0" i="0" dirty="0">
-                <a:solidFill>
-                  <a:srgbClr val="202020"/>
-                </a:solidFill>
-                <a:effectLst/>
-                <a:latin typeface="helvetica-neue"/>
-              </a:rPr>
-              <a:t>The WH-HD200-C housing 1 inch outlets (with bracket)</a:t>
-            </a:r>
-          </a:p>
-          <a:p>
-            <a:pPr rtl="0">
-              <a:lnSpc>
-                <a:spcPts val="2100"/>
-              </a:lnSpc>
-            </a:pPr>
-            <a:r>
-              <a:rPr lang="en-US" sz="1400" b="0" i="0" dirty="0">
-                <a:effectLst/>
-                <a:latin typeface="Roboto" panose="02000000000000000000" pitchFamily="2" charset="0"/>
-                <a:hlinkClick r:id="rId3"/>
-              </a:rPr>
-              <a:t>https://www.amazon.com/dp/B01JIRLRXY</a:t>
-            </a:r>
-            <a:r>
-              <a:rPr lang="en-US" sz="1400" b="0" i="0" dirty="0">
-                <a:effectLst/>
-                <a:latin typeface="Roboto" panose="02000000000000000000" pitchFamily="2" charset="0"/>
-              </a:rPr>
-              <a:t> - housing</a:t>
-            </a:r>
-          </a:p>
-          <a:p>
-            <a:pPr rtl="0">
-              <a:lnSpc>
-                <a:spcPts val="2100"/>
-              </a:lnSpc>
-            </a:pPr>
-            <a:endParaRPr lang="en-US" sz="1400" dirty="0">
-              <a:solidFill>
-                <a:srgbClr val="202020"/>
-              </a:solidFill>
-              <a:latin typeface="Roboto" panose="02000000000000000000" pitchFamily="2" charset="0"/>
-            </a:endParaRPr>
-          </a:p>
-          <a:p>
-            <a:pPr rtl="0">
-              <a:lnSpc>
-                <a:spcPts val="2100"/>
-              </a:lnSpc>
-            </a:pPr>
-            <a:r>
-              <a:rPr lang="en-US" sz="1400" dirty="0">
-                <a:solidFill>
-                  <a:srgbClr val="202020"/>
-                </a:solidFill>
-                <a:latin typeface="Roboto" panose="02000000000000000000" pitchFamily="2" charset="0"/>
-              </a:rPr>
-              <a:t>Filter for it:</a:t>
-            </a:r>
-          </a:p>
-          <a:p>
-            <a:pPr>
-              <a:lnSpc>
-                <a:spcPts val="2100"/>
-              </a:lnSpc>
-            </a:pPr>
-            <a:r>
-              <a:rPr lang="en-US" sz="1400" b="0" i="0" dirty="0">
-                <a:solidFill>
-                  <a:srgbClr val="0F1111"/>
-                </a:solidFill>
-                <a:effectLst/>
-                <a:latin typeface="Amazon Ember"/>
-              </a:rPr>
-              <a:t>Culligan RFC-BBSA 25 Micron Whole House Water Filter for Sediment, 10" x 4.5"</a:t>
-            </a:r>
-            <a:endParaRPr lang="en-US" sz="1400" dirty="0">
-              <a:solidFill>
-                <a:srgbClr val="202020"/>
-              </a:solidFill>
-              <a:latin typeface="helvetica-neue"/>
-            </a:endParaRPr>
-          </a:p>
-          <a:p>
-            <a:pPr rtl="0">
-              <a:lnSpc>
-                <a:spcPts val="2100"/>
-              </a:lnSpc>
-            </a:pPr>
-            <a:r>
-              <a:rPr lang="en-US" sz="1400" b="0" i="0" dirty="0">
-                <a:effectLst/>
-                <a:latin typeface="Roboto" panose="02000000000000000000" pitchFamily="2" charset="0"/>
-                <a:hlinkClick r:id="rId4"/>
-              </a:rPr>
-              <a:t>https://www.amazon.com/dp/B000BQN6MM</a:t>
-            </a:r>
-            <a:r>
-              <a:rPr lang="en-US" sz="1400" b="0" i="0" dirty="0">
-                <a:effectLst/>
-                <a:latin typeface="Roboto" panose="02000000000000000000" pitchFamily="2" charset="0"/>
-              </a:rPr>
-              <a:t> – filter</a:t>
-            </a:r>
-          </a:p>
-        </p:txBody>
-      </p:sp>
-      <p:pic>
-        <p:nvPicPr>
-          <p:cNvPr id="3" name="Picture 2">
-            <a:extLst>
-              <a:ext uri="{FF2B5EF4-FFF2-40B4-BE49-F238E27FC236}">
-                <a16:creationId xmlns:a16="http://schemas.microsoft.com/office/drawing/2014/main" id="{D91C048D-7927-9611-FE1D-700A1404B576}"/>
-              </a:ext>
-            </a:extLst>
-          </p:cNvPr>
-          <p:cNvPicPr>
-            <a:picLocks noChangeAspect="1"/>
-          </p:cNvPicPr>
-          <p:nvPr/>
-        </p:nvPicPr>
-        <p:blipFill>
-          <a:blip r:embed="rId5" cstate="email">
-            <a:extLst>
-              <a:ext uri="{28A0092B-C50C-407E-A947-70E740481C1C}">
-                <a14:useLocalDpi xmlns:a14="http://schemas.microsoft.com/office/drawing/2010/main"/>
-              </a:ext>
-            </a:extLst>
-          </a:blip>
-          <a:stretch>
-            <a:fillRect/>
-          </a:stretch>
-        </p:blipFill>
-        <p:spPr>
-          <a:xfrm>
-            <a:off x="142745" y="2601120"/>
-            <a:ext cx="2640013" cy="2830649"/>
-          </a:xfrm>
-          <a:prstGeom prst="rect">
-            <a:avLst/>
-          </a:prstGeom>
-        </p:spPr>
-      </p:pic>
-      <p:pic>
-        <p:nvPicPr>
-          <p:cNvPr id="4" name="Picture 3">
-            <a:extLst>
-              <a:ext uri="{FF2B5EF4-FFF2-40B4-BE49-F238E27FC236}">
-                <a16:creationId xmlns:a16="http://schemas.microsoft.com/office/drawing/2014/main" id="{3BAD0173-9154-3BBA-5C43-D420BDE09A7F}"/>
-              </a:ext>
-            </a:extLst>
-          </p:cNvPr>
-          <p:cNvPicPr>
-            <a:picLocks noChangeAspect="1"/>
-          </p:cNvPicPr>
-          <p:nvPr/>
-        </p:nvPicPr>
-        <p:blipFill>
-          <a:blip r:embed="rId6" cstate="email">
-            <a:extLst>
-              <a:ext uri="{28A0092B-C50C-407E-A947-70E740481C1C}">
-                <a14:useLocalDpi xmlns:a14="http://schemas.microsoft.com/office/drawing/2010/main"/>
-              </a:ext>
-            </a:extLst>
-          </a:blip>
-          <a:stretch>
-            <a:fillRect/>
-          </a:stretch>
-        </p:blipFill>
-        <p:spPr>
-          <a:xfrm>
-            <a:off x="2917927" y="2784726"/>
-            <a:ext cx="1398539" cy="2647043"/>
-          </a:xfrm>
-          <a:prstGeom prst="rect">
-            <a:avLst/>
-          </a:prstGeom>
-        </p:spPr>
-      </p:pic>
-      <p:sp>
-        <p:nvSpPr>
-          <p:cNvPr id="6" name="TextBox 5">
-            <a:extLst>
-              <a:ext uri="{FF2B5EF4-FFF2-40B4-BE49-F238E27FC236}">
-                <a16:creationId xmlns:a16="http://schemas.microsoft.com/office/drawing/2014/main" id="{A46F4889-3D96-8244-593F-C4FCEBC32C4D}"/>
-              </a:ext>
-            </a:extLst>
-          </p:cNvPr>
-          <p:cNvSpPr txBox="1"/>
-          <p:nvPr/>
-        </p:nvSpPr>
-        <p:spPr>
-          <a:xfrm>
-            <a:off x="5412188" y="204806"/>
-            <a:ext cx="6637067" cy="3323987"/>
+            <a:off x="125486" y="635730"/>
+            <a:ext cx="5970514" cy="2031325"/>
           </a:xfrm>
           <a:prstGeom prst="rect">
             <a:avLst/>
@@ -6219,298 +7096,154 @@
           <a:lstStyle/>
           <a:p>
             <a:r>
-              <a:rPr lang="en-US" sz="1400" b="1" dirty="0">
+              <a:rPr lang="en-US" sz="1400" b="0" i="0" dirty="0">
+                <a:solidFill>
+                  <a:srgbClr val="202124"/>
+                </a:solidFill>
+                <a:effectLst/>
+                <a:latin typeface="Roboto" panose="02000000000000000000" pitchFamily="2" charset="0"/>
+              </a:rPr>
+              <a:t>thinking about buying the FLO by Moen:</a:t>
+            </a:r>
+            <a:br>
+              <a:rPr lang="en-US" sz="1400" dirty="0"/>
+            </a:br>
+            <a:endParaRPr lang="en-US" sz="1400" dirty="0"/>
+          </a:p>
+          <a:p>
+            <a:r>
+              <a:rPr lang="en-US" sz="1400" b="0" i="0" dirty="0">
+                <a:solidFill>
+                  <a:srgbClr val="0F1111"/>
+                </a:solidFill>
+                <a:effectLst/>
+                <a:latin typeface="Amazon Ember"/>
+              </a:rPr>
+              <a:t>Moen 900-001 Flo Smart Water Monitor and Automatic Shutoff Sensor, Wi-Fi Water Leak Detector for 3/4-Inch Diameter Pipe - </a:t>
+            </a:r>
+            <a:r>
+              <a:rPr lang="en-US" sz="1400" b="1" i="0" dirty="0">
                 <a:solidFill>
                   <a:srgbClr val="FF0000"/>
                 </a:solidFill>
-              </a:rPr>
-              <a:t>Whole House Water Sediment Filter (25 micron)</a:t>
-            </a:r>
-          </a:p>
-          <a:p>
-            <a:pPr marL="176213" indent="-176213">
-              <a:buFont typeface="Arial" panose="020B0604020202020204" pitchFamily="34" charset="0"/>
-              <a:buChar char="•"/>
-            </a:pPr>
-            <a:r>
+                <a:effectLst/>
+                <a:latin typeface="Amazon Ember"/>
+              </a:rPr>
+              <a:t>$350</a:t>
+            </a:r>
+          </a:p>
+          <a:p>
+            <a:br>
               <a:rPr lang="en-US" sz="1400" dirty="0"/>
-              <a:t>Reduces sediment, dirt, sand, silt, and rust particles down to 25 microns.</a:t>
-            </a:r>
-          </a:p>
-          <a:p>
-            <a:pPr marL="176213" indent="-176213">
-              <a:buFont typeface="Arial" panose="020B0604020202020204" pitchFamily="34" charset="0"/>
-              <a:buChar char="•"/>
-            </a:pPr>
-            <a:r>
+            </a:br>
+            <a:r>
+              <a:rPr lang="en-US" sz="1400" b="0" i="0" dirty="0">
+                <a:effectLst/>
+                <a:latin typeface="Roboto" panose="02000000000000000000" pitchFamily="2" charset="0"/>
+                <a:hlinkClick r:id="rId3"/>
+              </a:rPr>
+              <a:t>https://www.amazon.com/dp/B00C03D01Q</a:t>
+            </a:r>
+            <a:br>
               <a:rPr lang="en-US" sz="1400" dirty="0"/>
-              <a:t>Typically made of polypropylene or similar materials.</a:t>
-            </a:r>
-          </a:p>
-          <a:p>
-            <a:pPr marL="176213" indent="-176213">
-              <a:buFont typeface="Arial" panose="020B0604020202020204" pitchFamily="34" charset="0"/>
-              <a:buChar char="•"/>
-            </a:pPr>
-            <a:r>
+            </a:br>
+            <a:br>
               <a:rPr lang="en-US" sz="1400" dirty="0"/>
-              <a:t>Often used as a first stage in whole house filtration systems.</a:t>
-            </a:r>
-          </a:p>
-          <a:p>
-            <a:pPr marL="176213" indent="-176213">
-              <a:buFont typeface="Arial" panose="020B0604020202020204" pitchFamily="34" charset="0"/>
-              <a:buChar char="•"/>
-            </a:pPr>
-            <a:r>
-              <a:rPr lang="en-US" sz="1400" dirty="0"/>
-              <a:t>Filter life: Usually 3-6 months or 20,000-60,000 gallons, depending on water quality.</a:t>
-            </a:r>
-          </a:p>
-          <a:p>
-            <a:pPr marL="176213" indent="-176213">
-              <a:buFont typeface="Arial" panose="020B0604020202020204" pitchFamily="34" charset="0"/>
-              <a:buChar char="•"/>
-            </a:pPr>
-            <a:r>
-              <a:rPr lang="en-US" sz="1400" dirty="0"/>
-              <a:t>Does not address chemical contaminants or dissolved minerals.</a:t>
-            </a:r>
-          </a:p>
-          <a:p>
-            <a:endParaRPr lang="en-US" sz="1400" dirty="0"/>
-          </a:p>
-          <a:p>
-            <a:r>
-              <a:rPr lang="en-US" sz="1400" b="1" dirty="0">
+            </a:br>
+            <a:r>
+              <a:rPr lang="en-US" sz="1400" b="0" i="0" dirty="0">
                 <a:solidFill>
-                  <a:srgbClr val="FF0000"/>
+                  <a:srgbClr val="202124"/>
                 </a:solidFill>
-              </a:rPr>
-              <a:t>Aqua-Pure Iron and Manganese Reduction System (APIF100DM)</a:t>
-            </a:r>
-          </a:p>
-          <a:p>
-            <a:pPr marL="114300" indent="-114300">
-              <a:buFont typeface="Arial" panose="020B0604020202020204" pitchFamily="34" charset="0"/>
-              <a:buChar char="•"/>
-            </a:pPr>
-            <a:r>
-              <a:rPr lang="en-US" sz="1400" dirty="0"/>
-              <a:t>Reduces iron, manganese, and adjusts </a:t>
-            </a:r>
-            <a:r>
-              <a:rPr lang="en-US" sz="1400" dirty="0" err="1"/>
-              <a:t>pH.</a:t>
-            </a:r>
-            <a:endParaRPr lang="en-US" sz="1400" dirty="0"/>
-          </a:p>
-          <a:p>
-            <a:pPr marL="114300" indent="-114300">
-              <a:buFont typeface="Arial" panose="020B0604020202020204" pitchFamily="34" charset="0"/>
-              <a:buChar char="•"/>
-            </a:pPr>
-            <a:r>
-              <a:rPr lang="en-US" sz="1400" dirty="0"/>
-              <a:t>Uses a chemical-free process to reduce ferrous (dissolved) and bacterial iron.</a:t>
-            </a:r>
-          </a:p>
-          <a:p>
-            <a:pPr marL="114300" indent="-114300">
-              <a:buFont typeface="Arial" panose="020B0604020202020204" pitchFamily="34" charset="0"/>
-              <a:buChar char="•"/>
-            </a:pPr>
-            <a:r>
-              <a:rPr lang="en-US" sz="1400" dirty="0"/>
-              <a:t>Incorporates air induction for iron oxidation.</a:t>
-            </a:r>
-          </a:p>
-          <a:p>
-            <a:pPr marL="114300" indent="-114300">
-              <a:buFont typeface="Arial" panose="020B0604020202020204" pitchFamily="34" charset="0"/>
-              <a:buChar char="•"/>
-            </a:pPr>
-            <a:r>
-              <a:rPr lang="en-US" sz="1400" dirty="0"/>
-              <a:t>Includes a bypass valve with multiple positions, including a diagnostic mode.</a:t>
-            </a:r>
-          </a:p>
-          <a:p>
-            <a:pPr marL="114300" indent="-114300">
-              <a:buFont typeface="Arial" panose="020B0604020202020204" pitchFamily="34" charset="0"/>
-              <a:buChar char="•"/>
-            </a:pPr>
-            <a:r>
-              <a:rPr lang="en-US" sz="1400" dirty="0"/>
-              <a:t>Designed for high iron content in water and hydrogen sulfide gas reduction.</a:t>
-            </a:r>
-          </a:p>
-          <a:p>
-            <a:pPr marL="114300" indent="-114300">
-              <a:buFont typeface="Arial" panose="020B0604020202020204" pitchFamily="34" charset="0"/>
-              <a:buChar char="•"/>
-            </a:pPr>
-            <a:r>
-              <a:rPr lang="en-US" sz="1400" dirty="0"/>
-              <a:t>More complex system compared to simple sediment filters.</a:t>
-            </a:r>
-          </a:p>
-          <a:p>
-            <a:pPr marL="114300" indent="-114300">
-              <a:buFont typeface="Arial" panose="020B0604020202020204" pitchFamily="34" charset="0"/>
-              <a:buChar char="•"/>
-            </a:pPr>
-            <a:r>
-              <a:rPr lang="en-US" sz="1400" dirty="0"/>
-              <a:t>Addresses specific water quality issues beyond just particulate matter.</a:t>
-            </a:r>
-          </a:p>
-        </p:txBody>
-      </p:sp>
-      <p:sp>
-        <p:nvSpPr>
-          <p:cNvPr id="7" name="TextBox 6">
-            <a:extLst>
-              <a:ext uri="{FF2B5EF4-FFF2-40B4-BE49-F238E27FC236}">
-                <a16:creationId xmlns:a16="http://schemas.microsoft.com/office/drawing/2014/main" id="{766219BD-5521-0E29-BFA2-B0E1612D088B}"/>
-              </a:ext>
-            </a:extLst>
-          </p:cNvPr>
-          <p:cNvSpPr txBox="1"/>
+                <a:effectLst/>
+                <a:latin typeface="Roboto" panose="02000000000000000000" pitchFamily="2" charset="0"/>
+              </a:rPr>
+              <a:t>It can monitor water usage, alert and automatically shut-off in case of leaks</a:t>
+            </a:r>
+            <a:endParaRPr lang="en-US" sz="800" dirty="0">
+              <a:latin typeface="Menlo" panose="020B0609030804020204" pitchFamily="49" charset="0"/>
+              <a:ea typeface="Menlo" panose="020B0609030804020204" pitchFamily="49" charset="0"/>
+              <a:cs typeface="Menlo" panose="020B0609030804020204" pitchFamily="49" charset="0"/>
+            </a:endParaRPr>
+          </a:p>
+        </p:txBody>
+      </p:sp>
+      <p:pic>
+        <p:nvPicPr>
+          <p:cNvPr id="3" name="Picture 2">
+            <a:extLst>
+              <a:ext uri="{FF2B5EF4-FFF2-40B4-BE49-F238E27FC236}">
+                <a16:creationId xmlns:a16="http://schemas.microsoft.com/office/drawing/2014/main" id="{43D328AC-55A3-6ED7-327C-D1C62578A20E}"/>
+              </a:ext>
+            </a:extLst>
+          </p:cNvPr>
+          <p:cNvPicPr>
+            <a:picLocks noChangeAspect="1"/>
+          </p:cNvPicPr>
           <p:nvPr/>
-        </p:nvSpPr>
+        </p:nvPicPr>
+        <p:blipFill>
+          <a:blip r:embed="rId4" cstate="email">
+            <a:extLst>
+              <a:ext uri="{28A0092B-C50C-407E-A947-70E740481C1C}">
+                <a14:useLocalDpi xmlns:a14="http://schemas.microsoft.com/office/drawing/2010/main"/>
+              </a:ext>
+            </a:extLst>
+          </a:blip>
+          <a:stretch>
+            <a:fillRect/>
+          </a:stretch>
+        </p:blipFill>
         <p:spPr>
           <a:xfrm>
-            <a:off x="5412188" y="3715261"/>
-            <a:ext cx="6637067" cy="2677656"/>
+            <a:off x="2581039" y="2948955"/>
+            <a:ext cx="3598994" cy="3528941"/>
           </a:xfrm>
           <a:prstGeom prst="rect">
             <a:avLst/>
           </a:prstGeom>
-          <a:solidFill>
-            <a:schemeClr val="accent4">
-              <a:lumMod val="20000"/>
-              <a:lumOff val="80000"/>
-            </a:schemeClr>
-          </a:solidFill>
-          <a:ln>
-            <a:solidFill>
-              <a:srgbClr val="FF0000"/>
-            </a:solidFill>
-          </a:ln>
-        </p:spPr>
-        <p:txBody>
-          <a:bodyPr wrap="square" rtlCol="0">
-            <a:spAutoFit/>
-          </a:bodyPr>
-          <a:lstStyle/>
-          <a:p>
-            <a:r>
-              <a:rPr lang="en-US" sz="1400" dirty="0"/>
-              <a:t>Estimating water usage:</a:t>
-            </a:r>
-          </a:p>
-          <a:p>
-            <a:pPr algn="l"/>
-            <a:r>
-              <a:rPr lang="en-US" sz="1400" b="0" i="0" dirty="0">
-                <a:effectLst/>
-                <a:latin typeface="fkGroteskNeue"/>
-              </a:rPr>
-              <a:t>50-100 gallons per person per day (up to 3,000 per month)</a:t>
-            </a:r>
-          </a:p>
-          <a:p>
-            <a:pPr algn="l"/>
-            <a:r>
-              <a:rPr lang="en-US" sz="1400" b="0" i="0" dirty="0">
-                <a:effectLst/>
-                <a:latin typeface="fkGroteskNeue"/>
-              </a:rPr>
-              <a:t>washing machine: 30 gallons per load</a:t>
-            </a:r>
-          </a:p>
-          <a:p>
-            <a:pPr algn="l"/>
-            <a:r>
-              <a:rPr lang="en-US" sz="1400" b="0" i="0" dirty="0">
-                <a:effectLst/>
-                <a:latin typeface="fkGroteskNeue"/>
-              </a:rPr>
-              <a:t>kitchen sink: 3 gallons per minute </a:t>
-            </a:r>
-          </a:p>
-          <a:p>
-            <a:pPr algn="l"/>
-            <a:r>
-              <a:rPr lang="en-US" sz="1400" b="0" i="0" dirty="0">
-                <a:effectLst/>
-                <a:latin typeface="fkGroteskNeue"/>
-              </a:rPr>
-              <a:t>Bathroom Sink: 2 gallons per minute</a:t>
-            </a:r>
-          </a:p>
-          <a:p>
-            <a:pPr algn="l"/>
-            <a:r>
-              <a:rPr lang="en-US" sz="1400" b="0" i="0" dirty="0">
-                <a:effectLst/>
-                <a:latin typeface="fkGroteskNeue"/>
-              </a:rPr>
-              <a:t>Shower: 5 gallons per minute</a:t>
-            </a:r>
-          </a:p>
-          <a:p>
-            <a:pPr algn="l"/>
-            <a:endParaRPr lang="en-US" sz="1400" dirty="0">
-              <a:latin typeface="fkGroteskNeue"/>
-            </a:endParaRPr>
-          </a:p>
-          <a:p>
-            <a:pPr algn="l"/>
-            <a:r>
-              <a:rPr lang="en-US" sz="1400" dirty="0">
-                <a:latin typeface="fkGroteskNeue"/>
-              </a:rPr>
-              <a:t>Our usage: 50 weeks * 2 days + 2 weeks * 7 days = 114 days</a:t>
-            </a:r>
-          </a:p>
-          <a:p>
-            <a:pPr algn="l"/>
-            <a:r>
-              <a:rPr lang="en-US" sz="1400" dirty="0">
-                <a:latin typeface="fkGroteskNeue"/>
-              </a:rPr>
-              <a:t>Per year: 114 days * 100 gallons * 4 people = 40,000 gallons/year</a:t>
-            </a:r>
-          </a:p>
-          <a:p>
-            <a:pPr algn="l"/>
-            <a:endParaRPr lang="en-US" sz="1400" dirty="0">
-              <a:latin typeface="fkGroteskNeue"/>
-            </a:endParaRPr>
-          </a:p>
-          <a:p>
-            <a:pPr algn="l"/>
-            <a:r>
-              <a:rPr lang="en-US" sz="1400" dirty="0">
-                <a:latin typeface="fkGroteskNeue"/>
-              </a:rPr>
-              <a:t>sediment filter lasts 10K gallons – change every 3 months</a:t>
-            </a:r>
-          </a:p>
-          <a:p>
-            <a:pPr algn="l"/>
-            <a:endParaRPr lang="en-US" sz="1400" dirty="0">
-              <a:latin typeface="fkGroteskNeue"/>
-            </a:endParaRPr>
-          </a:p>
-        </p:txBody>
-      </p:sp>
+        </p:spPr>
+      </p:pic>
+      <p:pic>
+        <p:nvPicPr>
+          <p:cNvPr id="4" name="Picture 3">
+            <a:extLst>
+              <a:ext uri="{FF2B5EF4-FFF2-40B4-BE49-F238E27FC236}">
+                <a16:creationId xmlns:a16="http://schemas.microsoft.com/office/drawing/2014/main" id="{244BA2E4-DEE0-8B4B-D874-6500DBD980E1}"/>
+              </a:ext>
+            </a:extLst>
+          </p:cNvPr>
+          <p:cNvPicPr>
+            <a:picLocks noChangeAspect="1"/>
+          </p:cNvPicPr>
+          <p:nvPr/>
+        </p:nvPicPr>
+        <p:blipFill>
+          <a:blip r:embed="rId5" cstate="email">
+            <a:extLst>
+              <a:ext uri="{28A0092B-C50C-407E-A947-70E740481C1C}">
+                <a14:useLocalDpi xmlns:a14="http://schemas.microsoft.com/office/drawing/2010/main"/>
+              </a:ext>
+            </a:extLst>
+          </a:blip>
+          <a:stretch>
+            <a:fillRect/>
+          </a:stretch>
+        </p:blipFill>
+        <p:spPr>
+          <a:xfrm>
+            <a:off x="8540933" y="310617"/>
+            <a:ext cx="3158149" cy="5236590"/>
+          </a:xfrm>
+          <a:prstGeom prst="rect">
+            <a:avLst/>
+          </a:prstGeom>
+        </p:spPr>
+      </p:pic>
     </p:spTree>
     <p:extLst>
       <p:ext uri="{BB962C8B-B14F-4D97-AF65-F5344CB8AC3E}">
-        <p14:creationId xmlns:p14="http://schemas.microsoft.com/office/powerpoint/2010/main" val="1719878452"/>
+        <p14:creationId xmlns:p14="http://schemas.microsoft.com/office/powerpoint/2010/main" val="205413124"/>
       </p:ext>
     </p:extLst>
   </p:cSld>
@@ -6557,8 +7290,8 @@
         </p:nvSpPr>
         <p:spPr>
           <a:xfrm>
-            <a:off x="1" y="79785"/>
-            <a:ext cx="4143982" cy="461665"/>
+            <a:off x="0" y="79785"/>
+            <a:ext cx="8012784" cy="461665"/>
           </a:xfrm>
           <a:prstGeom prst="rect">
             <a:avLst/>
@@ -6580,7 +7313,7 @@
                 <a:effectLst/>
                 <a:latin typeface="Roboto" panose="02000000000000000000" pitchFamily="2" charset="0"/>
               </a:rPr>
-              <a:t>Iron &amp; Manganese Removal</a:t>
+              <a:t>Why the water is blue blue after Aqua-Pure APIF100DM ?</a:t>
             </a:r>
           </a:p>
         </p:txBody>
@@ -6600,7 +7333,7 @@
         <p:spPr>
           <a:xfrm>
             <a:off x="125486" y="635730"/>
-            <a:ext cx="8765596" cy="6124754"/>
+            <a:ext cx="5970514" cy="4524315"/>
           </a:xfrm>
           <a:prstGeom prst="rect">
             <a:avLst/>
@@ -6623,6 +7356,945 @@
           </a:bodyPr>
           <a:lstStyle/>
           <a:p>
+            <a:pPr>
+              <a:buNone/>
+            </a:pPr>
+            <a:r>
+              <a:rPr lang="en-US" sz="1200" dirty="0">
+                <a:latin typeface="Calibri" panose="020F0502020204030204" pitchFamily="34" charset="0"/>
+                <a:cs typeface="Calibri" panose="020F0502020204030204" pitchFamily="34" charset="0"/>
+              </a:rPr>
+              <a:t>If the water appears blue after passing through the Aqua-Pure APIF100DM system, it could indicate one of the following issues:</a:t>
+            </a:r>
+          </a:p>
+          <a:p>
+            <a:pPr>
+              <a:buFont typeface="+mj-lt"/>
+              <a:buAutoNum type="arabicPeriod"/>
+            </a:pPr>
+            <a:r>
+              <a:rPr lang="en-US" sz="1200" b="1" dirty="0">
+                <a:latin typeface="Calibri" panose="020F0502020204030204" pitchFamily="34" charset="0"/>
+                <a:cs typeface="Calibri" panose="020F0502020204030204" pitchFamily="34" charset="0"/>
+              </a:rPr>
+              <a:t>Copper Corrosion</a:t>
+            </a:r>
+            <a:r>
+              <a:rPr lang="en-US" sz="1200" dirty="0">
+                <a:latin typeface="Calibri" panose="020F0502020204030204" pitchFamily="34" charset="0"/>
+                <a:cs typeface="Calibri" panose="020F0502020204030204" pitchFamily="34" charset="0"/>
+              </a:rPr>
+              <a:t>: Blue or greenish water is often caused by copper leaching from plumbing pipes or fixtures. This can happen if the water is too acidic (low pH) or if the system is not properly neutralizing the water.</a:t>
+            </a:r>
+          </a:p>
+          <a:p>
+            <a:pPr>
+              <a:buFont typeface="+mj-lt"/>
+              <a:buAutoNum type="arabicPeriod"/>
+            </a:pPr>
+            <a:r>
+              <a:rPr lang="en-US" sz="1200" b="1" dirty="0">
+                <a:latin typeface="Calibri" panose="020F0502020204030204" pitchFamily="34" charset="0"/>
+                <a:cs typeface="Calibri" panose="020F0502020204030204" pitchFamily="34" charset="0"/>
+              </a:rPr>
+              <a:t>Oxidation Reactions</a:t>
+            </a:r>
+            <a:r>
+              <a:rPr lang="en-US" sz="1200" dirty="0">
+                <a:latin typeface="Calibri" panose="020F0502020204030204" pitchFamily="34" charset="0"/>
+                <a:cs typeface="Calibri" panose="020F0502020204030204" pitchFamily="34" charset="0"/>
+              </a:rPr>
+              <a:t>: The system may be oxidizing certain metals or minerals in your water supply, which could give the water a bluish tint. This could occur if there are trace amounts of copper, manganese, or other metals in the water.</a:t>
+            </a:r>
+          </a:p>
+          <a:p>
+            <a:pPr>
+              <a:buFont typeface="+mj-lt"/>
+              <a:buAutoNum type="arabicPeriod"/>
+            </a:pPr>
+            <a:r>
+              <a:rPr lang="en-US" sz="1200" b="1" dirty="0">
+                <a:latin typeface="Calibri" panose="020F0502020204030204" pitchFamily="34" charset="0"/>
+                <a:cs typeface="Calibri" panose="020F0502020204030204" pitchFamily="34" charset="0"/>
+              </a:rPr>
+              <a:t>Contamination or Residue in the System</a:t>
+            </a:r>
+            <a:r>
+              <a:rPr lang="en-US" sz="1200" dirty="0">
+                <a:latin typeface="Calibri" panose="020F0502020204030204" pitchFamily="34" charset="0"/>
+                <a:cs typeface="Calibri" panose="020F0502020204030204" pitchFamily="34" charset="0"/>
+              </a:rPr>
+              <a:t>: If the system has not been flushed properly after installation, maintenance, or regeneration, residual chemicals or media fines (e.g., manganese dioxide) might discolor the water.</a:t>
+            </a:r>
+          </a:p>
+          <a:p>
+            <a:pPr>
+              <a:buFont typeface="+mj-lt"/>
+              <a:buAutoNum type="arabicPeriod"/>
+            </a:pPr>
+            <a:endParaRPr lang="en-US" sz="1200" dirty="0">
+              <a:latin typeface="Calibri" panose="020F0502020204030204" pitchFamily="34" charset="0"/>
+              <a:cs typeface="Calibri" panose="020F0502020204030204" pitchFamily="34" charset="0"/>
+            </a:endParaRPr>
+          </a:p>
+          <a:p>
+            <a:pPr>
+              <a:buNone/>
+            </a:pPr>
+            <a:r>
+              <a:rPr lang="en-US" sz="1200" b="1" dirty="0">
+                <a:latin typeface="Calibri" panose="020F0502020204030204" pitchFamily="34" charset="0"/>
+                <a:cs typeface="Calibri" panose="020F0502020204030204" pitchFamily="34" charset="0"/>
+              </a:rPr>
+              <a:t>Steps to Address the Issue:</a:t>
+            </a:r>
+          </a:p>
+          <a:p>
+            <a:pPr>
+              <a:buNone/>
+            </a:pPr>
+            <a:endParaRPr lang="en-US" sz="1200" b="1" dirty="0">
+              <a:latin typeface="Calibri" panose="020F0502020204030204" pitchFamily="34" charset="0"/>
+              <a:cs typeface="Calibri" panose="020F0502020204030204" pitchFamily="34" charset="0"/>
+            </a:endParaRPr>
+          </a:p>
+          <a:p>
+            <a:pPr>
+              <a:buFont typeface="Arial" panose="020B0604020202020204" pitchFamily="34" charset="0"/>
+              <a:buChar char="•"/>
+            </a:pPr>
+            <a:r>
+              <a:rPr lang="en-US" sz="1200" b="1" dirty="0">
+                <a:latin typeface="Calibri" panose="020F0502020204030204" pitchFamily="34" charset="0"/>
+                <a:cs typeface="Calibri" panose="020F0502020204030204" pitchFamily="34" charset="0"/>
+              </a:rPr>
+              <a:t>Test Water pH</a:t>
+            </a:r>
+            <a:r>
+              <a:rPr lang="en-US" sz="1200" dirty="0">
+                <a:latin typeface="Calibri" panose="020F0502020204030204" pitchFamily="34" charset="0"/>
+                <a:cs typeface="Calibri" panose="020F0502020204030204" pitchFamily="34" charset="0"/>
+              </a:rPr>
+              <a:t>: Check if the water pH is within the recommended range (6.5–8.5). If it is too acidic, consider installing a pH neutralizer.</a:t>
+            </a:r>
+          </a:p>
+          <a:p>
+            <a:pPr>
+              <a:buFont typeface="Arial" panose="020B0604020202020204" pitchFamily="34" charset="0"/>
+              <a:buChar char="•"/>
+            </a:pPr>
+            <a:r>
+              <a:rPr lang="en-US" sz="1200" b="1" dirty="0">
+                <a:latin typeface="Calibri" panose="020F0502020204030204" pitchFamily="34" charset="0"/>
+                <a:cs typeface="Calibri" panose="020F0502020204030204" pitchFamily="34" charset="0"/>
+              </a:rPr>
+              <a:t>Inspect Plumbing</a:t>
+            </a:r>
+            <a:r>
+              <a:rPr lang="en-US" sz="1200" dirty="0">
+                <a:latin typeface="Calibri" panose="020F0502020204030204" pitchFamily="34" charset="0"/>
+                <a:cs typeface="Calibri" panose="020F0502020204030204" pitchFamily="34" charset="0"/>
+              </a:rPr>
+              <a:t>: Look for signs of copper corrosion in your pipes and address any issues with a plumber.</a:t>
+            </a:r>
+          </a:p>
+          <a:p>
+            <a:pPr>
+              <a:buFont typeface="Arial" panose="020B0604020202020204" pitchFamily="34" charset="0"/>
+              <a:buChar char="•"/>
+            </a:pPr>
+            <a:r>
+              <a:rPr lang="en-US" sz="1200" b="1" dirty="0">
+                <a:latin typeface="Calibri" panose="020F0502020204030204" pitchFamily="34" charset="0"/>
+                <a:cs typeface="Calibri" panose="020F0502020204030204" pitchFamily="34" charset="0"/>
+              </a:rPr>
+              <a:t>Flush the System</a:t>
+            </a:r>
+            <a:r>
+              <a:rPr lang="en-US" sz="1200" dirty="0">
+                <a:latin typeface="Calibri" panose="020F0502020204030204" pitchFamily="34" charset="0"/>
+                <a:cs typeface="Calibri" panose="020F0502020204030204" pitchFamily="34" charset="0"/>
+              </a:rPr>
+              <a:t>: Perform a thorough flush of your system to remove any trapped air, fines, or residue from the filter media.</a:t>
+            </a:r>
+          </a:p>
+          <a:p>
+            <a:pPr>
+              <a:buFont typeface="Arial" panose="020B0604020202020204" pitchFamily="34" charset="0"/>
+              <a:buChar char="•"/>
+            </a:pPr>
+            <a:r>
+              <a:rPr lang="en-US" sz="1200" b="1" dirty="0">
+                <a:latin typeface="Calibri" panose="020F0502020204030204" pitchFamily="34" charset="0"/>
+                <a:cs typeface="Calibri" panose="020F0502020204030204" pitchFamily="34" charset="0"/>
+              </a:rPr>
+              <a:t>Check for Maintenance Needs</a:t>
+            </a:r>
+            <a:r>
+              <a:rPr lang="en-US" sz="1200" dirty="0">
+                <a:latin typeface="Calibri" panose="020F0502020204030204" pitchFamily="34" charset="0"/>
+                <a:cs typeface="Calibri" panose="020F0502020204030204" pitchFamily="34" charset="0"/>
+              </a:rPr>
+              <a:t>: Ensure that all components of your system are functioning properly and that regeneration cycles are being conducted as recommended.</a:t>
+            </a:r>
+          </a:p>
+          <a:p>
+            <a:pPr>
+              <a:buFont typeface="Arial" panose="020B0604020202020204" pitchFamily="34" charset="0"/>
+              <a:buChar char="•"/>
+            </a:pPr>
+            <a:r>
+              <a:rPr lang="en-US" sz="1200" b="1" dirty="0">
+                <a:latin typeface="Calibri" panose="020F0502020204030204" pitchFamily="34" charset="0"/>
+                <a:cs typeface="Calibri" panose="020F0502020204030204" pitchFamily="34" charset="0"/>
+              </a:rPr>
+              <a:t>Consult a Professional</a:t>
+            </a:r>
+            <a:r>
+              <a:rPr lang="en-US" sz="1200" dirty="0">
+                <a:latin typeface="Calibri" panose="020F0502020204030204" pitchFamily="34" charset="0"/>
+                <a:cs typeface="Calibri" panose="020F0502020204030204" pitchFamily="34" charset="0"/>
+              </a:rPr>
+              <a:t>: If the issue persists, contact a water treatment specialist to inspect your system and analyze your water for potential contaminants like copper or other metals.</a:t>
+            </a:r>
+          </a:p>
+        </p:txBody>
+      </p:sp>
+    </p:spTree>
+    <p:extLst>
+      <p:ext uri="{BB962C8B-B14F-4D97-AF65-F5344CB8AC3E}">
+        <p14:creationId xmlns:p14="http://schemas.microsoft.com/office/powerpoint/2010/main" val="413125340"/>
+      </p:ext>
+    </p:extLst>
+  </p:cSld>
+  <p:clrMapOvr>
+    <a:masterClrMapping/>
+  </p:clrMapOvr>
+</p:sld>
+</file>
+
+<file path=ppt/slides/slide4.xml><?xml version="1.0" encoding="utf-8"?>
+<p:sld xmlns:a="http://schemas.openxmlformats.org/drawingml/2006/main" xmlns:r="http://schemas.openxmlformats.org/officeDocument/2006/relationships" xmlns:p="http://schemas.openxmlformats.org/presentationml/2006/main">
+  <p:cSld>
+    <p:spTree>
+      <p:nvGrpSpPr>
+        <p:cNvPr id="1" name="">
+          <a:extLst>
+            <a:ext uri="{FF2B5EF4-FFF2-40B4-BE49-F238E27FC236}">
+              <a16:creationId xmlns:a16="http://schemas.microsoft.com/office/drawing/2014/main" id="{D4910259-B951-43D6-BB0A-27FB545096B9}"/>
+            </a:ext>
+          </a:extLst>
+        </p:cNvPr>
+        <p:cNvGrpSpPr/>
+        <p:nvPr/>
+      </p:nvGrpSpPr>
+      <p:grpSpPr>
+        <a:xfrm>
+          <a:off x="0" y="0"/>
+          <a:ext cx="0" cy="0"/>
+          <a:chOff x="0" y="0"/>
+          <a:chExt cx="0" cy="0"/>
+        </a:xfrm>
+      </p:grpSpPr>
+      <p:sp>
+        <p:nvSpPr>
+          <p:cNvPr id="2" name="TextBox 1">
+            <a:extLst>
+              <a:ext uri="{FF2B5EF4-FFF2-40B4-BE49-F238E27FC236}">
+                <a16:creationId xmlns:a16="http://schemas.microsoft.com/office/drawing/2014/main" id="{BC1A1A83-05E2-7AD8-D698-5FADB2740DFF}"/>
+              </a:ext>
+            </a:extLst>
+          </p:cNvPr>
+          <p:cNvSpPr txBox="1"/>
+          <p:nvPr/>
+        </p:nvSpPr>
+        <p:spPr>
+          <a:xfrm>
+            <a:off x="1" y="79785"/>
+            <a:ext cx="3815254" cy="461665"/>
+          </a:xfrm>
+          <a:prstGeom prst="rect">
+            <a:avLst/>
+          </a:prstGeom>
+          <a:noFill/>
+        </p:spPr>
+        <p:txBody>
+          <a:bodyPr wrap="square" rtlCol="0">
+            <a:spAutoFit/>
+          </a:bodyPr>
+          <a:lstStyle/>
+          <a:p>
+            <a:pPr algn="l"/>
+            <a:r>
+              <a:rPr lang="en-US" sz="2400" b="1" i="0" dirty="0">
+                <a:solidFill>
+                  <a:srgbClr val="0F0F0F"/>
+                </a:solidFill>
+                <a:effectLst/>
+                <a:latin typeface="Roboto" panose="02000000000000000000" pitchFamily="2" charset="0"/>
+              </a:rPr>
+              <a:t>Whole House Water Filter</a:t>
+            </a:r>
+          </a:p>
+        </p:txBody>
+      </p:sp>
+      <p:sp>
+        <p:nvSpPr>
+          <p:cNvPr id="5" name="TextBox 4">
+            <a:extLst>
+              <a:ext uri="{FF2B5EF4-FFF2-40B4-BE49-F238E27FC236}">
+                <a16:creationId xmlns:a16="http://schemas.microsoft.com/office/drawing/2014/main" id="{FBF0692C-F885-D578-CB9B-76F234462292}"/>
+              </a:ext>
+            </a:extLst>
+          </p:cNvPr>
+          <p:cNvSpPr txBox="1"/>
+          <p:nvPr/>
+        </p:nvSpPr>
+        <p:spPr>
+          <a:xfrm>
+            <a:off x="88556" y="541450"/>
+            <a:ext cx="4610911" cy="1955022"/>
+          </a:xfrm>
+          <a:prstGeom prst="rect">
+            <a:avLst/>
+          </a:prstGeom>
+          <a:noFill/>
+        </p:spPr>
+        <p:txBody>
+          <a:bodyPr wrap="square" rtlCol="0">
+            <a:spAutoFit/>
+          </a:bodyPr>
+          <a:lstStyle/>
+          <a:p>
+            <a:pPr rtl="0">
+              <a:lnSpc>
+                <a:spcPts val="2100"/>
+              </a:lnSpc>
+            </a:pPr>
+            <a:r>
+              <a:rPr lang="en-US" sz="1400" b="0" i="0" dirty="0">
+                <a:solidFill>
+                  <a:srgbClr val="202020"/>
+                </a:solidFill>
+                <a:effectLst/>
+                <a:latin typeface="helvetica-neue"/>
+              </a:rPr>
+              <a:t>The WH-HD200-C housing 1 inch outlets (with bracket)</a:t>
+            </a:r>
+          </a:p>
+          <a:p>
+            <a:pPr rtl="0">
+              <a:lnSpc>
+                <a:spcPts val="2100"/>
+              </a:lnSpc>
+            </a:pPr>
+            <a:r>
+              <a:rPr lang="en-US" sz="1400" b="0" i="0" dirty="0">
+                <a:effectLst/>
+                <a:latin typeface="Roboto" panose="02000000000000000000" pitchFamily="2" charset="0"/>
+                <a:hlinkClick r:id="rId3"/>
+              </a:rPr>
+              <a:t>https://www.amazon.com/dp/B01JIRLRXY</a:t>
+            </a:r>
+            <a:r>
+              <a:rPr lang="en-US" sz="1400" b="0" i="0" dirty="0">
+                <a:effectLst/>
+                <a:latin typeface="Roboto" panose="02000000000000000000" pitchFamily="2" charset="0"/>
+              </a:rPr>
+              <a:t> - housing</a:t>
+            </a:r>
+          </a:p>
+          <a:p>
+            <a:pPr rtl="0">
+              <a:lnSpc>
+                <a:spcPts val="2100"/>
+              </a:lnSpc>
+            </a:pPr>
+            <a:endParaRPr lang="en-US" sz="1400" dirty="0">
+              <a:solidFill>
+                <a:srgbClr val="202020"/>
+              </a:solidFill>
+              <a:latin typeface="Roboto" panose="02000000000000000000" pitchFamily="2" charset="0"/>
+            </a:endParaRPr>
+          </a:p>
+          <a:p>
+            <a:pPr rtl="0">
+              <a:lnSpc>
+                <a:spcPts val="2100"/>
+              </a:lnSpc>
+            </a:pPr>
+            <a:r>
+              <a:rPr lang="en-US" sz="1400" dirty="0">
+                <a:solidFill>
+                  <a:srgbClr val="202020"/>
+                </a:solidFill>
+                <a:latin typeface="Roboto" panose="02000000000000000000" pitchFamily="2" charset="0"/>
+              </a:rPr>
+              <a:t>Filter for it:</a:t>
+            </a:r>
+          </a:p>
+          <a:p>
+            <a:pPr>
+              <a:lnSpc>
+                <a:spcPts val="2100"/>
+              </a:lnSpc>
+            </a:pPr>
+            <a:r>
+              <a:rPr lang="en-US" sz="1400" b="0" i="0" dirty="0">
+                <a:solidFill>
+                  <a:srgbClr val="0F1111"/>
+                </a:solidFill>
+                <a:effectLst/>
+                <a:latin typeface="Amazon Ember"/>
+              </a:rPr>
+              <a:t>Culligan RFC-BBSA 25 Micron Whole House Water Filter for Sediment, 10" x 4.5"</a:t>
+            </a:r>
+            <a:endParaRPr lang="en-US" sz="1400" dirty="0">
+              <a:solidFill>
+                <a:srgbClr val="202020"/>
+              </a:solidFill>
+              <a:latin typeface="helvetica-neue"/>
+            </a:endParaRPr>
+          </a:p>
+          <a:p>
+            <a:pPr rtl="0">
+              <a:lnSpc>
+                <a:spcPts val="2100"/>
+              </a:lnSpc>
+            </a:pPr>
+            <a:r>
+              <a:rPr lang="en-US" sz="1400" b="0" i="0" dirty="0">
+                <a:effectLst/>
+                <a:latin typeface="Roboto" panose="02000000000000000000" pitchFamily="2" charset="0"/>
+                <a:hlinkClick r:id="rId4"/>
+              </a:rPr>
+              <a:t>https://www.amazon.com/dp/B000BQN6MM</a:t>
+            </a:r>
+            <a:r>
+              <a:rPr lang="en-US" sz="1400" b="0" i="0" dirty="0">
+                <a:effectLst/>
+                <a:latin typeface="Roboto" panose="02000000000000000000" pitchFamily="2" charset="0"/>
+              </a:rPr>
+              <a:t> – filter</a:t>
+            </a:r>
+          </a:p>
+        </p:txBody>
+      </p:sp>
+      <p:pic>
+        <p:nvPicPr>
+          <p:cNvPr id="3" name="Picture 2">
+            <a:extLst>
+              <a:ext uri="{FF2B5EF4-FFF2-40B4-BE49-F238E27FC236}">
+                <a16:creationId xmlns:a16="http://schemas.microsoft.com/office/drawing/2014/main" id="{D91C048D-7927-9611-FE1D-700A1404B576}"/>
+              </a:ext>
+            </a:extLst>
+          </p:cNvPr>
+          <p:cNvPicPr>
+            <a:picLocks noChangeAspect="1"/>
+          </p:cNvPicPr>
+          <p:nvPr/>
+        </p:nvPicPr>
+        <p:blipFill>
+          <a:blip r:embed="rId5" cstate="email">
+            <a:extLst>
+              <a:ext uri="{28A0092B-C50C-407E-A947-70E740481C1C}">
+                <a14:useLocalDpi xmlns:a14="http://schemas.microsoft.com/office/drawing/2010/main"/>
+              </a:ext>
+            </a:extLst>
+          </a:blip>
+          <a:stretch>
+            <a:fillRect/>
+          </a:stretch>
+        </p:blipFill>
+        <p:spPr>
+          <a:xfrm>
+            <a:off x="142745" y="2601120"/>
+            <a:ext cx="2640013" cy="2830649"/>
+          </a:xfrm>
+          <a:prstGeom prst="rect">
+            <a:avLst/>
+          </a:prstGeom>
+        </p:spPr>
+      </p:pic>
+      <p:pic>
+        <p:nvPicPr>
+          <p:cNvPr id="4" name="Picture 3">
+            <a:extLst>
+              <a:ext uri="{FF2B5EF4-FFF2-40B4-BE49-F238E27FC236}">
+                <a16:creationId xmlns:a16="http://schemas.microsoft.com/office/drawing/2014/main" id="{3BAD0173-9154-3BBA-5C43-D420BDE09A7F}"/>
+              </a:ext>
+            </a:extLst>
+          </p:cNvPr>
+          <p:cNvPicPr>
+            <a:picLocks noChangeAspect="1"/>
+          </p:cNvPicPr>
+          <p:nvPr/>
+        </p:nvPicPr>
+        <p:blipFill>
+          <a:blip r:embed="rId6" cstate="email">
+            <a:extLst>
+              <a:ext uri="{28A0092B-C50C-407E-A947-70E740481C1C}">
+                <a14:useLocalDpi xmlns:a14="http://schemas.microsoft.com/office/drawing/2010/main"/>
+              </a:ext>
+            </a:extLst>
+          </a:blip>
+          <a:stretch>
+            <a:fillRect/>
+          </a:stretch>
+        </p:blipFill>
+        <p:spPr>
+          <a:xfrm>
+            <a:off x="2917927" y="2784726"/>
+            <a:ext cx="1398539" cy="2647043"/>
+          </a:xfrm>
+          <a:prstGeom prst="rect">
+            <a:avLst/>
+          </a:prstGeom>
+        </p:spPr>
+      </p:pic>
+      <p:sp>
+        <p:nvSpPr>
+          <p:cNvPr id="6" name="TextBox 5">
+            <a:extLst>
+              <a:ext uri="{FF2B5EF4-FFF2-40B4-BE49-F238E27FC236}">
+                <a16:creationId xmlns:a16="http://schemas.microsoft.com/office/drawing/2014/main" id="{A46F4889-3D96-8244-593F-C4FCEBC32C4D}"/>
+              </a:ext>
+            </a:extLst>
+          </p:cNvPr>
+          <p:cNvSpPr txBox="1"/>
+          <p:nvPr/>
+        </p:nvSpPr>
+        <p:spPr>
+          <a:xfrm>
+            <a:off x="5412188" y="204806"/>
+            <a:ext cx="6637067" cy="3323987"/>
+          </a:xfrm>
+          <a:prstGeom prst="rect">
+            <a:avLst/>
+          </a:prstGeom>
+          <a:solidFill>
+            <a:schemeClr val="accent4">
+              <a:lumMod val="20000"/>
+              <a:lumOff val="80000"/>
+            </a:schemeClr>
+          </a:solidFill>
+          <a:ln>
+            <a:solidFill>
+              <a:srgbClr val="FF0000"/>
+            </a:solidFill>
+          </a:ln>
+        </p:spPr>
+        <p:txBody>
+          <a:bodyPr wrap="square" rtlCol="0">
+            <a:spAutoFit/>
+          </a:bodyPr>
+          <a:lstStyle/>
+          <a:p>
+            <a:r>
+              <a:rPr lang="en-US" sz="1400" b="1" dirty="0">
+                <a:solidFill>
+                  <a:srgbClr val="FF0000"/>
+                </a:solidFill>
+              </a:rPr>
+              <a:t>Whole House Water Sediment Filter (25 micron)</a:t>
+            </a:r>
+          </a:p>
+          <a:p>
+            <a:pPr marL="176213" indent="-176213">
+              <a:buFont typeface="Arial" panose="020B0604020202020204" pitchFamily="34" charset="0"/>
+              <a:buChar char="•"/>
+            </a:pPr>
+            <a:r>
+              <a:rPr lang="en-US" sz="1400" dirty="0"/>
+              <a:t>Reduces sediment, dirt, sand, silt, and rust particles down to 25 microns.</a:t>
+            </a:r>
+          </a:p>
+          <a:p>
+            <a:pPr marL="176213" indent="-176213">
+              <a:buFont typeface="Arial" panose="020B0604020202020204" pitchFamily="34" charset="0"/>
+              <a:buChar char="•"/>
+            </a:pPr>
+            <a:r>
+              <a:rPr lang="en-US" sz="1400" dirty="0"/>
+              <a:t>Typically made of polypropylene or similar materials.</a:t>
+            </a:r>
+          </a:p>
+          <a:p>
+            <a:pPr marL="176213" indent="-176213">
+              <a:buFont typeface="Arial" panose="020B0604020202020204" pitchFamily="34" charset="0"/>
+              <a:buChar char="•"/>
+            </a:pPr>
+            <a:r>
+              <a:rPr lang="en-US" sz="1400" dirty="0"/>
+              <a:t>Often used as a first stage in whole house filtration systems.</a:t>
+            </a:r>
+          </a:p>
+          <a:p>
+            <a:pPr marL="176213" indent="-176213">
+              <a:buFont typeface="Arial" panose="020B0604020202020204" pitchFamily="34" charset="0"/>
+              <a:buChar char="•"/>
+            </a:pPr>
+            <a:r>
+              <a:rPr lang="en-US" sz="1400" dirty="0"/>
+              <a:t>Filter life: Usually 3-6 months or 20,000-60,000 gallons, depending on water quality.</a:t>
+            </a:r>
+          </a:p>
+          <a:p>
+            <a:pPr marL="176213" indent="-176213">
+              <a:buFont typeface="Arial" panose="020B0604020202020204" pitchFamily="34" charset="0"/>
+              <a:buChar char="•"/>
+            </a:pPr>
+            <a:r>
+              <a:rPr lang="en-US" sz="1400" dirty="0"/>
+              <a:t>Does not address chemical contaminants or dissolved minerals.</a:t>
+            </a:r>
+          </a:p>
+          <a:p>
+            <a:endParaRPr lang="en-US" sz="1400" dirty="0"/>
+          </a:p>
+          <a:p>
+            <a:r>
+              <a:rPr lang="en-US" sz="1400" b="1" dirty="0">
+                <a:solidFill>
+                  <a:srgbClr val="FF0000"/>
+                </a:solidFill>
+              </a:rPr>
+              <a:t>Aqua-Pure Iron and Manganese Reduction System (APIF100DM)</a:t>
+            </a:r>
+          </a:p>
+          <a:p>
+            <a:pPr marL="114300" indent="-114300">
+              <a:buFont typeface="Arial" panose="020B0604020202020204" pitchFamily="34" charset="0"/>
+              <a:buChar char="•"/>
+            </a:pPr>
+            <a:r>
+              <a:rPr lang="en-US" sz="1400" dirty="0"/>
+              <a:t>Reduces iron, manganese, and adjusts </a:t>
+            </a:r>
+            <a:r>
+              <a:rPr lang="en-US" sz="1400" dirty="0" err="1"/>
+              <a:t>pH.</a:t>
+            </a:r>
+            <a:endParaRPr lang="en-US" sz="1400" dirty="0"/>
+          </a:p>
+          <a:p>
+            <a:pPr marL="114300" indent="-114300">
+              <a:buFont typeface="Arial" panose="020B0604020202020204" pitchFamily="34" charset="0"/>
+              <a:buChar char="•"/>
+            </a:pPr>
+            <a:r>
+              <a:rPr lang="en-US" sz="1400" dirty="0"/>
+              <a:t>Uses a chemical-free process to reduce ferrous (dissolved) and bacterial iron.</a:t>
+            </a:r>
+          </a:p>
+          <a:p>
+            <a:pPr marL="114300" indent="-114300">
+              <a:buFont typeface="Arial" panose="020B0604020202020204" pitchFamily="34" charset="0"/>
+              <a:buChar char="•"/>
+            </a:pPr>
+            <a:r>
+              <a:rPr lang="en-US" sz="1400" dirty="0"/>
+              <a:t>Incorporates air induction for iron oxidation.</a:t>
+            </a:r>
+          </a:p>
+          <a:p>
+            <a:pPr marL="114300" indent="-114300">
+              <a:buFont typeface="Arial" panose="020B0604020202020204" pitchFamily="34" charset="0"/>
+              <a:buChar char="•"/>
+            </a:pPr>
+            <a:r>
+              <a:rPr lang="en-US" sz="1400" dirty="0"/>
+              <a:t>Includes a bypass valve with multiple positions, including a diagnostic mode.</a:t>
+            </a:r>
+          </a:p>
+          <a:p>
+            <a:pPr marL="114300" indent="-114300">
+              <a:buFont typeface="Arial" panose="020B0604020202020204" pitchFamily="34" charset="0"/>
+              <a:buChar char="•"/>
+            </a:pPr>
+            <a:r>
+              <a:rPr lang="en-US" sz="1400" dirty="0"/>
+              <a:t>Designed for high iron content in water and hydrogen sulfide gas reduction.</a:t>
+            </a:r>
+          </a:p>
+          <a:p>
+            <a:pPr marL="114300" indent="-114300">
+              <a:buFont typeface="Arial" panose="020B0604020202020204" pitchFamily="34" charset="0"/>
+              <a:buChar char="•"/>
+            </a:pPr>
+            <a:r>
+              <a:rPr lang="en-US" sz="1400" dirty="0"/>
+              <a:t>More complex system compared to simple sediment filters.</a:t>
+            </a:r>
+          </a:p>
+          <a:p>
+            <a:pPr marL="114300" indent="-114300">
+              <a:buFont typeface="Arial" panose="020B0604020202020204" pitchFamily="34" charset="0"/>
+              <a:buChar char="•"/>
+            </a:pPr>
+            <a:r>
+              <a:rPr lang="en-US" sz="1400" dirty="0"/>
+              <a:t>Addresses specific water quality issues beyond just particulate matter.</a:t>
+            </a:r>
+          </a:p>
+        </p:txBody>
+      </p:sp>
+      <p:sp>
+        <p:nvSpPr>
+          <p:cNvPr id="7" name="TextBox 6">
+            <a:extLst>
+              <a:ext uri="{FF2B5EF4-FFF2-40B4-BE49-F238E27FC236}">
+                <a16:creationId xmlns:a16="http://schemas.microsoft.com/office/drawing/2014/main" id="{766219BD-5521-0E29-BFA2-B0E1612D088B}"/>
+              </a:ext>
+            </a:extLst>
+          </p:cNvPr>
+          <p:cNvSpPr txBox="1"/>
+          <p:nvPr/>
+        </p:nvSpPr>
+        <p:spPr>
+          <a:xfrm>
+            <a:off x="5412188" y="3715261"/>
+            <a:ext cx="6637067" cy="2677656"/>
+          </a:xfrm>
+          <a:prstGeom prst="rect">
+            <a:avLst/>
+          </a:prstGeom>
+          <a:solidFill>
+            <a:schemeClr val="accent4">
+              <a:lumMod val="20000"/>
+              <a:lumOff val="80000"/>
+            </a:schemeClr>
+          </a:solidFill>
+          <a:ln>
+            <a:solidFill>
+              <a:srgbClr val="FF0000"/>
+            </a:solidFill>
+          </a:ln>
+        </p:spPr>
+        <p:txBody>
+          <a:bodyPr wrap="square" rtlCol="0">
+            <a:spAutoFit/>
+          </a:bodyPr>
+          <a:lstStyle/>
+          <a:p>
+            <a:r>
+              <a:rPr lang="en-US" sz="1400" dirty="0"/>
+              <a:t>Estimating water usage:</a:t>
+            </a:r>
+          </a:p>
+          <a:p>
+            <a:pPr algn="l"/>
+            <a:r>
+              <a:rPr lang="en-US" sz="1400" b="0" i="0" dirty="0">
+                <a:effectLst/>
+                <a:latin typeface="fkGroteskNeue"/>
+              </a:rPr>
+              <a:t>50-100 gallons per person per day (up to 3,000 per month)</a:t>
+            </a:r>
+          </a:p>
+          <a:p>
+            <a:pPr algn="l"/>
+            <a:r>
+              <a:rPr lang="en-US" sz="1400" b="0" i="0" dirty="0">
+                <a:effectLst/>
+                <a:latin typeface="fkGroteskNeue"/>
+              </a:rPr>
+              <a:t>washing machine: 30 gallons per load</a:t>
+            </a:r>
+          </a:p>
+          <a:p>
+            <a:pPr algn="l"/>
+            <a:r>
+              <a:rPr lang="en-US" sz="1400" b="0" i="0" dirty="0">
+                <a:effectLst/>
+                <a:latin typeface="fkGroteskNeue"/>
+              </a:rPr>
+              <a:t>kitchen sink: 3 gallons per minute </a:t>
+            </a:r>
+          </a:p>
+          <a:p>
+            <a:pPr algn="l"/>
+            <a:r>
+              <a:rPr lang="en-US" sz="1400" b="0" i="0" dirty="0">
+                <a:effectLst/>
+                <a:latin typeface="fkGroteskNeue"/>
+              </a:rPr>
+              <a:t>Bathroom Sink: 2 gallons per minute</a:t>
+            </a:r>
+          </a:p>
+          <a:p>
+            <a:pPr algn="l"/>
+            <a:r>
+              <a:rPr lang="en-US" sz="1400" b="0" i="0" dirty="0">
+                <a:effectLst/>
+                <a:latin typeface="fkGroteskNeue"/>
+              </a:rPr>
+              <a:t>Shower: 5 gallons per minute</a:t>
+            </a:r>
+          </a:p>
+          <a:p>
+            <a:pPr algn="l"/>
+            <a:endParaRPr lang="en-US" sz="1400" dirty="0">
+              <a:latin typeface="fkGroteskNeue"/>
+            </a:endParaRPr>
+          </a:p>
+          <a:p>
+            <a:pPr algn="l"/>
+            <a:r>
+              <a:rPr lang="en-US" sz="1400" dirty="0">
+                <a:latin typeface="fkGroteskNeue"/>
+              </a:rPr>
+              <a:t>Our usage: 50 weeks * 2 days + 2 weeks * 7 days = 114 days</a:t>
+            </a:r>
+          </a:p>
+          <a:p>
+            <a:pPr algn="l"/>
+            <a:r>
+              <a:rPr lang="en-US" sz="1400" dirty="0">
+                <a:latin typeface="fkGroteskNeue"/>
+              </a:rPr>
+              <a:t>Per year: 114 days * 100 gallons * 4 people = 40,000 gallons/year</a:t>
+            </a:r>
+          </a:p>
+          <a:p>
+            <a:pPr algn="l"/>
+            <a:endParaRPr lang="en-US" sz="1400" dirty="0">
+              <a:latin typeface="fkGroteskNeue"/>
+            </a:endParaRPr>
+          </a:p>
+          <a:p>
+            <a:pPr algn="l"/>
+            <a:r>
+              <a:rPr lang="en-US" sz="1400" dirty="0">
+                <a:latin typeface="fkGroteskNeue"/>
+              </a:rPr>
+              <a:t>sediment filter lasts 10K gallons – change every 3 months</a:t>
+            </a:r>
+          </a:p>
+          <a:p>
+            <a:pPr algn="l"/>
+            <a:endParaRPr lang="en-US" sz="1400" dirty="0">
+              <a:latin typeface="fkGroteskNeue"/>
+            </a:endParaRPr>
+          </a:p>
+        </p:txBody>
+      </p:sp>
+    </p:spTree>
+    <p:extLst>
+      <p:ext uri="{BB962C8B-B14F-4D97-AF65-F5344CB8AC3E}">
+        <p14:creationId xmlns:p14="http://schemas.microsoft.com/office/powerpoint/2010/main" val="1719878452"/>
+      </p:ext>
+    </p:extLst>
+  </p:cSld>
+  <p:clrMapOvr>
+    <a:masterClrMapping/>
+  </p:clrMapOvr>
+</p:sld>
+</file>
+
+<file path=ppt/slides/slide5.xml><?xml version="1.0" encoding="utf-8"?>
+<p:sld xmlns:a="http://schemas.openxmlformats.org/drawingml/2006/main" xmlns:r="http://schemas.openxmlformats.org/officeDocument/2006/relationships" xmlns:p="http://schemas.openxmlformats.org/presentationml/2006/main">
+  <p:cSld>
+    <p:spTree>
+      <p:nvGrpSpPr>
+        <p:cNvPr id="1" name="">
+          <a:extLst>
+            <a:ext uri="{FF2B5EF4-FFF2-40B4-BE49-F238E27FC236}">
+              <a16:creationId xmlns:a16="http://schemas.microsoft.com/office/drawing/2014/main" id="{D4910259-B951-43D6-BB0A-27FB545096B9}"/>
+            </a:ext>
+          </a:extLst>
+        </p:cNvPr>
+        <p:cNvGrpSpPr/>
+        <p:nvPr/>
+      </p:nvGrpSpPr>
+      <p:grpSpPr>
+        <a:xfrm>
+          <a:off x="0" y="0"/>
+          <a:ext cx="0" cy="0"/>
+          <a:chOff x="0" y="0"/>
+          <a:chExt cx="0" cy="0"/>
+        </a:xfrm>
+      </p:grpSpPr>
+      <p:sp>
+        <p:nvSpPr>
+          <p:cNvPr id="2" name="TextBox 1">
+            <a:extLst>
+              <a:ext uri="{FF2B5EF4-FFF2-40B4-BE49-F238E27FC236}">
+                <a16:creationId xmlns:a16="http://schemas.microsoft.com/office/drawing/2014/main" id="{BC1A1A83-05E2-7AD8-D698-5FADB2740DFF}"/>
+              </a:ext>
+            </a:extLst>
+          </p:cNvPr>
+          <p:cNvSpPr txBox="1"/>
+          <p:nvPr/>
+        </p:nvSpPr>
+        <p:spPr>
+          <a:xfrm>
+            <a:off x="1" y="79785"/>
+            <a:ext cx="4143982" cy="461665"/>
+          </a:xfrm>
+          <a:prstGeom prst="rect">
+            <a:avLst/>
+          </a:prstGeom>
+          <a:noFill/>
+        </p:spPr>
+        <p:txBody>
+          <a:bodyPr wrap="square" rtlCol="0">
+            <a:spAutoFit/>
+          </a:bodyPr>
+          <a:lstStyle/>
+          <a:p>
+            <a:pPr algn="l"/>
+            <a:r>
+              <a:rPr lang="en-US" sz="2400" b="1" i="0" dirty="0">
+                <a:solidFill>
+                  <a:srgbClr val="0F0F0F"/>
+                </a:solidFill>
+                <a:effectLst/>
+                <a:latin typeface="Roboto" panose="02000000000000000000" pitchFamily="2" charset="0"/>
+              </a:rPr>
+              <a:t>Iron &amp; Manganese Removal</a:t>
+            </a:r>
+          </a:p>
+        </p:txBody>
+      </p:sp>
+      <p:sp>
+        <p:nvSpPr>
+          <p:cNvPr id="7" name="TextBox 6">
+            <a:extLst>
+              <a:ext uri="{FF2B5EF4-FFF2-40B4-BE49-F238E27FC236}">
+                <a16:creationId xmlns:a16="http://schemas.microsoft.com/office/drawing/2014/main" id="{766219BD-5521-0E29-BFA2-B0E1612D088B}"/>
+              </a:ext>
+            </a:extLst>
+          </p:cNvPr>
+          <p:cNvSpPr txBox="1"/>
+          <p:nvPr/>
+        </p:nvSpPr>
+        <p:spPr>
+          <a:xfrm>
+            <a:off x="125486" y="635730"/>
+            <a:ext cx="8765596" cy="6124754"/>
+          </a:xfrm>
+          <a:prstGeom prst="rect">
+            <a:avLst/>
+          </a:prstGeom>
+          <a:solidFill>
+            <a:schemeClr val="accent4">
+              <a:lumMod val="20000"/>
+              <a:lumOff val="80000"/>
+            </a:schemeClr>
+          </a:solidFill>
+          <a:ln>
+            <a:solidFill>
+              <a:srgbClr val="FF0000"/>
+            </a:solidFill>
+          </a:ln>
+        </p:spPr>
+        <p:txBody>
+          <a:bodyPr wrap="square" rtlCol="0">
+            <a:spAutoFit/>
+          </a:bodyPr>
+          <a:lstStyle/>
+          <a:p>
             <a:r>
               <a:rPr lang="en-US" sz="1400" dirty="0"/>
               <a:t>Our house uses 40,000 gallons of water per year.  We currently have old Aqua-Pure APIF series residential iron and manganese reduction system Model APIF100DM. It was installed in 2014. The model was discontinued in 2016. It is a big tank filled with media that can last for 2-3 years before service appointments. </a:t>
@@ -7087,12 +8759,18 @@
 </p:sld>
 </file>
 
-<file path=ppt/slides/slide4.xml><?xml version="1.0" encoding="utf-8"?>
+<file path=ppt/slides/slide6.xml><?xml version="1.0" encoding="utf-8"?>
 <p:sld xmlns:a="http://schemas.openxmlformats.org/drawingml/2006/main" xmlns:r="http://schemas.openxmlformats.org/officeDocument/2006/relationships" xmlns:p="http://schemas.openxmlformats.org/presentationml/2006/main">
   <p:cSld>
     <p:spTree>
       <p:nvGrpSpPr>
-        <p:cNvPr id="1" name=""/>
+        <p:cNvPr id="1" name="">
+          <a:extLst>
+            <a:ext uri="{FF2B5EF4-FFF2-40B4-BE49-F238E27FC236}">
+              <a16:creationId xmlns:a16="http://schemas.microsoft.com/office/drawing/2014/main" id="{D4910259-B951-43D6-BB0A-27FB545096B9}"/>
+            </a:ext>
+          </a:extLst>
+        </p:cNvPr>
         <p:cNvGrpSpPr/>
         <p:nvPr/>
       </p:nvGrpSpPr>
@@ -7104,12 +8782,207 @@
           <a:chExt cx="0" cy="0"/>
         </a:xfrm>
       </p:grpSpPr>
+      <p:sp>
+        <p:nvSpPr>
+          <p:cNvPr id="2" name="TextBox 1">
+            <a:extLst>
+              <a:ext uri="{FF2B5EF4-FFF2-40B4-BE49-F238E27FC236}">
+                <a16:creationId xmlns:a16="http://schemas.microsoft.com/office/drawing/2014/main" id="{BC1A1A83-05E2-7AD8-D698-5FADB2740DFF}"/>
+              </a:ext>
+            </a:extLst>
+          </p:cNvPr>
+          <p:cNvSpPr txBox="1"/>
+          <p:nvPr/>
+        </p:nvSpPr>
+        <p:spPr>
+          <a:xfrm>
+            <a:off x="0" y="79785"/>
+            <a:ext cx="6259397" cy="461665"/>
+          </a:xfrm>
+          <a:prstGeom prst="rect">
+            <a:avLst/>
+          </a:prstGeom>
+          <a:noFill/>
+        </p:spPr>
+        <p:txBody>
+          <a:bodyPr wrap="square" rtlCol="0">
+            <a:spAutoFit/>
+          </a:bodyPr>
+          <a:lstStyle/>
+          <a:p>
+            <a:pPr algn="l"/>
+            <a:r>
+              <a:rPr lang="en-US" sz="2400" b="1" i="0" dirty="0">
+                <a:solidFill>
+                  <a:srgbClr val="0F0F0F"/>
+                </a:solidFill>
+                <a:effectLst/>
+                <a:latin typeface="Roboto" panose="02000000000000000000" pitchFamily="2" charset="0"/>
+              </a:rPr>
+              <a:t>Iron &amp; Manganese whole-house Removal</a:t>
+            </a:r>
+          </a:p>
+        </p:txBody>
+      </p:sp>
+      <p:sp>
+        <p:nvSpPr>
+          <p:cNvPr id="7" name="TextBox 6">
+            <a:extLst>
+              <a:ext uri="{FF2B5EF4-FFF2-40B4-BE49-F238E27FC236}">
+                <a16:creationId xmlns:a16="http://schemas.microsoft.com/office/drawing/2014/main" id="{766219BD-5521-0E29-BFA2-B0E1612D088B}"/>
+              </a:ext>
+            </a:extLst>
+          </p:cNvPr>
+          <p:cNvSpPr txBox="1"/>
+          <p:nvPr/>
+        </p:nvSpPr>
+        <p:spPr>
+          <a:xfrm>
+            <a:off x="82023" y="859617"/>
+            <a:ext cx="9891536" cy="954107"/>
+          </a:xfrm>
+          <a:prstGeom prst="rect">
+            <a:avLst/>
+          </a:prstGeom>
+          <a:solidFill>
+            <a:schemeClr val="accent4">
+              <a:lumMod val="20000"/>
+              <a:lumOff val="80000"/>
+            </a:schemeClr>
+          </a:solidFill>
+          <a:ln>
+            <a:solidFill>
+              <a:srgbClr val="FF0000"/>
+            </a:solidFill>
+          </a:ln>
+        </p:spPr>
+        <p:txBody>
+          <a:bodyPr wrap="square" rtlCol="0">
+            <a:spAutoFit/>
+          </a:bodyPr>
+          <a:lstStyle/>
+          <a:p>
+            <a:pPr marL="285750" indent="-285750">
+              <a:buFont typeface="Arial" panose="020B0604020202020204" pitchFamily="34" charset="0"/>
+              <a:buChar char="•"/>
+            </a:pPr>
+            <a:r>
+              <a:rPr lang="en-US" sz="1400" b="0" i="0" dirty="0">
+                <a:solidFill>
+                  <a:srgbClr val="0F1111"/>
+                </a:solidFill>
+                <a:effectLst/>
+                <a:latin typeface="Amazon Ember"/>
+              </a:rPr>
+              <a:t>Moen 900-001 Flo Monitor/Shutoff - </a:t>
+            </a:r>
+            <a:r>
+              <a:rPr lang="en-US" sz="1400" b="0" i="0" dirty="0">
+                <a:effectLst/>
+                <a:latin typeface="Roboto" panose="02000000000000000000" pitchFamily="2" charset="0"/>
+                <a:hlinkClick r:id="rId3"/>
+              </a:rPr>
+              <a:t>https://www.amazon.com/dp/B00C03D01Q</a:t>
+            </a:r>
+            <a:endParaRPr lang="en-US" sz="1400" b="0" i="0" dirty="0">
+              <a:solidFill>
+                <a:srgbClr val="0F1111"/>
+              </a:solidFill>
+              <a:effectLst/>
+              <a:latin typeface="Amazon Ember"/>
+            </a:endParaRPr>
+          </a:p>
+          <a:p>
+            <a:pPr marL="285750" indent="-285750">
+              <a:buFont typeface="Arial" panose="020B0604020202020204" pitchFamily="34" charset="0"/>
+              <a:buChar char="•"/>
+            </a:pPr>
+            <a:r>
+              <a:rPr lang="en-US" sz="1400" dirty="0" err="1"/>
+              <a:t>iSpring</a:t>
+            </a:r>
+            <a:r>
+              <a:rPr lang="en-US" sz="1400" dirty="0"/>
+              <a:t> WSP50ARB - 50 micron, Auto Flushing Module - </a:t>
+            </a:r>
+            <a:r>
+              <a:rPr lang="en-US" sz="1400" dirty="0">
+                <a:hlinkClick r:id="rId4"/>
+              </a:rPr>
+              <a:t>https://www.amazon.com/</a:t>
+            </a:r>
+            <a:r>
+              <a:rPr lang="en-US" sz="1400" dirty="0" err="1">
+                <a:hlinkClick r:id="rId4"/>
+              </a:rPr>
+              <a:t>dp</a:t>
+            </a:r>
+            <a:r>
+              <a:rPr lang="en-US" sz="1400" dirty="0">
+                <a:hlinkClick r:id="rId4"/>
+              </a:rPr>
+              <a:t>/B07XLP2T2Y</a:t>
+            </a:r>
+            <a:endParaRPr lang="en-US" sz="1400" dirty="0"/>
+          </a:p>
+          <a:p>
+            <a:pPr marL="285750" indent="-285750">
+              <a:buFont typeface="Arial" panose="020B0604020202020204" pitchFamily="34" charset="0"/>
+              <a:buChar char="•"/>
+            </a:pPr>
+            <a:r>
+              <a:rPr lang="en-US" sz="1400" dirty="0" err="1"/>
+              <a:t>iSpring</a:t>
+            </a:r>
+            <a:r>
+              <a:rPr lang="en-US" sz="1400" dirty="0"/>
+              <a:t> WGB32BM 3-stage filtration - </a:t>
+            </a:r>
+            <a:r>
+              <a:rPr lang="en-US" sz="1400" dirty="0">
+                <a:hlinkClick r:id="rId5"/>
+              </a:rPr>
+              <a:t>https://www.amazon.com/dp/B01FI3BLYM</a:t>
+            </a:r>
+            <a:endParaRPr lang="en-US" sz="1400" dirty="0"/>
+          </a:p>
+          <a:p>
+            <a:pPr marL="285750" indent="-285750">
+              <a:buFont typeface="Arial" panose="020B0604020202020204" pitchFamily="34" charset="0"/>
+              <a:buChar char="•"/>
+            </a:pPr>
+            <a:r>
+              <a:rPr lang="en-US" sz="1400" b="0" i="0" dirty="0" err="1">
+                <a:effectLst/>
+                <a:latin typeface="fkGroteskNeue"/>
+              </a:rPr>
+              <a:t>iSpring</a:t>
+            </a:r>
+            <a:r>
+              <a:rPr lang="en-US" sz="1400" b="0" i="0" dirty="0">
+                <a:effectLst/>
+                <a:latin typeface="fkGroteskNeue"/>
+              </a:rPr>
+              <a:t> WGB12B 1-stage post-filter - </a:t>
+            </a:r>
+            <a:r>
+              <a:rPr lang="en-US" sz="1400" b="0" i="0" dirty="0">
+                <a:effectLst/>
+                <a:latin typeface="fkGroteskNeue"/>
+                <a:hlinkClick r:id="rId6"/>
+              </a:rPr>
+              <a:t>https://www.amazon.com/dp/B0785FZYM3</a:t>
+            </a:r>
+            <a:endParaRPr lang="en-US" sz="1400" dirty="0"/>
+          </a:p>
+        </p:txBody>
+      </p:sp>
       <p:pic>
         <p:nvPicPr>
-          <p:cNvPr id="2" name="Picture 1">
-            <a:extLst>
-              <a:ext uri="{FF2B5EF4-FFF2-40B4-BE49-F238E27FC236}">
-                <a16:creationId xmlns:a16="http://schemas.microsoft.com/office/drawing/2014/main" id="{7F00C257-2E9B-4875-698C-A97E753CCD3D}"/>
+          <p:cNvPr id="8" name="Picture 7">
+            <a:extLst>
+              <a:ext uri="{FF2B5EF4-FFF2-40B4-BE49-F238E27FC236}">
+                <a16:creationId xmlns:a16="http://schemas.microsoft.com/office/drawing/2014/main" id="{24B8EDD1-8A4D-1634-25FF-22689BD0050D}"/>
               </a:ext>
             </a:extLst>
           </p:cNvPr>
@@ -7119,7 +8992,7 @@
           <p:nvPr/>
         </p:nvPicPr>
         <p:blipFill>
-          <a:blip r:embed="rId2" cstate="email">
+          <a:blip r:embed="rId7" cstate="email">
             <a:extLst>
               <a:ext uri="{28A0092B-C50C-407E-A947-70E740481C1C}">
                 <a14:useLocalDpi xmlns:a14="http://schemas.microsoft.com/office/drawing/2010/main"/>
@@ -7132,178 +9005,25 @@
         </p:blipFill>
         <p:spPr>
           <a:xfrm>
-            <a:off x="156648" y="177626"/>
-            <a:ext cx="6521739" cy="4632370"/>
+            <a:off x="6167605" y="2881359"/>
+            <a:ext cx="2070924" cy="2442182"/>
           </a:xfrm>
           <a:prstGeom prst="rect">
             <a:avLst/>
           </a:prstGeom>
+          <a:ln>
+            <a:solidFill>
+              <a:srgbClr val="FF0000"/>
+            </a:solidFill>
+          </a:ln>
         </p:spPr>
       </p:pic>
-      <p:sp>
-        <p:nvSpPr>
-          <p:cNvPr id="3" name="TextBox 2">
-            <a:extLst>
-              <a:ext uri="{FF2B5EF4-FFF2-40B4-BE49-F238E27FC236}">
-                <a16:creationId xmlns:a16="http://schemas.microsoft.com/office/drawing/2014/main" id="{D4FFA798-33DE-E4EC-D1CC-81C127EE9366}"/>
-              </a:ext>
-            </a:extLst>
-          </p:cNvPr>
-          <p:cNvSpPr txBox="1"/>
-          <p:nvPr/>
-        </p:nvSpPr>
-        <p:spPr>
-          <a:xfrm>
-            <a:off x="7610894" y="55510"/>
-            <a:ext cx="4162963" cy="523220"/>
-          </a:xfrm>
-          <a:prstGeom prst="rect">
-            <a:avLst/>
-          </a:prstGeom>
-          <a:noFill/>
-        </p:spPr>
-        <p:txBody>
-          <a:bodyPr wrap="square" rtlCol="0">
-            <a:spAutoFit/>
-          </a:bodyPr>
-          <a:lstStyle/>
-          <a:p>
-            <a:r>
-              <a:rPr lang="en-US" sz="1400"/>
-              <a:t>Good overview of how well and tanks work together:</a:t>
-            </a:r>
-            <a:br>
-              <a:rPr lang="en-US" sz="1400"/>
-            </a:br>
-            <a:r>
-              <a:rPr lang="en-US" sz="1400"/>
-              <a:t>.. </a:t>
-            </a:r>
-            <a:r>
-              <a:rPr lang="en-US" sz="1400">
-                <a:hlinkClick r:id="rId3"/>
-              </a:rPr>
-              <a:t>https://www.youtube.com/watch?v=X4TZoFIsE2w</a:t>
-            </a:r>
-            <a:endParaRPr lang="en-US" sz="1400"/>
-          </a:p>
-        </p:txBody>
-      </p:sp>
       <p:pic>
         <p:nvPicPr>
-          <p:cNvPr id="5" name="Picture 4">
-            <a:extLst>
-              <a:ext uri="{FF2B5EF4-FFF2-40B4-BE49-F238E27FC236}">
-                <a16:creationId xmlns:a16="http://schemas.microsoft.com/office/drawing/2014/main" id="{0715600A-4014-50EA-5DCD-38FB9266DDBB}"/>
-              </a:ext>
-            </a:extLst>
-          </p:cNvPr>
-          <p:cNvPicPr>
-            <a:picLocks noChangeAspect="1"/>
-          </p:cNvPicPr>
-          <p:nvPr/>
-        </p:nvPicPr>
-        <p:blipFill rotWithShape="1">
-          <a:blip r:embed="rId4" cstate="email">
-            <a:extLst>
-              <a:ext uri="{28A0092B-C50C-407E-A947-70E740481C1C}">
-                <a14:useLocalDpi xmlns:a14="http://schemas.microsoft.com/office/drawing/2010/main"/>
-              </a:ext>
-            </a:extLst>
-          </a:blip>
-          <a:srcRect/>
-          <a:stretch/>
-        </p:blipFill>
-        <p:spPr>
-          <a:xfrm>
-            <a:off x="7741085" y="611200"/>
-            <a:ext cx="3670126" cy="2141216"/>
-          </a:xfrm>
-          <a:prstGeom prst="rect">
-            <a:avLst/>
-          </a:prstGeom>
-        </p:spPr>
-      </p:pic>
-      <p:sp>
-        <p:nvSpPr>
-          <p:cNvPr id="6" name="TextBox 5">
-            <a:extLst>
-              <a:ext uri="{FF2B5EF4-FFF2-40B4-BE49-F238E27FC236}">
-                <a16:creationId xmlns:a16="http://schemas.microsoft.com/office/drawing/2014/main" id="{BF36CA4E-9BCB-1838-CDC0-E268EDAC5BCC}"/>
-              </a:ext>
-            </a:extLst>
-          </p:cNvPr>
-          <p:cNvSpPr txBox="1"/>
-          <p:nvPr/>
-        </p:nvSpPr>
-        <p:spPr>
-          <a:xfrm>
-            <a:off x="1215100" y="5671047"/>
-            <a:ext cx="5235805" cy="1169551"/>
-          </a:xfrm>
-          <a:prstGeom prst="rect">
-            <a:avLst/>
-          </a:prstGeom>
-          <a:noFill/>
-        </p:spPr>
-        <p:txBody>
-          <a:bodyPr wrap="square" rtlCol="0">
-            <a:spAutoFit/>
-          </a:bodyPr>
-          <a:lstStyle/>
-          <a:p>
-            <a:pPr marL="285750" indent="-285750">
-              <a:buFont typeface="Arial" panose="020B0604020202020204" pitchFamily="34" charset="0"/>
-              <a:buChar char="•"/>
-            </a:pPr>
-            <a:r>
-              <a:rPr lang="en-US" sz="1400"/>
-              <a:t>Check valve (passes water only in one direction)</a:t>
-            </a:r>
-          </a:p>
-          <a:p>
-            <a:pPr marL="285750" indent="-285750">
-              <a:buFont typeface="Arial" panose="020B0604020202020204" pitchFamily="34" charset="0"/>
-              <a:buChar char="•"/>
-            </a:pPr>
-            <a:r>
-              <a:rPr lang="en-US" sz="1400" b="1">
-                <a:solidFill>
-                  <a:srgbClr val="FF0000"/>
-                </a:solidFill>
-              </a:rPr>
-              <a:t>"Well-T" or "Well Manifold"</a:t>
-            </a:r>
-            <a:br>
-              <a:rPr lang="en-US" sz="1400"/>
-            </a:br>
-            <a:r>
-              <a:rPr lang="en-US" sz="1400"/>
-              <a:t>The gaige shows pressure as it goes up/down</a:t>
-            </a:r>
-            <a:br>
-              <a:rPr lang="en-US" sz="1400"/>
-            </a:br>
-            <a:r>
-              <a:rPr lang="en-US" sz="1400"/>
-              <a:t>Pressure switch turns pump on/off</a:t>
-            </a:r>
-            <a:br>
-              <a:rPr lang="en-US" sz="1400"/>
-            </a:br>
-            <a:r>
-              <a:rPr lang="en-US" sz="1400"/>
-              <a:t>Safety switch (safety valve) to release pressure above ... (75 psi ?)</a:t>
-            </a:r>
-          </a:p>
-        </p:txBody>
-      </p:sp>
-      <p:pic>
-        <p:nvPicPr>
-          <p:cNvPr id="7" name="Picture 6">
-            <a:extLst>
-              <a:ext uri="{FF2B5EF4-FFF2-40B4-BE49-F238E27FC236}">
-                <a16:creationId xmlns:a16="http://schemas.microsoft.com/office/drawing/2014/main" id="{BAB19D81-C676-39C9-D0A7-0163509A7F1D}"/>
+          <p:cNvPr id="3" name="Picture 2">
+            <a:extLst>
+              <a:ext uri="{FF2B5EF4-FFF2-40B4-BE49-F238E27FC236}">
+                <a16:creationId xmlns:a16="http://schemas.microsoft.com/office/drawing/2014/main" id="{9CF3806D-F64C-B15C-25EF-83C9772DC8CF}"/>
               </a:ext>
             </a:extLst>
           </p:cNvPr>
@@ -7313,7 +9033,7 @@
           <p:nvPr/>
         </p:nvPicPr>
         <p:blipFill>
-          <a:blip r:embed="rId5" cstate="email">
+          <a:blip r:embed="rId8" cstate="email">
             <a:extLst>
               <a:ext uri="{28A0092B-C50C-407E-A947-70E740481C1C}">
                 <a14:useLocalDpi xmlns:a14="http://schemas.microsoft.com/office/drawing/2010/main"/>
@@ -7326,20 +9046,107 @@
         </p:blipFill>
         <p:spPr>
           <a:xfrm>
-            <a:off x="7966552" y="3780802"/>
-            <a:ext cx="3281541" cy="1890245"/>
+            <a:off x="697580" y="3429000"/>
+            <a:ext cx="773416" cy="1282417"/>
           </a:xfrm>
           <a:prstGeom prst="rect">
             <a:avLst/>
           </a:prstGeom>
+          <a:ln>
+            <a:solidFill>
+              <a:srgbClr val="FF0000"/>
+            </a:solidFill>
+          </a:ln>
         </p:spPr>
       </p:pic>
-      <p:sp>
-        <p:nvSpPr>
-          <p:cNvPr id="8" name="Right Arrow 7">
-            <a:extLst>
-              <a:ext uri="{FF2B5EF4-FFF2-40B4-BE49-F238E27FC236}">
-                <a16:creationId xmlns:a16="http://schemas.microsoft.com/office/drawing/2014/main" id="{CE25F385-45EA-0DE0-64F6-34CBF533582B}"/>
+      <p:pic>
+        <p:nvPicPr>
+          <p:cNvPr id="4" name="Picture 3">
+            <a:extLst>
+              <a:ext uri="{FF2B5EF4-FFF2-40B4-BE49-F238E27FC236}">
+                <a16:creationId xmlns:a16="http://schemas.microsoft.com/office/drawing/2014/main" id="{BD3E47FA-BF77-24C2-F590-9ED05DB187DA}"/>
+              </a:ext>
+            </a:extLst>
+          </p:cNvPr>
+          <p:cNvPicPr>
+            <a:picLocks noChangeAspect="1"/>
+          </p:cNvPicPr>
+          <p:nvPr/>
+        </p:nvPicPr>
+        <p:blipFill>
+          <a:blip r:embed="rId9" cstate="email">
+            <a:extLst>
+              <a:ext uri="{28A0092B-C50C-407E-A947-70E740481C1C}">
+                <a14:useLocalDpi xmlns:a14="http://schemas.microsoft.com/office/drawing/2010/main"/>
+              </a:ext>
+            </a:extLst>
+          </a:blip>
+          <a:stretch>
+            <a:fillRect/>
+          </a:stretch>
+        </p:blipFill>
+        <p:spPr>
+          <a:xfrm>
+            <a:off x="9504163" y="3016297"/>
+            <a:ext cx="1692337" cy="2107820"/>
+          </a:xfrm>
+          <a:prstGeom prst="rect">
+            <a:avLst/>
+          </a:prstGeom>
+          <a:ln>
+            <a:solidFill>
+              <a:srgbClr val="FF0000"/>
+            </a:solidFill>
+          </a:ln>
+        </p:spPr>
+      </p:pic>
+      <p:pic>
+        <p:nvPicPr>
+          <p:cNvPr id="5" name="Picture 4">
+            <a:extLst>
+              <a:ext uri="{FF2B5EF4-FFF2-40B4-BE49-F238E27FC236}">
+                <a16:creationId xmlns:a16="http://schemas.microsoft.com/office/drawing/2014/main" id="{0650A8A4-4BF2-F3C0-A581-23487466D92B}"/>
+              </a:ext>
+            </a:extLst>
+          </p:cNvPr>
+          <p:cNvPicPr>
+            <a:picLocks noChangeAspect="1"/>
+          </p:cNvPicPr>
+          <p:nvPr/>
+        </p:nvPicPr>
+        <p:blipFill>
+          <a:blip r:embed="rId10" cstate="email">
+            <a:extLst>
+              <a:ext uri="{28A0092B-C50C-407E-A947-70E740481C1C}">
+                <a14:useLocalDpi xmlns:a14="http://schemas.microsoft.com/office/drawing/2010/main"/>
+              </a:ext>
+            </a:extLst>
+          </a:blip>
+          <a:stretch>
+            <a:fillRect/>
+          </a:stretch>
+        </p:blipFill>
+        <p:spPr>
+          <a:xfrm>
+            <a:off x="2736630" y="2818179"/>
+            <a:ext cx="2165341" cy="2568542"/>
+          </a:xfrm>
+          <a:prstGeom prst="rect">
+            <a:avLst/>
+          </a:prstGeom>
+          <a:ln>
+            <a:solidFill>
+              <a:srgbClr val="FF0000"/>
+            </a:solidFill>
+          </a:ln>
+        </p:spPr>
+      </p:pic>
+      <p:sp>
+        <p:nvSpPr>
+          <p:cNvPr id="6" name="Down Arrow 5">
+            <a:extLst>
+              <a:ext uri="{FF2B5EF4-FFF2-40B4-BE49-F238E27FC236}">
+                <a16:creationId xmlns:a16="http://schemas.microsoft.com/office/drawing/2014/main" id="{A8A4BF15-8595-9564-77BA-3D6D4C1DEB1C}"/>
               </a:ext>
             </a:extLst>
           </p:cNvPr>
@@ -7347,16 +9154,13 @@
           <p:nvPr/>
         </p:nvSpPr>
         <p:spPr>
-          <a:xfrm rot="20404076" flipV="1">
-            <a:off x="6162420" y="5649089"/>
-            <a:ext cx="1649033" cy="226904"/>
-          </a:xfrm>
-          <a:prstGeom prst="rightArrow">
+          <a:xfrm rot="16200000">
+            <a:off x="1999032" y="4000493"/>
+            <a:ext cx="184790" cy="388704"/>
+          </a:xfrm>
+          <a:prstGeom prst="downArrow">
             <a:avLst/>
           </a:prstGeom>
-          <a:solidFill>
-            <a:srgbClr val="FFFF00"/>
-          </a:solidFill>
         </p:spPr>
         <p:style>
           <a:lnRef idx="2">
@@ -7385,10 +9189,10 @@
       </p:sp>
       <p:sp>
         <p:nvSpPr>
-          <p:cNvPr id="9" name="Right Arrow 8">
-            <a:extLst>
-              <a:ext uri="{FF2B5EF4-FFF2-40B4-BE49-F238E27FC236}">
-                <a16:creationId xmlns:a16="http://schemas.microsoft.com/office/drawing/2014/main" id="{F9C2C459-DE34-505D-2276-648D75B4F33F}"/>
+          <p:cNvPr id="9" name="Down Arrow 8">
+            <a:extLst>
+              <a:ext uri="{FF2B5EF4-FFF2-40B4-BE49-F238E27FC236}">
+                <a16:creationId xmlns:a16="http://schemas.microsoft.com/office/drawing/2014/main" id="{28E4B2BF-1A3F-542B-764B-302B60ABEB07}"/>
               </a:ext>
             </a:extLst>
           </p:cNvPr>
@@ -7396,16 +9200,13 @@
           <p:nvPr/>
         </p:nvSpPr>
         <p:spPr>
-          <a:xfrm rot="16423705">
-            <a:off x="2379489" y="4258624"/>
-            <a:ext cx="2478784" cy="234558"/>
-          </a:xfrm>
-          <a:prstGeom prst="rightArrow">
+          <a:xfrm rot="16200000">
+            <a:off x="5307621" y="3968251"/>
+            <a:ext cx="184790" cy="388704"/>
+          </a:xfrm>
+          <a:prstGeom prst="downArrow">
             <a:avLst/>
           </a:prstGeom>
-          <a:solidFill>
-            <a:srgbClr val="FFFF00"/>
-          </a:solidFill>
         </p:spPr>
         <p:style>
           <a:lnRef idx="2">
@@ -7434,774 +9235,54 @@
       </p:sp>
       <p:sp>
         <p:nvSpPr>
-          <p:cNvPr id="10" name="TextBox 9">
-            <a:extLst>
-              <a:ext uri="{FF2B5EF4-FFF2-40B4-BE49-F238E27FC236}">
-                <a16:creationId xmlns:a16="http://schemas.microsoft.com/office/drawing/2014/main" id="{5E541FAC-5213-E374-C754-CF510BFFDCF1}"/>
-              </a:ext>
-            </a:extLst>
-          </p:cNvPr>
-          <p:cNvSpPr txBox="1"/>
+          <p:cNvPr id="10" name="Down Arrow 9">
+            <a:extLst>
+              <a:ext uri="{FF2B5EF4-FFF2-40B4-BE49-F238E27FC236}">
+                <a16:creationId xmlns:a16="http://schemas.microsoft.com/office/drawing/2014/main" id="{8625809B-1DB2-6962-4980-B475DD0905AC}"/>
+              </a:ext>
+            </a:extLst>
+          </p:cNvPr>
+          <p:cNvSpPr/>
           <p:nvPr/>
         </p:nvSpPr>
         <p:spPr>
-          <a:xfrm>
-            <a:off x="7875112" y="5688615"/>
-            <a:ext cx="3670126" cy="738664"/>
-          </a:xfrm>
-          <a:prstGeom prst="rect">
+          <a:xfrm rot="16200000">
+            <a:off x="8815962" y="3950966"/>
+            <a:ext cx="184790" cy="388704"/>
+          </a:xfrm>
+          <a:prstGeom prst="downArrow">
             <a:avLst/>
           </a:prstGeom>
-          <a:noFill/>
-        </p:spPr>
-        <p:txBody>
-          <a:bodyPr wrap="square" rtlCol="0">
-            <a:spAutoFit/>
-          </a:bodyPr>
-          <a:lstStyle/>
-          <a:p>
-            <a:r>
-              <a:rPr lang="en-US" sz="1400" dirty="0">
-                <a:hlinkClick r:id="rId6"/>
-              </a:rPr>
-              <a:t>https://www.amazon.com/Harvard-Boshart-installation-Pressure-pressure/dp/B078WCYK88</a:t>
-            </a:r>
-            <a:r>
-              <a:rPr lang="en-US" sz="1400" dirty="0"/>
-              <a:t> </a:t>
-            </a:r>
-          </a:p>
-          <a:p>
-            <a:r>
-              <a:rPr lang="en-US" sz="1400" b="1" dirty="0">
-                <a:solidFill>
-                  <a:srgbClr val="FF0000"/>
-                </a:solidFill>
-              </a:rPr>
-              <a:t>$115</a:t>
-            </a:r>
+        </p:spPr>
+        <p:style>
+          <a:lnRef idx="2">
+            <a:schemeClr val="accent1">
+              <a:shade val="50000"/>
+            </a:schemeClr>
+          </a:lnRef>
+          <a:fillRef idx="1">
+            <a:schemeClr val="accent1"/>
+          </a:fillRef>
+          <a:effectRef idx="0">
+            <a:schemeClr val="accent1"/>
+          </a:effectRef>
+          <a:fontRef idx="minor">
+            <a:schemeClr val="lt1"/>
+          </a:fontRef>
+        </p:style>
+        <p:txBody>
+          <a:bodyPr rtlCol="0" anchor="ctr"/>
+          <a:lstStyle/>
+          <a:p>
+            <a:pPr algn="ctr"/>
+            <a:endParaRPr lang="en-US"/>
           </a:p>
         </p:txBody>
       </p:sp>
     </p:spTree>
     <p:extLst>
       <p:ext uri="{BB962C8B-B14F-4D97-AF65-F5344CB8AC3E}">
-        <p14:creationId xmlns:p14="http://schemas.microsoft.com/office/powerpoint/2010/main" val="2443117508"/>
-      </p:ext>
-    </p:extLst>
-  </p:cSld>
-  <p:clrMapOvr>
-    <a:masterClrMapping/>
-  </p:clrMapOvr>
-</p:sld>
-</file>
-
-<file path=ppt/slides/slide5.xml><?xml version="1.0" encoding="utf-8"?>
-<p:sld xmlns:a="http://schemas.openxmlformats.org/drawingml/2006/main" xmlns:r="http://schemas.openxmlformats.org/officeDocument/2006/relationships" xmlns:p="http://schemas.openxmlformats.org/presentationml/2006/main">
-  <p:cSld>
-    <p:spTree>
-      <p:nvGrpSpPr>
-        <p:cNvPr id="1" name=""/>
-        <p:cNvGrpSpPr/>
-        <p:nvPr/>
-      </p:nvGrpSpPr>
-      <p:grpSpPr>
-        <a:xfrm>
-          <a:off x="0" y="0"/>
-          <a:ext cx="0" cy="0"/>
-          <a:chOff x="0" y="0"/>
-          <a:chExt cx="0" cy="0"/>
-        </a:xfrm>
-      </p:grpSpPr>
-      <p:sp>
-        <p:nvSpPr>
-          <p:cNvPr id="2" name="TextBox 1">
-            <a:extLst>
-              <a:ext uri="{FF2B5EF4-FFF2-40B4-BE49-F238E27FC236}">
-                <a16:creationId xmlns:a16="http://schemas.microsoft.com/office/drawing/2014/main" id="{4757653A-2EE0-DEBC-A2B7-206AC9A7185D}"/>
-              </a:ext>
-            </a:extLst>
-          </p:cNvPr>
-          <p:cNvSpPr txBox="1"/>
-          <p:nvPr/>
-        </p:nvSpPr>
-        <p:spPr>
-          <a:xfrm>
-            <a:off x="6812563" y="400799"/>
-            <a:ext cx="4065499" cy="1908215"/>
-          </a:xfrm>
-          <a:prstGeom prst="rect">
-            <a:avLst/>
-          </a:prstGeom>
-          <a:noFill/>
-        </p:spPr>
-        <p:txBody>
-          <a:bodyPr wrap="square" rtlCol="0">
-            <a:spAutoFit/>
-          </a:bodyPr>
-          <a:lstStyle/>
-          <a:p>
-            <a:r>
-              <a:rPr lang="en-US" sz="1400" dirty="0"/>
-              <a:t>Why </a:t>
-            </a:r>
-            <a:r>
-              <a:rPr lang="en-US" sz="1400" dirty="0" err="1"/>
-              <a:t>WellXTrol</a:t>
-            </a:r>
-            <a:r>
-              <a:rPr lang="en-US" sz="1400" dirty="0"/>
-              <a:t> is the BEST Water Well Pressure Tank. </a:t>
-            </a:r>
-          </a:p>
-          <a:p>
-            <a:r>
-              <a:rPr lang="en-US" sz="1400" dirty="0"/>
-              <a:t>(150 PSI) </a:t>
-            </a:r>
-          </a:p>
-          <a:p>
-            <a:r>
-              <a:rPr lang="en-US" sz="1000" dirty="0"/>
-              <a:t>.. </a:t>
-            </a:r>
-            <a:r>
-              <a:rPr lang="en-US" sz="1000" dirty="0">
-                <a:hlinkClick r:id="rId2"/>
-              </a:rPr>
-              <a:t>https://www.youtube.com/watch?v=MmHRJSzZltI</a:t>
-            </a:r>
-            <a:endParaRPr lang="en-US" sz="1000" dirty="0"/>
-          </a:p>
-          <a:p>
-            <a:endParaRPr lang="en-US" sz="1400" dirty="0"/>
-          </a:p>
-          <a:p>
-            <a:r>
-              <a:rPr lang="en-US" sz="1400" dirty="0"/>
-              <a:t>How </a:t>
-            </a:r>
-            <a:r>
-              <a:rPr lang="en-US" sz="1400" dirty="0" err="1"/>
-              <a:t>WellXTroll</a:t>
-            </a:r>
-            <a:r>
-              <a:rPr lang="en-US" sz="1400" dirty="0"/>
-              <a:t> tanks are made</a:t>
-            </a:r>
-          </a:p>
-          <a:p>
-            <a:r>
-              <a:rPr lang="en-US" sz="1000" dirty="0"/>
-              <a:t>.. </a:t>
-            </a:r>
-            <a:r>
-              <a:rPr lang="en-US" sz="1000" dirty="0">
-                <a:hlinkClick r:id="rId3"/>
-              </a:rPr>
-              <a:t>https://www.youtube.com/watch?v=IhBifh7nCtg</a:t>
-            </a:r>
-            <a:endParaRPr lang="en-US" sz="1000" dirty="0"/>
-          </a:p>
-          <a:p>
-            <a:endParaRPr lang="en-US" sz="1400" dirty="0"/>
-          </a:p>
-          <a:p>
-            <a:r>
-              <a:rPr lang="en-US" sz="1400" dirty="0"/>
-              <a:t>Shop </a:t>
-            </a:r>
-            <a:r>
-              <a:rPr lang="en-US" sz="1400" dirty="0" err="1"/>
-              <a:t>Amtrol</a:t>
-            </a:r>
-            <a:r>
-              <a:rPr lang="en-US" sz="1400" dirty="0"/>
-              <a:t> Well-X-</a:t>
-            </a:r>
-            <a:r>
-              <a:rPr lang="en-US" sz="1400" dirty="0" err="1"/>
-              <a:t>Trol</a:t>
-            </a:r>
-            <a:r>
-              <a:rPr lang="en-US" sz="1400" dirty="0"/>
-              <a:t> tanks ($700-$1,000):</a:t>
-            </a:r>
-          </a:p>
-          <a:p>
-            <a:r>
-              <a:rPr lang="en-US" sz="1000" dirty="0"/>
-              <a:t>.. </a:t>
-            </a:r>
-            <a:r>
-              <a:rPr lang="en-US" sz="1000" dirty="0">
-                <a:hlinkClick r:id="rId4"/>
-              </a:rPr>
-              <a:t>https://www.rcworst.com/Amtrol/Well-X-Trol-c225.html</a:t>
-            </a:r>
-            <a:endParaRPr lang="en-US" sz="1000" dirty="0"/>
-          </a:p>
-        </p:txBody>
-      </p:sp>
-      <p:pic>
-        <p:nvPicPr>
-          <p:cNvPr id="3" name="Picture 2">
-            <a:extLst>
-              <a:ext uri="{FF2B5EF4-FFF2-40B4-BE49-F238E27FC236}">
-                <a16:creationId xmlns:a16="http://schemas.microsoft.com/office/drawing/2014/main" id="{7ADB0ECE-D5DF-922D-7CE6-23B98691D7F1}"/>
-              </a:ext>
-            </a:extLst>
-          </p:cNvPr>
-          <p:cNvPicPr>
-            <a:picLocks noChangeAspect="1"/>
-          </p:cNvPicPr>
-          <p:nvPr/>
-        </p:nvPicPr>
-        <p:blipFill>
-          <a:blip r:embed="rId5" cstate="email">
-            <a:extLst>
-              <a:ext uri="{28A0092B-C50C-407E-A947-70E740481C1C}">
-                <a14:useLocalDpi xmlns:a14="http://schemas.microsoft.com/office/drawing/2010/main"/>
-              </a:ext>
-            </a:extLst>
-          </a:blip>
-          <a:stretch>
-            <a:fillRect/>
-          </a:stretch>
-        </p:blipFill>
-        <p:spPr>
-          <a:xfrm>
-            <a:off x="10157589" y="673745"/>
-            <a:ext cx="1955800" cy="5422900"/>
-          </a:xfrm>
-          <a:prstGeom prst="rect">
-            <a:avLst/>
-          </a:prstGeom>
-        </p:spPr>
-      </p:pic>
-      <p:sp>
-        <p:nvSpPr>
-          <p:cNvPr id="4" name="TextBox 3">
-            <a:extLst>
-              <a:ext uri="{FF2B5EF4-FFF2-40B4-BE49-F238E27FC236}">
-                <a16:creationId xmlns:a16="http://schemas.microsoft.com/office/drawing/2014/main" id="{BCE4B47E-2CD3-53EB-166D-BFA25D1479B3}"/>
-              </a:ext>
-            </a:extLst>
-          </p:cNvPr>
-          <p:cNvSpPr txBox="1"/>
-          <p:nvPr/>
-        </p:nvSpPr>
-        <p:spPr>
-          <a:xfrm>
-            <a:off x="204735" y="350579"/>
-            <a:ext cx="3747155" cy="2462213"/>
-          </a:xfrm>
-          <a:prstGeom prst="rect">
-            <a:avLst/>
-          </a:prstGeom>
-          <a:noFill/>
-        </p:spPr>
-        <p:txBody>
-          <a:bodyPr wrap="square" rtlCol="0">
-            <a:spAutoFit/>
-          </a:bodyPr>
-          <a:lstStyle/>
-          <a:p>
-            <a:r>
-              <a:rPr lang="en-US" sz="1400" b="0" i="0" dirty="0">
-                <a:solidFill>
-                  <a:srgbClr val="202124"/>
-                </a:solidFill>
-                <a:effectLst/>
-                <a:latin typeface="Google Sans"/>
-              </a:rPr>
-              <a:t>The recommended pressure is 40-60 psi.</a:t>
-            </a:r>
-          </a:p>
-          <a:p>
-            <a:r>
-              <a:rPr lang="en-US" sz="1400" b="0" i="0" dirty="0">
-                <a:solidFill>
-                  <a:srgbClr val="202124"/>
-                </a:solidFill>
-                <a:effectLst/>
-                <a:latin typeface="Google Sans"/>
-              </a:rPr>
-              <a:t>If tank and pressure switch are in the basement, </a:t>
-            </a:r>
-          </a:p>
-          <a:p>
-            <a:r>
-              <a:rPr lang="en-US" sz="1400" dirty="0">
-                <a:solidFill>
-                  <a:srgbClr val="202124"/>
-                </a:solidFill>
-                <a:latin typeface="Google Sans"/>
-              </a:rPr>
-              <a:t>and the water sink is upstairs 5 meters up, </a:t>
-            </a:r>
-          </a:p>
-          <a:p>
-            <a:r>
-              <a:rPr lang="en-US" sz="1400" dirty="0">
-                <a:solidFill>
-                  <a:srgbClr val="202124"/>
-                </a:solidFill>
-                <a:latin typeface="Google Sans"/>
-              </a:rPr>
-              <a:t>we will lose 5 m * 1.421 psi = 7.1 psi</a:t>
-            </a:r>
-          </a:p>
-          <a:p>
-            <a:endParaRPr lang="en-US" sz="1400" b="0" i="0" dirty="0">
-              <a:solidFill>
-                <a:srgbClr val="202124"/>
-              </a:solidFill>
-              <a:effectLst/>
-              <a:latin typeface="Google Sans"/>
-            </a:endParaRPr>
-          </a:p>
-          <a:p>
-            <a:r>
-              <a:rPr lang="en-US" sz="1400" dirty="0">
-                <a:solidFill>
-                  <a:srgbClr val="202124"/>
-                </a:solidFill>
-                <a:latin typeface="Google Sans"/>
-              </a:rPr>
-              <a:t>Pressure decrease </a:t>
-            </a:r>
-            <a:r>
-              <a:rPr lang="en-US" sz="1400" b="0" i="0" dirty="0">
-                <a:solidFill>
-                  <a:srgbClr val="202124"/>
-                </a:solidFill>
-                <a:effectLst/>
-                <a:latin typeface="Google Sans"/>
-              </a:rPr>
-              <a:t>due to elevation:</a:t>
-            </a:r>
-          </a:p>
-          <a:p>
-            <a:r>
-              <a:rPr lang="en-US" sz="1400" dirty="0">
-                <a:solidFill>
-                  <a:srgbClr val="202124"/>
-                </a:solidFill>
-                <a:latin typeface="Google Sans"/>
-              </a:rPr>
-              <a:t>   0.433 psi per foot of elevation</a:t>
-            </a:r>
-            <a:endParaRPr lang="en-US" sz="1400" b="0" i="0" dirty="0">
-              <a:solidFill>
-                <a:srgbClr val="202124"/>
-              </a:solidFill>
-              <a:effectLst/>
-              <a:latin typeface="Google Sans"/>
-            </a:endParaRPr>
-          </a:p>
-          <a:p>
-            <a:r>
-              <a:rPr lang="en-US" sz="1400" b="0" i="0" dirty="0">
-                <a:solidFill>
-                  <a:srgbClr val="202124"/>
-                </a:solidFill>
-                <a:effectLst/>
-                <a:latin typeface="Google Sans"/>
-              </a:rPr>
-              <a:t>   1.421 psi per meter of elevation</a:t>
-            </a:r>
-          </a:p>
-          <a:p>
-            <a:endParaRPr lang="en-US" sz="1400" dirty="0">
-              <a:solidFill>
-                <a:srgbClr val="202124"/>
-              </a:solidFill>
-              <a:latin typeface="Google Sans"/>
-            </a:endParaRPr>
-          </a:p>
-          <a:p>
-            <a:r>
-              <a:rPr lang="en-US" sz="1400" b="0" i="0" dirty="0">
-                <a:solidFill>
-                  <a:srgbClr val="202124"/>
-                </a:solidFill>
-                <a:effectLst/>
-                <a:latin typeface="Google Sans"/>
-              </a:rPr>
-              <a:t>So, </a:t>
-            </a:r>
-            <a:r>
-              <a:rPr lang="en-US" sz="1400" dirty="0">
-                <a:solidFill>
-                  <a:srgbClr val="202124"/>
-                </a:solidFill>
-                <a:latin typeface="Google Sans"/>
-              </a:rPr>
-              <a:t>we need at least 50 psi downstairs</a:t>
-            </a:r>
-            <a:endParaRPr lang="en-US" sz="1400" b="0" i="0" dirty="0">
-              <a:solidFill>
-                <a:srgbClr val="202124"/>
-              </a:solidFill>
-              <a:effectLst/>
-              <a:latin typeface="Google Sans"/>
-            </a:endParaRPr>
-          </a:p>
-          <a:p>
-            <a:r>
-              <a:rPr lang="en-US" sz="1400" b="0" i="0" dirty="0">
-                <a:solidFill>
-                  <a:srgbClr val="202124"/>
-                </a:solidFill>
-                <a:effectLst/>
-                <a:latin typeface="Google Sans"/>
-              </a:rPr>
-              <a:t>to ensure </a:t>
-            </a:r>
-            <a:r>
-              <a:rPr lang="en-US" sz="1400" dirty="0">
-                <a:solidFill>
-                  <a:srgbClr val="202124"/>
-                </a:solidFill>
-                <a:latin typeface="Google Sans"/>
-              </a:rPr>
-              <a:t>at least 40 psi upstairs.</a:t>
-            </a:r>
-          </a:p>
-        </p:txBody>
-      </p:sp>
-      <p:sp>
-        <p:nvSpPr>
-          <p:cNvPr id="5" name="TextBox 4">
-            <a:extLst>
-              <a:ext uri="{FF2B5EF4-FFF2-40B4-BE49-F238E27FC236}">
-                <a16:creationId xmlns:a16="http://schemas.microsoft.com/office/drawing/2014/main" id="{5A717063-1323-D26D-881F-F1707ADCEA36}"/>
-              </a:ext>
-            </a:extLst>
-          </p:cNvPr>
-          <p:cNvSpPr txBox="1"/>
-          <p:nvPr/>
-        </p:nvSpPr>
-        <p:spPr>
-          <a:xfrm>
-            <a:off x="173204" y="3020207"/>
-            <a:ext cx="4304203" cy="738664"/>
-          </a:xfrm>
-          <a:prstGeom prst="rect">
-            <a:avLst/>
-          </a:prstGeom>
-          <a:noFill/>
-        </p:spPr>
-        <p:txBody>
-          <a:bodyPr wrap="square" rtlCol="0">
-            <a:spAutoFit/>
-          </a:bodyPr>
-          <a:lstStyle/>
-          <a:p>
-            <a:r>
-              <a:rPr lang="en-US" sz="1400" dirty="0">
-                <a:solidFill>
-                  <a:srgbClr val="202124"/>
-                </a:solidFill>
-                <a:latin typeface="Google Sans"/>
-              </a:rPr>
-              <a:t>S</a:t>
-            </a:r>
-            <a:r>
-              <a:rPr lang="en-US" sz="1400" b="0" i="0" dirty="0">
-                <a:solidFill>
-                  <a:srgbClr val="202124"/>
-                </a:solidFill>
-                <a:effectLst/>
-                <a:latin typeface="Google Sans"/>
-              </a:rPr>
-              <a:t>tandard garden hose in the US has a female connector designed to screw onto the male 3 / 4 inch spigot (tap) with NHT (National Hose Thread).</a:t>
-            </a:r>
-          </a:p>
-        </p:txBody>
-      </p:sp>
-    </p:spTree>
-    <p:extLst>
-      <p:ext uri="{BB962C8B-B14F-4D97-AF65-F5344CB8AC3E}">
-        <p14:creationId xmlns:p14="http://schemas.microsoft.com/office/powerpoint/2010/main" val="4193960748"/>
-      </p:ext>
-    </p:extLst>
-  </p:cSld>
-  <p:clrMapOvr>
-    <a:masterClrMapping/>
-  </p:clrMapOvr>
-</p:sld>
-</file>
-
-<file path=ppt/slides/slide6.xml><?xml version="1.0" encoding="utf-8"?>
-<p:sld xmlns:a="http://schemas.openxmlformats.org/drawingml/2006/main" xmlns:r="http://schemas.openxmlformats.org/officeDocument/2006/relationships" xmlns:p="http://schemas.openxmlformats.org/presentationml/2006/main">
-  <p:cSld>
-    <p:spTree>
-      <p:nvGrpSpPr>
-        <p:cNvPr id="1" name=""/>
-        <p:cNvGrpSpPr/>
-        <p:nvPr/>
-      </p:nvGrpSpPr>
-      <p:grpSpPr>
-        <a:xfrm>
-          <a:off x="0" y="0"/>
-          <a:ext cx="0" cy="0"/>
-          <a:chOff x="0" y="0"/>
-          <a:chExt cx="0" cy="0"/>
-        </a:xfrm>
-      </p:grpSpPr>
-      <p:sp>
-        <p:nvSpPr>
-          <p:cNvPr id="2" name="TextBox 1">
-            <a:extLst>
-              <a:ext uri="{FF2B5EF4-FFF2-40B4-BE49-F238E27FC236}">
-                <a16:creationId xmlns:a16="http://schemas.microsoft.com/office/drawing/2014/main" id="{4757653A-2EE0-DEBC-A2B7-206AC9A7185D}"/>
-              </a:ext>
-            </a:extLst>
-          </p:cNvPr>
-          <p:cNvSpPr txBox="1"/>
-          <p:nvPr/>
-        </p:nvSpPr>
-        <p:spPr>
-          <a:xfrm>
-            <a:off x="134043" y="197544"/>
-            <a:ext cx="5846343" cy="2693045"/>
-          </a:xfrm>
-          <a:prstGeom prst="rect">
-            <a:avLst/>
-          </a:prstGeom>
-          <a:noFill/>
-        </p:spPr>
-        <p:txBody>
-          <a:bodyPr wrap="square" rtlCol="0">
-            <a:spAutoFit/>
-          </a:bodyPr>
-          <a:lstStyle/>
-          <a:p>
-            <a:r>
-              <a:rPr lang="en-US" sz="1300" dirty="0"/>
-              <a:t>Problem: opening water in the bathtub results in a weak water stream in the sink</a:t>
-            </a:r>
-          </a:p>
-          <a:p>
-            <a:r>
-              <a:rPr lang="en-US" sz="1300" dirty="0"/>
-              <a:t>Possible reason: water pressure or the plumbing system design (narrow and bent tubes).</a:t>
-            </a:r>
-          </a:p>
-          <a:p>
-            <a:endParaRPr lang="en-US" sz="1300" dirty="0"/>
-          </a:p>
-          <a:p>
-            <a:r>
-              <a:rPr lang="en-US" sz="1300" dirty="0"/>
-              <a:t>Water Pressure: should be around 40-60 psi (pounds per square inch).</a:t>
-            </a:r>
-          </a:p>
-          <a:p>
-            <a:r>
-              <a:rPr lang="en-US" sz="1300" dirty="0"/>
-              <a:t>You can measure the water pressure using a pressure gauge attached to a spigot outside the house.</a:t>
-            </a:r>
-          </a:p>
-          <a:p>
-            <a:endParaRPr lang="en-US" sz="1300" dirty="0"/>
-          </a:p>
-          <a:p>
-            <a:r>
-              <a:rPr lang="en-US" sz="1300" dirty="0"/>
-              <a:t>Solutions:</a:t>
-            </a:r>
-          </a:p>
-          <a:p>
-            <a:r>
-              <a:rPr lang="en-US" sz="1300" dirty="0"/>
-              <a:t> - Changing pipes (larger is better)</a:t>
-            </a:r>
-          </a:p>
-          <a:p>
-            <a:r>
-              <a:rPr lang="en-US" sz="1300" dirty="0"/>
-              <a:t> - Installing a Water Pressure Booster System can help.</a:t>
-            </a:r>
-          </a:p>
-          <a:p>
-            <a:r>
-              <a:rPr lang="en-US" sz="1300" dirty="0"/>
-              <a:t> - Bigger Water Tank might help if water supply is running low quickly</a:t>
-            </a:r>
-          </a:p>
-          <a:p>
-            <a:r>
-              <a:rPr lang="en-US" sz="1300" dirty="0"/>
-              <a:t> - Checking for Leaks or Blockages that could reduce the pressure.</a:t>
-            </a:r>
-          </a:p>
-        </p:txBody>
-      </p:sp>
-      <p:pic>
-        <p:nvPicPr>
-          <p:cNvPr id="4" name="Picture 3">
-            <a:extLst>
-              <a:ext uri="{FF2B5EF4-FFF2-40B4-BE49-F238E27FC236}">
-                <a16:creationId xmlns:a16="http://schemas.microsoft.com/office/drawing/2014/main" id="{E4EF1ADB-2838-C61B-0E21-82786DC6C541}"/>
-              </a:ext>
-            </a:extLst>
-          </p:cNvPr>
-          <p:cNvPicPr>
-            <a:picLocks noChangeAspect="1"/>
-          </p:cNvPicPr>
-          <p:nvPr/>
-        </p:nvPicPr>
-        <p:blipFill>
-          <a:blip r:embed="rId2" cstate="email">
-            <a:extLst>
-              <a:ext uri="{28A0092B-C50C-407E-A947-70E740481C1C}">
-                <a14:useLocalDpi xmlns:a14="http://schemas.microsoft.com/office/drawing/2010/main"/>
-              </a:ext>
-            </a:extLst>
-          </a:blip>
-          <a:stretch>
-            <a:fillRect/>
-          </a:stretch>
-        </p:blipFill>
-        <p:spPr>
-          <a:xfrm>
-            <a:off x="463042" y="3121152"/>
-            <a:ext cx="1158494" cy="1713936"/>
-          </a:xfrm>
-          <a:prstGeom prst="rect">
-            <a:avLst/>
-          </a:prstGeom>
-        </p:spPr>
-      </p:pic>
-      <p:pic>
-        <p:nvPicPr>
-          <p:cNvPr id="5" name="Picture 4">
-            <a:extLst>
-              <a:ext uri="{FF2B5EF4-FFF2-40B4-BE49-F238E27FC236}">
-                <a16:creationId xmlns:a16="http://schemas.microsoft.com/office/drawing/2014/main" id="{A6FF57F3-0ED0-0E2B-34FE-8B6DB136161F}"/>
-              </a:ext>
-            </a:extLst>
-          </p:cNvPr>
-          <p:cNvPicPr>
-            <a:picLocks noChangeAspect="1"/>
-          </p:cNvPicPr>
-          <p:nvPr/>
-        </p:nvPicPr>
-        <p:blipFill>
-          <a:blip r:embed="rId3" cstate="email">
-            <a:extLst>
-              <a:ext uri="{28A0092B-C50C-407E-A947-70E740481C1C}">
-                <a14:useLocalDpi xmlns:a14="http://schemas.microsoft.com/office/drawing/2010/main"/>
-              </a:ext>
-            </a:extLst>
-          </a:blip>
-          <a:stretch>
-            <a:fillRect/>
-          </a:stretch>
-        </p:blipFill>
-        <p:spPr>
-          <a:xfrm>
-            <a:off x="2798134" y="3228848"/>
-            <a:ext cx="1371600" cy="863600"/>
-          </a:xfrm>
-          <a:prstGeom prst="rect">
-            <a:avLst/>
-          </a:prstGeom>
-        </p:spPr>
-      </p:pic>
-      <p:sp>
-        <p:nvSpPr>
-          <p:cNvPr id="6" name="TextBox 5">
-            <a:extLst>
-              <a:ext uri="{FF2B5EF4-FFF2-40B4-BE49-F238E27FC236}">
-                <a16:creationId xmlns:a16="http://schemas.microsoft.com/office/drawing/2014/main" id="{BDA59732-FAA1-13ED-4132-61700EB1A13A}"/>
-              </a:ext>
-            </a:extLst>
-          </p:cNvPr>
-          <p:cNvSpPr txBox="1"/>
-          <p:nvPr/>
-        </p:nvSpPr>
-        <p:spPr>
-          <a:xfrm>
-            <a:off x="134043" y="4835088"/>
-            <a:ext cx="2005654" cy="523220"/>
-          </a:xfrm>
-          <a:prstGeom prst="rect">
-            <a:avLst/>
-          </a:prstGeom>
-          <a:noFill/>
-        </p:spPr>
-        <p:txBody>
-          <a:bodyPr wrap="square" rtlCol="0">
-            <a:spAutoFit/>
-          </a:bodyPr>
-          <a:lstStyle/>
-          <a:p>
-            <a:r>
-              <a:rPr lang="en-US" sz="1400" dirty="0"/>
-              <a:t>Pressure Gauge 100 Psi</a:t>
-            </a:r>
-          </a:p>
-          <a:p>
-            <a:r>
-              <a:rPr lang="en-US" sz="1400" dirty="0"/>
-              <a:t>3/4" Female connector</a:t>
-            </a:r>
-          </a:p>
-        </p:txBody>
-      </p:sp>
-      <p:sp>
-        <p:nvSpPr>
-          <p:cNvPr id="7" name="TextBox 6">
-            <a:extLst>
-              <a:ext uri="{FF2B5EF4-FFF2-40B4-BE49-F238E27FC236}">
-                <a16:creationId xmlns:a16="http://schemas.microsoft.com/office/drawing/2014/main" id="{E5137809-F32E-6577-7DDA-6E3C96FB911B}"/>
-              </a:ext>
-            </a:extLst>
-          </p:cNvPr>
-          <p:cNvSpPr txBox="1"/>
-          <p:nvPr/>
-        </p:nvSpPr>
-        <p:spPr>
-          <a:xfrm>
-            <a:off x="2584635" y="4237680"/>
-            <a:ext cx="2005654" cy="954107"/>
-          </a:xfrm>
-          <a:prstGeom prst="rect">
-            <a:avLst/>
-          </a:prstGeom>
-          <a:noFill/>
-        </p:spPr>
-        <p:txBody>
-          <a:bodyPr wrap="square" rtlCol="0">
-            <a:spAutoFit/>
-          </a:bodyPr>
-          <a:lstStyle/>
-          <a:p>
-            <a:r>
-              <a:rPr lang="en-US" sz="1400" dirty="0" err="1"/>
-              <a:t>Camco</a:t>
-            </a:r>
-            <a:r>
-              <a:rPr lang="en-US" sz="1400" dirty="0"/>
-              <a:t> Water Bandit</a:t>
-            </a:r>
-          </a:p>
-          <a:p>
-            <a:r>
-              <a:rPr lang="en-US" sz="1400" dirty="0"/>
-              <a:t>Flexible Silicone-Polymer Sleeve &amp; ABS Male Water Hose Connection</a:t>
-            </a:r>
-          </a:p>
-        </p:txBody>
-      </p:sp>
-    </p:spTree>
-    <p:extLst>
-      <p:ext uri="{BB962C8B-B14F-4D97-AF65-F5344CB8AC3E}">
-        <p14:creationId xmlns:p14="http://schemas.microsoft.com/office/powerpoint/2010/main" val="2878895614"/>
+        <p14:creationId xmlns:p14="http://schemas.microsoft.com/office/powerpoint/2010/main" val="2259872445"/>
       </p:ext>
     </p:extLst>
   </p:cSld>
@@ -8233,7 +9314,7 @@
           <p:cNvPr id="2" name="Picture 1">
             <a:extLst>
               <a:ext uri="{FF2B5EF4-FFF2-40B4-BE49-F238E27FC236}">
-                <a16:creationId xmlns:a16="http://schemas.microsoft.com/office/drawing/2014/main" id="{817D376E-DF77-3910-8DF6-95F29C205167}"/>
+                <a16:creationId xmlns:a16="http://schemas.microsoft.com/office/drawing/2014/main" id="{7F00C257-2E9B-4875-698C-A97E753CCD3D}"/>
               </a:ext>
             </a:extLst>
           </p:cNvPr>
@@ -8256,8 +9337,8 @@
         </p:blipFill>
         <p:spPr>
           <a:xfrm>
-            <a:off x="363255" y="836200"/>
-            <a:ext cx="3537528" cy="5185600"/>
+            <a:off x="156648" y="177626"/>
+            <a:ext cx="6521739" cy="4632370"/>
           </a:xfrm>
           <a:prstGeom prst="rect">
             <a:avLst/>
@@ -8266,10 +9347,10 @@
       </p:pic>
       <p:sp>
         <p:nvSpPr>
-          <p:cNvPr id="4" name="TextBox 3">
-            <a:extLst>
-              <a:ext uri="{FF2B5EF4-FFF2-40B4-BE49-F238E27FC236}">
-                <a16:creationId xmlns:a16="http://schemas.microsoft.com/office/drawing/2014/main" id="{039252C8-CB9B-657C-6211-ADDF3D1969B7}"/>
+          <p:cNvPr id="3" name="TextBox 2">
+            <a:extLst>
+              <a:ext uri="{FF2B5EF4-FFF2-40B4-BE49-F238E27FC236}">
+                <a16:creationId xmlns:a16="http://schemas.microsoft.com/office/drawing/2014/main" id="{D4FFA798-33DE-E4EC-D1CC-81C127EE9366}"/>
               </a:ext>
             </a:extLst>
           </p:cNvPr>
@@ -8278,8 +9359,8 @@
         </p:nvSpPr>
         <p:spPr>
           <a:xfrm>
-            <a:off x="4327743" y="4985730"/>
-            <a:ext cx="3144773" cy="1169551"/>
+            <a:off x="7610894" y="55510"/>
+            <a:ext cx="4162963" cy="523220"/>
           </a:xfrm>
           <a:prstGeom prst="rect">
             <a:avLst/>
@@ -8287,48 +9368,73 @@
           <a:noFill/>
         </p:spPr>
         <p:txBody>
-          <a:bodyPr wrap="square">
+          <a:bodyPr wrap="square" rtlCol="0">
             <a:spAutoFit/>
           </a:bodyPr>
           <a:lstStyle/>
           <a:p>
             <a:r>
               <a:rPr lang="en-US" sz="1400"/>
-              <a:t>Aqua-Pure</a:t>
-            </a:r>
-          </a:p>
-          <a:p>
-            <a:r>
+              <a:t>Good overview of how well and tanks work together:</a:t>
+            </a:r>
+            <a:br>
               <a:rPr lang="en-US" sz="1400"/>
-              <a:t>Iron and Manganese Reduction System</a:t>
-            </a:r>
-          </a:p>
-          <a:p>
+            </a:br>
             <a:r>
               <a:rPr lang="en-US" sz="1400"/>
-              <a:t>Model APIF100DM</a:t>
-            </a:r>
-          </a:p>
-          <a:p>
-            <a:r>
-              <a:rPr lang="en-US" sz="1400"/>
-              <a:t>SN 613114A519</a:t>
-            </a:r>
-          </a:p>
-          <a:p>
-            <a:r>
-              <a:rPr lang="en-US" sz="1400"/>
-              <a:t>Serviced 10/2018, 8/2020</a:t>
-            </a:r>
-          </a:p>
-        </p:txBody>
-      </p:sp>
-      <p:sp>
-        <p:nvSpPr>
-          <p:cNvPr id="5" name="TextBox 4">
-            <a:extLst>
-              <a:ext uri="{FF2B5EF4-FFF2-40B4-BE49-F238E27FC236}">
-                <a16:creationId xmlns:a16="http://schemas.microsoft.com/office/drawing/2014/main" id="{4FC10D4B-6552-DBEC-8D48-F7988F31B7A2}"/>
+              <a:t>.. </a:t>
+            </a:r>
+            <a:r>
+              <a:rPr lang="en-US" sz="1400">
+                <a:hlinkClick r:id="rId3"/>
+              </a:rPr>
+              <a:t>https://www.youtube.com/watch?v=X4TZoFIsE2w</a:t>
+            </a:r>
+            <a:endParaRPr lang="en-US" sz="1400"/>
+          </a:p>
+        </p:txBody>
+      </p:sp>
+      <p:pic>
+        <p:nvPicPr>
+          <p:cNvPr id="5" name="Picture 4">
+            <a:extLst>
+              <a:ext uri="{FF2B5EF4-FFF2-40B4-BE49-F238E27FC236}">
+                <a16:creationId xmlns:a16="http://schemas.microsoft.com/office/drawing/2014/main" id="{0715600A-4014-50EA-5DCD-38FB9266DDBB}"/>
+              </a:ext>
+            </a:extLst>
+          </p:cNvPr>
+          <p:cNvPicPr>
+            <a:picLocks noChangeAspect="1"/>
+          </p:cNvPicPr>
+          <p:nvPr/>
+        </p:nvPicPr>
+        <p:blipFill rotWithShape="1">
+          <a:blip r:embed="rId4" cstate="email">
+            <a:extLst>
+              <a:ext uri="{28A0092B-C50C-407E-A947-70E740481C1C}">
+                <a14:useLocalDpi xmlns:a14="http://schemas.microsoft.com/office/drawing/2010/main"/>
+              </a:ext>
+            </a:extLst>
+          </a:blip>
+          <a:srcRect/>
+          <a:stretch/>
+        </p:blipFill>
+        <p:spPr>
+          <a:xfrm>
+            <a:off x="7741085" y="611200"/>
+            <a:ext cx="3670126" cy="2141216"/>
+          </a:xfrm>
+          <a:prstGeom prst="rect">
+            <a:avLst/>
+          </a:prstGeom>
+        </p:spPr>
+      </p:pic>
+      <p:sp>
+        <p:nvSpPr>
+          <p:cNvPr id="6" name="TextBox 5">
+            <a:extLst>
+              <a:ext uri="{FF2B5EF4-FFF2-40B4-BE49-F238E27FC236}">
+                <a16:creationId xmlns:a16="http://schemas.microsoft.com/office/drawing/2014/main" id="{BF36CA4E-9BCB-1838-CDC0-E268EDAC5BCC}"/>
               </a:ext>
             </a:extLst>
           </p:cNvPr>
@@ -8337,8 +9443,8 @@
         </p:nvSpPr>
         <p:spPr>
           <a:xfrm>
-            <a:off x="4327744" y="2329841"/>
-            <a:ext cx="4688438" cy="646331"/>
+            <a:off x="1215100" y="5671047"/>
+            <a:ext cx="5235805" cy="1169551"/>
           </a:xfrm>
           <a:prstGeom prst="rect">
             <a:avLst/>
@@ -8351,23 +9457,233 @@
           </a:bodyPr>
           <a:lstStyle/>
           <a:p>
-            <a:r>
-              <a:rPr lang="en-US" b="1">
+            <a:pPr marL="285750" indent="-285750">
+              <a:buFont typeface="Arial" panose="020B0604020202020204" pitchFamily="34" charset="0"/>
+              <a:buChar char="•"/>
+            </a:pPr>
+            <a:r>
+              <a:rPr lang="en-US" sz="1400"/>
+              <a:t>Check valve (passes water only in one direction)</a:t>
+            </a:r>
+          </a:p>
+          <a:p>
+            <a:pPr marL="285750" indent="-285750">
+              <a:buFont typeface="Arial" panose="020B0604020202020204" pitchFamily="34" charset="0"/>
+              <a:buChar char="•"/>
+            </a:pPr>
+            <a:r>
+              <a:rPr lang="en-US" sz="1400" b="1">
                 <a:solidFill>
                   <a:srgbClr val="FF0000"/>
                 </a:solidFill>
               </a:rPr>
-              <a:t>Looks like it needs "regeneration"</a:t>
-            </a:r>
-          </a:p>
-          <a:p>
-            <a:r>
-              <a:rPr lang="en-US" b="1">
+              <a:t>"Well-T" or "Well Manifold"</a:t>
+            </a:r>
+            <a:br>
+              <a:rPr lang="en-US" sz="1400"/>
+            </a:br>
+            <a:r>
+              <a:rPr lang="en-US" sz="1400"/>
+              <a:t>The gaige shows pressure as it goes up/down</a:t>
+            </a:r>
+            <a:br>
+              <a:rPr lang="en-US" sz="1400"/>
+            </a:br>
+            <a:r>
+              <a:rPr lang="en-US" sz="1400"/>
+              <a:t>Pressure switch turns pump on/off</a:t>
+            </a:r>
+            <a:br>
+              <a:rPr lang="en-US" sz="1400"/>
+            </a:br>
+            <a:r>
+              <a:rPr lang="en-US" sz="1400"/>
+              <a:t>Safety switch (safety valve) to release pressure above ... (75 psi ?)</a:t>
+            </a:r>
+          </a:p>
+        </p:txBody>
+      </p:sp>
+      <p:pic>
+        <p:nvPicPr>
+          <p:cNvPr id="7" name="Picture 6">
+            <a:extLst>
+              <a:ext uri="{FF2B5EF4-FFF2-40B4-BE49-F238E27FC236}">
+                <a16:creationId xmlns:a16="http://schemas.microsoft.com/office/drawing/2014/main" id="{BAB19D81-C676-39C9-D0A7-0163509A7F1D}"/>
+              </a:ext>
+            </a:extLst>
+          </p:cNvPr>
+          <p:cNvPicPr>
+            <a:picLocks noChangeAspect="1"/>
+          </p:cNvPicPr>
+          <p:nvPr/>
+        </p:nvPicPr>
+        <p:blipFill>
+          <a:blip r:embed="rId5" cstate="email">
+            <a:extLst>
+              <a:ext uri="{28A0092B-C50C-407E-A947-70E740481C1C}">
+                <a14:useLocalDpi xmlns:a14="http://schemas.microsoft.com/office/drawing/2010/main"/>
+              </a:ext>
+            </a:extLst>
+          </a:blip>
+          <a:stretch>
+            <a:fillRect/>
+          </a:stretch>
+        </p:blipFill>
+        <p:spPr>
+          <a:xfrm>
+            <a:off x="7966552" y="3780802"/>
+            <a:ext cx="3281541" cy="1890245"/>
+          </a:xfrm>
+          <a:prstGeom prst="rect">
+            <a:avLst/>
+          </a:prstGeom>
+        </p:spPr>
+      </p:pic>
+      <p:sp>
+        <p:nvSpPr>
+          <p:cNvPr id="8" name="Right Arrow 7">
+            <a:extLst>
+              <a:ext uri="{FF2B5EF4-FFF2-40B4-BE49-F238E27FC236}">
+                <a16:creationId xmlns:a16="http://schemas.microsoft.com/office/drawing/2014/main" id="{CE25F385-45EA-0DE0-64F6-34CBF533582B}"/>
+              </a:ext>
+            </a:extLst>
+          </p:cNvPr>
+          <p:cNvSpPr/>
+          <p:nvPr/>
+        </p:nvSpPr>
+        <p:spPr>
+          <a:xfrm rot="20404076" flipV="1">
+            <a:off x="6162420" y="5649089"/>
+            <a:ext cx="1649033" cy="226904"/>
+          </a:xfrm>
+          <a:prstGeom prst="rightArrow">
+            <a:avLst/>
+          </a:prstGeom>
+          <a:solidFill>
+            <a:srgbClr val="FFFF00"/>
+          </a:solidFill>
+        </p:spPr>
+        <p:style>
+          <a:lnRef idx="2">
+            <a:schemeClr val="accent1">
+              <a:shade val="50000"/>
+            </a:schemeClr>
+          </a:lnRef>
+          <a:fillRef idx="1">
+            <a:schemeClr val="accent1"/>
+          </a:fillRef>
+          <a:effectRef idx="0">
+            <a:schemeClr val="accent1"/>
+          </a:effectRef>
+          <a:fontRef idx="minor">
+            <a:schemeClr val="lt1"/>
+          </a:fontRef>
+        </p:style>
+        <p:txBody>
+          <a:bodyPr rtlCol="0" anchor="ctr"/>
+          <a:lstStyle/>
+          <a:p>
+            <a:pPr algn="ctr"/>
+            <a:endParaRPr lang="en-US"/>
+          </a:p>
+        </p:txBody>
+      </p:sp>
+      <p:sp>
+        <p:nvSpPr>
+          <p:cNvPr id="9" name="Right Arrow 8">
+            <a:extLst>
+              <a:ext uri="{FF2B5EF4-FFF2-40B4-BE49-F238E27FC236}">
+                <a16:creationId xmlns:a16="http://schemas.microsoft.com/office/drawing/2014/main" id="{F9C2C459-DE34-505D-2276-648D75B4F33F}"/>
+              </a:ext>
+            </a:extLst>
+          </p:cNvPr>
+          <p:cNvSpPr/>
+          <p:nvPr/>
+        </p:nvSpPr>
+        <p:spPr>
+          <a:xfrm rot="16423705">
+            <a:off x="2379489" y="4258624"/>
+            <a:ext cx="2478784" cy="234558"/>
+          </a:xfrm>
+          <a:prstGeom prst="rightArrow">
+            <a:avLst/>
+          </a:prstGeom>
+          <a:solidFill>
+            <a:srgbClr val="FFFF00"/>
+          </a:solidFill>
+        </p:spPr>
+        <p:style>
+          <a:lnRef idx="2">
+            <a:schemeClr val="accent1">
+              <a:shade val="50000"/>
+            </a:schemeClr>
+          </a:lnRef>
+          <a:fillRef idx="1">
+            <a:schemeClr val="accent1"/>
+          </a:fillRef>
+          <a:effectRef idx="0">
+            <a:schemeClr val="accent1"/>
+          </a:effectRef>
+          <a:fontRef idx="minor">
+            <a:schemeClr val="lt1"/>
+          </a:fontRef>
+        </p:style>
+        <p:txBody>
+          <a:bodyPr rtlCol="0" anchor="ctr"/>
+          <a:lstStyle/>
+          <a:p>
+            <a:pPr algn="ctr"/>
+            <a:endParaRPr lang="en-US"/>
+          </a:p>
+        </p:txBody>
+      </p:sp>
+      <p:sp>
+        <p:nvSpPr>
+          <p:cNvPr id="10" name="TextBox 9">
+            <a:extLst>
+              <a:ext uri="{FF2B5EF4-FFF2-40B4-BE49-F238E27FC236}">
+                <a16:creationId xmlns:a16="http://schemas.microsoft.com/office/drawing/2014/main" id="{5E541FAC-5213-E374-C754-CF510BFFDCF1}"/>
+              </a:ext>
+            </a:extLst>
+          </p:cNvPr>
+          <p:cNvSpPr txBox="1"/>
+          <p:nvPr/>
+        </p:nvSpPr>
+        <p:spPr>
+          <a:xfrm>
+            <a:off x="7875112" y="5688615"/>
+            <a:ext cx="3670126" cy="738664"/>
+          </a:xfrm>
+          <a:prstGeom prst="rect">
+            <a:avLst/>
+          </a:prstGeom>
+          <a:noFill/>
+        </p:spPr>
+        <p:txBody>
+          <a:bodyPr wrap="square" rtlCol="0">
+            <a:spAutoFit/>
+          </a:bodyPr>
+          <a:lstStyle/>
+          <a:p>
+            <a:r>
+              <a:rPr lang="en-US" sz="1400" dirty="0">
+                <a:hlinkClick r:id="rId6"/>
+              </a:rPr>
+              <a:t>https://www.amazon.com/Harvard-Boshart-installation-Pressure-pressure/dp/B078WCYK88</a:t>
+            </a:r>
+            <a:r>
+              <a:rPr lang="en-US" sz="1400" dirty="0"/>
+              <a:t> </a:t>
+            </a:r>
+          </a:p>
+          <a:p>
+            <a:r>
+              <a:rPr lang="en-US" sz="1400" b="1" dirty="0">
                 <a:solidFill>
                   <a:srgbClr val="FF0000"/>
                 </a:solidFill>
               </a:rPr>
-              <a:t>(press buttons as instructed for few seconds)</a:t>
+              <a:t>$115</a:t>
             </a:r>
           </a:p>
         </p:txBody>
@@ -8375,7 +9691,7 @@
     </p:spTree>
     <p:extLst>
       <p:ext uri="{BB962C8B-B14F-4D97-AF65-F5344CB8AC3E}">
-        <p14:creationId xmlns:p14="http://schemas.microsoft.com/office/powerpoint/2010/main" val="4107192437"/>
+        <p14:creationId xmlns:p14="http://schemas.microsoft.com/office/powerpoint/2010/main" val="2443117508"/>
       </p:ext>
     </p:extLst>
   </p:cSld>
@@ -8407,7 +9723,7 @@
           <p:cNvPr id="2" name="TextBox 1">
             <a:extLst>
               <a:ext uri="{FF2B5EF4-FFF2-40B4-BE49-F238E27FC236}">
-                <a16:creationId xmlns:a16="http://schemas.microsoft.com/office/drawing/2014/main" id="{89256B02-4D2C-E8E3-19C3-D77073A6351C}"/>
+                <a16:creationId xmlns:a16="http://schemas.microsoft.com/office/drawing/2014/main" id="{4757653A-2EE0-DEBC-A2B7-206AC9A7185D}"/>
               </a:ext>
             </a:extLst>
           </p:cNvPr>
@@ -8416,23 +9732,13 @@
         </p:nvSpPr>
         <p:spPr>
           <a:xfrm>
-            <a:off x="4997885" y="2116899"/>
-            <a:ext cx="3691003" cy="2677656"/>
+            <a:off x="6812563" y="400799"/>
+            <a:ext cx="4065499" cy="1908215"/>
           </a:xfrm>
           <a:prstGeom prst="rect">
             <a:avLst/>
           </a:prstGeom>
-          <a:solidFill>
-            <a:schemeClr val="accent4">
-              <a:lumMod val="20000"/>
-              <a:lumOff val="80000"/>
-            </a:schemeClr>
-          </a:solidFill>
-          <a:ln>
-            <a:solidFill>
-              <a:srgbClr val="FF0000"/>
-            </a:solidFill>
-          </a:ln>
+          <a:noFill/>
         </p:spPr>
         <p:txBody>
           <a:bodyPr wrap="square" rtlCol="0">
@@ -8441,66 +9747,104 @@
           <a:lstStyle/>
           <a:p>
             <a:r>
-              <a:rPr lang="en-US" sz="1400"/>
-              <a:t>HARVARD</a:t>
-            </a:r>
-          </a:p>
-          <a:p>
-            <a:r>
-              <a:rPr lang="en-US" sz="1400"/>
-              <a:t>The American Granby Company, Liverpool, NY</a:t>
-            </a:r>
-          </a:p>
-          <a:p>
-            <a:r>
-              <a:rPr lang="en-US" sz="1400"/>
-              <a:t>7652 Morgan Rd, Liverpool, NY 13090</a:t>
-            </a:r>
-          </a:p>
-          <a:p>
-            <a:r>
-              <a:rPr lang="en-US" sz="1400"/>
-              <a:t>https://www.americangranby.com/</a:t>
-            </a:r>
-          </a:p>
-          <a:p>
-            <a:endParaRPr lang="en-US" sz="1400"/>
-          </a:p>
-          <a:p>
-            <a:r>
-              <a:rPr lang="en-US" sz="1400"/>
-              <a:t>MARK 10</a:t>
-            </a:r>
-          </a:p>
-          <a:p>
-            <a:r>
-              <a:rPr lang="en-US" sz="1400"/>
-              <a:t>Bonded Glass-Lined Standard tank</a:t>
-            </a:r>
-          </a:p>
-          <a:p>
-            <a:endParaRPr lang="en-US" sz="1400"/>
-          </a:p>
-          <a:p>
-            <a:r>
-              <a:rPr lang="en-US" sz="1400"/>
-              <a:t>Glass-Lined</a:t>
-            </a:r>
-          </a:p>
-          <a:p>
-            <a:r>
-              <a:rPr lang="en-US" sz="1400"/>
-              <a:t>Dual Cathodic Protection</a:t>
-            </a:r>
-          </a:p>
-          <a:p>
-            <a:endParaRPr lang="en-US" sz="1400"/>
-          </a:p>
-          <a:p>
-            <a:r>
-              <a:rPr lang="en-US" sz="1400"/>
-              <a:t>Hydro-Pneumatic Pump Tank</a:t>
-            </a:r>
+              <a:rPr lang="en-US" sz="1400" dirty="0"/>
+              <a:t>Why </a:t>
+            </a:r>
+            <a:r>
+              <a:rPr lang="en-US" sz="1400" dirty="0" err="1"/>
+              <a:t>WellXTrol</a:t>
+            </a:r>
+            <a:r>
+              <a:rPr lang="en-US" sz="1400" dirty="0"/>
+              <a:t> is the BEST Water Well Pressure Tank. </a:t>
+            </a:r>
+          </a:p>
+          <a:p>
+            <a:r>
+              <a:rPr lang="en-US" sz="1400" dirty="0"/>
+              <a:t>(150 PSI) </a:t>
+            </a:r>
+          </a:p>
+          <a:p>
+            <a:r>
+              <a:rPr lang="en-US" sz="1000" dirty="0"/>
+              <a:t>.. </a:t>
+            </a:r>
+            <a:r>
+              <a:rPr lang="en-US" sz="1000" dirty="0">
+                <a:hlinkClick r:id="rId2"/>
+              </a:rPr>
+              <a:t>https://www.youtube.com/watch?v=MmHRJSzZltI</a:t>
+            </a:r>
+            <a:endParaRPr lang="en-US" sz="1000" dirty="0"/>
+          </a:p>
+          <a:p>
+            <a:endParaRPr lang="en-US" sz="1400" dirty="0"/>
+          </a:p>
+          <a:p>
+            <a:r>
+              <a:rPr lang="en-US" sz="1400" dirty="0"/>
+              <a:t>How </a:t>
+            </a:r>
+            <a:r>
+              <a:rPr lang="en-US" sz="1400" dirty="0" err="1"/>
+              <a:t>WellXTroll</a:t>
+            </a:r>
+            <a:r>
+              <a:rPr lang="en-US" sz="1400" dirty="0"/>
+              <a:t> tanks are made</a:t>
+            </a:r>
+          </a:p>
+          <a:p>
+            <a:r>
+              <a:rPr lang="en-US" sz="1000" dirty="0"/>
+              <a:t>.. </a:t>
+            </a:r>
+            <a:r>
+              <a:rPr lang="en-US" sz="1000" dirty="0">
+                <a:hlinkClick r:id="rId3"/>
+              </a:rPr>
+              <a:t>https://www.youtube.com/watch?v=IhBifh7nCtg</a:t>
+            </a:r>
+            <a:endParaRPr lang="en-US" sz="1000" dirty="0"/>
+          </a:p>
+          <a:p>
+            <a:endParaRPr lang="en-US" sz="1400" dirty="0"/>
+          </a:p>
+          <a:p>
+            <a:r>
+              <a:rPr lang="en-US" sz="1400" dirty="0"/>
+              <a:t>Shop </a:t>
+            </a:r>
+            <a:r>
+              <a:rPr lang="en-US" sz="1400" dirty="0" err="1"/>
+              <a:t>Amtrol</a:t>
+            </a:r>
+            <a:r>
+              <a:rPr lang="en-US" sz="1400" dirty="0"/>
+              <a:t> Well-X-</a:t>
+            </a:r>
+            <a:r>
+              <a:rPr lang="en-US" sz="1400" dirty="0" err="1"/>
+              <a:t>Trol</a:t>
+            </a:r>
+            <a:r>
+              <a:rPr lang="en-US" sz="1400" dirty="0"/>
+              <a:t> tanks ($700-$1,000):</a:t>
+            </a:r>
+          </a:p>
+          <a:p>
+            <a:r>
+              <a:rPr lang="en-US" sz="1000" dirty="0"/>
+              <a:t>.. </a:t>
+            </a:r>
+            <a:r>
+              <a:rPr lang="en-US" sz="1000" dirty="0">
+                <a:hlinkClick r:id="rId4"/>
+              </a:rPr>
+              <a:t>https://www.rcworst.com/Amtrol/Well-X-Trol-c225.html</a:t>
+            </a:r>
+            <a:endParaRPr lang="en-US" sz="1000" dirty="0"/>
           </a:p>
         </p:txBody>
       </p:sp>
@@ -8509,7 +9853,7 @@
           <p:cNvPr id="3" name="Picture 2">
             <a:extLst>
               <a:ext uri="{FF2B5EF4-FFF2-40B4-BE49-F238E27FC236}">
-                <a16:creationId xmlns:a16="http://schemas.microsoft.com/office/drawing/2014/main" id="{BE722195-392B-37FD-CB92-70D23F5BB834}"/>
+                <a16:creationId xmlns:a16="http://schemas.microsoft.com/office/drawing/2014/main" id="{7ADB0ECE-D5DF-922D-7CE6-23B98691D7F1}"/>
               </a:ext>
             </a:extLst>
           </p:cNvPr>
@@ -8519,7 +9863,7 @@
           <p:nvPr/>
         </p:nvPicPr>
         <p:blipFill>
-          <a:blip r:embed="rId2" cstate="email">
+          <a:blip r:embed="rId5" cstate="email">
             <a:extLst>
               <a:ext uri="{28A0092B-C50C-407E-A947-70E740481C1C}">
                 <a14:useLocalDpi xmlns:a14="http://schemas.microsoft.com/office/drawing/2010/main"/>
@@ -8532,8 +9876,8 @@
         </p:blipFill>
         <p:spPr>
           <a:xfrm>
-            <a:off x="430059" y="576899"/>
-            <a:ext cx="3691003" cy="5955423"/>
+            <a:off x="10157589" y="673745"/>
+            <a:ext cx="1955800" cy="5422900"/>
           </a:xfrm>
           <a:prstGeom prst="rect">
             <a:avLst/>
@@ -8545,7 +9889,7 @@
           <p:cNvPr id="4" name="TextBox 3">
             <a:extLst>
               <a:ext uri="{FF2B5EF4-FFF2-40B4-BE49-F238E27FC236}">
-                <a16:creationId xmlns:a16="http://schemas.microsoft.com/office/drawing/2014/main" id="{86DC5D30-161F-C31E-2962-D23C48CE3AEB}"/>
+                <a16:creationId xmlns:a16="http://schemas.microsoft.com/office/drawing/2014/main" id="{BCE4B47E-2CD3-53EB-166D-BFA25D1479B3}"/>
               </a:ext>
             </a:extLst>
           </p:cNvPr>
@@ -8554,8 +9898,8 @@
         </p:nvSpPr>
         <p:spPr>
           <a:xfrm>
-            <a:off x="0" y="0"/>
-            <a:ext cx="5085567" cy="523220"/>
+            <a:off x="204735" y="350579"/>
+            <a:ext cx="3747155" cy="2462213"/>
           </a:xfrm>
           <a:prstGeom prst="rect">
             <a:avLst/>
@@ -8569,8 +9913,165 @@
           <a:lstStyle/>
           <a:p>
             <a:r>
-              <a:rPr lang="en-US" sz="2800" b="1"/>
-              <a:t>The big blue tank in the middle</a:t>
+              <a:rPr lang="en-US" sz="1400" b="0" i="0" dirty="0">
+                <a:solidFill>
+                  <a:srgbClr val="202124"/>
+                </a:solidFill>
+                <a:effectLst/>
+                <a:latin typeface="Google Sans"/>
+              </a:rPr>
+              <a:t>The recommended pressure is 40-60 psi.</a:t>
+            </a:r>
+          </a:p>
+          <a:p>
+            <a:r>
+              <a:rPr lang="en-US" sz="1400" b="0" i="0" dirty="0">
+                <a:solidFill>
+                  <a:srgbClr val="202124"/>
+                </a:solidFill>
+                <a:effectLst/>
+                <a:latin typeface="Google Sans"/>
+              </a:rPr>
+              <a:t>If tank and pressure switch are in the basement, </a:t>
+            </a:r>
+          </a:p>
+          <a:p>
+            <a:r>
+              <a:rPr lang="en-US" sz="1400" dirty="0">
+                <a:solidFill>
+                  <a:srgbClr val="202124"/>
+                </a:solidFill>
+                <a:latin typeface="Google Sans"/>
+              </a:rPr>
+              <a:t>and the water sink is upstairs 5 meters up, </a:t>
+            </a:r>
+          </a:p>
+          <a:p>
+            <a:r>
+              <a:rPr lang="en-US" sz="1400" dirty="0">
+                <a:solidFill>
+                  <a:srgbClr val="202124"/>
+                </a:solidFill>
+                <a:latin typeface="Google Sans"/>
+              </a:rPr>
+              <a:t>we will lose 5 m * 1.421 psi = 7.1 psi</a:t>
+            </a:r>
+          </a:p>
+          <a:p>
+            <a:endParaRPr lang="en-US" sz="1400" b="0" i="0" dirty="0">
+              <a:solidFill>
+                <a:srgbClr val="202124"/>
+              </a:solidFill>
+              <a:effectLst/>
+              <a:latin typeface="Google Sans"/>
+            </a:endParaRPr>
+          </a:p>
+          <a:p>
+            <a:r>
+              <a:rPr lang="en-US" sz="1400" dirty="0">
+                <a:solidFill>
+                  <a:srgbClr val="202124"/>
+                </a:solidFill>
+                <a:latin typeface="Google Sans"/>
+              </a:rPr>
+              <a:t>Pressure decrease </a:t>
+            </a:r>
+            <a:r>
+              <a:rPr lang="en-US" sz="1400" b="0" i="0" dirty="0">
+                <a:solidFill>
+                  <a:srgbClr val="202124"/>
+                </a:solidFill>
+                <a:effectLst/>
+                <a:latin typeface="Google Sans"/>
+              </a:rPr>
+              <a:t>due to elevation:</a:t>
+            </a:r>
+          </a:p>
+          <a:p>
+            <a:r>
+              <a:rPr lang="en-US" sz="1400" dirty="0">
+                <a:solidFill>
+                  <a:srgbClr val="202124"/>
+                </a:solidFill>
+                <a:latin typeface="Google Sans"/>
+              </a:rPr>
+              <a:t>   0.433 psi per foot of elevation</a:t>
+            </a:r>
+            <a:endParaRPr lang="en-US" sz="1400" b="0" i="0" dirty="0">
+              <a:solidFill>
+                <a:srgbClr val="202124"/>
+              </a:solidFill>
+              <a:effectLst/>
+              <a:latin typeface="Google Sans"/>
+            </a:endParaRPr>
+          </a:p>
+          <a:p>
+            <a:r>
+              <a:rPr lang="en-US" sz="1400" b="0" i="0" dirty="0">
+                <a:solidFill>
+                  <a:srgbClr val="202124"/>
+                </a:solidFill>
+                <a:effectLst/>
+                <a:latin typeface="Google Sans"/>
+              </a:rPr>
+              <a:t>   1.421 psi per meter of elevation</a:t>
+            </a:r>
+          </a:p>
+          <a:p>
+            <a:endParaRPr lang="en-US" sz="1400" dirty="0">
+              <a:solidFill>
+                <a:srgbClr val="202124"/>
+              </a:solidFill>
+              <a:latin typeface="Google Sans"/>
+            </a:endParaRPr>
+          </a:p>
+          <a:p>
+            <a:r>
+              <a:rPr lang="en-US" sz="1400" b="0" i="0" dirty="0">
+                <a:solidFill>
+                  <a:srgbClr val="202124"/>
+                </a:solidFill>
+                <a:effectLst/>
+                <a:latin typeface="Google Sans"/>
+              </a:rPr>
+              <a:t>So, </a:t>
+            </a:r>
+            <a:r>
+              <a:rPr lang="en-US" sz="1400" dirty="0">
+                <a:solidFill>
+                  <a:srgbClr val="202124"/>
+                </a:solidFill>
+                <a:latin typeface="Google Sans"/>
+              </a:rPr>
+              <a:t>we need at least 50 psi downstairs</a:t>
+            </a:r>
+            <a:endParaRPr lang="en-US" sz="1400" b="0" i="0" dirty="0">
+              <a:solidFill>
+                <a:srgbClr val="202124"/>
+              </a:solidFill>
+              <a:effectLst/>
+              <a:latin typeface="Google Sans"/>
+            </a:endParaRPr>
+          </a:p>
+          <a:p>
+            <a:r>
+              <a:rPr lang="en-US" sz="1400" b="0" i="0" dirty="0">
+                <a:solidFill>
+                  <a:srgbClr val="202124"/>
+                </a:solidFill>
+                <a:effectLst/>
+                <a:latin typeface="Google Sans"/>
+              </a:rPr>
+              <a:t>to ensure </a:t>
+            </a:r>
+            <a:r>
+              <a:rPr lang="en-US" sz="1400" dirty="0">
+                <a:solidFill>
+                  <a:srgbClr val="202124"/>
+                </a:solidFill>
+                <a:latin typeface="Google Sans"/>
+              </a:rPr>
+              <a:t>at least 40 psi upstairs.</a:t>
             </a:r>
           </a:p>
         </p:txBody>
@@ -8580,7 +10081,7 @@
           <p:cNvPr id="5" name="TextBox 4">
             <a:extLst>
               <a:ext uri="{FF2B5EF4-FFF2-40B4-BE49-F238E27FC236}">
-                <a16:creationId xmlns:a16="http://schemas.microsoft.com/office/drawing/2014/main" id="{784C2193-37F3-67DC-2B42-F2D6F2005ED0}"/>
+                <a16:creationId xmlns:a16="http://schemas.microsoft.com/office/drawing/2014/main" id="{5A717063-1323-D26D-881F-F1707ADCEA36}"/>
               </a:ext>
             </a:extLst>
           </p:cNvPr>
@@ -8589,8 +10090,8 @@
         </p:nvSpPr>
         <p:spPr>
           <a:xfrm>
-            <a:off x="6213987" y="415066"/>
-            <a:ext cx="4827639" cy="738664"/>
+            <a:off x="173204" y="3020207"/>
+            <a:ext cx="4304203" cy="738664"/>
           </a:xfrm>
           <a:prstGeom prst="rect">
             <a:avLst/>
@@ -8604,14 +10105,23 @@
           <a:lstStyle/>
           <a:p>
             <a:r>
-              <a:rPr lang="en-US" sz="1400"/>
-              <a:t>Previous owners used it many years ago to clorinate the water. Then they stopped doing this.</a:t>
-            </a:r>
-          </a:p>
-          <a:p>
-            <a:r>
-              <a:rPr lang="en-US" sz="1400"/>
-              <a:t>But didn't remove the tank.</a:t>
+              <a:rPr lang="en-US" sz="1400" dirty="0">
+                <a:solidFill>
+                  <a:srgbClr val="202124"/>
+                </a:solidFill>
+                <a:latin typeface="Google Sans"/>
+              </a:rPr>
+              <a:t>S</a:t>
+            </a:r>
+            <a:r>
+              <a:rPr lang="en-US" sz="1400" b="0" i="0" dirty="0">
+                <a:solidFill>
+                  <a:srgbClr val="202124"/>
+                </a:solidFill>
+                <a:effectLst/>
+                <a:latin typeface="Google Sans"/>
+              </a:rPr>
+              <a:t>tandard garden hose in the US has a female connector designed to screw onto the male 3 / 4 inch spigot (tap) with NHT (National Hose Thread).</a:t>
             </a:r>
           </a:p>
         </p:txBody>
@@ -8619,7 +10129,7 @@
     </p:spTree>
     <p:extLst>
       <p:ext uri="{BB962C8B-B14F-4D97-AF65-F5344CB8AC3E}">
-        <p14:creationId xmlns:p14="http://schemas.microsoft.com/office/powerpoint/2010/main" val="1486400004"/>
+        <p14:creationId xmlns:p14="http://schemas.microsoft.com/office/powerpoint/2010/main" val="4193960748"/>
       </p:ext>
     </p:extLst>
   </p:cSld>
@@ -8651,7 +10161,7 @@
           <p:cNvPr id="2" name="TextBox 1">
             <a:extLst>
               <a:ext uri="{FF2B5EF4-FFF2-40B4-BE49-F238E27FC236}">
-                <a16:creationId xmlns:a16="http://schemas.microsoft.com/office/drawing/2014/main" id="{2E1D2A78-E49D-9B90-1FC1-0EA297908BB0}"/>
+                <a16:creationId xmlns:a16="http://schemas.microsoft.com/office/drawing/2014/main" id="{4757653A-2EE0-DEBC-A2B7-206AC9A7185D}"/>
               </a:ext>
             </a:extLst>
           </p:cNvPr>
@@ -8660,8 +10170,8 @@
         </p:nvSpPr>
         <p:spPr>
           <a:xfrm>
-            <a:off x="0" y="0"/>
-            <a:ext cx="4330262" cy="523220"/>
+            <a:off x="134043" y="197544"/>
+            <a:ext cx="5846343" cy="2693045"/>
           </a:xfrm>
           <a:prstGeom prst="rect">
             <a:avLst/>
@@ -8675,194 +10185,144 @@
           <a:lstStyle/>
           <a:p>
             <a:r>
-              <a:rPr lang="en-US" sz="2800" b="1"/>
-              <a:t>Water Testing</a:t>
-            </a:r>
-          </a:p>
-        </p:txBody>
-      </p:sp>
-      <p:sp>
-        <p:nvSpPr>
-          <p:cNvPr id="3" name="TextBox 2">
-            <a:extLst>
-              <a:ext uri="{FF2B5EF4-FFF2-40B4-BE49-F238E27FC236}">
-                <a16:creationId xmlns:a16="http://schemas.microsoft.com/office/drawing/2014/main" id="{F0B30C49-BF00-1AA9-9A19-2A7D9DF6315D}"/>
-              </a:ext>
-            </a:extLst>
-          </p:cNvPr>
-          <p:cNvSpPr txBox="1"/>
+              <a:rPr lang="en-US" sz="1300" dirty="0"/>
+              <a:t>Problem: opening water in the bathtub results in a weak water stream in the sink</a:t>
+            </a:r>
+          </a:p>
+          <a:p>
+            <a:r>
+              <a:rPr lang="en-US" sz="1300" dirty="0"/>
+              <a:t>Possible reason: water pressure or the plumbing system design (narrow and bent tubes).</a:t>
+            </a:r>
+          </a:p>
+          <a:p>
+            <a:endParaRPr lang="en-US" sz="1300" dirty="0"/>
+          </a:p>
+          <a:p>
+            <a:r>
+              <a:rPr lang="en-US" sz="1300" dirty="0"/>
+              <a:t>Water Pressure: should be around 40-60 psi (pounds per square inch).</a:t>
+            </a:r>
+          </a:p>
+          <a:p>
+            <a:r>
+              <a:rPr lang="en-US" sz="1300" dirty="0"/>
+              <a:t>You can measure the water pressure using a pressure gauge attached to a spigot outside the house.</a:t>
+            </a:r>
+          </a:p>
+          <a:p>
+            <a:endParaRPr lang="en-US" sz="1300" dirty="0"/>
+          </a:p>
+          <a:p>
+            <a:r>
+              <a:rPr lang="en-US" sz="1300" dirty="0"/>
+              <a:t>Solutions:</a:t>
+            </a:r>
+          </a:p>
+          <a:p>
+            <a:r>
+              <a:rPr lang="en-US" sz="1300" dirty="0"/>
+              <a:t> - Changing pipes (larger is better)</a:t>
+            </a:r>
+          </a:p>
+          <a:p>
+            <a:r>
+              <a:rPr lang="en-US" sz="1300" dirty="0"/>
+              <a:t> - Installing a Water Pressure Booster System can help.</a:t>
+            </a:r>
+          </a:p>
+          <a:p>
+            <a:r>
+              <a:rPr lang="en-US" sz="1300" dirty="0"/>
+              <a:t> - Bigger Water Tank might help if water supply is running low quickly</a:t>
+            </a:r>
+          </a:p>
+          <a:p>
+            <a:r>
+              <a:rPr lang="en-US" sz="1300" dirty="0"/>
+              <a:t> - Checking for Leaks or Blockages that could reduce the pressure.</a:t>
+            </a:r>
+          </a:p>
+        </p:txBody>
+      </p:sp>
+      <p:pic>
+        <p:nvPicPr>
+          <p:cNvPr id="4" name="Picture 3">
+            <a:extLst>
+              <a:ext uri="{FF2B5EF4-FFF2-40B4-BE49-F238E27FC236}">
+                <a16:creationId xmlns:a16="http://schemas.microsoft.com/office/drawing/2014/main" id="{E4EF1ADB-2838-C61B-0E21-82786DC6C541}"/>
+              </a:ext>
+            </a:extLst>
+          </p:cNvPr>
+          <p:cNvPicPr>
+            <a:picLocks noChangeAspect="1"/>
+          </p:cNvPicPr>
           <p:nvPr/>
-        </p:nvSpPr>
+        </p:nvPicPr>
+        <p:blipFill>
+          <a:blip r:embed="rId2" cstate="email">
+            <a:extLst>
+              <a:ext uri="{28A0092B-C50C-407E-A947-70E740481C1C}">
+                <a14:useLocalDpi xmlns:a14="http://schemas.microsoft.com/office/drawing/2010/main"/>
+              </a:ext>
+            </a:extLst>
+          </a:blip>
+          <a:stretch>
+            <a:fillRect/>
+          </a:stretch>
+        </p:blipFill>
         <p:spPr>
           <a:xfrm>
-            <a:off x="208584" y="724732"/>
-            <a:ext cx="5044652" cy="4401205"/>
+            <a:off x="463042" y="3121152"/>
+            <a:ext cx="1158494" cy="1713936"/>
           </a:xfrm>
           <a:prstGeom prst="rect">
             <a:avLst/>
           </a:prstGeom>
-          <a:solidFill>
-            <a:schemeClr val="accent4">
-              <a:lumMod val="20000"/>
-              <a:lumOff val="80000"/>
-            </a:schemeClr>
-          </a:solidFill>
-          <a:ln>
-            <a:solidFill>
-              <a:srgbClr val="FF0000"/>
-            </a:solidFill>
-          </a:ln>
-        </p:spPr>
-        <p:txBody>
-          <a:bodyPr wrap="square" rtlCol="0">
-            <a:spAutoFit/>
-          </a:bodyPr>
-          <a:lstStyle/>
-          <a:p>
-            <a:r>
-              <a:rPr lang="en-US" sz="1400"/>
-              <a:t>Cornell Cooperative Extension Sullivan County</a:t>
-            </a:r>
-          </a:p>
-          <a:p>
-            <a:r>
-              <a:rPr lang="en-US" sz="1400">
-                <a:hlinkClick r:id="rId2"/>
-              </a:rPr>
-              <a:t>http://sullivancce.org</a:t>
-            </a:r>
-            <a:endParaRPr lang="en-US" sz="1400"/>
-          </a:p>
-          <a:p>
-            <a:r>
-              <a:rPr lang="en-US" sz="1400"/>
-              <a:t>64 Ferndale Loomis Rd #1, Liberty, NY 12754</a:t>
-            </a:r>
-          </a:p>
-          <a:p>
-            <a:r>
-              <a:rPr lang="en-US" sz="1400"/>
-              <a:t>Phone: (845) 292-6180</a:t>
-            </a:r>
-          </a:p>
-          <a:p>
-            <a:r>
-              <a:rPr lang="en-US" sz="1400"/>
-              <a:t>   Erin x100</a:t>
-            </a:r>
-          </a:p>
-          <a:p>
-            <a:r>
-              <a:rPr lang="en-US" sz="1400"/>
-              <a:t>Hours: </a:t>
-            </a:r>
-          </a:p>
-          <a:p>
-            <a:r>
-              <a:rPr lang="en-US" sz="1400"/>
-              <a:t>  M-F 8:30AM–4:30PM,   Sat-Sun - Closed</a:t>
-            </a:r>
-          </a:p>
-          <a:p>
-            <a:endParaRPr lang="en-US" sz="1400"/>
-          </a:p>
-          <a:p>
-            <a:r>
-              <a:rPr lang="en-US" sz="1400"/>
-              <a:t>Erin said that they don't do testing any more, and recommended</a:t>
-            </a:r>
-          </a:p>
-          <a:p>
-            <a:r>
-              <a:rPr lang="en-US" sz="1400"/>
-              <a:t>AG Environmental/Sullivan County Labs </a:t>
-            </a:r>
-          </a:p>
-          <a:p>
-            <a:r>
-              <a:rPr lang="en-US" sz="1400"/>
-              <a:t>.. </a:t>
-            </a:r>
-            <a:r>
-              <a:rPr lang="en-US" sz="1400">
-                <a:hlinkClick r:id="rId3"/>
-              </a:rPr>
-              <a:t>https://www.sullivancountylabs.com/</a:t>
-            </a:r>
-            <a:endParaRPr lang="en-US" sz="1400"/>
-          </a:p>
-          <a:p>
-            <a:endParaRPr lang="en-US" sz="1400"/>
-          </a:p>
-          <a:p>
-            <a:r>
-              <a:rPr lang="en-US" sz="1400" b="1">
-                <a:solidFill>
-                  <a:srgbClr val="00B050"/>
-                </a:solidFill>
-              </a:rPr>
-              <a:t>AG ENVIRONMENTAL RSC LLC</a:t>
-            </a:r>
-            <a:r>
-              <a:rPr lang="en-US" sz="1400"/>
-              <a:t> </a:t>
-            </a:r>
-          </a:p>
-          <a:p>
-            <a:r>
-              <a:rPr lang="en-US" sz="1400"/>
-              <a:t>DBA </a:t>
-            </a:r>
-            <a:r>
-              <a:rPr lang="en-US" sz="1400" b="1">
-                <a:solidFill>
-                  <a:srgbClr val="FF0000"/>
-                </a:solidFill>
-              </a:rPr>
-              <a:t>SULLIVAN COUNTY LABS</a:t>
-            </a:r>
-          </a:p>
-          <a:p>
-            <a:r>
-              <a:rPr lang="en-US" sz="1400"/>
-              <a:t>86 Queen Mountain Rd, Ferndale, NY 12734</a:t>
-            </a:r>
-          </a:p>
-          <a:p>
-            <a:r>
-              <a:rPr lang="en-US" sz="1400"/>
-              <a:t>(845) 704-8151</a:t>
-            </a:r>
-          </a:p>
-          <a:p>
-            <a:endParaRPr lang="en-US" sz="1400"/>
-          </a:p>
-          <a:p>
-            <a:r>
-              <a:rPr lang="en-US" sz="1400"/>
-              <a:t>7/6/2022 – spoke, ordered the bottle</a:t>
-            </a:r>
-          </a:p>
-          <a:p>
-            <a:r>
-              <a:rPr lang="en-US" sz="1400"/>
-              <a:t>   spoke with Carmen – she mails testing kit to 350 Cabrini</a:t>
-            </a:r>
-          </a:p>
-          <a:p>
-            <a:r>
-              <a:rPr lang="en-US" sz="1400"/>
-              <a:t>   for testing 10 metalls ($179) + bacteria + nitrates: $250 total</a:t>
-            </a:r>
-          </a:p>
-        </p:txBody>
-      </p:sp>
-      <p:sp>
-        <p:nvSpPr>
-          <p:cNvPr id="4" name="TextBox 3">
-            <a:extLst>
-              <a:ext uri="{FF2B5EF4-FFF2-40B4-BE49-F238E27FC236}">
-                <a16:creationId xmlns:a16="http://schemas.microsoft.com/office/drawing/2014/main" id="{4BAB7DF2-03AB-CCD2-671D-A6BFAF382C9B}"/>
+        </p:spPr>
+      </p:pic>
+      <p:pic>
+        <p:nvPicPr>
+          <p:cNvPr id="5" name="Picture 4">
+            <a:extLst>
+              <a:ext uri="{FF2B5EF4-FFF2-40B4-BE49-F238E27FC236}">
+                <a16:creationId xmlns:a16="http://schemas.microsoft.com/office/drawing/2014/main" id="{A6FF57F3-0ED0-0E2B-34FE-8B6DB136161F}"/>
+              </a:ext>
+            </a:extLst>
+          </p:cNvPr>
+          <p:cNvPicPr>
+            <a:picLocks noChangeAspect="1"/>
+          </p:cNvPicPr>
+          <p:nvPr/>
+        </p:nvPicPr>
+        <p:blipFill>
+          <a:blip r:embed="rId3" cstate="email">
+            <a:extLst>
+              <a:ext uri="{28A0092B-C50C-407E-A947-70E740481C1C}">
+                <a14:useLocalDpi xmlns:a14="http://schemas.microsoft.com/office/drawing/2010/main"/>
+              </a:ext>
+            </a:extLst>
+          </a:blip>
+          <a:stretch>
+            <a:fillRect/>
+          </a:stretch>
+        </p:blipFill>
+        <p:spPr>
+          <a:xfrm>
+            <a:off x="2798134" y="3228848"/>
+            <a:ext cx="1371600" cy="863600"/>
+          </a:xfrm>
+          <a:prstGeom prst="rect">
+            <a:avLst/>
+          </a:prstGeom>
+        </p:spPr>
+      </p:pic>
+      <p:sp>
+        <p:nvSpPr>
+          <p:cNvPr id="6" name="TextBox 5">
+            <a:extLst>
+              <a:ext uri="{FF2B5EF4-FFF2-40B4-BE49-F238E27FC236}">
+                <a16:creationId xmlns:a16="http://schemas.microsoft.com/office/drawing/2014/main" id="{BDA59732-FAA1-13ED-4132-61700EB1A13A}"/>
               </a:ext>
             </a:extLst>
           </p:cNvPr>
@@ -8871,8 +10331,8 @@
         </p:nvSpPr>
         <p:spPr>
           <a:xfrm>
-            <a:off x="7503090" y="1340285"/>
-            <a:ext cx="3482236" cy="1815882"/>
+            <a:off x="134043" y="4835088"/>
+            <a:ext cx="2005654" cy="523220"/>
           </a:xfrm>
           <a:prstGeom prst="rect">
             <a:avLst/>
@@ -8886,53 +10346,24 @@
           <a:lstStyle/>
           <a:p>
             <a:r>
-              <a:rPr lang="en-US" sz="1400"/>
-              <a:t>Plastic bottle 750 ml coca-cola</a:t>
-            </a:r>
-          </a:p>
-          <a:p>
-            <a:endParaRPr lang="en-US" sz="1400"/>
-          </a:p>
-          <a:p>
-            <a:r>
-              <a:rPr lang="en-US" sz="1400"/>
-              <a:t>1</a:t>
-            </a:r>
-            <a:r>
-              <a:rPr lang="en-US" sz="1400" baseline="30000"/>
-              <a:t>st</a:t>
-            </a:r>
-            <a:r>
-              <a:rPr lang="en-US" sz="1400"/>
-              <a:t> faucet</a:t>
-            </a:r>
-          </a:p>
-          <a:p>
-            <a:r>
-              <a:rPr lang="en-US" sz="1400"/>
-              <a:t>last faucet</a:t>
-            </a:r>
-          </a:p>
-          <a:p>
-            <a:endParaRPr lang="en-US" sz="1400"/>
-          </a:p>
-          <a:p>
-            <a:r>
-              <a:rPr lang="en-US" sz="1400"/>
-              <a:t>take water after pressure tank before filter tanks</a:t>
-            </a:r>
-          </a:p>
-          <a:p>
-            <a:endParaRPr lang="en-US" sz="1400"/>
-          </a:p>
-        </p:txBody>
-      </p:sp>
-      <p:sp>
-        <p:nvSpPr>
-          <p:cNvPr id="5" name="TextBox 4">
-            <a:extLst>
-              <a:ext uri="{FF2B5EF4-FFF2-40B4-BE49-F238E27FC236}">
-                <a16:creationId xmlns:a16="http://schemas.microsoft.com/office/drawing/2014/main" id="{41AC0A8F-A88A-AA89-B069-50DC43157077}"/>
+              <a:rPr lang="en-US" sz="1400" dirty="0"/>
+              <a:t>Pressure Gauge 100 Psi</a:t>
+            </a:r>
+          </a:p>
+          <a:p>
+            <a:r>
+              <a:rPr lang="en-US" sz="1400" dirty="0"/>
+              <a:t>3/4" Female connector</a:t>
+            </a:r>
+          </a:p>
+        </p:txBody>
+      </p:sp>
+      <p:sp>
+        <p:nvSpPr>
+          <p:cNvPr id="7" name="TextBox 6">
+            <a:extLst>
+              <a:ext uri="{FF2B5EF4-FFF2-40B4-BE49-F238E27FC236}">
+                <a16:creationId xmlns:a16="http://schemas.microsoft.com/office/drawing/2014/main" id="{E5137809-F32E-6577-7DDA-6E3C96FB911B}"/>
               </a:ext>
             </a:extLst>
           </p:cNvPr>
@@ -8941,8 +10372,8 @@
         </p:nvSpPr>
         <p:spPr>
           <a:xfrm>
-            <a:off x="6597445" y="3834581"/>
-            <a:ext cx="4552336" cy="307777"/>
+            <a:off x="2584635" y="4237680"/>
+            <a:ext cx="2005654" cy="954107"/>
           </a:xfrm>
           <a:prstGeom prst="rect">
             <a:avLst/>
@@ -8956,8 +10387,18 @@
           <a:lstStyle/>
           <a:p>
             <a:r>
-              <a:rPr lang="en-US" sz="1400"/>
-              <a:t>house:    833 County Road 94, Hankins, NY 12741</a:t>
+              <a:rPr lang="en-US" sz="1400" dirty="0" err="1"/>
+              <a:t>Camco</a:t>
+            </a:r>
+            <a:r>
+              <a:rPr lang="en-US" sz="1400" dirty="0"/>
+              <a:t> Water Bandit</a:t>
+            </a:r>
+          </a:p>
+          <a:p>
+            <a:r>
+              <a:rPr lang="en-US" sz="1400" dirty="0"/>
+              <a:t>Flexible Silicone-Polymer Sleeve &amp; ABS Male Water Hose Connection</a:t>
             </a:r>
           </a:p>
         </p:txBody>
@@ -8965,7 +10406,7 @@
     </p:spTree>
     <p:extLst>
       <p:ext uri="{BB962C8B-B14F-4D97-AF65-F5344CB8AC3E}">
-        <p14:creationId xmlns:p14="http://schemas.microsoft.com/office/powerpoint/2010/main" val="2752843417"/>
+        <p14:creationId xmlns:p14="http://schemas.microsoft.com/office/powerpoint/2010/main" val="2878895614"/>
       </p:ext>
     </p:extLst>
   </p:cSld>

--- a/water_filtration.pptx
+++ b/water_filtration.pptx
@@ -7556,6 +7556,443 @@
                 <a:cs typeface="Calibri" panose="020F0502020204030204" pitchFamily="34" charset="0"/>
               </a:rPr>
               <a:t>: If the issue persists, contact a water treatment specialist to inspect your system and analyze your water for potential contaminants like copper or other metals.</a:t>
+            </a:r>
+          </a:p>
+        </p:txBody>
+      </p:sp>
+      <p:pic>
+        <p:nvPicPr>
+          <p:cNvPr id="1026" name="Picture 2" descr="Blue-Green Staining on Fixtures? Get ...">
+            <a:extLst>
+              <a:ext uri="{FF2B5EF4-FFF2-40B4-BE49-F238E27FC236}">
+                <a16:creationId xmlns:a16="http://schemas.microsoft.com/office/drawing/2014/main" id="{4C32B7D0-12E7-6579-FB30-4C7542755A3D}"/>
+              </a:ext>
+            </a:extLst>
+          </p:cNvPr>
+          <p:cNvPicPr>
+            <a:picLocks noChangeAspect="1" noChangeArrowheads="1"/>
+          </p:cNvPicPr>
+          <p:nvPr/>
+        </p:nvPicPr>
+        <p:blipFill>
+          <a:blip r:embed="rId3">
+            <a:extLst>
+              <a:ext uri="{28A0092B-C50C-407E-A947-70E740481C1C}">
+                <a14:useLocalDpi xmlns:a14="http://schemas.microsoft.com/office/drawing/2010/main"/>
+              </a:ext>
+            </a:extLst>
+          </a:blip>
+          <a:srcRect/>
+          <a:stretch>
+            <a:fillRect/>
+          </a:stretch>
+        </p:blipFill>
+        <p:spPr bwMode="auto">
+          <a:xfrm>
+            <a:off x="9172755" y="541450"/>
+            <a:ext cx="2691664" cy="1774938"/>
+          </a:xfrm>
+          <a:prstGeom prst="rect">
+            <a:avLst/>
+          </a:prstGeom>
+          <a:noFill/>
+          <a:ln>
+            <a:solidFill>
+              <a:srgbClr val="FF0000"/>
+            </a:solidFill>
+          </a:ln>
+          <a:extLst>
+            <a:ext uri="{909E8E84-426E-40DD-AFC4-6F175D3DCCD1}">
+              <a14:hiddenFill xmlns:a14="http://schemas.microsoft.com/office/drawing/2010/main">
+                <a:solidFill>
+                  <a:srgbClr val="FFFFFF"/>
+                </a:solidFill>
+              </a14:hiddenFill>
+            </a:ext>
+          </a:extLst>
+        </p:spPr>
+      </p:pic>
+      <p:pic>
+        <p:nvPicPr>
+          <p:cNvPr id="1028" name="Picture 4" descr="Green waxy buildup inside copper pipe ...">
+            <a:extLst>
+              <a:ext uri="{FF2B5EF4-FFF2-40B4-BE49-F238E27FC236}">
+                <a16:creationId xmlns:a16="http://schemas.microsoft.com/office/drawing/2014/main" id="{1F524F47-8AD5-71E9-4E35-30717F883D75}"/>
+              </a:ext>
+            </a:extLst>
+          </p:cNvPr>
+          <p:cNvPicPr>
+            <a:picLocks noChangeAspect="1" noChangeArrowheads="1"/>
+          </p:cNvPicPr>
+          <p:nvPr/>
+        </p:nvPicPr>
+        <p:blipFill rotWithShape="1">
+          <a:blip r:embed="rId4" cstate="email">
+            <a:extLst>
+              <a:ext uri="{28A0092B-C50C-407E-A947-70E740481C1C}">
+                <a14:useLocalDpi xmlns:a14="http://schemas.microsoft.com/office/drawing/2010/main"/>
+              </a:ext>
+            </a:extLst>
+          </a:blip>
+          <a:srcRect/>
+          <a:stretch/>
+        </p:blipFill>
+        <p:spPr bwMode="auto">
+          <a:xfrm>
+            <a:off x="7473620" y="2439434"/>
+            <a:ext cx="1596929" cy="1514061"/>
+          </a:xfrm>
+          <a:prstGeom prst="rect">
+            <a:avLst/>
+          </a:prstGeom>
+          <a:noFill/>
+          <a:ln>
+            <a:solidFill>
+              <a:srgbClr val="FF0000"/>
+            </a:solidFill>
+          </a:ln>
+          <a:extLst>
+            <a:ext uri="{909E8E84-426E-40DD-AFC4-6F175D3DCCD1}">
+              <a14:hiddenFill xmlns:a14="http://schemas.microsoft.com/office/drawing/2010/main">
+                <a:solidFill>
+                  <a:srgbClr val="FFFFFF"/>
+                </a:solidFill>
+              </a14:hiddenFill>
+            </a:ext>
+          </a:extLst>
+        </p:spPr>
+      </p:pic>
+      <p:pic>
+        <p:nvPicPr>
+          <p:cNvPr id="1030" name="Picture 6" descr="Blue-Green Staining: What's The Problem?">
+            <a:extLst>
+              <a:ext uri="{FF2B5EF4-FFF2-40B4-BE49-F238E27FC236}">
+                <a16:creationId xmlns:a16="http://schemas.microsoft.com/office/drawing/2014/main" id="{696F3A98-9A26-18C5-EDDE-DC45EF490D4C}"/>
+              </a:ext>
+            </a:extLst>
+          </p:cNvPr>
+          <p:cNvPicPr>
+            <a:picLocks noChangeAspect="1" noChangeArrowheads="1"/>
+          </p:cNvPicPr>
+          <p:nvPr/>
+        </p:nvPicPr>
+        <p:blipFill>
+          <a:blip r:embed="rId5" cstate="email">
+            <a:extLst>
+              <a:ext uri="{28A0092B-C50C-407E-A947-70E740481C1C}">
+                <a14:useLocalDpi xmlns:a14="http://schemas.microsoft.com/office/drawing/2010/main"/>
+              </a:ext>
+            </a:extLst>
+          </a:blip>
+          <a:srcRect/>
+          <a:stretch>
+            <a:fillRect/>
+          </a:stretch>
+        </p:blipFill>
+        <p:spPr bwMode="auto">
+          <a:xfrm>
+            <a:off x="9172755" y="2439434"/>
+            <a:ext cx="2691664" cy="1514061"/>
+          </a:xfrm>
+          <a:prstGeom prst="rect">
+            <a:avLst/>
+          </a:prstGeom>
+          <a:noFill/>
+          <a:ln>
+            <a:solidFill>
+              <a:srgbClr val="FF0000"/>
+            </a:solidFill>
+          </a:ln>
+          <a:extLst>
+            <a:ext uri="{909E8E84-426E-40DD-AFC4-6F175D3DCCD1}">
+              <a14:hiddenFill xmlns:a14="http://schemas.microsoft.com/office/drawing/2010/main">
+                <a:solidFill>
+                  <a:srgbClr val="FFFFFF"/>
+                </a:solidFill>
+              </a14:hiddenFill>
+            </a:ext>
+          </a:extLst>
+        </p:spPr>
+      </p:pic>
+      <p:sp>
+        <p:nvSpPr>
+          <p:cNvPr id="3" name="TextBox 2">
+            <a:extLst>
+              <a:ext uri="{FF2B5EF4-FFF2-40B4-BE49-F238E27FC236}">
+                <a16:creationId xmlns:a16="http://schemas.microsoft.com/office/drawing/2014/main" id="{49143093-1EDB-2BA0-1206-B9A9AF760CE8}"/>
+              </a:ext>
+            </a:extLst>
+          </p:cNvPr>
+          <p:cNvSpPr txBox="1"/>
+          <p:nvPr/>
+        </p:nvSpPr>
+        <p:spPr>
+          <a:xfrm>
+            <a:off x="6757840" y="807071"/>
+            <a:ext cx="2312709" cy="1384995"/>
+          </a:xfrm>
+          <a:prstGeom prst="rect">
+            <a:avLst/>
+          </a:prstGeom>
+          <a:solidFill>
+            <a:schemeClr val="accent4">
+              <a:lumMod val="20000"/>
+              <a:lumOff val="80000"/>
+            </a:schemeClr>
+          </a:solidFill>
+          <a:ln>
+            <a:solidFill>
+              <a:srgbClr val="FF0000"/>
+            </a:solidFill>
+          </a:ln>
+        </p:spPr>
+        <p:txBody>
+          <a:bodyPr wrap="square" rtlCol="0">
+            <a:spAutoFit/>
+          </a:bodyPr>
+          <a:lstStyle/>
+          <a:p>
+            <a:pPr>
+              <a:buNone/>
+            </a:pPr>
+            <a:r>
+              <a:rPr lang="en-US" sz="1200" dirty="0">
+                <a:latin typeface="Calibri" panose="020F0502020204030204" pitchFamily="34" charset="0"/>
+                <a:cs typeface="Calibri" panose="020F0502020204030204" pitchFamily="34" charset="0"/>
+              </a:rPr>
+              <a:t>products of copper oxidation :</a:t>
+            </a:r>
+          </a:p>
+          <a:p>
+            <a:pPr>
+              <a:buNone/>
+            </a:pPr>
+            <a:r>
+              <a:rPr lang="en-US" sz="1200" dirty="0">
+                <a:latin typeface="Calibri" panose="020F0502020204030204" pitchFamily="34" charset="0"/>
+                <a:cs typeface="Calibri" panose="020F0502020204030204" pitchFamily="34" charset="0"/>
+              </a:rPr>
+              <a:t> - </a:t>
+            </a:r>
+            <a:r>
+              <a:rPr lang="en-US" sz="1200" b="1" dirty="0">
+                <a:solidFill>
+                  <a:srgbClr val="FF0000"/>
+                </a:solidFill>
+                <a:latin typeface="Calibri" panose="020F0502020204030204" pitchFamily="34" charset="0"/>
+                <a:cs typeface="Calibri" panose="020F0502020204030204" pitchFamily="34" charset="0"/>
+              </a:rPr>
+              <a:t>Malachite</a:t>
+            </a:r>
+            <a:r>
+              <a:rPr lang="en-US" sz="1200" dirty="0">
+                <a:latin typeface="Calibri" panose="020F0502020204030204" pitchFamily="34" charset="0"/>
+                <a:cs typeface="Calibri" panose="020F0502020204030204" pitchFamily="34" charset="0"/>
+              </a:rPr>
+              <a:t> (dark green to blue)</a:t>
+            </a:r>
+          </a:p>
+          <a:p>
+            <a:pPr>
+              <a:buNone/>
+            </a:pPr>
+            <a:r>
+              <a:rPr lang="en-US" sz="1200" dirty="0">
+                <a:latin typeface="Calibri" panose="020F0502020204030204" pitchFamily="34" charset="0"/>
+                <a:cs typeface="Calibri" panose="020F0502020204030204" pitchFamily="34" charset="0"/>
+              </a:rPr>
+              <a:t> - </a:t>
+            </a:r>
+            <a:r>
+              <a:rPr lang="en-US" sz="1200" b="1" dirty="0">
+                <a:solidFill>
+                  <a:srgbClr val="FF0000"/>
+                </a:solidFill>
+                <a:latin typeface="Calibri" panose="020F0502020204030204" pitchFamily="34" charset="0"/>
+                <a:cs typeface="Calibri" panose="020F0502020204030204" pitchFamily="34" charset="0"/>
+              </a:rPr>
+              <a:t>Azurite</a:t>
+            </a:r>
+            <a:r>
+              <a:rPr lang="en-US" sz="1200" dirty="0">
+                <a:latin typeface="Calibri" panose="020F0502020204030204" pitchFamily="34" charset="0"/>
+                <a:cs typeface="Calibri" panose="020F0502020204030204" pitchFamily="34" charset="0"/>
+              </a:rPr>
+              <a:t> (blue to purple)</a:t>
+            </a:r>
+          </a:p>
+          <a:p>
+            <a:pPr>
+              <a:buNone/>
+            </a:pPr>
+            <a:endParaRPr lang="en-US" sz="1200" dirty="0">
+              <a:latin typeface="Calibri" panose="020F0502020204030204" pitchFamily="34" charset="0"/>
+              <a:cs typeface="Calibri" panose="020F0502020204030204" pitchFamily="34" charset="0"/>
+            </a:endParaRPr>
+          </a:p>
+          <a:p>
+            <a:pPr>
+              <a:buNone/>
+            </a:pPr>
+            <a:r>
+              <a:rPr lang="en-US" sz="1200" dirty="0">
+                <a:latin typeface="Calibri" panose="020F0502020204030204" pitchFamily="34" charset="0"/>
+                <a:cs typeface="Calibri" panose="020F0502020204030204" pitchFamily="34" charset="0"/>
+              </a:rPr>
+              <a:t>Copper oxide or carbonate, formed through prolonged exposure to moisture and air.</a:t>
+            </a:r>
+          </a:p>
+        </p:txBody>
+      </p:sp>
+      <p:pic>
+        <p:nvPicPr>
+          <p:cNvPr id="4" name="Picture 3">
+            <a:extLst>
+              <a:ext uri="{FF2B5EF4-FFF2-40B4-BE49-F238E27FC236}">
+                <a16:creationId xmlns:a16="http://schemas.microsoft.com/office/drawing/2014/main" id="{929CD0E0-B63F-135F-1978-1E811F839673}"/>
+              </a:ext>
+            </a:extLst>
+          </p:cNvPr>
+          <p:cNvPicPr>
+            <a:picLocks noChangeAspect="1"/>
+          </p:cNvPicPr>
+          <p:nvPr/>
+        </p:nvPicPr>
+        <p:blipFill>
+          <a:blip r:embed="rId6" cstate="email">
+            <a:extLst>
+              <a:ext uri="{28A0092B-C50C-407E-A947-70E740481C1C}">
+                <a14:useLocalDpi xmlns:a14="http://schemas.microsoft.com/office/drawing/2010/main"/>
+              </a:ext>
+            </a:extLst>
+          </a:blip>
+          <a:stretch>
+            <a:fillRect/>
+          </a:stretch>
+        </p:blipFill>
+        <p:spPr>
+          <a:xfrm>
+            <a:off x="6236679" y="4836019"/>
+            <a:ext cx="1596930" cy="1752728"/>
+          </a:xfrm>
+          <a:prstGeom prst="rect">
+            <a:avLst/>
+          </a:prstGeom>
+          <a:ln>
+            <a:solidFill>
+              <a:srgbClr val="FF0000"/>
+            </a:solidFill>
+          </a:ln>
+        </p:spPr>
+      </p:pic>
+      <p:sp>
+        <p:nvSpPr>
+          <p:cNvPr id="5" name="TextBox 4">
+            <a:extLst>
+              <a:ext uri="{FF2B5EF4-FFF2-40B4-BE49-F238E27FC236}">
+                <a16:creationId xmlns:a16="http://schemas.microsoft.com/office/drawing/2014/main" id="{758F8CB6-AF8F-CDA7-BFD9-A90655E96904}"/>
+              </a:ext>
+            </a:extLst>
+          </p:cNvPr>
+          <p:cNvSpPr txBox="1"/>
+          <p:nvPr/>
+        </p:nvSpPr>
+        <p:spPr>
+          <a:xfrm>
+            <a:off x="7914194" y="5237706"/>
+            <a:ext cx="3017756" cy="830997"/>
+          </a:xfrm>
+          <a:prstGeom prst="rect">
+            <a:avLst/>
+          </a:prstGeom>
+          <a:solidFill>
+            <a:schemeClr val="accent4">
+              <a:lumMod val="20000"/>
+              <a:lumOff val="80000"/>
+            </a:schemeClr>
+          </a:solidFill>
+          <a:ln>
+            <a:solidFill>
+              <a:srgbClr val="FF0000"/>
+            </a:solidFill>
+          </a:ln>
+        </p:spPr>
+        <p:txBody>
+          <a:bodyPr wrap="square" rtlCol="0">
+            <a:spAutoFit/>
+          </a:bodyPr>
+          <a:lstStyle/>
+          <a:p>
+            <a:pPr>
+              <a:buNone/>
+            </a:pPr>
+            <a:r>
+              <a:rPr lang="en-US" sz="1200" dirty="0">
+                <a:latin typeface="Calibri" panose="020F0502020204030204" pitchFamily="34" charset="0"/>
+                <a:cs typeface="Calibri" panose="020F0502020204030204" pitchFamily="34" charset="0"/>
+              </a:rPr>
+              <a:t>pH measurement:</a:t>
+            </a:r>
+          </a:p>
+          <a:p>
+            <a:pPr>
+              <a:buNone/>
+            </a:pPr>
+            <a:r>
+              <a:rPr lang="en-US" sz="1200" dirty="0">
+                <a:latin typeface="Calibri" panose="020F0502020204030204" pitchFamily="34" charset="0"/>
+                <a:cs typeface="Calibri" panose="020F0502020204030204" pitchFamily="34" charset="0"/>
+                <a:hlinkClick r:id="rId7"/>
+              </a:rPr>
+              <a:t>https://</a:t>
+            </a:r>
+            <a:r>
+              <a:rPr lang="en-US" sz="1200" dirty="0" err="1">
+                <a:latin typeface="Calibri" panose="020F0502020204030204" pitchFamily="34" charset="0"/>
+                <a:cs typeface="Calibri" panose="020F0502020204030204" pitchFamily="34" charset="0"/>
+                <a:hlinkClick r:id="rId7"/>
+              </a:rPr>
+              <a:t>www.amazon.com</a:t>
+            </a:r>
+            <a:r>
+              <a:rPr lang="en-US" sz="1200" dirty="0">
+                <a:latin typeface="Calibri" panose="020F0502020204030204" pitchFamily="34" charset="0"/>
+                <a:cs typeface="Calibri" panose="020F0502020204030204" pitchFamily="34" charset="0"/>
+                <a:hlinkClick r:id="rId7"/>
+              </a:rPr>
+              <a:t>/</a:t>
+            </a:r>
+            <a:r>
+              <a:rPr lang="en-US" sz="1200" dirty="0" err="1">
+                <a:latin typeface="Calibri" panose="020F0502020204030204" pitchFamily="34" charset="0"/>
+                <a:cs typeface="Calibri" panose="020F0502020204030204" pitchFamily="34" charset="0"/>
+                <a:hlinkClick r:id="rId7"/>
+              </a:rPr>
+              <a:t>dp</a:t>
+            </a:r>
+            <a:r>
+              <a:rPr lang="en-US" sz="1200" dirty="0">
+                <a:latin typeface="Calibri" panose="020F0502020204030204" pitchFamily="34" charset="0"/>
+                <a:cs typeface="Calibri" panose="020F0502020204030204" pitchFamily="34" charset="0"/>
+                <a:hlinkClick r:id="rId7"/>
+              </a:rPr>
+              <a:t>/B077Z6LF91</a:t>
+            </a:r>
+            <a:endParaRPr lang="en-US" sz="1200" dirty="0">
+              <a:latin typeface="Calibri" panose="020F0502020204030204" pitchFamily="34" charset="0"/>
+              <a:cs typeface="Calibri" panose="020F0502020204030204" pitchFamily="34" charset="0"/>
+            </a:endParaRPr>
+          </a:p>
+          <a:p>
+            <a:r>
+              <a:rPr lang="en-US" sz="1200" b="0" i="0" dirty="0">
+                <a:solidFill>
+                  <a:srgbClr val="0F1111"/>
+                </a:solidFill>
+                <a:effectLst/>
+                <a:latin typeface="Amazon Ember"/>
+              </a:rPr>
+              <a:t>APERA INSTRUMENTS AI209-T Value Series PH20 pH Tester Combo Kit</a:t>
             </a:r>
           </a:p>
         </p:txBody>
